--- a/Pokemon - Visualizzazione Scientifica.pptx
+++ b/Pokemon - Visualizzazione Scientifica.pptx
@@ -1,49 +1,53 @@
 
 <file path=ppt/presentation.xml><?xml version="1.0" encoding="utf-8"?>
-<p:presentation xmlns:a="http://schemas.openxmlformats.org/drawingml/2006/main" xmlns:r="http://schemas.openxmlformats.org/officeDocument/2006/relationships" xmlns:mc="http://schemas.openxmlformats.org/markup-compatibility/2006" xmlns:mv="urn:schemas-microsoft-com:mac:vml" xmlns:p="http://schemas.openxmlformats.org/presentationml/2006/main" xmlns:c="http://schemas.openxmlformats.org/drawingml/2006/chart" xmlns:dgm="http://schemas.openxmlformats.org/drawingml/2006/diagram" xmlns:o="urn:schemas-microsoft-com:office:office" xmlns:v="urn:schemas-microsoft-com:vml" xmlns:pvml="urn:schemas-microsoft-com:office:powerpoint" xmlns:com="http://schemas.openxmlformats.org/drawingml/2006/compatibility" xmlns:p14="http://schemas.microsoft.com/office/powerpoint/2010/main" xmlns:p15="http://schemas.microsoft.com/office/powerpoint/2012/main" xmlns:ahyp="http://schemas.microsoft.com/office/drawing/2018/hyperlinkcolor" autoCompressPictures="0" embedTrueTypeFonts="1" strictFirstAndLastChars="0" saveSubsetFonts="1">
+<p:presentation xmlns:a="http://schemas.openxmlformats.org/drawingml/2006/main" xmlns:r="http://schemas.openxmlformats.org/officeDocument/2006/relationships" xmlns:p="http://schemas.openxmlformats.org/presentationml/2006/main" strictFirstAndLastChars="0" embedTrueTypeFonts="1" saveSubsetFonts="1" autoCompressPictures="0">
   <p:sldMasterIdLst>
-    <p:sldMasterId id="2147483659" r:id="rId4"/>
+    <p:sldMasterId id="2147483659" r:id="rId1"/>
   </p:sldMasterIdLst>
   <p:notesMasterIdLst>
-    <p:notesMasterId r:id="rId5"/>
+    <p:notesMasterId r:id="rId23"/>
   </p:notesMasterIdLst>
   <p:sldIdLst>
-    <p:sldId id="256" r:id="rId6"/>
-    <p:sldId id="257" r:id="rId7"/>
-    <p:sldId id="258" r:id="rId8"/>
-    <p:sldId id="259" r:id="rId9"/>
-    <p:sldId id="260" r:id="rId10"/>
-    <p:sldId id="261" r:id="rId11"/>
-    <p:sldId id="262" r:id="rId12"/>
-    <p:sldId id="263" r:id="rId13"/>
-    <p:sldId id="264" r:id="rId14"/>
-    <p:sldId id="265" r:id="rId15"/>
-    <p:sldId id="266" r:id="rId16"/>
-    <p:sldId id="267" r:id="rId17"/>
-    <p:sldId id="268" r:id="rId18"/>
-    <p:sldId id="269" r:id="rId19"/>
-    <p:sldId id="270" r:id="rId20"/>
-    <p:sldId id="271" r:id="rId21"/>
-    <p:sldId id="272" r:id="rId22"/>
+    <p:sldId id="256" r:id="rId2"/>
+    <p:sldId id="257" r:id="rId3"/>
+    <p:sldId id="258" r:id="rId4"/>
+    <p:sldId id="259" r:id="rId5"/>
+    <p:sldId id="260" r:id="rId6"/>
+    <p:sldId id="261" r:id="rId7"/>
+    <p:sldId id="262" r:id="rId8"/>
+    <p:sldId id="263" r:id="rId9"/>
+    <p:sldId id="264" r:id="rId10"/>
+    <p:sldId id="265" r:id="rId11"/>
+    <p:sldId id="266" r:id="rId12"/>
+    <p:sldId id="267" r:id="rId13"/>
+    <p:sldId id="268" r:id="rId14"/>
+    <p:sldId id="269" r:id="rId15"/>
+    <p:sldId id="270" r:id="rId16"/>
+    <p:sldId id="271" r:id="rId17"/>
+    <p:sldId id="272" r:id="rId18"/>
+    <p:sldId id="273" r:id="rId19"/>
+    <p:sldId id="274" r:id="rId20"/>
+    <p:sldId id="275" r:id="rId21"/>
+    <p:sldId id="276" r:id="rId22"/>
   </p:sldIdLst>
-  <p:sldSz cy="5143500" cx="9144000"/>
+  <p:sldSz cx="9144000" cy="5143500" type="screen16x9"/>
   <p:notesSz cx="6858000" cy="9144000"/>
   <p:embeddedFontLst>
     <p:embeddedFont>
-      <p:font typeface="Roboto"/>
-      <p:regular r:id="rId23"/>
-      <p:bold r:id="rId24"/>
-      <p:italic r:id="rId25"/>
-      <p:boldItalic r:id="rId26"/>
+      <p:font typeface="Oswald" panose="00000500000000000000" pitchFamily="2" charset="0"/>
+      <p:regular r:id="rId24"/>
+      <p:bold r:id="rId25"/>
     </p:embeddedFont>
     <p:embeddedFont>
-      <p:font typeface="Oswald"/>
-      <p:regular r:id="rId27"/>
-      <p:bold r:id="rId28"/>
+      <p:font typeface="Roboto" panose="02000000000000000000" pitchFamily="2" charset="0"/>
+      <p:regular r:id="rId26"/>
+      <p:bold r:id="rId27"/>
+      <p:italic r:id="rId28"/>
+      <p:boldItalic r:id="rId29"/>
     </p:embeddedFont>
   </p:embeddedFontLst>
   <p:defaultTextStyle>
-    <a:defPPr lvl="0" marR="0" rtl="0" algn="l">
+    <a:defPPr marR="0" lvl="0" algn="l" rtl="0">
       <a:lnSpc>
         <a:spcPct val="100000"/>
       </a:lnSpc>
@@ -54,7 +58,7 @@
         <a:spcPts val="0"/>
       </a:spcAft>
     </a:defPPr>
-    <a:lvl1pPr lvl="0" marR="0" rtl="0" algn="l">
+    <a:lvl1pPr marR="0" lvl="0" algn="l" rtl="0">
       <a:lnSpc>
         <a:spcPct val="100000"/>
       </a:lnSpc>
@@ -68,7 +72,7 @@
         <a:srgbClr val="000000"/>
       </a:buClr>
       <a:buFont typeface="Arial"/>
-      <a:defRPr b="0" i="0" sz="1400" u="none" cap="none" strike="noStrike">
+      <a:defRPr sz="1400" b="0" i="0" u="none" strike="noStrike" cap="none">
         <a:solidFill>
           <a:srgbClr val="000000"/>
         </a:solidFill>
@@ -78,7 +82,7 @@
         <a:sym typeface="Arial"/>
       </a:defRPr>
     </a:lvl1pPr>
-    <a:lvl2pPr lvl="1" marR="0" rtl="0" algn="l">
+    <a:lvl2pPr marR="0" lvl="1" algn="l" rtl="0">
       <a:lnSpc>
         <a:spcPct val="100000"/>
       </a:lnSpc>
@@ -92,7 +96,7 @@
         <a:srgbClr val="000000"/>
       </a:buClr>
       <a:buFont typeface="Arial"/>
-      <a:defRPr b="0" i="0" sz="1400" u="none" cap="none" strike="noStrike">
+      <a:defRPr sz="1400" b="0" i="0" u="none" strike="noStrike" cap="none">
         <a:solidFill>
           <a:srgbClr val="000000"/>
         </a:solidFill>
@@ -102,7 +106,7 @@
         <a:sym typeface="Arial"/>
       </a:defRPr>
     </a:lvl2pPr>
-    <a:lvl3pPr lvl="2" marR="0" rtl="0" algn="l">
+    <a:lvl3pPr marR="0" lvl="2" algn="l" rtl="0">
       <a:lnSpc>
         <a:spcPct val="100000"/>
       </a:lnSpc>
@@ -116,7 +120,7 @@
         <a:srgbClr val="000000"/>
       </a:buClr>
       <a:buFont typeface="Arial"/>
-      <a:defRPr b="0" i="0" sz="1400" u="none" cap="none" strike="noStrike">
+      <a:defRPr sz="1400" b="0" i="0" u="none" strike="noStrike" cap="none">
         <a:solidFill>
           <a:srgbClr val="000000"/>
         </a:solidFill>
@@ -126,7 +130,7 @@
         <a:sym typeface="Arial"/>
       </a:defRPr>
     </a:lvl3pPr>
-    <a:lvl4pPr lvl="3" marR="0" rtl="0" algn="l">
+    <a:lvl4pPr marR="0" lvl="3" algn="l" rtl="0">
       <a:lnSpc>
         <a:spcPct val="100000"/>
       </a:lnSpc>
@@ -140,7 +144,7 @@
         <a:srgbClr val="000000"/>
       </a:buClr>
       <a:buFont typeface="Arial"/>
-      <a:defRPr b="0" i="0" sz="1400" u="none" cap="none" strike="noStrike">
+      <a:defRPr sz="1400" b="0" i="0" u="none" strike="noStrike" cap="none">
         <a:solidFill>
           <a:srgbClr val="000000"/>
         </a:solidFill>
@@ -150,7 +154,7 @@
         <a:sym typeface="Arial"/>
       </a:defRPr>
     </a:lvl4pPr>
-    <a:lvl5pPr lvl="4" marR="0" rtl="0" algn="l">
+    <a:lvl5pPr marR="0" lvl="4" algn="l" rtl="0">
       <a:lnSpc>
         <a:spcPct val="100000"/>
       </a:lnSpc>
@@ -164,7 +168,7 @@
         <a:srgbClr val="000000"/>
       </a:buClr>
       <a:buFont typeface="Arial"/>
-      <a:defRPr b="0" i="0" sz="1400" u="none" cap="none" strike="noStrike">
+      <a:defRPr sz="1400" b="0" i="0" u="none" strike="noStrike" cap="none">
         <a:solidFill>
           <a:srgbClr val="000000"/>
         </a:solidFill>
@@ -174,7 +178,7 @@
         <a:sym typeface="Arial"/>
       </a:defRPr>
     </a:lvl5pPr>
-    <a:lvl6pPr lvl="5" marR="0" rtl="0" algn="l">
+    <a:lvl6pPr marR="0" lvl="5" algn="l" rtl="0">
       <a:lnSpc>
         <a:spcPct val="100000"/>
       </a:lnSpc>
@@ -188,7 +192,7 @@
         <a:srgbClr val="000000"/>
       </a:buClr>
       <a:buFont typeface="Arial"/>
-      <a:defRPr b="0" i="0" sz="1400" u="none" cap="none" strike="noStrike">
+      <a:defRPr sz="1400" b="0" i="0" u="none" strike="noStrike" cap="none">
         <a:solidFill>
           <a:srgbClr val="000000"/>
         </a:solidFill>
@@ -198,7 +202,7 @@
         <a:sym typeface="Arial"/>
       </a:defRPr>
     </a:lvl6pPr>
-    <a:lvl7pPr lvl="6" marR="0" rtl="0" algn="l">
+    <a:lvl7pPr marR="0" lvl="6" algn="l" rtl="0">
       <a:lnSpc>
         <a:spcPct val="100000"/>
       </a:lnSpc>
@@ -212,7 +216,7 @@
         <a:srgbClr val="000000"/>
       </a:buClr>
       <a:buFont typeface="Arial"/>
-      <a:defRPr b="0" i="0" sz="1400" u="none" cap="none" strike="noStrike">
+      <a:defRPr sz="1400" b="0" i="0" u="none" strike="noStrike" cap="none">
         <a:solidFill>
           <a:srgbClr val="000000"/>
         </a:solidFill>
@@ -222,7 +226,7 @@
         <a:sym typeface="Arial"/>
       </a:defRPr>
     </a:lvl7pPr>
-    <a:lvl8pPr lvl="7" marR="0" rtl="0" algn="l">
+    <a:lvl8pPr marR="0" lvl="7" algn="l" rtl="0">
       <a:lnSpc>
         <a:spcPct val="100000"/>
       </a:lnSpc>
@@ -236,7 +240,7 @@
         <a:srgbClr val="000000"/>
       </a:buClr>
       <a:buFont typeface="Arial"/>
-      <a:defRPr b="0" i="0" sz="1400" u="none" cap="none" strike="noStrike">
+      <a:defRPr sz="1400" b="0" i="0" u="none" strike="noStrike" cap="none">
         <a:solidFill>
           <a:srgbClr val="000000"/>
         </a:solidFill>
@@ -246,7 +250,7 @@
         <a:sym typeface="Arial"/>
       </a:defRPr>
     </a:lvl8pPr>
-    <a:lvl9pPr lvl="8" marR="0" rtl="0" algn="l">
+    <a:lvl9pPr marR="0" lvl="8" algn="l" rtl="0">
       <a:lnSpc>
         <a:spcPct val="100000"/>
       </a:lnSpc>
@@ -260,7 +264,7 @@
         <a:srgbClr val="000000"/>
       </a:buClr>
       <a:buFont typeface="Arial"/>
-      <a:defRPr b="0" i="0" sz="1400" u="none" cap="none" strike="noStrike">
+      <a:defRPr sz="1400" b="0" i="0" u="none" strike="noStrike" cap="none">
         <a:solidFill>
           <a:srgbClr val="000000"/>
         </a:solidFill>
@@ -273,7 +277,7 @@
   </p:defaultTextStyle>
   <p:extLst>
     <p:ext uri="{EFAFB233-063F-42B5-8137-9DF3F51BA10A}">
-      <p15:sldGuideLst>
+      <p15:sldGuideLst xmlns:p15="http://schemas.microsoft.com/office/powerpoint/2012/main">
         <p15:guide id="1" orient="horz" pos="1620">
           <p15:clr>
             <a:srgbClr val="A4A3A4"/>
@@ -291,11 +295,16 @@
 </file>
 
 <file path=ppt/notesMasters/notesMaster1.xml><?xml version="1.0" encoding="utf-8"?>
-<p:notesMaster xmlns:a="http://schemas.openxmlformats.org/drawingml/2006/main" xmlns:r="http://schemas.openxmlformats.org/officeDocument/2006/relationships" xmlns:mc="http://schemas.openxmlformats.org/markup-compatibility/2006" xmlns:mv="urn:schemas-microsoft-com:mac:vml" xmlns:p="http://schemas.openxmlformats.org/presentationml/2006/main" xmlns:c="http://schemas.openxmlformats.org/drawingml/2006/chart" xmlns:dgm="http://schemas.openxmlformats.org/drawingml/2006/diagram" xmlns:o="urn:schemas-microsoft-com:office:office" xmlns:v="urn:schemas-microsoft-com:vml" xmlns:pvml="urn:schemas-microsoft-com:office:powerpoint" xmlns:com="http://schemas.openxmlformats.org/drawingml/2006/compatibility" xmlns:p14="http://schemas.microsoft.com/office/powerpoint/2010/main" xmlns:p15="http://schemas.microsoft.com/office/powerpoint/2012/main" xmlns:ahyp="http://schemas.microsoft.com/office/drawing/2018/hyperlinkcolor">
+<p:notesMaster xmlns:a="http://schemas.openxmlformats.org/drawingml/2006/main" xmlns:r="http://schemas.openxmlformats.org/officeDocument/2006/relationships" xmlns:p="http://schemas.openxmlformats.org/presentationml/2006/main">
   <p:cSld>
+    <p:bg>
+      <p:bgRef idx="1001">
+        <a:schemeClr val="bg1"/>
+      </p:bgRef>
+    </p:bg>
     <p:spTree>
       <p:nvGrpSpPr>
-        <p:cNvPr id="2" name="Shape 2"/>
+        <p:cNvPr id="1" name="Shape 2"/>
         <p:cNvGrpSpPr/>
         <p:nvPr/>
       </p:nvGrpSpPr>
@@ -310,9 +319,11 @@
       <p:sp>
         <p:nvSpPr>
           <p:cNvPr id="3" name="Google Shape;3;n"/>
-          <p:cNvSpPr/>
+          <p:cNvSpPr>
+            <a:spLocks noGrp="1" noRot="1" noChangeAspect="1"/>
+          </p:cNvSpPr>
           <p:nvPr>
-            <p:ph idx="2" type="sldImg"/>
+            <p:ph type="sldImg" idx="2"/>
           </p:nvPr>
         </p:nvSpPr>
         <p:spPr>
@@ -321,9 +332,13 @@
             <a:ext cx="6096075" cy="3429000"/>
           </a:xfrm>
           <a:custGeom>
-            <a:rect b="b" l="l" r="r" t="t"/>
+            <a:avLst/>
+            <a:gdLst/>
+            <a:ahLst/>
+            <a:cxnLst/>
+            <a:rect l="l" t="t" r="r" b="b"/>
             <a:pathLst>
-              <a:path extrusionOk="0" h="120000" w="120000">
+              <a:path w="120000" h="120000" extrusionOk="0">
                 <a:moveTo>
                   <a:pt x="0" y="0"/>
                 </a:moveTo>
@@ -341,23 +356,25 @@
             </a:pathLst>
           </a:custGeom>
           <a:noFill/>
-          <a:ln cap="flat" cmpd="sng" w="9525">
+          <a:ln w="9525" cap="flat" cmpd="sng">
             <a:solidFill>
               <a:srgbClr val="000000"/>
             </a:solidFill>
             <a:prstDash val="solid"/>
             <a:round/>
-            <a:headEnd len="sm" w="sm" type="none"/>
-            <a:tailEnd len="sm" w="sm" type="none"/>
+            <a:headEnd type="none" w="sm" len="sm"/>
+            <a:tailEnd type="none" w="sm" len="sm"/>
           </a:ln>
         </p:spPr>
       </p:sp>
       <p:sp>
         <p:nvSpPr>
           <p:cNvPr id="4" name="Google Shape;4;n"/>
-          <p:cNvSpPr txBox="1"/>
+          <p:cNvSpPr txBox="1">
+            <a:spLocks noGrp="1"/>
+          </p:cNvSpPr>
           <p:nvPr>
-            <p:ph idx="1" type="body"/>
+            <p:ph type="body" idx="1"/>
           </p:nvPr>
         </p:nvSpPr>
         <p:spPr>
@@ -374,11 +391,11 @@
           </a:ln>
         </p:spPr>
         <p:txBody>
-          <a:bodyPr anchorCtr="0" anchor="t" bIns="91425" lIns="91425" spcFirstLastPara="1" rIns="91425" wrap="square" tIns="91425">
+          <a:bodyPr spcFirstLastPara="1" wrap="square" lIns="91425" tIns="91425" rIns="91425" bIns="91425" anchor="t" anchorCtr="0">
             <a:noAutofit/>
           </a:bodyPr>
           <a:lstStyle>
-            <a:lvl1pPr indent="-298450" lvl="0" marL="457200">
+            <a:lvl1pPr marL="457200" lvl="0" indent="-298450">
               <a:spcBef>
                 <a:spcPts val="0"/>
               </a:spcBef>
@@ -389,7 +406,7 @@
               <a:buChar char="●"/>
               <a:defRPr sz="1100"/>
             </a:lvl1pPr>
-            <a:lvl2pPr indent="-298450" lvl="1" marL="914400">
+            <a:lvl2pPr marL="914400" lvl="1" indent="-298450">
               <a:spcBef>
                 <a:spcPts val="0"/>
               </a:spcBef>
@@ -400,7 +417,7 @@
               <a:buChar char="○"/>
               <a:defRPr sz="1100"/>
             </a:lvl2pPr>
-            <a:lvl3pPr indent="-298450" lvl="2" marL="1371600">
+            <a:lvl3pPr marL="1371600" lvl="2" indent="-298450">
               <a:spcBef>
                 <a:spcPts val="0"/>
               </a:spcBef>
@@ -411,7 +428,7 @@
               <a:buChar char="■"/>
               <a:defRPr sz="1100"/>
             </a:lvl3pPr>
-            <a:lvl4pPr indent="-298450" lvl="3" marL="1828800">
+            <a:lvl4pPr marL="1828800" lvl="3" indent="-298450">
               <a:spcBef>
                 <a:spcPts val="0"/>
               </a:spcBef>
@@ -422,7 +439,7 @@
               <a:buChar char="●"/>
               <a:defRPr sz="1100"/>
             </a:lvl4pPr>
-            <a:lvl5pPr indent="-298450" lvl="4" marL="2286000">
+            <a:lvl5pPr marL="2286000" lvl="4" indent="-298450">
               <a:spcBef>
                 <a:spcPts val="0"/>
               </a:spcBef>
@@ -433,7 +450,7 @@
               <a:buChar char="○"/>
               <a:defRPr sz="1100"/>
             </a:lvl5pPr>
-            <a:lvl6pPr indent="-298450" lvl="5" marL="2743200">
+            <a:lvl6pPr marL="2743200" lvl="5" indent="-298450">
               <a:spcBef>
                 <a:spcPts val="0"/>
               </a:spcBef>
@@ -444,7 +461,7 @@
               <a:buChar char="■"/>
               <a:defRPr sz="1100"/>
             </a:lvl6pPr>
-            <a:lvl7pPr indent="-298450" lvl="6" marL="3200400">
+            <a:lvl7pPr marL="3200400" lvl="6" indent="-298450">
               <a:spcBef>
                 <a:spcPts val="0"/>
               </a:spcBef>
@@ -455,7 +472,7 @@
               <a:buChar char="●"/>
               <a:defRPr sz="1100"/>
             </a:lvl7pPr>
-            <a:lvl8pPr indent="-298450" lvl="7" marL="3657600">
+            <a:lvl8pPr marL="3657600" lvl="7" indent="-298450">
               <a:spcBef>
                 <a:spcPts val="0"/>
               </a:spcBef>
@@ -466,7 +483,7 @@
               <a:buChar char="○"/>
               <a:defRPr sz="1100"/>
             </a:lvl8pPr>
-            <a:lvl9pPr indent="-298450" lvl="8" marL="4114800">
+            <a:lvl9pPr marL="4114800" lvl="8" indent="-298450">
               <a:spcBef>
                 <a:spcPts val="0"/>
               </a:spcBef>
@@ -478,14 +495,16 @@
               <a:defRPr sz="1100"/>
             </a:lvl9pPr>
           </a:lstStyle>
-          <a:p/>
+          <a:p>
+            <a:endParaRPr/>
+          </a:p>
         </p:txBody>
       </p:sp>
     </p:spTree>
   </p:cSld>
-  <p:clrMap accent1="accent1" accent2="accent2" accent3="accent3" accent4="accent4" accent5="accent5" accent6="accent6" bg1="lt1" bg2="dk2" tx1="dk1" tx2="lt2" folHlink="folHlink" hlink="hlink"/>
+  <p:clrMap bg1="lt1" tx1="dk1" bg2="dk2" tx2="lt2" accent1="accent1" accent2="accent2" accent3="accent3" accent4="accent4" accent5="accent5" accent6="accent6" hlink="hlink" folHlink="folHlink"/>
   <p:notesStyle>
-    <a:defPPr lvl="0" marR="0" rtl="0" algn="l">
+    <a:defPPr marR="0" lvl="0" algn="l" rtl="0">
       <a:lnSpc>
         <a:spcPct val="100000"/>
       </a:lnSpc>
@@ -496,7 +515,7 @@
         <a:spcPts val="0"/>
       </a:spcAft>
     </a:defPPr>
-    <a:lvl1pPr lvl="0" marR="0" rtl="0" algn="l">
+    <a:lvl1pPr marR="0" lvl="0" algn="l" rtl="0">
       <a:lnSpc>
         <a:spcPct val="100000"/>
       </a:lnSpc>
@@ -510,7 +529,7 @@
         <a:srgbClr val="000000"/>
       </a:buClr>
       <a:buFont typeface="Arial"/>
-      <a:defRPr b="0" i="0" sz="1400" u="none" cap="none" strike="noStrike">
+      <a:defRPr sz="1400" b="0" i="0" u="none" strike="noStrike" cap="none">
         <a:solidFill>
           <a:srgbClr val="000000"/>
         </a:solidFill>
@@ -520,7 +539,7 @@
         <a:sym typeface="Arial"/>
       </a:defRPr>
     </a:lvl1pPr>
-    <a:lvl2pPr lvl="1" marR="0" rtl="0" algn="l">
+    <a:lvl2pPr marR="0" lvl="1" algn="l" rtl="0">
       <a:lnSpc>
         <a:spcPct val="100000"/>
       </a:lnSpc>
@@ -534,7 +553,7 @@
         <a:srgbClr val="000000"/>
       </a:buClr>
       <a:buFont typeface="Arial"/>
-      <a:defRPr b="0" i="0" sz="1400" u="none" cap="none" strike="noStrike">
+      <a:defRPr sz="1400" b="0" i="0" u="none" strike="noStrike" cap="none">
         <a:solidFill>
           <a:srgbClr val="000000"/>
         </a:solidFill>
@@ -544,7 +563,7 @@
         <a:sym typeface="Arial"/>
       </a:defRPr>
     </a:lvl2pPr>
-    <a:lvl3pPr lvl="2" marR="0" rtl="0" algn="l">
+    <a:lvl3pPr marR="0" lvl="2" algn="l" rtl="0">
       <a:lnSpc>
         <a:spcPct val="100000"/>
       </a:lnSpc>
@@ -558,7 +577,7 @@
         <a:srgbClr val="000000"/>
       </a:buClr>
       <a:buFont typeface="Arial"/>
-      <a:defRPr b="0" i="0" sz="1400" u="none" cap="none" strike="noStrike">
+      <a:defRPr sz="1400" b="0" i="0" u="none" strike="noStrike" cap="none">
         <a:solidFill>
           <a:srgbClr val="000000"/>
         </a:solidFill>
@@ -568,7 +587,7 @@
         <a:sym typeface="Arial"/>
       </a:defRPr>
     </a:lvl3pPr>
-    <a:lvl4pPr lvl="3" marR="0" rtl="0" algn="l">
+    <a:lvl4pPr marR="0" lvl="3" algn="l" rtl="0">
       <a:lnSpc>
         <a:spcPct val="100000"/>
       </a:lnSpc>
@@ -582,7 +601,7 @@
         <a:srgbClr val="000000"/>
       </a:buClr>
       <a:buFont typeface="Arial"/>
-      <a:defRPr b="0" i="0" sz="1400" u="none" cap="none" strike="noStrike">
+      <a:defRPr sz="1400" b="0" i="0" u="none" strike="noStrike" cap="none">
         <a:solidFill>
           <a:srgbClr val="000000"/>
         </a:solidFill>
@@ -592,7 +611,7 @@
         <a:sym typeface="Arial"/>
       </a:defRPr>
     </a:lvl4pPr>
-    <a:lvl5pPr lvl="4" marR="0" rtl="0" algn="l">
+    <a:lvl5pPr marR="0" lvl="4" algn="l" rtl="0">
       <a:lnSpc>
         <a:spcPct val="100000"/>
       </a:lnSpc>
@@ -606,7 +625,7 @@
         <a:srgbClr val="000000"/>
       </a:buClr>
       <a:buFont typeface="Arial"/>
-      <a:defRPr b="0" i="0" sz="1400" u="none" cap="none" strike="noStrike">
+      <a:defRPr sz="1400" b="0" i="0" u="none" strike="noStrike" cap="none">
         <a:solidFill>
           <a:srgbClr val="000000"/>
         </a:solidFill>
@@ -616,7 +635,7 @@
         <a:sym typeface="Arial"/>
       </a:defRPr>
     </a:lvl5pPr>
-    <a:lvl6pPr lvl="5" marR="0" rtl="0" algn="l">
+    <a:lvl6pPr marR="0" lvl="5" algn="l" rtl="0">
       <a:lnSpc>
         <a:spcPct val="100000"/>
       </a:lnSpc>
@@ -630,7 +649,7 @@
         <a:srgbClr val="000000"/>
       </a:buClr>
       <a:buFont typeface="Arial"/>
-      <a:defRPr b="0" i="0" sz="1400" u="none" cap="none" strike="noStrike">
+      <a:defRPr sz="1400" b="0" i="0" u="none" strike="noStrike" cap="none">
         <a:solidFill>
           <a:srgbClr val="000000"/>
         </a:solidFill>
@@ -640,7 +659,7 @@
         <a:sym typeface="Arial"/>
       </a:defRPr>
     </a:lvl6pPr>
-    <a:lvl7pPr lvl="6" marR="0" rtl="0" algn="l">
+    <a:lvl7pPr marR="0" lvl="6" algn="l" rtl="0">
       <a:lnSpc>
         <a:spcPct val="100000"/>
       </a:lnSpc>
@@ -654,7 +673,7 @@
         <a:srgbClr val="000000"/>
       </a:buClr>
       <a:buFont typeface="Arial"/>
-      <a:defRPr b="0" i="0" sz="1400" u="none" cap="none" strike="noStrike">
+      <a:defRPr sz="1400" b="0" i="0" u="none" strike="noStrike" cap="none">
         <a:solidFill>
           <a:srgbClr val="000000"/>
         </a:solidFill>
@@ -664,7 +683,7 @@
         <a:sym typeface="Arial"/>
       </a:defRPr>
     </a:lvl7pPr>
-    <a:lvl8pPr lvl="7" marR="0" rtl="0" algn="l">
+    <a:lvl8pPr marR="0" lvl="7" algn="l" rtl="0">
       <a:lnSpc>
         <a:spcPct val="100000"/>
       </a:lnSpc>
@@ -678,7 +697,7 @@
         <a:srgbClr val="000000"/>
       </a:buClr>
       <a:buFont typeface="Arial"/>
-      <a:defRPr b="0" i="0" sz="1400" u="none" cap="none" strike="noStrike">
+      <a:defRPr sz="1400" b="0" i="0" u="none" strike="noStrike" cap="none">
         <a:solidFill>
           <a:srgbClr val="000000"/>
         </a:solidFill>
@@ -688,7 +707,7 @@
         <a:sym typeface="Arial"/>
       </a:defRPr>
     </a:lvl8pPr>
-    <a:lvl9pPr lvl="8" marR="0" rtl="0" algn="l">
+    <a:lvl9pPr marR="0" lvl="8" algn="l" rtl="0">
       <a:lnSpc>
         <a:spcPct val="100000"/>
       </a:lnSpc>
@@ -702,7 +721,7 @@
         <a:srgbClr val="000000"/>
       </a:buClr>
       <a:buFont typeface="Arial"/>
-      <a:defRPr b="0" i="0" sz="1400" u="none" cap="none" strike="noStrike">
+      <a:defRPr sz="1400" b="0" i="0" u="none" strike="noStrike" cap="none">
         <a:solidFill>
           <a:srgbClr val="000000"/>
         </a:solidFill>
@@ -717,11 +736,11 @@
 </file>
 
 <file path=ppt/notesSlides/notesSlide1.xml><?xml version="1.0" encoding="utf-8"?>
-<p:notes xmlns:a="http://schemas.openxmlformats.org/drawingml/2006/main" xmlns:r="http://schemas.openxmlformats.org/officeDocument/2006/relationships" xmlns:mc="http://schemas.openxmlformats.org/markup-compatibility/2006" xmlns:mv="urn:schemas-microsoft-com:mac:vml" xmlns:p="http://schemas.openxmlformats.org/presentationml/2006/main" xmlns:c="http://schemas.openxmlformats.org/drawingml/2006/chart" xmlns:dgm="http://schemas.openxmlformats.org/drawingml/2006/diagram" xmlns:o="urn:schemas-microsoft-com:office:office" xmlns:v="urn:schemas-microsoft-com:vml" xmlns:pvml="urn:schemas-microsoft-com:office:powerpoint" xmlns:com="http://schemas.openxmlformats.org/drawingml/2006/compatibility" xmlns:p14="http://schemas.microsoft.com/office/powerpoint/2010/main" xmlns:p15="http://schemas.microsoft.com/office/powerpoint/2012/main" xmlns:ahyp="http://schemas.microsoft.com/office/drawing/2018/hyperlinkcolor" showMasterPhAnim="0" showMasterSp="0">
+<p:notes xmlns:a="http://schemas.openxmlformats.org/drawingml/2006/main" xmlns:r="http://schemas.openxmlformats.org/officeDocument/2006/relationships" xmlns:p="http://schemas.openxmlformats.org/presentationml/2006/main" showMasterSp="0" showMasterPhAnim="0">
   <p:cSld>
     <p:spTree>
       <p:nvGrpSpPr>
-        <p:cNvPr id="50" name="Shape 50"/>
+        <p:cNvPr id="1" name="Shape 50"/>
         <p:cNvGrpSpPr/>
         <p:nvPr/>
       </p:nvGrpSpPr>
@@ -736,20 +755,26 @@
       <p:sp>
         <p:nvSpPr>
           <p:cNvPr id="51" name="Google Shape;51;p:notes"/>
-          <p:cNvSpPr/>
+          <p:cNvSpPr>
+            <a:spLocks noGrp="1" noRot="1" noChangeAspect="1"/>
+          </p:cNvSpPr>
           <p:nvPr>
-            <p:ph idx="2" type="sldImg"/>
+            <p:ph type="sldImg" idx="2"/>
           </p:nvPr>
         </p:nvSpPr>
         <p:spPr>
           <a:xfrm>
-            <a:off x="381300" y="685800"/>
-            <a:ext cx="6096075" cy="3429000"/>
+            <a:off x="381000" y="685800"/>
+            <a:ext cx="6096000" cy="3429000"/>
           </a:xfrm>
           <a:custGeom>
-            <a:rect b="b" l="l" r="r" t="t"/>
+            <a:avLst/>
+            <a:gdLst/>
+            <a:ahLst/>
+            <a:cxnLst/>
+            <a:rect l="l" t="t" r="r" b="b"/>
             <a:pathLst>
-              <a:path extrusionOk="0" h="120000" w="120000">
+              <a:path w="120000" h="120000" extrusionOk="0">
                 <a:moveTo>
                   <a:pt x="0" y="0"/>
                 </a:moveTo>
@@ -771,9 +796,11 @@
       <p:sp>
         <p:nvSpPr>
           <p:cNvPr id="52" name="Google Shape;52;p:notes"/>
-          <p:cNvSpPr txBox="1"/>
+          <p:cNvSpPr txBox="1">
+            <a:spLocks noGrp="1"/>
+          </p:cNvSpPr>
           <p:nvPr>
-            <p:ph idx="1" type="body"/>
+            <p:ph type="body" idx="1"/>
           </p:nvPr>
         </p:nvSpPr>
         <p:spPr>
@@ -786,12 +813,12 @@
           </a:prstGeom>
         </p:spPr>
         <p:txBody>
-          <a:bodyPr anchorCtr="0" anchor="t" bIns="91425" lIns="91425" spcFirstLastPara="1" rIns="91425" wrap="square" tIns="91425">
+          <a:bodyPr spcFirstLastPara="1" wrap="square" lIns="91425" tIns="91425" rIns="91425" bIns="91425" anchor="t" anchorCtr="0">
             <a:noAutofit/>
           </a:bodyPr>
           <a:lstStyle/>
           <a:p>
-            <a:pPr indent="0" lvl="0" marL="0" rtl="0" algn="l">
+            <a:pPr marL="0" lvl="0" indent="0" algn="l" rtl="0">
               <a:spcBef>
                 <a:spcPts val="0"/>
               </a:spcBef>
@@ -800,9 +827,6 @@
               </a:spcAft>
               <a:buNone/>
             </a:pPr>
-            <a:r>
-              <a:t/>
-            </a:r>
             <a:endParaRPr/>
           </a:p>
         </p:txBody>
@@ -816,11 +840,11 @@
 </file>
 
 <file path=ppt/notesSlides/notesSlide10.xml><?xml version="1.0" encoding="utf-8"?>
-<p:notes xmlns:a="http://schemas.openxmlformats.org/drawingml/2006/main" xmlns:r="http://schemas.openxmlformats.org/officeDocument/2006/relationships" xmlns:mc="http://schemas.openxmlformats.org/markup-compatibility/2006" xmlns:mv="urn:schemas-microsoft-com:mac:vml" xmlns:p="http://schemas.openxmlformats.org/presentationml/2006/main" xmlns:c="http://schemas.openxmlformats.org/drawingml/2006/chart" xmlns:dgm="http://schemas.openxmlformats.org/drawingml/2006/diagram" xmlns:o="urn:schemas-microsoft-com:office:office" xmlns:v="urn:schemas-microsoft-com:vml" xmlns:pvml="urn:schemas-microsoft-com:office:powerpoint" xmlns:com="http://schemas.openxmlformats.org/drawingml/2006/compatibility" xmlns:p14="http://schemas.microsoft.com/office/powerpoint/2010/main" xmlns:p15="http://schemas.microsoft.com/office/powerpoint/2012/main" xmlns:ahyp="http://schemas.microsoft.com/office/drawing/2018/hyperlinkcolor" showMasterPhAnim="0" showMasterSp="0">
+<p:notes xmlns:a="http://schemas.openxmlformats.org/drawingml/2006/main" xmlns:r="http://schemas.openxmlformats.org/officeDocument/2006/relationships" xmlns:p="http://schemas.openxmlformats.org/presentationml/2006/main" showMasterSp="0" showMasterPhAnim="0">
   <p:cSld>
     <p:spTree>
       <p:nvGrpSpPr>
-        <p:cNvPr id="119" name="Shape 119"/>
+        <p:cNvPr id="1" name="Shape 116"/>
         <p:cNvGrpSpPr/>
         <p:nvPr/>
       </p:nvGrpSpPr>
@@ -834,21 +858,27 @@
       </p:grpSpPr>
       <p:sp>
         <p:nvSpPr>
-          <p:cNvPr id="120" name="Google Shape;120;g1dd2891729a_1_41:notes"/>
-          <p:cNvSpPr/>
+          <p:cNvPr id="117" name="Google Shape;117;g20e94989249_0_38:notes"/>
+          <p:cNvSpPr>
+            <a:spLocks noGrp="1" noRot="1" noChangeAspect="1"/>
+          </p:cNvSpPr>
           <p:nvPr>
-            <p:ph idx="2" type="sldImg"/>
+            <p:ph type="sldImg" idx="2"/>
           </p:nvPr>
         </p:nvSpPr>
         <p:spPr>
           <a:xfrm>
-            <a:off x="381300" y="685800"/>
+            <a:off x="381000" y="685800"/>
             <a:ext cx="6096000" cy="3429000"/>
           </a:xfrm>
           <a:custGeom>
-            <a:rect b="b" l="l" r="r" t="t"/>
+            <a:avLst/>
+            <a:gdLst/>
+            <a:ahLst/>
+            <a:cxnLst/>
+            <a:rect l="l" t="t" r="r" b="b"/>
             <a:pathLst>
-              <a:path extrusionOk="0" h="120000" w="120000">
+              <a:path w="120000" h="120000" extrusionOk="0">
                 <a:moveTo>
                   <a:pt x="0" y="0"/>
                 </a:moveTo>
@@ -869,10 +899,12 @@
       </p:sp>
       <p:sp>
         <p:nvSpPr>
-          <p:cNvPr id="121" name="Google Shape;121;g1dd2891729a_1_41:notes"/>
-          <p:cNvSpPr txBox="1"/>
+          <p:cNvPr id="118" name="Google Shape;118;g20e94989249_0_38:notes"/>
+          <p:cNvSpPr txBox="1">
+            <a:spLocks noGrp="1"/>
+          </p:cNvSpPr>
           <p:nvPr>
-            <p:ph idx="1" type="body"/>
+            <p:ph type="body" idx="1"/>
           </p:nvPr>
         </p:nvSpPr>
         <p:spPr>
@@ -885,12 +917,12 @@
           </a:prstGeom>
         </p:spPr>
         <p:txBody>
-          <a:bodyPr anchorCtr="0" anchor="t" bIns="91425" lIns="91425" spcFirstLastPara="1" rIns="91425" wrap="square" tIns="91425">
+          <a:bodyPr spcFirstLastPara="1" wrap="square" lIns="91425" tIns="91425" rIns="91425" bIns="91425" anchor="t" anchorCtr="0">
             <a:noAutofit/>
           </a:bodyPr>
           <a:lstStyle/>
           <a:p>
-            <a:pPr indent="0" lvl="0" marL="0" rtl="0" algn="l">
+            <a:pPr marL="0" lvl="0" indent="0" algn="l" rtl="0">
               <a:spcBef>
                 <a:spcPts val="0"/>
               </a:spcBef>
@@ -899,9 +931,6 @@
               </a:spcAft>
               <a:buNone/>
             </a:pPr>
-            <a:r>
-              <a:t/>
-            </a:r>
             <a:endParaRPr/>
           </a:p>
         </p:txBody>
@@ -915,11 +944,11 @@
 </file>
 
 <file path=ppt/notesSlides/notesSlide11.xml><?xml version="1.0" encoding="utf-8"?>
-<p:notes xmlns:a="http://schemas.openxmlformats.org/drawingml/2006/main" xmlns:r="http://schemas.openxmlformats.org/officeDocument/2006/relationships" xmlns:mc="http://schemas.openxmlformats.org/markup-compatibility/2006" xmlns:mv="urn:schemas-microsoft-com:mac:vml" xmlns:p="http://schemas.openxmlformats.org/presentationml/2006/main" xmlns:c="http://schemas.openxmlformats.org/drawingml/2006/chart" xmlns:dgm="http://schemas.openxmlformats.org/drawingml/2006/diagram" xmlns:o="urn:schemas-microsoft-com:office:office" xmlns:v="urn:schemas-microsoft-com:vml" xmlns:pvml="urn:schemas-microsoft-com:office:powerpoint" xmlns:com="http://schemas.openxmlformats.org/drawingml/2006/compatibility" xmlns:p14="http://schemas.microsoft.com/office/powerpoint/2010/main" xmlns:p15="http://schemas.microsoft.com/office/powerpoint/2012/main" xmlns:ahyp="http://schemas.microsoft.com/office/drawing/2018/hyperlinkcolor" showMasterPhAnim="0" showMasterSp="0">
+<p:notes xmlns:a="http://schemas.openxmlformats.org/drawingml/2006/main" xmlns:r="http://schemas.openxmlformats.org/officeDocument/2006/relationships" xmlns:p="http://schemas.openxmlformats.org/presentationml/2006/main" showMasterSp="0" showMasterPhAnim="0">
   <p:cSld>
     <p:spTree>
       <p:nvGrpSpPr>
-        <p:cNvPr id="128" name="Shape 128"/>
+        <p:cNvPr id="1" name="Shape 124"/>
         <p:cNvGrpSpPr/>
         <p:nvPr/>
       </p:nvGrpSpPr>
@@ -933,21 +962,27 @@
       </p:grpSpPr>
       <p:sp>
         <p:nvSpPr>
-          <p:cNvPr id="129" name="Google Shape;129;g1dd2891729a_1_27:notes"/>
-          <p:cNvSpPr/>
+          <p:cNvPr id="125" name="Google Shape;125;g1dd2891729a_1_22:notes"/>
+          <p:cNvSpPr>
+            <a:spLocks noGrp="1" noRot="1" noChangeAspect="1"/>
+          </p:cNvSpPr>
           <p:nvPr>
-            <p:ph idx="2" type="sldImg"/>
+            <p:ph type="sldImg" idx="2"/>
           </p:nvPr>
         </p:nvSpPr>
         <p:spPr>
           <a:xfrm>
-            <a:off x="381300" y="685800"/>
+            <a:off x="381000" y="685800"/>
             <a:ext cx="6096000" cy="3429000"/>
           </a:xfrm>
           <a:custGeom>
-            <a:rect b="b" l="l" r="r" t="t"/>
+            <a:avLst/>
+            <a:gdLst/>
+            <a:ahLst/>
+            <a:cxnLst/>
+            <a:rect l="l" t="t" r="r" b="b"/>
             <a:pathLst>
-              <a:path extrusionOk="0" h="120000" w="120000">
+              <a:path w="120000" h="120000" extrusionOk="0">
                 <a:moveTo>
                   <a:pt x="0" y="0"/>
                 </a:moveTo>
@@ -968,10 +1003,12 @@
       </p:sp>
       <p:sp>
         <p:nvSpPr>
-          <p:cNvPr id="130" name="Google Shape;130;g1dd2891729a_1_27:notes"/>
-          <p:cNvSpPr txBox="1"/>
+          <p:cNvPr id="126" name="Google Shape;126;g1dd2891729a_1_22:notes"/>
+          <p:cNvSpPr txBox="1">
+            <a:spLocks noGrp="1"/>
+          </p:cNvSpPr>
           <p:nvPr>
-            <p:ph idx="1" type="body"/>
+            <p:ph type="body" idx="1"/>
           </p:nvPr>
         </p:nvSpPr>
         <p:spPr>
@@ -984,12 +1021,12 @@
           </a:prstGeom>
         </p:spPr>
         <p:txBody>
-          <a:bodyPr anchorCtr="0" anchor="t" bIns="91425" lIns="91425" spcFirstLastPara="1" rIns="91425" wrap="square" tIns="91425">
+          <a:bodyPr spcFirstLastPara="1" wrap="square" lIns="91425" tIns="91425" rIns="91425" bIns="91425" anchor="t" anchorCtr="0">
             <a:noAutofit/>
           </a:bodyPr>
           <a:lstStyle/>
           <a:p>
-            <a:pPr indent="0" lvl="0" marL="0" rtl="0" algn="l">
+            <a:pPr marL="0" lvl="0" indent="0" algn="l" rtl="0">
               <a:spcBef>
                 <a:spcPts val="0"/>
               </a:spcBef>
@@ -998,9 +1035,6 @@
               </a:spcAft>
               <a:buNone/>
             </a:pPr>
-            <a:r>
-              <a:t/>
-            </a:r>
             <a:endParaRPr/>
           </a:p>
         </p:txBody>
@@ -1014,11 +1048,11 @@
 </file>
 
 <file path=ppt/notesSlides/notesSlide12.xml><?xml version="1.0" encoding="utf-8"?>
-<p:notes xmlns:a="http://schemas.openxmlformats.org/drawingml/2006/main" xmlns:r="http://schemas.openxmlformats.org/officeDocument/2006/relationships" xmlns:mc="http://schemas.openxmlformats.org/markup-compatibility/2006" xmlns:mv="urn:schemas-microsoft-com:mac:vml" xmlns:p="http://schemas.openxmlformats.org/presentationml/2006/main" xmlns:c="http://schemas.openxmlformats.org/drawingml/2006/chart" xmlns:dgm="http://schemas.openxmlformats.org/drawingml/2006/diagram" xmlns:o="urn:schemas-microsoft-com:office:office" xmlns:v="urn:schemas-microsoft-com:vml" xmlns:pvml="urn:schemas-microsoft-com:office:powerpoint" xmlns:com="http://schemas.openxmlformats.org/drawingml/2006/compatibility" xmlns:p14="http://schemas.microsoft.com/office/powerpoint/2010/main" xmlns:p15="http://schemas.microsoft.com/office/powerpoint/2012/main" xmlns:ahyp="http://schemas.microsoft.com/office/drawing/2018/hyperlinkcolor" showMasterPhAnim="0" showMasterSp="0">
+<p:notes xmlns:a="http://schemas.openxmlformats.org/drawingml/2006/main" xmlns:r="http://schemas.openxmlformats.org/officeDocument/2006/relationships" xmlns:p="http://schemas.openxmlformats.org/presentationml/2006/main" showMasterSp="0" showMasterPhAnim="0">
   <p:cSld>
     <p:spTree>
       <p:nvGrpSpPr>
-        <p:cNvPr id="136" name="Shape 136"/>
+        <p:cNvPr id="1" name="Shape 131"/>
         <p:cNvGrpSpPr/>
         <p:nvPr/>
       </p:nvGrpSpPr>
@@ -1032,21 +1066,27 @@
       </p:grpSpPr>
       <p:sp>
         <p:nvSpPr>
-          <p:cNvPr id="137" name="Google Shape;137;g1dd2891729a_3_1:notes"/>
-          <p:cNvSpPr/>
+          <p:cNvPr id="132" name="Google Shape;132;g1dd2891729a_2_51:notes"/>
+          <p:cNvSpPr>
+            <a:spLocks noGrp="1" noRot="1" noChangeAspect="1"/>
+          </p:cNvSpPr>
           <p:nvPr>
-            <p:ph idx="2" type="sldImg"/>
+            <p:ph type="sldImg" idx="2"/>
           </p:nvPr>
         </p:nvSpPr>
         <p:spPr>
           <a:xfrm>
-            <a:off x="381300" y="685800"/>
+            <a:off x="381000" y="685800"/>
             <a:ext cx="6096000" cy="3429000"/>
           </a:xfrm>
           <a:custGeom>
-            <a:rect b="b" l="l" r="r" t="t"/>
+            <a:avLst/>
+            <a:gdLst/>
+            <a:ahLst/>
+            <a:cxnLst/>
+            <a:rect l="l" t="t" r="r" b="b"/>
             <a:pathLst>
-              <a:path extrusionOk="0" h="120000" w="120000">
+              <a:path w="120000" h="120000" extrusionOk="0">
                 <a:moveTo>
                   <a:pt x="0" y="0"/>
                 </a:moveTo>
@@ -1067,10 +1107,12 @@
       </p:sp>
       <p:sp>
         <p:nvSpPr>
-          <p:cNvPr id="138" name="Google Shape;138;g1dd2891729a_3_1:notes"/>
-          <p:cNvSpPr txBox="1"/>
+          <p:cNvPr id="133" name="Google Shape;133;g1dd2891729a_2_51:notes"/>
+          <p:cNvSpPr txBox="1">
+            <a:spLocks noGrp="1"/>
+          </p:cNvSpPr>
           <p:nvPr>
-            <p:ph idx="1" type="body"/>
+            <p:ph type="body" idx="1"/>
           </p:nvPr>
         </p:nvSpPr>
         <p:spPr>
@@ -1083,12 +1125,12 @@
           </a:prstGeom>
         </p:spPr>
         <p:txBody>
-          <a:bodyPr anchorCtr="0" anchor="t" bIns="91425" lIns="91425" spcFirstLastPara="1" rIns="91425" wrap="square" tIns="91425">
+          <a:bodyPr spcFirstLastPara="1" wrap="square" lIns="91425" tIns="91425" rIns="91425" bIns="91425" anchor="t" anchorCtr="0">
             <a:noAutofit/>
           </a:bodyPr>
           <a:lstStyle/>
           <a:p>
-            <a:pPr indent="0" lvl="0" marL="0" rtl="0" algn="l">
+            <a:pPr marL="0" lvl="0" indent="0" algn="l" rtl="0">
               <a:spcBef>
                 <a:spcPts val="0"/>
               </a:spcBef>
@@ -1097,9 +1139,6 @@
               </a:spcAft>
               <a:buNone/>
             </a:pPr>
-            <a:r>
-              <a:t/>
-            </a:r>
             <a:endParaRPr/>
           </a:p>
         </p:txBody>
@@ -1113,11 +1152,11 @@
 </file>
 
 <file path=ppt/notesSlides/notesSlide13.xml><?xml version="1.0" encoding="utf-8"?>
-<p:notes xmlns:a="http://schemas.openxmlformats.org/drawingml/2006/main" xmlns:r="http://schemas.openxmlformats.org/officeDocument/2006/relationships" xmlns:mc="http://schemas.openxmlformats.org/markup-compatibility/2006" xmlns:mv="urn:schemas-microsoft-com:mac:vml" xmlns:p="http://schemas.openxmlformats.org/presentationml/2006/main" xmlns:c="http://schemas.openxmlformats.org/drawingml/2006/chart" xmlns:dgm="http://schemas.openxmlformats.org/drawingml/2006/diagram" xmlns:o="urn:schemas-microsoft-com:office:office" xmlns:v="urn:schemas-microsoft-com:vml" xmlns:pvml="urn:schemas-microsoft-com:office:powerpoint" xmlns:com="http://schemas.openxmlformats.org/drawingml/2006/compatibility" xmlns:p14="http://schemas.microsoft.com/office/powerpoint/2010/main" xmlns:p15="http://schemas.microsoft.com/office/powerpoint/2012/main" xmlns:ahyp="http://schemas.microsoft.com/office/drawing/2018/hyperlinkcolor" showMasterPhAnim="0" showMasterSp="0">
+<p:notes xmlns:a="http://schemas.openxmlformats.org/drawingml/2006/main" xmlns:r="http://schemas.openxmlformats.org/officeDocument/2006/relationships" xmlns:p="http://schemas.openxmlformats.org/presentationml/2006/main" showMasterSp="0" showMasterPhAnim="0">
   <p:cSld>
     <p:spTree>
       <p:nvGrpSpPr>
-        <p:cNvPr id="147" name="Shape 147"/>
+        <p:cNvPr id="1" name="Shape 139"/>
         <p:cNvGrpSpPr/>
         <p:nvPr/>
       </p:nvGrpSpPr>
@@ -1131,21 +1170,27 @@
       </p:grpSpPr>
       <p:sp>
         <p:nvSpPr>
-          <p:cNvPr id="148" name="Google Shape;148;g1dd2891729a_3_10:notes"/>
-          <p:cNvSpPr/>
+          <p:cNvPr id="140" name="Google Shape;140;g1dd2891729a_1_27:notes"/>
+          <p:cNvSpPr>
+            <a:spLocks noGrp="1" noRot="1" noChangeAspect="1"/>
+          </p:cNvSpPr>
           <p:nvPr>
-            <p:ph idx="2" type="sldImg"/>
+            <p:ph type="sldImg" idx="2"/>
           </p:nvPr>
         </p:nvSpPr>
         <p:spPr>
           <a:xfrm>
-            <a:off x="381300" y="685800"/>
+            <a:off x="381000" y="685800"/>
             <a:ext cx="6096000" cy="3429000"/>
           </a:xfrm>
           <a:custGeom>
-            <a:rect b="b" l="l" r="r" t="t"/>
+            <a:avLst/>
+            <a:gdLst/>
+            <a:ahLst/>
+            <a:cxnLst/>
+            <a:rect l="l" t="t" r="r" b="b"/>
             <a:pathLst>
-              <a:path extrusionOk="0" h="120000" w="120000">
+              <a:path w="120000" h="120000" extrusionOk="0">
                 <a:moveTo>
                   <a:pt x="0" y="0"/>
                 </a:moveTo>
@@ -1166,10 +1211,12 @@
       </p:sp>
       <p:sp>
         <p:nvSpPr>
-          <p:cNvPr id="149" name="Google Shape;149;g1dd2891729a_3_10:notes"/>
-          <p:cNvSpPr txBox="1"/>
+          <p:cNvPr id="141" name="Google Shape;141;g1dd2891729a_1_27:notes"/>
+          <p:cNvSpPr txBox="1">
+            <a:spLocks noGrp="1"/>
+          </p:cNvSpPr>
           <p:nvPr>
-            <p:ph idx="1" type="body"/>
+            <p:ph type="body" idx="1"/>
           </p:nvPr>
         </p:nvSpPr>
         <p:spPr>
@@ -1182,12 +1229,12 @@
           </a:prstGeom>
         </p:spPr>
         <p:txBody>
-          <a:bodyPr anchorCtr="0" anchor="t" bIns="91425" lIns="91425" spcFirstLastPara="1" rIns="91425" wrap="square" tIns="91425">
+          <a:bodyPr spcFirstLastPara="1" wrap="square" lIns="91425" tIns="91425" rIns="91425" bIns="91425" anchor="t" anchorCtr="0">
             <a:noAutofit/>
           </a:bodyPr>
           <a:lstStyle/>
           <a:p>
-            <a:pPr indent="0" lvl="0" marL="0" rtl="0" algn="l">
+            <a:pPr marL="0" lvl="0" indent="0" algn="l" rtl="0">
               <a:spcBef>
                 <a:spcPts val="0"/>
               </a:spcBef>
@@ -1196,9 +1243,6 @@
               </a:spcAft>
               <a:buNone/>
             </a:pPr>
-            <a:r>
-              <a:t/>
-            </a:r>
             <a:endParaRPr/>
           </a:p>
         </p:txBody>
@@ -1212,11 +1256,11 @@
 </file>
 
 <file path=ppt/notesSlides/notesSlide14.xml><?xml version="1.0" encoding="utf-8"?>
-<p:notes xmlns:a="http://schemas.openxmlformats.org/drawingml/2006/main" xmlns:r="http://schemas.openxmlformats.org/officeDocument/2006/relationships" xmlns:mc="http://schemas.openxmlformats.org/markup-compatibility/2006" xmlns:mv="urn:schemas-microsoft-com:mac:vml" xmlns:p="http://schemas.openxmlformats.org/presentationml/2006/main" xmlns:c="http://schemas.openxmlformats.org/drawingml/2006/chart" xmlns:dgm="http://schemas.openxmlformats.org/drawingml/2006/diagram" xmlns:o="urn:schemas-microsoft-com:office:office" xmlns:v="urn:schemas-microsoft-com:vml" xmlns:pvml="urn:schemas-microsoft-com:office:powerpoint" xmlns:com="http://schemas.openxmlformats.org/drawingml/2006/compatibility" xmlns:p14="http://schemas.microsoft.com/office/powerpoint/2010/main" xmlns:p15="http://schemas.microsoft.com/office/powerpoint/2012/main" xmlns:ahyp="http://schemas.microsoft.com/office/drawing/2018/hyperlinkcolor" showMasterPhAnim="0" showMasterSp="0">
+<p:notes xmlns:a="http://schemas.openxmlformats.org/drawingml/2006/main" xmlns:r="http://schemas.openxmlformats.org/officeDocument/2006/relationships" xmlns:p="http://schemas.openxmlformats.org/presentationml/2006/main" showMasterSp="0" showMasterPhAnim="0">
   <p:cSld>
     <p:spTree>
       <p:nvGrpSpPr>
-        <p:cNvPr id="155" name="Shape 155"/>
+        <p:cNvPr id="1" name="Shape 147"/>
         <p:cNvGrpSpPr/>
         <p:nvPr/>
       </p:nvGrpSpPr>
@@ -1230,21 +1274,27 @@
       </p:grpSpPr>
       <p:sp>
         <p:nvSpPr>
-          <p:cNvPr id="156" name="Google Shape;156;g1dd2891729a_3_17:notes"/>
-          <p:cNvSpPr/>
+          <p:cNvPr id="148" name="Google Shape;148;g20e94989249_0_61:notes"/>
+          <p:cNvSpPr>
+            <a:spLocks noGrp="1" noRot="1" noChangeAspect="1"/>
+          </p:cNvSpPr>
           <p:nvPr>
-            <p:ph idx="2" type="sldImg"/>
+            <p:ph type="sldImg" idx="2"/>
           </p:nvPr>
         </p:nvSpPr>
         <p:spPr>
           <a:xfrm>
-            <a:off x="381300" y="685800"/>
+            <a:off x="381000" y="685800"/>
             <a:ext cx="6096000" cy="3429000"/>
           </a:xfrm>
           <a:custGeom>
-            <a:rect b="b" l="l" r="r" t="t"/>
+            <a:avLst/>
+            <a:gdLst/>
+            <a:ahLst/>
+            <a:cxnLst/>
+            <a:rect l="l" t="t" r="r" b="b"/>
             <a:pathLst>
-              <a:path extrusionOk="0" h="120000" w="120000">
+              <a:path w="120000" h="120000" extrusionOk="0">
                 <a:moveTo>
                   <a:pt x="0" y="0"/>
                 </a:moveTo>
@@ -1265,10 +1315,12 @@
       </p:sp>
       <p:sp>
         <p:nvSpPr>
-          <p:cNvPr id="157" name="Google Shape;157;g1dd2891729a_3_17:notes"/>
-          <p:cNvSpPr txBox="1"/>
+          <p:cNvPr id="149" name="Google Shape;149;g20e94989249_0_61:notes"/>
+          <p:cNvSpPr txBox="1">
+            <a:spLocks noGrp="1"/>
+          </p:cNvSpPr>
           <p:nvPr>
-            <p:ph idx="1" type="body"/>
+            <p:ph type="body" idx="1"/>
           </p:nvPr>
         </p:nvSpPr>
         <p:spPr>
@@ -1281,12 +1333,12 @@
           </a:prstGeom>
         </p:spPr>
         <p:txBody>
-          <a:bodyPr anchorCtr="0" anchor="t" bIns="91425" lIns="91425" spcFirstLastPara="1" rIns="91425" wrap="square" tIns="91425">
+          <a:bodyPr spcFirstLastPara="1" wrap="square" lIns="91425" tIns="91425" rIns="91425" bIns="91425" anchor="t" anchorCtr="0">
             <a:noAutofit/>
           </a:bodyPr>
           <a:lstStyle/>
           <a:p>
-            <a:pPr indent="0" lvl="0" marL="0" rtl="0" algn="l">
+            <a:pPr marL="0" lvl="0" indent="0" algn="l" rtl="0">
               <a:spcBef>
                 <a:spcPts val="0"/>
               </a:spcBef>
@@ -1295,9 +1347,6 @@
               </a:spcAft>
               <a:buNone/>
             </a:pPr>
-            <a:r>
-              <a:t/>
-            </a:r>
             <a:endParaRPr/>
           </a:p>
         </p:txBody>
@@ -1311,11 +1360,11 @@
 </file>
 
 <file path=ppt/notesSlides/notesSlide15.xml><?xml version="1.0" encoding="utf-8"?>
-<p:notes xmlns:a="http://schemas.openxmlformats.org/drawingml/2006/main" xmlns:r="http://schemas.openxmlformats.org/officeDocument/2006/relationships" xmlns:mc="http://schemas.openxmlformats.org/markup-compatibility/2006" xmlns:mv="urn:schemas-microsoft-com:mac:vml" xmlns:p="http://schemas.openxmlformats.org/presentationml/2006/main" xmlns:c="http://schemas.openxmlformats.org/drawingml/2006/chart" xmlns:dgm="http://schemas.openxmlformats.org/drawingml/2006/diagram" xmlns:o="urn:schemas-microsoft-com:office:office" xmlns:v="urn:schemas-microsoft-com:vml" xmlns:pvml="urn:schemas-microsoft-com:office:powerpoint" xmlns:com="http://schemas.openxmlformats.org/drawingml/2006/compatibility" xmlns:p14="http://schemas.microsoft.com/office/powerpoint/2010/main" xmlns:p15="http://schemas.microsoft.com/office/powerpoint/2012/main" xmlns:ahyp="http://schemas.microsoft.com/office/drawing/2018/hyperlinkcolor" showMasterPhAnim="0" showMasterSp="0">
+<p:notes xmlns:a="http://schemas.openxmlformats.org/drawingml/2006/main" xmlns:r="http://schemas.openxmlformats.org/officeDocument/2006/relationships" xmlns:p="http://schemas.openxmlformats.org/presentationml/2006/main" showMasterSp="0" showMasterPhAnim="0">
   <p:cSld>
     <p:spTree>
       <p:nvGrpSpPr>
-        <p:cNvPr id="163" name="Shape 163"/>
+        <p:cNvPr id="1" name="Shape 154"/>
         <p:cNvGrpSpPr/>
         <p:nvPr/>
       </p:nvGrpSpPr>
@@ -1329,21 +1378,27 @@
       </p:grpSpPr>
       <p:sp>
         <p:nvSpPr>
-          <p:cNvPr id="164" name="Google Shape;164;g1dd2891729a_3_26:notes"/>
-          <p:cNvSpPr/>
+          <p:cNvPr id="155" name="Google Shape;155;g1dd2891729a_3_1:notes"/>
+          <p:cNvSpPr>
+            <a:spLocks noGrp="1" noRot="1" noChangeAspect="1"/>
+          </p:cNvSpPr>
           <p:nvPr>
-            <p:ph idx="2" type="sldImg"/>
+            <p:ph type="sldImg" idx="2"/>
           </p:nvPr>
         </p:nvSpPr>
         <p:spPr>
           <a:xfrm>
-            <a:off x="381300" y="685800"/>
+            <a:off x="381000" y="685800"/>
             <a:ext cx="6096000" cy="3429000"/>
           </a:xfrm>
           <a:custGeom>
-            <a:rect b="b" l="l" r="r" t="t"/>
+            <a:avLst/>
+            <a:gdLst/>
+            <a:ahLst/>
+            <a:cxnLst/>
+            <a:rect l="l" t="t" r="r" b="b"/>
             <a:pathLst>
-              <a:path extrusionOk="0" h="120000" w="120000">
+              <a:path w="120000" h="120000" extrusionOk="0">
                 <a:moveTo>
                   <a:pt x="0" y="0"/>
                 </a:moveTo>
@@ -1364,10 +1419,12 @@
       </p:sp>
       <p:sp>
         <p:nvSpPr>
-          <p:cNvPr id="165" name="Google Shape;165;g1dd2891729a_3_26:notes"/>
-          <p:cNvSpPr txBox="1"/>
+          <p:cNvPr id="156" name="Google Shape;156;g1dd2891729a_3_1:notes"/>
+          <p:cNvSpPr txBox="1">
+            <a:spLocks noGrp="1"/>
+          </p:cNvSpPr>
           <p:nvPr>
-            <p:ph idx="1" type="body"/>
+            <p:ph type="body" idx="1"/>
           </p:nvPr>
         </p:nvSpPr>
         <p:spPr>
@@ -1380,12 +1437,12 @@
           </a:prstGeom>
         </p:spPr>
         <p:txBody>
-          <a:bodyPr anchorCtr="0" anchor="t" bIns="91425" lIns="91425" spcFirstLastPara="1" rIns="91425" wrap="square" tIns="91425">
+          <a:bodyPr spcFirstLastPara="1" wrap="square" lIns="91425" tIns="91425" rIns="91425" bIns="91425" anchor="t" anchorCtr="0">
             <a:noAutofit/>
           </a:bodyPr>
           <a:lstStyle/>
           <a:p>
-            <a:pPr indent="0" lvl="0" marL="0" rtl="0" algn="l">
+            <a:pPr marL="0" lvl="0" indent="0" algn="l" rtl="0">
               <a:spcBef>
                 <a:spcPts val="0"/>
               </a:spcBef>
@@ -1394,9 +1451,6 @@
               </a:spcAft>
               <a:buNone/>
             </a:pPr>
-            <a:r>
-              <a:t/>
-            </a:r>
             <a:endParaRPr/>
           </a:p>
         </p:txBody>
@@ -1410,11 +1464,11 @@
 </file>
 
 <file path=ppt/notesSlides/notesSlide16.xml><?xml version="1.0" encoding="utf-8"?>
-<p:notes xmlns:a="http://schemas.openxmlformats.org/drawingml/2006/main" xmlns:r="http://schemas.openxmlformats.org/officeDocument/2006/relationships" xmlns:mc="http://schemas.openxmlformats.org/markup-compatibility/2006" xmlns:mv="urn:schemas-microsoft-com:mac:vml" xmlns:p="http://schemas.openxmlformats.org/presentationml/2006/main" xmlns:c="http://schemas.openxmlformats.org/drawingml/2006/chart" xmlns:dgm="http://schemas.openxmlformats.org/drawingml/2006/diagram" xmlns:o="urn:schemas-microsoft-com:office:office" xmlns:v="urn:schemas-microsoft-com:vml" xmlns:pvml="urn:schemas-microsoft-com:office:powerpoint" xmlns:com="http://schemas.openxmlformats.org/drawingml/2006/compatibility" xmlns:p14="http://schemas.microsoft.com/office/powerpoint/2010/main" xmlns:p15="http://schemas.microsoft.com/office/powerpoint/2012/main" xmlns:ahyp="http://schemas.microsoft.com/office/drawing/2018/hyperlinkcolor" showMasterPhAnim="0" showMasterSp="0">
+<p:notes xmlns:a="http://schemas.openxmlformats.org/drawingml/2006/main" xmlns:r="http://schemas.openxmlformats.org/officeDocument/2006/relationships" xmlns:p="http://schemas.openxmlformats.org/presentationml/2006/main" showMasterSp="0" showMasterPhAnim="0">
   <p:cSld>
     <p:spTree>
       <p:nvGrpSpPr>
-        <p:cNvPr id="170" name="Shape 170"/>
+        <p:cNvPr id="1" name="Shape 165"/>
         <p:cNvGrpSpPr/>
         <p:nvPr/>
       </p:nvGrpSpPr>
@@ -1428,21 +1482,27 @@
       </p:grpSpPr>
       <p:sp>
         <p:nvSpPr>
-          <p:cNvPr id="171" name="Google Shape;171;g1dd2891729a_3_33:notes"/>
-          <p:cNvSpPr/>
+          <p:cNvPr id="166" name="Google Shape;166;g1dd2891729a_3_10:notes"/>
+          <p:cNvSpPr>
+            <a:spLocks noGrp="1" noRot="1" noChangeAspect="1"/>
+          </p:cNvSpPr>
           <p:nvPr>
-            <p:ph idx="2" type="sldImg"/>
+            <p:ph type="sldImg" idx="2"/>
           </p:nvPr>
         </p:nvSpPr>
         <p:spPr>
           <a:xfrm>
-            <a:off x="381300" y="685800"/>
+            <a:off x="381000" y="685800"/>
             <a:ext cx="6096000" cy="3429000"/>
           </a:xfrm>
           <a:custGeom>
-            <a:rect b="b" l="l" r="r" t="t"/>
+            <a:avLst/>
+            <a:gdLst/>
+            <a:ahLst/>
+            <a:cxnLst/>
+            <a:rect l="l" t="t" r="r" b="b"/>
             <a:pathLst>
-              <a:path extrusionOk="0" h="120000" w="120000">
+              <a:path w="120000" h="120000" extrusionOk="0">
                 <a:moveTo>
                   <a:pt x="0" y="0"/>
                 </a:moveTo>
@@ -1463,10 +1523,12 @@
       </p:sp>
       <p:sp>
         <p:nvSpPr>
-          <p:cNvPr id="172" name="Google Shape;172;g1dd2891729a_3_33:notes"/>
-          <p:cNvSpPr txBox="1"/>
+          <p:cNvPr id="167" name="Google Shape;167;g1dd2891729a_3_10:notes"/>
+          <p:cNvSpPr txBox="1">
+            <a:spLocks noGrp="1"/>
+          </p:cNvSpPr>
           <p:nvPr>
-            <p:ph idx="1" type="body"/>
+            <p:ph type="body" idx="1"/>
           </p:nvPr>
         </p:nvSpPr>
         <p:spPr>
@@ -1479,12 +1541,12 @@
           </a:prstGeom>
         </p:spPr>
         <p:txBody>
-          <a:bodyPr anchorCtr="0" anchor="t" bIns="91425" lIns="91425" spcFirstLastPara="1" rIns="91425" wrap="square" tIns="91425">
+          <a:bodyPr spcFirstLastPara="1" wrap="square" lIns="91425" tIns="91425" rIns="91425" bIns="91425" anchor="t" anchorCtr="0">
             <a:noAutofit/>
           </a:bodyPr>
           <a:lstStyle/>
           <a:p>
-            <a:pPr indent="0" lvl="0" marL="0" rtl="0" algn="l">
+            <a:pPr marL="0" lvl="0" indent="0" algn="l" rtl="0">
               <a:spcBef>
                 <a:spcPts val="0"/>
               </a:spcBef>
@@ -1493,9 +1555,6 @@
               </a:spcAft>
               <a:buNone/>
             </a:pPr>
-            <a:r>
-              <a:t/>
-            </a:r>
             <a:endParaRPr/>
           </a:p>
         </p:txBody>
@@ -1509,11 +1568,11 @@
 </file>
 
 <file path=ppt/notesSlides/notesSlide17.xml><?xml version="1.0" encoding="utf-8"?>
-<p:notes xmlns:a="http://schemas.openxmlformats.org/drawingml/2006/main" xmlns:r="http://schemas.openxmlformats.org/officeDocument/2006/relationships" xmlns:mc="http://schemas.openxmlformats.org/markup-compatibility/2006" xmlns:mv="urn:schemas-microsoft-com:mac:vml" xmlns:p="http://schemas.openxmlformats.org/presentationml/2006/main" xmlns:c="http://schemas.openxmlformats.org/drawingml/2006/chart" xmlns:dgm="http://schemas.openxmlformats.org/drawingml/2006/diagram" xmlns:o="urn:schemas-microsoft-com:office:office" xmlns:v="urn:schemas-microsoft-com:vml" xmlns:pvml="urn:schemas-microsoft-com:office:powerpoint" xmlns:com="http://schemas.openxmlformats.org/drawingml/2006/compatibility" xmlns:p14="http://schemas.microsoft.com/office/powerpoint/2010/main" xmlns:p15="http://schemas.microsoft.com/office/powerpoint/2012/main" xmlns:ahyp="http://schemas.microsoft.com/office/drawing/2018/hyperlinkcolor" showMasterPhAnim="0" showMasterSp="0">
+<p:notes xmlns:a="http://schemas.openxmlformats.org/drawingml/2006/main" xmlns:r="http://schemas.openxmlformats.org/officeDocument/2006/relationships" xmlns:p="http://schemas.openxmlformats.org/presentationml/2006/main" showMasterSp="0" showMasterPhAnim="0">
   <p:cSld>
     <p:spTree>
       <p:nvGrpSpPr>
-        <p:cNvPr id="177" name="Shape 177"/>
+        <p:cNvPr id="1" name="Shape 172"/>
         <p:cNvGrpSpPr/>
         <p:nvPr/>
       </p:nvGrpSpPr>
@@ -1527,21 +1586,27 @@
       </p:grpSpPr>
       <p:sp>
         <p:nvSpPr>
-          <p:cNvPr id="178" name="Google Shape;178;g1dd2891729a_1_54:notes"/>
-          <p:cNvSpPr/>
+          <p:cNvPr id="173" name="Google Shape;173;g20e94989249_0_84:notes"/>
+          <p:cNvSpPr>
+            <a:spLocks noGrp="1" noRot="1" noChangeAspect="1"/>
+          </p:cNvSpPr>
           <p:nvPr>
-            <p:ph idx="2" type="sldImg"/>
+            <p:ph type="sldImg" idx="2"/>
           </p:nvPr>
         </p:nvSpPr>
         <p:spPr>
           <a:xfrm>
-            <a:off x="381300" y="685800"/>
+            <a:off x="381000" y="685800"/>
             <a:ext cx="6096000" cy="3429000"/>
           </a:xfrm>
           <a:custGeom>
-            <a:rect b="b" l="l" r="r" t="t"/>
+            <a:avLst/>
+            <a:gdLst/>
+            <a:ahLst/>
+            <a:cxnLst/>
+            <a:rect l="l" t="t" r="r" b="b"/>
             <a:pathLst>
-              <a:path extrusionOk="0" h="120000" w="120000">
+              <a:path w="120000" h="120000" extrusionOk="0">
                 <a:moveTo>
                   <a:pt x="0" y="0"/>
                 </a:moveTo>
@@ -1562,10 +1627,12 @@
       </p:sp>
       <p:sp>
         <p:nvSpPr>
-          <p:cNvPr id="179" name="Google Shape;179;g1dd2891729a_1_54:notes"/>
-          <p:cNvSpPr txBox="1"/>
+          <p:cNvPr id="174" name="Google Shape;174;g20e94989249_0_84:notes"/>
+          <p:cNvSpPr txBox="1">
+            <a:spLocks noGrp="1"/>
+          </p:cNvSpPr>
           <p:nvPr>
-            <p:ph idx="1" type="body"/>
+            <p:ph type="body" idx="1"/>
           </p:nvPr>
         </p:nvSpPr>
         <p:spPr>
@@ -1578,12 +1645,12 @@
           </a:prstGeom>
         </p:spPr>
         <p:txBody>
-          <a:bodyPr anchorCtr="0" anchor="t" bIns="91425" lIns="91425" spcFirstLastPara="1" rIns="91425" wrap="square" tIns="91425">
+          <a:bodyPr spcFirstLastPara="1" wrap="square" lIns="91425" tIns="91425" rIns="91425" bIns="91425" anchor="t" anchorCtr="0">
             <a:noAutofit/>
           </a:bodyPr>
           <a:lstStyle/>
           <a:p>
-            <a:pPr indent="0" lvl="0" marL="0" rtl="0" algn="l">
+            <a:pPr marL="0" lvl="0" indent="0" algn="l" rtl="0">
               <a:spcBef>
                 <a:spcPts val="0"/>
               </a:spcBef>
@@ -1592,9 +1659,6 @@
               </a:spcAft>
               <a:buNone/>
             </a:pPr>
-            <a:r>
-              <a:t/>
-            </a:r>
             <a:endParaRPr/>
           </a:p>
         </p:txBody>
@@ -1607,12 +1671,12 @@
 </p:notes>
 </file>
 
-<file path=ppt/notesSlides/notesSlide2.xml><?xml version="1.0" encoding="utf-8"?>
-<p:notes xmlns:a="http://schemas.openxmlformats.org/drawingml/2006/main" xmlns:r="http://schemas.openxmlformats.org/officeDocument/2006/relationships" xmlns:mc="http://schemas.openxmlformats.org/markup-compatibility/2006" xmlns:mv="urn:schemas-microsoft-com:mac:vml" xmlns:p="http://schemas.openxmlformats.org/presentationml/2006/main" xmlns:c="http://schemas.openxmlformats.org/drawingml/2006/chart" xmlns:dgm="http://schemas.openxmlformats.org/drawingml/2006/diagram" xmlns:o="urn:schemas-microsoft-com:office:office" xmlns:v="urn:schemas-microsoft-com:vml" xmlns:pvml="urn:schemas-microsoft-com:office:powerpoint" xmlns:com="http://schemas.openxmlformats.org/drawingml/2006/compatibility" xmlns:p14="http://schemas.microsoft.com/office/powerpoint/2010/main" xmlns:p15="http://schemas.microsoft.com/office/powerpoint/2012/main" xmlns:ahyp="http://schemas.microsoft.com/office/drawing/2018/hyperlinkcolor" showMasterPhAnim="0" showMasterSp="0">
+<file path=ppt/notesSlides/notesSlide18.xml><?xml version="1.0" encoding="utf-8"?>
+<p:notes xmlns:a="http://schemas.openxmlformats.org/drawingml/2006/main" xmlns:r="http://schemas.openxmlformats.org/officeDocument/2006/relationships" xmlns:p="http://schemas.openxmlformats.org/presentationml/2006/main" showMasterSp="0" showMasterPhAnim="0">
   <p:cSld>
     <p:spTree>
       <p:nvGrpSpPr>
-        <p:cNvPr id="58" name="Shape 58"/>
+        <p:cNvPr id="1" name="Shape 180"/>
         <p:cNvGrpSpPr/>
         <p:nvPr/>
       </p:nvGrpSpPr>
@@ -1626,21 +1690,27 @@
       </p:grpSpPr>
       <p:sp>
         <p:nvSpPr>
-          <p:cNvPr id="59" name="Google Shape;59;g1dd2891729a_0_0:notes"/>
-          <p:cNvSpPr/>
+          <p:cNvPr id="181" name="Google Shape;181;g1dd2891729a_3_17:notes"/>
+          <p:cNvSpPr>
+            <a:spLocks noGrp="1" noRot="1" noChangeAspect="1"/>
+          </p:cNvSpPr>
           <p:nvPr>
-            <p:ph idx="2" type="sldImg"/>
+            <p:ph type="sldImg" idx="2"/>
           </p:nvPr>
         </p:nvSpPr>
         <p:spPr>
           <a:xfrm>
-            <a:off x="381300" y="685800"/>
+            <a:off x="381000" y="685800"/>
             <a:ext cx="6096000" cy="3429000"/>
           </a:xfrm>
           <a:custGeom>
-            <a:rect b="b" l="l" r="r" t="t"/>
+            <a:avLst/>
+            <a:gdLst/>
+            <a:ahLst/>
+            <a:cxnLst/>
+            <a:rect l="l" t="t" r="r" b="b"/>
             <a:pathLst>
-              <a:path extrusionOk="0" h="120000" w="120000">
+              <a:path w="120000" h="120000" extrusionOk="0">
                 <a:moveTo>
                   <a:pt x="0" y="0"/>
                 </a:moveTo>
@@ -1661,10 +1731,12 @@
       </p:sp>
       <p:sp>
         <p:nvSpPr>
-          <p:cNvPr id="60" name="Google Shape;60;g1dd2891729a_0_0:notes"/>
-          <p:cNvSpPr txBox="1"/>
+          <p:cNvPr id="182" name="Google Shape;182;g1dd2891729a_3_17:notes"/>
+          <p:cNvSpPr txBox="1">
+            <a:spLocks noGrp="1"/>
+          </p:cNvSpPr>
           <p:nvPr>
-            <p:ph idx="1" type="body"/>
+            <p:ph type="body" idx="1"/>
           </p:nvPr>
         </p:nvSpPr>
         <p:spPr>
@@ -1677,12 +1749,12 @@
           </a:prstGeom>
         </p:spPr>
         <p:txBody>
-          <a:bodyPr anchorCtr="0" anchor="t" bIns="91425" lIns="91425" spcFirstLastPara="1" rIns="91425" wrap="square" tIns="91425">
+          <a:bodyPr spcFirstLastPara="1" wrap="square" lIns="91425" tIns="91425" rIns="91425" bIns="91425" anchor="t" anchorCtr="0">
             <a:noAutofit/>
           </a:bodyPr>
           <a:lstStyle/>
           <a:p>
-            <a:pPr indent="0" lvl="0" marL="0" rtl="0" algn="l">
+            <a:pPr marL="0" lvl="0" indent="0" algn="l" rtl="0">
               <a:spcBef>
                 <a:spcPts val="0"/>
               </a:spcBef>
@@ -1691,9 +1763,6 @@
               </a:spcAft>
               <a:buNone/>
             </a:pPr>
-            <a:r>
-              <a:t/>
-            </a:r>
             <a:endParaRPr/>
           </a:p>
         </p:txBody>
@@ -1706,12 +1775,12 @@
 </p:notes>
 </file>
 
-<file path=ppt/notesSlides/notesSlide3.xml><?xml version="1.0" encoding="utf-8"?>
-<p:notes xmlns:a="http://schemas.openxmlformats.org/drawingml/2006/main" xmlns:r="http://schemas.openxmlformats.org/officeDocument/2006/relationships" xmlns:mc="http://schemas.openxmlformats.org/markup-compatibility/2006" xmlns:mv="urn:schemas-microsoft-com:mac:vml" xmlns:p="http://schemas.openxmlformats.org/presentationml/2006/main" xmlns:c="http://schemas.openxmlformats.org/drawingml/2006/chart" xmlns:dgm="http://schemas.openxmlformats.org/drawingml/2006/diagram" xmlns:o="urn:schemas-microsoft-com:office:office" xmlns:v="urn:schemas-microsoft-com:vml" xmlns:pvml="urn:schemas-microsoft-com:office:powerpoint" xmlns:com="http://schemas.openxmlformats.org/drawingml/2006/compatibility" xmlns:p14="http://schemas.microsoft.com/office/powerpoint/2010/main" xmlns:p15="http://schemas.microsoft.com/office/powerpoint/2012/main" xmlns:ahyp="http://schemas.microsoft.com/office/drawing/2018/hyperlinkcolor" showMasterPhAnim="0" showMasterSp="0">
+<file path=ppt/notesSlides/notesSlide19.xml><?xml version="1.0" encoding="utf-8"?>
+<p:notes xmlns:a="http://schemas.openxmlformats.org/drawingml/2006/main" xmlns:r="http://schemas.openxmlformats.org/officeDocument/2006/relationships" xmlns:p="http://schemas.openxmlformats.org/presentationml/2006/main" showMasterSp="0" showMasterPhAnim="0">
   <p:cSld>
     <p:spTree>
       <p:nvGrpSpPr>
-        <p:cNvPr id="66" name="Shape 66"/>
+        <p:cNvPr id="1" name="Shape 188"/>
         <p:cNvGrpSpPr/>
         <p:nvPr/>
       </p:nvGrpSpPr>
@@ -1725,21 +1794,27 @@
       </p:grpSpPr>
       <p:sp>
         <p:nvSpPr>
-          <p:cNvPr id="67" name="Google Shape;67;g1dd2891729a_2_5:notes"/>
-          <p:cNvSpPr/>
+          <p:cNvPr id="189" name="Google Shape;189;g1dd2891729a_3_26:notes"/>
+          <p:cNvSpPr>
+            <a:spLocks noGrp="1" noRot="1" noChangeAspect="1"/>
+          </p:cNvSpPr>
           <p:nvPr>
-            <p:ph idx="2" type="sldImg"/>
+            <p:ph type="sldImg" idx="2"/>
           </p:nvPr>
         </p:nvSpPr>
         <p:spPr>
           <a:xfrm>
-            <a:off x="381300" y="685800"/>
+            <a:off x="381000" y="685800"/>
             <a:ext cx="6096000" cy="3429000"/>
           </a:xfrm>
           <a:custGeom>
-            <a:rect b="b" l="l" r="r" t="t"/>
+            <a:avLst/>
+            <a:gdLst/>
+            <a:ahLst/>
+            <a:cxnLst/>
+            <a:rect l="l" t="t" r="r" b="b"/>
             <a:pathLst>
-              <a:path extrusionOk="0" h="120000" w="120000">
+              <a:path w="120000" h="120000" extrusionOk="0">
                 <a:moveTo>
                   <a:pt x="0" y="0"/>
                 </a:moveTo>
@@ -1760,10 +1835,12 @@
       </p:sp>
       <p:sp>
         <p:nvSpPr>
-          <p:cNvPr id="68" name="Google Shape;68;g1dd2891729a_2_5:notes"/>
-          <p:cNvSpPr txBox="1"/>
+          <p:cNvPr id="190" name="Google Shape;190;g1dd2891729a_3_26:notes"/>
+          <p:cNvSpPr txBox="1">
+            <a:spLocks noGrp="1"/>
+          </p:cNvSpPr>
           <p:nvPr>
-            <p:ph idx="1" type="body"/>
+            <p:ph type="body" idx="1"/>
           </p:nvPr>
         </p:nvSpPr>
         <p:spPr>
@@ -1776,12 +1853,12 @@
           </a:prstGeom>
         </p:spPr>
         <p:txBody>
-          <a:bodyPr anchorCtr="0" anchor="t" bIns="91425" lIns="91425" spcFirstLastPara="1" rIns="91425" wrap="square" tIns="91425">
+          <a:bodyPr spcFirstLastPara="1" wrap="square" lIns="91425" tIns="91425" rIns="91425" bIns="91425" anchor="t" anchorCtr="0">
             <a:noAutofit/>
           </a:bodyPr>
           <a:lstStyle/>
           <a:p>
-            <a:pPr indent="0" lvl="0" marL="0" rtl="0" algn="l">
+            <a:pPr marL="0" lvl="0" indent="0" algn="l" rtl="0">
               <a:spcBef>
                 <a:spcPts val="0"/>
               </a:spcBef>
@@ -1790,9 +1867,6 @@
               </a:spcAft>
               <a:buNone/>
             </a:pPr>
-            <a:r>
-              <a:t/>
-            </a:r>
             <a:endParaRPr/>
           </a:p>
         </p:txBody>
@@ -1805,12 +1879,12 @@
 </p:notes>
 </file>
 
-<file path=ppt/notesSlides/notesSlide4.xml><?xml version="1.0" encoding="utf-8"?>
-<p:notes xmlns:a="http://schemas.openxmlformats.org/drawingml/2006/main" xmlns:r="http://schemas.openxmlformats.org/officeDocument/2006/relationships" xmlns:mc="http://schemas.openxmlformats.org/markup-compatibility/2006" xmlns:mv="urn:schemas-microsoft-com:mac:vml" xmlns:p="http://schemas.openxmlformats.org/presentationml/2006/main" xmlns:c="http://schemas.openxmlformats.org/drawingml/2006/chart" xmlns:dgm="http://schemas.openxmlformats.org/drawingml/2006/diagram" xmlns:o="urn:schemas-microsoft-com:office:office" xmlns:v="urn:schemas-microsoft-com:vml" xmlns:pvml="urn:schemas-microsoft-com:office:powerpoint" xmlns:com="http://schemas.openxmlformats.org/drawingml/2006/compatibility" xmlns:p14="http://schemas.microsoft.com/office/powerpoint/2010/main" xmlns:p15="http://schemas.microsoft.com/office/powerpoint/2012/main" xmlns:ahyp="http://schemas.microsoft.com/office/drawing/2018/hyperlinkcolor" showMasterPhAnim="0" showMasterSp="0">
+<file path=ppt/notesSlides/notesSlide2.xml><?xml version="1.0" encoding="utf-8"?>
+<p:notes xmlns:a="http://schemas.openxmlformats.org/drawingml/2006/main" xmlns:r="http://schemas.openxmlformats.org/officeDocument/2006/relationships" xmlns:p="http://schemas.openxmlformats.org/presentationml/2006/main" showMasterSp="0" showMasterPhAnim="0">
   <p:cSld>
     <p:spTree>
       <p:nvGrpSpPr>
-        <p:cNvPr id="73" name="Shape 73"/>
+        <p:cNvPr id="1" name="Shape 58"/>
         <p:cNvGrpSpPr/>
         <p:nvPr/>
       </p:nvGrpSpPr>
@@ -1824,21 +1898,27 @@
       </p:grpSpPr>
       <p:sp>
         <p:nvSpPr>
-          <p:cNvPr id="74" name="Google Shape;74;g1dd2891729a_1_5:notes"/>
-          <p:cNvSpPr/>
+          <p:cNvPr id="59" name="Google Shape;59;g1dd2891729a_0_0:notes"/>
+          <p:cNvSpPr>
+            <a:spLocks noGrp="1" noRot="1" noChangeAspect="1"/>
+          </p:cNvSpPr>
           <p:nvPr>
-            <p:ph idx="2" type="sldImg"/>
+            <p:ph type="sldImg" idx="2"/>
           </p:nvPr>
         </p:nvSpPr>
         <p:spPr>
           <a:xfrm>
-            <a:off x="381300" y="685800"/>
+            <a:off x="381000" y="685800"/>
             <a:ext cx="6096000" cy="3429000"/>
           </a:xfrm>
           <a:custGeom>
-            <a:rect b="b" l="l" r="r" t="t"/>
+            <a:avLst/>
+            <a:gdLst/>
+            <a:ahLst/>
+            <a:cxnLst/>
+            <a:rect l="l" t="t" r="r" b="b"/>
             <a:pathLst>
-              <a:path extrusionOk="0" h="120000" w="120000">
+              <a:path w="120000" h="120000" extrusionOk="0">
                 <a:moveTo>
                   <a:pt x="0" y="0"/>
                 </a:moveTo>
@@ -1859,10 +1939,12 @@
       </p:sp>
       <p:sp>
         <p:nvSpPr>
-          <p:cNvPr id="75" name="Google Shape;75;g1dd2891729a_1_5:notes"/>
-          <p:cNvSpPr txBox="1"/>
+          <p:cNvPr id="60" name="Google Shape;60;g1dd2891729a_0_0:notes"/>
+          <p:cNvSpPr txBox="1">
+            <a:spLocks noGrp="1"/>
+          </p:cNvSpPr>
           <p:nvPr>
-            <p:ph idx="1" type="body"/>
+            <p:ph type="body" idx="1"/>
           </p:nvPr>
         </p:nvSpPr>
         <p:spPr>
@@ -1875,12 +1957,12 @@
           </a:prstGeom>
         </p:spPr>
         <p:txBody>
-          <a:bodyPr anchorCtr="0" anchor="t" bIns="91425" lIns="91425" spcFirstLastPara="1" rIns="91425" wrap="square" tIns="91425">
+          <a:bodyPr spcFirstLastPara="1" wrap="square" lIns="91425" tIns="91425" rIns="91425" bIns="91425" anchor="t" anchorCtr="0">
             <a:noAutofit/>
           </a:bodyPr>
           <a:lstStyle/>
           <a:p>
-            <a:pPr indent="0" lvl="0" marL="0" rtl="0" algn="l">
+            <a:pPr marL="0" lvl="0" indent="0" algn="l" rtl="0">
               <a:spcBef>
                 <a:spcPts val="0"/>
               </a:spcBef>
@@ -1889,9 +1971,6 @@
               </a:spcAft>
               <a:buNone/>
             </a:pPr>
-            <a:r>
-              <a:t/>
-            </a:r>
             <a:endParaRPr/>
           </a:p>
         </p:txBody>
@@ -1904,12 +1983,12 @@
 </p:notes>
 </file>
 
-<file path=ppt/notesSlides/notesSlide5.xml><?xml version="1.0" encoding="utf-8"?>
-<p:notes xmlns:a="http://schemas.openxmlformats.org/drawingml/2006/main" xmlns:r="http://schemas.openxmlformats.org/officeDocument/2006/relationships" xmlns:mc="http://schemas.openxmlformats.org/markup-compatibility/2006" xmlns:mv="urn:schemas-microsoft-com:mac:vml" xmlns:p="http://schemas.openxmlformats.org/presentationml/2006/main" xmlns:c="http://schemas.openxmlformats.org/drawingml/2006/chart" xmlns:dgm="http://schemas.openxmlformats.org/drawingml/2006/diagram" xmlns:o="urn:schemas-microsoft-com:office:office" xmlns:v="urn:schemas-microsoft-com:vml" xmlns:pvml="urn:schemas-microsoft-com:office:powerpoint" xmlns:com="http://schemas.openxmlformats.org/drawingml/2006/compatibility" xmlns:p14="http://schemas.microsoft.com/office/powerpoint/2010/main" xmlns:p15="http://schemas.microsoft.com/office/powerpoint/2012/main" xmlns:ahyp="http://schemas.microsoft.com/office/drawing/2018/hyperlinkcolor" showMasterPhAnim="0" showMasterSp="0">
+<file path=ppt/notesSlides/notesSlide20.xml><?xml version="1.0" encoding="utf-8"?>
+<p:notes xmlns:a="http://schemas.openxmlformats.org/drawingml/2006/main" xmlns:r="http://schemas.openxmlformats.org/officeDocument/2006/relationships" xmlns:p="http://schemas.openxmlformats.org/presentationml/2006/main" showMasterSp="0" showMasterPhAnim="0">
   <p:cSld>
     <p:spTree>
       <p:nvGrpSpPr>
-        <p:cNvPr id="80" name="Shape 80"/>
+        <p:cNvPr id="1" name="Shape 195"/>
         <p:cNvGrpSpPr/>
         <p:nvPr/>
       </p:nvGrpSpPr>
@@ -1923,21 +2002,27 @@
       </p:grpSpPr>
       <p:sp>
         <p:nvSpPr>
-          <p:cNvPr id="81" name="Google Shape;81;g1dd2891729a_2_18:notes"/>
-          <p:cNvSpPr/>
+          <p:cNvPr id="196" name="Google Shape;196;g1dd2891729a_3_33:notes"/>
+          <p:cNvSpPr>
+            <a:spLocks noGrp="1" noRot="1" noChangeAspect="1"/>
+          </p:cNvSpPr>
           <p:nvPr>
-            <p:ph idx="2" type="sldImg"/>
+            <p:ph type="sldImg" idx="2"/>
           </p:nvPr>
         </p:nvSpPr>
         <p:spPr>
           <a:xfrm>
-            <a:off x="381300" y="685800"/>
+            <a:off x="381000" y="685800"/>
             <a:ext cx="6096000" cy="3429000"/>
           </a:xfrm>
           <a:custGeom>
-            <a:rect b="b" l="l" r="r" t="t"/>
+            <a:avLst/>
+            <a:gdLst/>
+            <a:ahLst/>
+            <a:cxnLst/>
+            <a:rect l="l" t="t" r="r" b="b"/>
             <a:pathLst>
-              <a:path extrusionOk="0" h="120000" w="120000">
+              <a:path w="120000" h="120000" extrusionOk="0">
                 <a:moveTo>
                   <a:pt x="0" y="0"/>
                 </a:moveTo>
@@ -1958,10 +2043,12 @@
       </p:sp>
       <p:sp>
         <p:nvSpPr>
-          <p:cNvPr id="82" name="Google Shape;82;g1dd2891729a_2_18:notes"/>
-          <p:cNvSpPr txBox="1"/>
+          <p:cNvPr id="197" name="Google Shape;197;g1dd2891729a_3_33:notes"/>
+          <p:cNvSpPr txBox="1">
+            <a:spLocks noGrp="1"/>
+          </p:cNvSpPr>
           <p:nvPr>
-            <p:ph idx="1" type="body"/>
+            <p:ph type="body" idx="1"/>
           </p:nvPr>
         </p:nvSpPr>
         <p:spPr>
@@ -1974,12 +2061,12 @@
           </a:prstGeom>
         </p:spPr>
         <p:txBody>
-          <a:bodyPr anchorCtr="0" anchor="t" bIns="91425" lIns="91425" spcFirstLastPara="1" rIns="91425" wrap="square" tIns="91425">
+          <a:bodyPr spcFirstLastPara="1" wrap="square" lIns="91425" tIns="91425" rIns="91425" bIns="91425" anchor="t" anchorCtr="0">
             <a:noAutofit/>
           </a:bodyPr>
           <a:lstStyle/>
           <a:p>
-            <a:pPr indent="0" lvl="0" marL="0" rtl="0" algn="l">
+            <a:pPr marL="0" lvl="0" indent="0" algn="l" rtl="0">
               <a:spcBef>
                 <a:spcPts val="0"/>
               </a:spcBef>
@@ -1988,9 +2075,6 @@
               </a:spcAft>
               <a:buNone/>
             </a:pPr>
-            <a:r>
-              <a:t/>
-            </a:r>
             <a:endParaRPr/>
           </a:p>
         </p:txBody>
@@ -2003,12 +2087,12 @@
 </p:notes>
 </file>
 
-<file path=ppt/notesSlides/notesSlide6.xml><?xml version="1.0" encoding="utf-8"?>
-<p:notes xmlns:a="http://schemas.openxmlformats.org/drawingml/2006/main" xmlns:r="http://schemas.openxmlformats.org/officeDocument/2006/relationships" xmlns:mc="http://schemas.openxmlformats.org/markup-compatibility/2006" xmlns:mv="urn:schemas-microsoft-com:mac:vml" xmlns:p="http://schemas.openxmlformats.org/presentationml/2006/main" xmlns:c="http://schemas.openxmlformats.org/drawingml/2006/chart" xmlns:dgm="http://schemas.openxmlformats.org/drawingml/2006/diagram" xmlns:o="urn:schemas-microsoft-com:office:office" xmlns:v="urn:schemas-microsoft-com:vml" xmlns:pvml="urn:schemas-microsoft-com:office:powerpoint" xmlns:com="http://schemas.openxmlformats.org/drawingml/2006/compatibility" xmlns:p14="http://schemas.microsoft.com/office/powerpoint/2010/main" xmlns:p15="http://schemas.microsoft.com/office/powerpoint/2012/main" xmlns:ahyp="http://schemas.microsoft.com/office/drawing/2018/hyperlinkcolor" showMasterPhAnim="0" showMasterSp="0">
+<file path=ppt/notesSlides/notesSlide21.xml><?xml version="1.0" encoding="utf-8"?>
+<p:notes xmlns:a="http://schemas.openxmlformats.org/drawingml/2006/main" xmlns:r="http://schemas.openxmlformats.org/officeDocument/2006/relationships" xmlns:p="http://schemas.openxmlformats.org/presentationml/2006/main" showMasterSp="0" showMasterPhAnim="0">
   <p:cSld>
     <p:spTree>
       <p:nvGrpSpPr>
-        <p:cNvPr id="87" name="Shape 87"/>
+        <p:cNvPr id="1" name="Shape 202"/>
         <p:cNvGrpSpPr/>
         <p:nvPr/>
       </p:nvGrpSpPr>
@@ -2022,21 +2106,27 @@
       </p:grpSpPr>
       <p:sp>
         <p:nvSpPr>
-          <p:cNvPr id="88" name="Google Shape;88;g1dd2891729a_1_10:notes"/>
-          <p:cNvSpPr/>
+          <p:cNvPr id="203" name="Google Shape;203;g1dd2891729a_1_54:notes"/>
+          <p:cNvSpPr>
+            <a:spLocks noGrp="1" noRot="1" noChangeAspect="1"/>
+          </p:cNvSpPr>
           <p:nvPr>
-            <p:ph idx="2" type="sldImg"/>
+            <p:ph type="sldImg" idx="2"/>
           </p:nvPr>
         </p:nvSpPr>
         <p:spPr>
           <a:xfrm>
-            <a:off x="381300" y="685800"/>
+            <a:off x="381000" y="685800"/>
             <a:ext cx="6096000" cy="3429000"/>
           </a:xfrm>
           <a:custGeom>
-            <a:rect b="b" l="l" r="r" t="t"/>
+            <a:avLst/>
+            <a:gdLst/>
+            <a:ahLst/>
+            <a:cxnLst/>
+            <a:rect l="l" t="t" r="r" b="b"/>
             <a:pathLst>
-              <a:path extrusionOk="0" h="120000" w="120000">
+              <a:path w="120000" h="120000" extrusionOk="0">
                 <a:moveTo>
                   <a:pt x="0" y="0"/>
                 </a:moveTo>
@@ -2057,10 +2147,12 @@
       </p:sp>
       <p:sp>
         <p:nvSpPr>
-          <p:cNvPr id="89" name="Google Shape;89;g1dd2891729a_1_10:notes"/>
-          <p:cNvSpPr txBox="1"/>
+          <p:cNvPr id="204" name="Google Shape;204;g1dd2891729a_1_54:notes"/>
+          <p:cNvSpPr txBox="1">
+            <a:spLocks noGrp="1"/>
+          </p:cNvSpPr>
           <p:nvPr>
-            <p:ph idx="1" type="body"/>
+            <p:ph type="body" idx="1"/>
           </p:nvPr>
         </p:nvSpPr>
         <p:spPr>
@@ -2073,12 +2165,12 @@
           </a:prstGeom>
         </p:spPr>
         <p:txBody>
-          <a:bodyPr anchorCtr="0" anchor="t" bIns="91425" lIns="91425" spcFirstLastPara="1" rIns="91425" wrap="square" tIns="91425">
+          <a:bodyPr spcFirstLastPara="1" wrap="square" lIns="91425" tIns="91425" rIns="91425" bIns="91425" anchor="t" anchorCtr="0">
             <a:noAutofit/>
           </a:bodyPr>
           <a:lstStyle/>
           <a:p>
-            <a:pPr indent="0" lvl="0" marL="0" rtl="0" algn="l">
+            <a:pPr marL="0" lvl="0" indent="0" algn="l" rtl="0">
               <a:spcBef>
                 <a:spcPts val="0"/>
               </a:spcBef>
@@ -2087,9 +2179,6 @@
               </a:spcAft>
               <a:buNone/>
             </a:pPr>
-            <a:r>
-              <a:t/>
-            </a:r>
             <a:endParaRPr/>
           </a:p>
         </p:txBody>
@@ -2102,12 +2191,12 @@
 </p:notes>
 </file>
 
-<file path=ppt/notesSlides/notesSlide7.xml><?xml version="1.0" encoding="utf-8"?>
-<p:notes xmlns:a="http://schemas.openxmlformats.org/drawingml/2006/main" xmlns:r="http://schemas.openxmlformats.org/officeDocument/2006/relationships" xmlns:mc="http://schemas.openxmlformats.org/markup-compatibility/2006" xmlns:mv="urn:schemas-microsoft-com:mac:vml" xmlns:p="http://schemas.openxmlformats.org/presentationml/2006/main" xmlns:c="http://schemas.openxmlformats.org/drawingml/2006/chart" xmlns:dgm="http://schemas.openxmlformats.org/drawingml/2006/diagram" xmlns:o="urn:schemas-microsoft-com:office:office" xmlns:v="urn:schemas-microsoft-com:vml" xmlns:pvml="urn:schemas-microsoft-com:office:powerpoint" xmlns:com="http://schemas.openxmlformats.org/drawingml/2006/compatibility" xmlns:p14="http://schemas.microsoft.com/office/powerpoint/2010/main" xmlns:p15="http://schemas.microsoft.com/office/powerpoint/2012/main" xmlns:ahyp="http://schemas.microsoft.com/office/drawing/2018/hyperlinkcolor" showMasterPhAnim="0" showMasterSp="0">
+<file path=ppt/notesSlides/notesSlide3.xml><?xml version="1.0" encoding="utf-8"?>
+<p:notes xmlns:a="http://schemas.openxmlformats.org/drawingml/2006/main" xmlns:r="http://schemas.openxmlformats.org/officeDocument/2006/relationships" xmlns:p="http://schemas.openxmlformats.org/presentationml/2006/main" showMasterSp="0" showMasterPhAnim="0">
   <p:cSld>
     <p:spTree>
       <p:nvGrpSpPr>
-        <p:cNvPr id="96" name="Shape 96"/>
+        <p:cNvPr id="1" name="Shape 66"/>
         <p:cNvGrpSpPr/>
         <p:nvPr/>
       </p:nvGrpSpPr>
@@ -2121,21 +2210,27 @@
       </p:grpSpPr>
       <p:sp>
         <p:nvSpPr>
-          <p:cNvPr id="97" name="Google Shape;97;g1dd2891729a_1_16:notes"/>
-          <p:cNvSpPr/>
+          <p:cNvPr id="67" name="Google Shape;67;g1dd2891729a_2_5:notes"/>
+          <p:cNvSpPr>
+            <a:spLocks noGrp="1" noRot="1" noChangeAspect="1"/>
+          </p:cNvSpPr>
           <p:nvPr>
-            <p:ph idx="2" type="sldImg"/>
+            <p:ph type="sldImg" idx="2"/>
           </p:nvPr>
         </p:nvSpPr>
         <p:spPr>
           <a:xfrm>
-            <a:off x="381300" y="685800"/>
+            <a:off x="381000" y="685800"/>
             <a:ext cx="6096000" cy="3429000"/>
           </a:xfrm>
           <a:custGeom>
-            <a:rect b="b" l="l" r="r" t="t"/>
+            <a:avLst/>
+            <a:gdLst/>
+            <a:ahLst/>
+            <a:cxnLst/>
+            <a:rect l="l" t="t" r="r" b="b"/>
             <a:pathLst>
-              <a:path extrusionOk="0" h="120000" w="120000">
+              <a:path w="120000" h="120000" extrusionOk="0">
                 <a:moveTo>
                   <a:pt x="0" y="0"/>
                 </a:moveTo>
@@ -2156,10 +2251,12 @@
       </p:sp>
       <p:sp>
         <p:nvSpPr>
-          <p:cNvPr id="98" name="Google Shape;98;g1dd2891729a_1_16:notes"/>
-          <p:cNvSpPr txBox="1"/>
+          <p:cNvPr id="68" name="Google Shape;68;g1dd2891729a_2_5:notes"/>
+          <p:cNvSpPr txBox="1">
+            <a:spLocks noGrp="1"/>
+          </p:cNvSpPr>
           <p:nvPr>
-            <p:ph idx="1" type="body"/>
+            <p:ph type="body" idx="1"/>
           </p:nvPr>
         </p:nvSpPr>
         <p:spPr>
@@ -2172,12 +2269,12 @@
           </a:prstGeom>
         </p:spPr>
         <p:txBody>
-          <a:bodyPr anchorCtr="0" anchor="t" bIns="91425" lIns="91425" spcFirstLastPara="1" rIns="91425" wrap="square" tIns="91425">
+          <a:bodyPr spcFirstLastPara="1" wrap="square" lIns="91425" tIns="91425" rIns="91425" bIns="91425" anchor="t" anchorCtr="0">
             <a:noAutofit/>
           </a:bodyPr>
           <a:lstStyle/>
           <a:p>
-            <a:pPr indent="0" lvl="0" marL="0" rtl="0" algn="l">
+            <a:pPr marL="0" lvl="0" indent="0" algn="l" rtl="0">
               <a:spcBef>
                 <a:spcPts val="0"/>
               </a:spcBef>
@@ -2186,9 +2283,6 @@
               </a:spcAft>
               <a:buNone/>
             </a:pPr>
-            <a:r>
-              <a:t/>
-            </a:r>
             <a:endParaRPr/>
           </a:p>
         </p:txBody>
@@ -2201,12 +2295,12 @@
 </p:notes>
 </file>
 
-<file path=ppt/notesSlides/notesSlide8.xml><?xml version="1.0" encoding="utf-8"?>
-<p:notes xmlns:a="http://schemas.openxmlformats.org/drawingml/2006/main" xmlns:r="http://schemas.openxmlformats.org/officeDocument/2006/relationships" xmlns:mc="http://schemas.openxmlformats.org/markup-compatibility/2006" xmlns:mv="urn:schemas-microsoft-com:mac:vml" xmlns:p="http://schemas.openxmlformats.org/presentationml/2006/main" xmlns:c="http://schemas.openxmlformats.org/drawingml/2006/chart" xmlns:dgm="http://schemas.openxmlformats.org/drawingml/2006/diagram" xmlns:o="urn:schemas-microsoft-com:office:office" xmlns:v="urn:schemas-microsoft-com:vml" xmlns:pvml="urn:schemas-microsoft-com:office:powerpoint" xmlns:com="http://schemas.openxmlformats.org/drawingml/2006/compatibility" xmlns:p14="http://schemas.microsoft.com/office/powerpoint/2010/main" xmlns:p15="http://schemas.microsoft.com/office/powerpoint/2012/main" xmlns:ahyp="http://schemas.microsoft.com/office/drawing/2018/hyperlinkcolor" showMasterPhAnim="0" showMasterSp="0">
+<file path=ppt/notesSlides/notesSlide4.xml><?xml version="1.0" encoding="utf-8"?>
+<p:notes xmlns:a="http://schemas.openxmlformats.org/drawingml/2006/main" xmlns:r="http://schemas.openxmlformats.org/officeDocument/2006/relationships" xmlns:p="http://schemas.openxmlformats.org/presentationml/2006/main" showMasterSp="0" showMasterPhAnim="0">
   <p:cSld>
     <p:spTree>
       <p:nvGrpSpPr>
-        <p:cNvPr id="103" name="Shape 103"/>
+        <p:cNvPr id="1" name="Shape 73"/>
         <p:cNvGrpSpPr/>
         <p:nvPr/>
       </p:nvGrpSpPr>
@@ -2220,21 +2314,27 @@
       </p:grpSpPr>
       <p:sp>
         <p:nvSpPr>
-          <p:cNvPr id="104" name="Google Shape;104;g1dd2891729a_1_22:notes"/>
-          <p:cNvSpPr/>
+          <p:cNvPr id="74" name="Google Shape;74;g1dd2891729a_1_5:notes"/>
+          <p:cNvSpPr>
+            <a:spLocks noGrp="1" noRot="1" noChangeAspect="1"/>
+          </p:cNvSpPr>
           <p:nvPr>
-            <p:ph idx="2" type="sldImg"/>
+            <p:ph type="sldImg" idx="2"/>
           </p:nvPr>
         </p:nvSpPr>
         <p:spPr>
           <a:xfrm>
-            <a:off x="381300" y="685800"/>
+            <a:off x="381000" y="685800"/>
             <a:ext cx="6096000" cy="3429000"/>
           </a:xfrm>
           <a:custGeom>
-            <a:rect b="b" l="l" r="r" t="t"/>
+            <a:avLst/>
+            <a:gdLst/>
+            <a:ahLst/>
+            <a:cxnLst/>
+            <a:rect l="l" t="t" r="r" b="b"/>
             <a:pathLst>
-              <a:path extrusionOk="0" h="120000" w="120000">
+              <a:path w="120000" h="120000" extrusionOk="0">
                 <a:moveTo>
                   <a:pt x="0" y="0"/>
                 </a:moveTo>
@@ -2255,10 +2355,12 @@
       </p:sp>
       <p:sp>
         <p:nvSpPr>
-          <p:cNvPr id="105" name="Google Shape;105;g1dd2891729a_1_22:notes"/>
-          <p:cNvSpPr txBox="1"/>
+          <p:cNvPr id="75" name="Google Shape;75;g1dd2891729a_1_5:notes"/>
+          <p:cNvSpPr txBox="1">
+            <a:spLocks noGrp="1"/>
+          </p:cNvSpPr>
           <p:nvPr>
-            <p:ph idx="1" type="body"/>
+            <p:ph type="body" idx="1"/>
           </p:nvPr>
         </p:nvSpPr>
         <p:spPr>
@@ -2271,12 +2373,12 @@
           </a:prstGeom>
         </p:spPr>
         <p:txBody>
-          <a:bodyPr anchorCtr="0" anchor="t" bIns="91425" lIns="91425" spcFirstLastPara="1" rIns="91425" wrap="square" tIns="91425">
+          <a:bodyPr spcFirstLastPara="1" wrap="square" lIns="91425" tIns="91425" rIns="91425" bIns="91425" anchor="t" anchorCtr="0">
             <a:noAutofit/>
           </a:bodyPr>
           <a:lstStyle/>
           <a:p>
-            <a:pPr indent="0" lvl="0" marL="0" rtl="0" algn="l">
+            <a:pPr marL="0" lvl="0" indent="0" algn="l" rtl="0">
               <a:spcBef>
                 <a:spcPts val="0"/>
               </a:spcBef>
@@ -2285,9 +2387,6 @@
               </a:spcAft>
               <a:buNone/>
             </a:pPr>
-            <a:r>
-              <a:t/>
-            </a:r>
             <a:endParaRPr/>
           </a:p>
         </p:txBody>
@@ -2300,12 +2399,12 @@
 </p:notes>
 </file>
 
-<file path=ppt/notesSlides/notesSlide9.xml><?xml version="1.0" encoding="utf-8"?>
-<p:notes xmlns:a="http://schemas.openxmlformats.org/drawingml/2006/main" xmlns:r="http://schemas.openxmlformats.org/officeDocument/2006/relationships" xmlns:mc="http://schemas.openxmlformats.org/markup-compatibility/2006" xmlns:mv="urn:schemas-microsoft-com:mac:vml" xmlns:p="http://schemas.openxmlformats.org/presentationml/2006/main" xmlns:c="http://schemas.openxmlformats.org/drawingml/2006/chart" xmlns:dgm="http://schemas.openxmlformats.org/drawingml/2006/diagram" xmlns:o="urn:schemas-microsoft-com:office:office" xmlns:v="urn:schemas-microsoft-com:vml" xmlns:pvml="urn:schemas-microsoft-com:office:powerpoint" xmlns:com="http://schemas.openxmlformats.org/drawingml/2006/compatibility" xmlns:p14="http://schemas.microsoft.com/office/powerpoint/2010/main" xmlns:p15="http://schemas.microsoft.com/office/powerpoint/2012/main" xmlns:ahyp="http://schemas.microsoft.com/office/drawing/2018/hyperlinkcolor" showMasterPhAnim="0" showMasterSp="0">
+<file path=ppt/notesSlides/notesSlide5.xml><?xml version="1.0" encoding="utf-8"?>
+<p:notes xmlns:a="http://schemas.openxmlformats.org/drawingml/2006/main" xmlns:r="http://schemas.openxmlformats.org/officeDocument/2006/relationships" xmlns:p="http://schemas.openxmlformats.org/presentationml/2006/main" showMasterSp="0" showMasterPhAnim="0">
   <p:cSld>
     <p:spTree>
       <p:nvGrpSpPr>
-        <p:cNvPr id="111" name="Shape 111"/>
+        <p:cNvPr id="1" name="Shape 80"/>
         <p:cNvGrpSpPr/>
         <p:nvPr/>
       </p:nvGrpSpPr>
@@ -2319,21 +2418,27 @@
       </p:grpSpPr>
       <p:sp>
         <p:nvSpPr>
-          <p:cNvPr id="112" name="Google Shape;112;g1dd2891729a_2_51:notes"/>
-          <p:cNvSpPr/>
+          <p:cNvPr id="81" name="Google Shape;81;g1dd2891729a_2_18:notes"/>
+          <p:cNvSpPr>
+            <a:spLocks noGrp="1" noRot="1" noChangeAspect="1"/>
+          </p:cNvSpPr>
           <p:nvPr>
-            <p:ph idx="2" type="sldImg"/>
+            <p:ph type="sldImg" idx="2"/>
           </p:nvPr>
         </p:nvSpPr>
         <p:spPr>
           <a:xfrm>
-            <a:off x="381300" y="685800"/>
+            <a:off x="381000" y="685800"/>
             <a:ext cx="6096000" cy="3429000"/>
           </a:xfrm>
           <a:custGeom>
-            <a:rect b="b" l="l" r="r" t="t"/>
+            <a:avLst/>
+            <a:gdLst/>
+            <a:ahLst/>
+            <a:cxnLst/>
+            <a:rect l="l" t="t" r="r" b="b"/>
             <a:pathLst>
-              <a:path extrusionOk="0" h="120000" w="120000">
+              <a:path w="120000" h="120000" extrusionOk="0">
                 <a:moveTo>
                   <a:pt x="0" y="0"/>
                 </a:moveTo>
@@ -2354,10 +2459,12 @@
       </p:sp>
       <p:sp>
         <p:nvSpPr>
-          <p:cNvPr id="113" name="Google Shape;113;g1dd2891729a_2_51:notes"/>
-          <p:cNvSpPr txBox="1"/>
+          <p:cNvPr id="82" name="Google Shape;82;g1dd2891729a_2_18:notes"/>
+          <p:cNvSpPr txBox="1">
+            <a:spLocks noGrp="1"/>
+          </p:cNvSpPr>
           <p:nvPr>
-            <p:ph idx="1" type="body"/>
+            <p:ph type="body" idx="1"/>
           </p:nvPr>
         </p:nvSpPr>
         <p:spPr>
@@ -2370,12 +2477,12 @@
           </a:prstGeom>
         </p:spPr>
         <p:txBody>
-          <a:bodyPr anchorCtr="0" anchor="t" bIns="91425" lIns="91425" spcFirstLastPara="1" rIns="91425" wrap="square" tIns="91425">
+          <a:bodyPr spcFirstLastPara="1" wrap="square" lIns="91425" tIns="91425" rIns="91425" bIns="91425" anchor="t" anchorCtr="0">
             <a:noAutofit/>
           </a:bodyPr>
           <a:lstStyle/>
           <a:p>
-            <a:pPr indent="0" lvl="0" marL="0" rtl="0" algn="l">
+            <a:pPr marL="0" lvl="0" indent="0" algn="l" rtl="0">
               <a:spcBef>
                 <a:spcPts val="0"/>
               </a:spcBef>
@@ -2384,9 +2491,422 @@
               </a:spcAft>
               <a:buNone/>
             </a:pPr>
-            <a:r>
-              <a:t/>
-            </a:r>
+            <a:endParaRPr/>
+          </a:p>
+        </p:txBody>
+      </p:sp>
+    </p:spTree>
+  </p:cSld>
+  <p:clrMapOvr>
+    <a:masterClrMapping/>
+  </p:clrMapOvr>
+</p:notes>
+</file>
+
+<file path=ppt/notesSlides/notesSlide6.xml><?xml version="1.0" encoding="utf-8"?>
+<p:notes xmlns:a="http://schemas.openxmlformats.org/drawingml/2006/main" xmlns:r="http://schemas.openxmlformats.org/officeDocument/2006/relationships" xmlns:p="http://schemas.openxmlformats.org/presentationml/2006/main" showMasterSp="0" showMasterPhAnim="0">
+  <p:cSld>
+    <p:spTree>
+      <p:nvGrpSpPr>
+        <p:cNvPr id="1" name="Shape 87"/>
+        <p:cNvGrpSpPr/>
+        <p:nvPr/>
+      </p:nvGrpSpPr>
+      <p:grpSpPr>
+        <a:xfrm>
+          <a:off x="0" y="0"/>
+          <a:ext cx="0" cy="0"/>
+          <a:chOff x="0" y="0"/>
+          <a:chExt cx="0" cy="0"/>
+        </a:xfrm>
+      </p:grpSpPr>
+      <p:sp>
+        <p:nvSpPr>
+          <p:cNvPr id="88" name="Google Shape;88;g1dd2891729a_1_10:notes"/>
+          <p:cNvSpPr>
+            <a:spLocks noGrp="1" noRot="1" noChangeAspect="1"/>
+          </p:cNvSpPr>
+          <p:nvPr>
+            <p:ph type="sldImg" idx="2"/>
+          </p:nvPr>
+        </p:nvSpPr>
+        <p:spPr>
+          <a:xfrm>
+            <a:off x="381000" y="685800"/>
+            <a:ext cx="6096000" cy="3429000"/>
+          </a:xfrm>
+          <a:custGeom>
+            <a:avLst/>
+            <a:gdLst/>
+            <a:ahLst/>
+            <a:cxnLst/>
+            <a:rect l="l" t="t" r="r" b="b"/>
+            <a:pathLst>
+              <a:path w="120000" h="120000" extrusionOk="0">
+                <a:moveTo>
+                  <a:pt x="0" y="0"/>
+                </a:moveTo>
+                <a:lnTo>
+                  <a:pt x="120000" y="0"/>
+                </a:lnTo>
+                <a:lnTo>
+                  <a:pt x="120000" y="120000"/>
+                </a:lnTo>
+                <a:lnTo>
+                  <a:pt x="0" y="120000"/>
+                </a:lnTo>
+                <a:close/>
+              </a:path>
+            </a:pathLst>
+          </a:custGeom>
+        </p:spPr>
+      </p:sp>
+      <p:sp>
+        <p:nvSpPr>
+          <p:cNvPr id="89" name="Google Shape;89;g1dd2891729a_1_10:notes"/>
+          <p:cNvSpPr txBox="1">
+            <a:spLocks noGrp="1"/>
+          </p:cNvSpPr>
+          <p:nvPr>
+            <p:ph type="body" idx="1"/>
+          </p:nvPr>
+        </p:nvSpPr>
+        <p:spPr>
+          <a:xfrm>
+            <a:off x="685800" y="4343400"/>
+            <a:ext cx="5486400" cy="4114800"/>
+          </a:xfrm>
+          <a:prstGeom prst="rect">
+            <a:avLst/>
+          </a:prstGeom>
+        </p:spPr>
+        <p:txBody>
+          <a:bodyPr spcFirstLastPara="1" wrap="square" lIns="91425" tIns="91425" rIns="91425" bIns="91425" anchor="t" anchorCtr="0">
+            <a:noAutofit/>
+          </a:bodyPr>
+          <a:lstStyle/>
+          <a:p>
+            <a:pPr marL="0" lvl="0" indent="0" algn="l" rtl="0">
+              <a:spcBef>
+                <a:spcPts val="0"/>
+              </a:spcBef>
+              <a:spcAft>
+                <a:spcPts val="0"/>
+              </a:spcAft>
+              <a:buNone/>
+            </a:pPr>
+            <a:endParaRPr/>
+          </a:p>
+        </p:txBody>
+      </p:sp>
+    </p:spTree>
+  </p:cSld>
+  <p:clrMapOvr>
+    <a:masterClrMapping/>
+  </p:clrMapOvr>
+</p:notes>
+</file>
+
+<file path=ppt/notesSlides/notesSlide7.xml><?xml version="1.0" encoding="utf-8"?>
+<p:notes xmlns:a="http://schemas.openxmlformats.org/drawingml/2006/main" xmlns:r="http://schemas.openxmlformats.org/officeDocument/2006/relationships" xmlns:p="http://schemas.openxmlformats.org/presentationml/2006/main" showMasterSp="0" showMasterPhAnim="0">
+  <p:cSld>
+    <p:spTree>
+      <p:nvGrpSpPr>
+        <p:cNvPr id="1" name="Shape 94"/>
+        <p:cNvGrpSpPr/>
+        <p:nvPr/>
+      </p:nvGrpSpPr>
+      <p:grpSpPr>
+        <a:xfrm>
+          <a:off x="0" y="0"/>
+          <a:ext cx="0" cy="0"/>
+          <a:chOff x="0" y="0"/>
+          <a:chExt cx="0" cy="0"/>
+        </a:xfrm>
+      </p:grpSpPr>
+      <p:sp>
+        <p:nvSpPr>
+          <p:cNvPr id="95" name="Google Shape;95;g20e94989249_0_10:notes"/>
+          <p:cNvSpPr>
+            <a:spLocks noGrp="1" noRot="1" noChangeAspect="1"/>
+          </p:cNvSpPr>
+          <p:nvPr>
+            <p:ph type="sldImg" idx="2"/>
+          </p:nvPr>
+        </p:nvSpPr>
+        <p:spPr>
+          <a:xfrm>
+            <a:off x="381000" y="685800"/>
+            <a:ext cx="6096000" cy="3429000"/>
+          </a:xfrm>
+          <a:custGeom>
+            <a:avLst/>
+            <a:gdLst/>
+            <a:ahLst/>
+            <a:cxnLst/>
+            <a:rect l="l" t="t" r="r" b="b"/>
+            <a:pathLst>
+              <a:path w="120000" h="120000" extrusionOk="0">
+                <a:moveTo>
+                  <a:pt x="0" y="0"/>
+                </a:moveTo>
+                <a:lnTo>
+                  <a:pt x="120000" y="0"/>
+                </a:lnTo>
+                <a:lnTo>
+                  <a:pt x="120000" y="120000"/>
+                </a:lnTo>
+                <a:lnTo>
+                  <a:pt x="0" y="120000"/>
+                </a:lnTo>
+                <a:close/>
+              </a:path>
+            </a:pathLst>
+          </a:custGeom>
+        </p:spPr>
+      </p:sp>
+      <p:sp>
+        <p:nvSpPr>
+          <p:cNvPr id="96" name="Google Shape;96;g20e94989249_0_10:notes"/>
+          <p:cNvSpPr txBox="1">
+            <a:spLocks noGrp="1"/>
+          </p:cNvSpPr>
+          <p:nvPr>
+            <p:ph type="body" idx="1"/>
+          </p:nvPr>
+        </p:nvSpPr>
+        <p:spPr>
+          <a:xfrm>
+            <a:off x="685800" y="4343400"/>
+            <a:ext cx="5486400" cy="4114800"/>
+          </a:xfrm>
+          <a:prstGeom prst="rect">
+            <a:avLst/>
+          </a:prstGeom>
+        </p:spPr>
+        <p:txBody>
+          <a:bodyPr spcFirstLastPara="1" wrap="square" lIns="91425" tIns="91425" rIns="91425" bIns="91425" anchor="t" anchorCtr="0">
+            <a:noAutofit/>
+          </a:bodyPr>
+          <a:lstStyle/>
+          <a:p>
+            <a:pPr marL="0" lvl="0" indent="0" algn="l" rtl="0">
+              <a:spcBef>
+                <a:spcPts val="0"/>
+              </a:spcBef>
+              <a:spcAft>
+                <a:spcPts val="0"/>
+              </a:spcAft>
+              <a:buNone/>
+            </a:pPr>
+            <a:endParaRPr/>
+          </a:p>
+        </p:txBody>
+      </p:sp>
+    </p:spTree>
+  </p:cSld>
+  <p:clrMapOvr>
+    <a:masterClrMapping/>
+  </p:clrMapOvr>
+</p:notes>
+</file>
+
+<file path=ppt/notesSlides/notesSlide8.xml><?xml version="1.0" encoding="utf-8"?>
+<p:notes xmlns:a="http://schemas.openxmlformats.org/drawingml/2006/main" xmlns:r="http://schemas.openxmlformats.org/officeDocument/2006/relationships" xmlns:p="http://schemas.openxmlformats.org/presentationml/2006/main" showMasterSp="0" showMasterPhAnim="0">
+  <p:cSld>
+    <p:spTree>
+      <p:nvGrpSpPr>
+        <p:cNvPr id="1" name="Shape 101"/>
+        <p:cNvGrpSpPr/>
+        <p:nvPr/>
+      </p:nvGrpSpPr>
+      <p:grpSpPr>
+        <a:xfrm>
+          <a:off x="0" y="0"/>
+          <a:ext cx="0" cy="0"/>
+          <a:chOff x="0" y="0"/>
+          <a:chExt cx="0" cy="0"/>
+        </a:xfrm>
+      </p:grpSpPr>
+      <p:sp>
+        <p:nvSpPr>
+          <p:cNvPr id="102" name="Google Shape;102;g1dd2891729a_1_16:notes"/>
+          <p:cNvSpPr>
+            <a:spLocks noGrp="1" noRot="1" noChangeAspect="1"/>
+          </p:cNvSpPr>
+          <p:nvPr>
+            <p:ph type="sldImg" idx="2"/>
+          </p:nvPr>
+        </p:nvSpPr>
+        <p:spPr>
+          <a:xfrm>
+            <a:off x="381000" y="685800"/>
+            <a:ext cx="6096000" cy="3429000"/>
+          </a:xfrm>
+          <a:custGeom>
+            <a:avLst/>
+            <a:gdLst/>
+            <a:ahLst/>
+            <a:cxnLst/>
+            <a:rect l="l" t="t" r="r" b="b"/>
+            <a:pathLst>
+              <a:path w="120000" h="120000" extrusionOk="0">
+                <a:moveTo>
+                  <a:pt x="0" y="0"/>
+                </a:moveTo>
+                <a:lnTo>
+                  <a:pt x="120000" y="0"/>
+                </a:lnTo>
+                <a:lnTo>
+                  <a:pt x="120000" y="120000"/>
+                </a:lnTo>
+                <a:lnTo>
+                  <a:pt x="0" y="120000"/>
+                </a:lnTo>
+                <a:close/>
+              </a:path>
+            </a:pathLst>
+          </a:custGeom>
+        </p:spPr>
+      </p:sp>
+      <p:sp>
+        <p:nvSpPr>
+          <p:cNvPr id="103" name="Google Shape;103;g1dd2891729a_1_16:notes"/>
+          <p:cNvSpPr txBox="1">
+            <a:spLocks noGrp="1"/>
+          </p:cNvSpPr>
+          <p:nvPr>
+            <p:ph type="body" idx="1"/>
+          </p:nvPr>
+        </p:nvSpPr>
+        <p:spPr>
+          <a:xfrm>
+            <a:off x="685800" y="4343400"/>
+            <a:ext cx="5486400" cy="4114800"/>
+          </a:xfrm>
+          <a:prstGeom prst="rect">
+            <a:avLst/>
+          </a:prstGeom>
+        </p:spPr>
+        <p:txBody>
+          <a:bodyPr spcFirstLastPara="1" wrap="square" lIns="91425" tIns="91425" rIns="91425" bIns="91425" anchor="t" anchorCtr="0">
+            <a:noAutofit/>
+          </a:bodyPr>
+          <a:lstStyle/>
+          <a:p>
+            <a:pPr marL="0" lvl="0" indent="0" algn="l" rtl="0">
+              <a:spcBef>
+                <a:spcPts val="0"/>
+              </a:spcBef>
+              <a:spcAft>
+                <a:spcPts val="0"/>
+              </a:spcAft>
+              <a:buNone/>
+            </a:pPr>
+            <a:endParaRPr/>
+          </a:p>
+        </p:txBody>
+      </p:sp>
+    </p:spTree>
+  </p:cSld>
+  <p:clrMapOvr>
+    <a:masterClrMapping/>
+  </p:clrMapOvr>
+</p:notes>
+</file>
+
+<file path=ppt/notesSlides/notesSlide9.xml><?xml version="1.0" encoding="utf-8"?>
+<p:notes xmlns:a="http://schemas.openxmlformats.org/drawingml/2006/main" xmlns:r="http://schemas.openxmlformats.org/officeDocument/2006/relationships" xmlns:p="http://schemas.openxmlformats.org/presentationml/2006/main" showMasterSp="0" showMasterPhAnim="0">
+  <p:cSld>
+    <p:spTree>
+      <p:nvGrpSpPr>
+        <p:cNvPr id="1" name="Shape 108"/>
+        <p:cNvGrpSpPr/>
+        <p:nvPr/>
+      </p:nvGrpSpPr>
+      <p:grpSpPr>
+        <a:xfrm>
+          <a:off x="0" y="0"/>
+          <a:ext cx="0" cy="0"/>
+          <a:chOff x="0" y="0"/>
+          <a:chExt cx="0" cy="0"/>
+        </a:xfrm>
+      </p:grpSpPr>
+      <p:sp>
+        <p:nvSpPr>
+          <p:cNvPr id="109" name="Google Shape;109;g20e94989249_0_24:notes"/>
+          <p:cNvSpPr>
+            <a:spLocks noGrp="1" noRot="1" noChangeAspect="1"/>
+          </p:cNvSpPr>
+          <p:nvPr>
+            <p:ph type="sldImg" idx="2"/>
+          </p:nvPr>
+        </p:nvSpPr>
+        <p:spPr>
+          <a:xfrm>
+            <a:off x="381000" y="685800"/>
+            <a:ext cx="6096000" cy="3429000"/>
+          </a:xfrm>
+          <a:custGeom>
+            <a:avLst/>
+            <a:gdLst/>
+            <a:ahLst/>
+            <a:cxnLst/>
+            <a:rect l="l" t="t" r="r" b="b"/>
+            <a:pathLst>
+              <a:path w="120000" h="120000" extrusionOk="0">
+                <a:moveTo>
+                  <a:pt x="0" y="0"/>
+                </a:moveTo>
+                <a:lnTo>
+                  <a:pt x="120000" y="0"/>
+                </a:lnTo>
+                <a:lnTo>
+                  <a:pt x="120000" y="120000"/>
+                </a:lnTo>
+                <a:lnTo>
+                  <a:pt x="0" y="120000"/>
+                </a:lnTo>
+                <a:close/>
+              </a:path>
+            </a:pathLst>
+          </a:custGeom>
+        </p:spPr>
+      </p:sp>
+      <p:sp>
+        <p:nvSpPr>
+          <p:cNvPr id="110" name="Google Shape;110;g20e94989249_0_24:notes"/>
+          <p:cNvSpPr txBox="1">
+            <a:spLocks noGrp="1"/>
+          </p:cNvSpPr>
+          <p:nvPr>
+            <p:ph type="body" idx="1"/>
+          </p:nvPr>
+        </p:nvSpPr>
+        <p:spPr>
+          <a:xfrm>
+            <a:off x="685800" y="4343400"/>
+            <a:ext cx="5486400" cy="4114800"/>
+          </a:xfrm>
+          <a:prstGeom prst="rect">
+            <a:avLst/>
+          </a:prstGeom>
+        </p:spPr>
+        <p:txBody>
+          <a:bodyPr spcFirstLastPara="1" wrap="square" lIns="91425" tIns="91425" rIns="91425" bIns="91425" anchor="t" anchorCtr="0">
+            <a:noAutofit/>
+          </a:bodyPr>
+          <a:lstStyle/>
+          <a:p>
+            <a:pPr marL="0" lvl="0" indent="0" algn="l" rtl="0">
+              <a:spcBef>
+                <a:spcPts val="0"/>
+              </a:spcBef>
+              <a:spcAft>
+                <a:spcPts val="0"/>
+              </a:spcAft>
+              <a:buNone/>
+            </a:pPr>
             <a:endParaRPr/>
           </a:p>
         </p:txBody>
@@ -2400,11 +2920,11 @@
 </file>
 
 <file path=ppt/slideLayouts/slideLayout1.xml><?xml version="1.0" encoding="utf-8"?>
-<p:sldLayout xmlns:a="http://schemas.openxmlformats.org/drawingml/2006/main" xmlns:r="http://schemas.openxmlformats.org/officeDocument/2006/relationships" xmlns:mc="http://schemas.openxmlformats.org/markup-compatibility/2006" xmlns:mv="urn:schemas-microsoft-com:mac:vml" xmlns:p="http://schemas.openxmlformats.org/presentationml/2006/main" xmlns:c="http://schemas.openxmlformats.org/drawingml/2006/chart" xmlns:dgm="http://schemas.openxmlformats.org/drawingml/2006/diagram" xmlns:o="urn:schemas-microsoft-com:office:office" xmlns:v="urn:schemas-microsoft-com:vml" xmlns:pvml="urn:schemas-microsoft-com:office:powerpoint" xmlns:com="http://schemas.openxmlformats.org/drawingml/2006/compatibility" xmlns:p14="http://schemas.microsoft.com/office/powerpoint/2010/main" xmlns:p15="http://schemas.microsoft.com/office/powerpoint/2012/main" xmlns:ahyp="http://schemas.microsoft.com/office/drawing/2018/hyperlinkcolor" matchingName="Title slide" type="title">
+<p:sldLayout xmlns:a="http://schemas.openxmlformats.org/drawingml/2006/main" xmlns:r="http://schemas.openxmlformats.org/officeDocument/2006/relationships" xmlns:p="http://schemas.openxmlformats.org/presentationml/2006/main" matchingName="Title slide" type="title">
   <p:cSld name="TITLE">
     <p:spTree>
       <p:nvGrpSpPr>
-        <p:cNvPr id="9" name="Shape 9"/>
+        <p:cNvPr id="1" name="Shape 9"/>
         <p:cNvGrpSpPr/>
         <p:nvPr/>
       </p:nvGrpSpPr>
@@ -2419,7 +2939,9 @@
       <p:sp>
         <p:nvSpPr>
           <p:cNvPr id="10" name="Google Shape;10;p2"/>
-          <p:cNvSpPr txBox="1"/>
+          <p:cNvSpPr txBox="1">
+            <a:spLocks noGrp="1"/>
+          </p:cNvSpPr>
           <p:nvPr>
             <p:ph type="ctrTitle"/>
           </p:nvPr>
@@ -2434,7 +2956,7 @@
           </a:prstGeom>
         </p:spPr>
         <p:txBody>
-          <a:bodyPr anchorCtr="0" anchor="b" bIns="91425" lIns="91425" spcFirstLastPara="1" rIns="91425" wrap="square" tIns="91425">
+          <a:bodyPr spcFirstLastPara="1" wrap="square" lIns="91425" tIns="91425" rIns="91425" bIns="91425" anchor="b" anchorCtr="0">
             <a:normAutofit/>
           </a:bodyPr>
           <a:lstStyle>
@@ -2538,15 +3060,19 @@
               <a:defRPr sz="5200"/>
             </a:lvl9pPr>
           </a:lstStyle>
-          <a:p/>
+          <a:p>
+            <a:endParaRPr/>
+          </a:p>
         </p:txBody>
       </p:sp>
       <p:sp>
         <p:nvSpPr>
           <p:cNvPr id="11" name="Google Shape;11;p2"/>
-          <p:cNvSpPr txBox="1"/>
+          <p:cNvSpPr txBox="1">
+            <a:spLocks noGrp="1"/>
+          </p:cNvSpPr>
           <p:nvPr>
-            <p:ph idx="1" type="subTitle"/>
+            <p:ph type="subTitle" idx="1"/>
           </p:nvPr>
         </p:nvSpPr>
         <p:spPr>
@@ -2559,7 +3085,7 @@
           </a:prstGeom>
         </p:spPr>
         <p:txBody>
-          <a:bodyPr anchorCtr="0" anchor="t" bIns="91425" lIns="91425" spcFirstLastPara="1" rIns="91425" wrap="square" tIns="91425">
+          <a:bodyPr spcFirstLastPara="1" wrap="square" lIns="91425" tIns="91425" rIns="91425" bIns="91425" anchor="t" anchorCtr="0">
             <a:normAutofit/>
           </a:bodyPr>
           <a:lstStyle>
@@ -2690,15 +3216,19 @@
               <a:defRPr sz="2800"/>
             </a:lvl9pPr>
           </a:lstStyle>
-          <a:p/>
+          <a:p>
+            <a:endParaRPr/>
+          </a:p>
         </p:txBody>
       </p:sp>
       <p:sp>
         <p:nvSpPr>
           <p:cNvPr id="12" name="Google Shape;12;p2"/>
-          <p:cNvSpPr txBox="1"/>
+          <p:cNvSpPr txBox="1">
+            <a:spLocks noGrp="1"/>
+          </p:cNvSpPr>
           <p:nvPr>
-            <p:ph idx="12" type="sldNum"/>
+            <p:ph type="sldNum" idx="12"/>
           </p:nvPr>
         </p:nvSpPr>
         <p:spPr>
@@ -2711,7 +3241,7 @@
           </a:prstGeom>
         </p:spPr>
         <p:txBody>
-          <a:bodyPr anchorCtr="0" anchor="ctr" bIns="91425" lIns="91425" spcFirstLastPara="1" rIns="91425" wrap="square" tIns="91425">
+          <a:bodyPr spcFirstLastPara="1" wrap="square" lIns="91425" tIns="91425" rIns="91425" bIns="91425" anchor="ctr" anchorCtr="0">
             <a:normAutofit/>
           </a:bodyPr>
           <a:lstStyle>
@@ -2753,7 +3283,7 @@
             </a:lvl9pPr>
           </a:lstStyle>
           <a:p>
-            <a:pPr indent="0" lvl="0" marL="0" rtl="0" algn="r">
+            <a:pPr marL="0" lvl="0" indent="0" algn="r" rtl="0">
               <a:spcBef>
                 <a:spcPts val="0"/>
               </a:spcBef>
@@ -2764,7 +3294,7 @@
             </a:pPr>
             <a:fld id="{00000000-1234-1234-1234-123412341234}" type="slidenum">
               <a:rPr lang="it"/>
-              <a:t>‹#›</a:t>
+              <a:t>‹N›</a:t>
             </a:fld>
             <a:endParaRPr/>
           </a:p>
@@ -2779,11 +3309,11 @@
 </file>
 
 <file path=ppt/slideLayouts/slideLayout10.xml><?xml version="1.0" encoding="utf-8"?>
-<p:sldLayout xmlns:a="http://schemas.openxmlformats.org/drawingml/2006/main" xmlns:r="http://schemas.openxmlformats.org/officeDocument/2006/relationships" xmlns:mc="http://schemas.openxmlformats.org/markup-compatibility/2006" xmlns:mv="urn:schemas-microsoft-com:mac:vml" xmlns:p="http://schemas.openxmlformats.org/presentationml/2006/main" xmlns:c="http://schemas.openxmlformats.org/drawingml/2006/chart" xmlns:dgm="http://schemas.openxmlformats.org/drawingml/2006/diagram" xmlns:o="urn:schemas-microsoft-com:office:office" xmlns:v="urn:schemas-microsoft-com:vml" xmlns:pvml="urn:schemas-microsoft-com:office:powerpoint" xmlns:com="http://schemas.openxmlformats.org/drawingml/2006/compatibility" xmlns:p14="http://schemas.microsoft.com/office/powerpoint/2010/main" xmlns:p15="http://schemas.microsoft.com/office/powerpoint/2012/main" xmlns:ahyp="http://schemas.microsoft.com/office/drawing/2018/hyperlinkcolor" matchingName="Big number">
+<p:sldLayout xmlns:a="http://schemas.openxmlformats.org/drawingml/2006/main" xmlns:r="http://schemas.openxmlformats.org/officeDocument/2006/relationships" xmlns:p="http://schemas.openxmlformats.org/presentationml/2006/main" matchingName="Big number">
   <p:cSld name="BIG_NUMBER">
     <p:spTree>
       <p:nvGrpSpPr>
-        <p:cNvPr id="44" name="Shape 44"/>
+        <p:cNvPr id="1" name="Shape 44"/>
         <p:cNvGrpSpPr/>
         <p:nvPr/>
       </p:nvGrpSpPr>
@@ -2798,9 +3328,11 @@
       <p:sp>
         <p:nvSpPr>
           <p:cNvPr id="45" name="Google Shape;45;p11"/>
-          <p:cNvSpPr txBox="1"/>
+          <p:cNvSpPr txBox="1">
+            <a:spLocks noGrp="1"/>
+          </p:cNvSpPr>
           <p:nvPr>
-            <p:ph hasCustomPrompt="1" type="title"/>
+            <p:ph type="title" hasCustomPrompt="1"/>
           </p:nvPr>
         </p:nvSpPr>
         <p:spPr>
@@ -2813,7 +3345,7 @@
           </a:prstGeom>
         </p:spPr>
         <p:txBody>
-          <a:bodyPr anchorCtr="0" anchor="b" bIns="91425" lIns="91425" spcFirstLastPara="1" rIns="91425" wrap="square" tIns="91425">
+          <a:bodyPr spcFirstLastPara="1" wrap="square" lIns="91425" tIns="91425" rIns="91425" bIns="91425" anchor="b" anchorCtr="0">
             <a:normAutofit/>
           </a:bodyPr>
           <a:lstStyle>
@@ -2927,9 +3459,11 @@
       <p:sp>
         <p:nvSpPr>
           <p:cNvPr id="46" name="Google Shape;46;p11"/>
-          <p:cNvSpPr txBox="1"/>
+          <p:cNvSpPr txBox="1">
+            <a:spLocks noGrp="1"/>
+          </p:cNvSpPr>
           <p:nvPr>
-            <p:ph idx="1" type="body"/>
+            <p:ph type="body" idx="1"/>
           </p:nvPr>
         </p:nvSpPr>
         <p:spPr>
@@ -2942,11 +3476,11 @@
           </a:prstGeom>
         </p:spPr>
         <p:txBody>
-          <a:bodyPr anchorCtr="0" anchor="t" bIns="91425" lIns="91425" spcFirstLastPara="1" rIns="91425" wrap="square" tIns="91425">
+          <a:bodyPr spcFirstLastPara="1" wrap="square" lIns="91425" tIns="91425" rIns="91425" bIns="91425" anchor="t" anchorCtr="0">
             <a:normAutofit/>
           </a:bodyPr>
           <a:lstStyle>
-            <a:lvl1pPr indent="-342900" lvl="0" marL="457200" algn="ctr">
+            <a:lvl1pPr marL="457200" lvl="0" indent="-342900" algn="ctr">
               <a:spcBef>
                 <a:spcPts val="0"/>
               </a:spcBef>
@@ -2957,7 +3491,7 @@
               <a:buChar char="●"/>
               <a:defRPr/>
             </a:lvl1pPr>
-            <a:lvl2pPr indent="-317500" lvl="1" marL="914400" algn="ctr">
+            <a:lvl2pPr marL="914400" lvl="1" indent="-317500" algn="ctr">
               <a:spcBef>
                 <a:spcPts val="0"/>
               </a:spcBef>
@@ -2968,7 +3502,7 @@
               <a:buChar char="○"/>
               <a:defRPr/>
             </a:lvl2pPr>
-            <a:lvl3pPr indent="-317500" lvl="2" marL="1371600" algn="ctr">
+            <a:lvl3pPr marL="1371600" lvl="2" indent="-317500" algn="ctr">
               <a:spcBef>
                 <a:spcPts val="0"/>
               </a:spcBef>
@@ -2979,7 +3513,7 @@
               <a:buChar char="■"/>
               <a:defRPr/>
             </a:lvl3pPr>
-            <a:lvl4pPr indent="-317500" lvl="3" marL="1828800" algn="ctr">
+            <a:lvl4pPr marL="1828800" lvl="3" indent="-317500" algn="ctr">
               <a:spcBef>
                 <a:spcPts val="0"/>
               </a:spcBef>
@@ -2990,7 +3524,7 @@
               <a:buChar char="●"/>
               <a:defRPr/>
             </a:lvl4pPr>
-            <a:lvl5pPr indent="-317500" lvl="4" marL="2286000" algn="ctr">
+            <a:lvl5pPr marL="2286000" lvl="4" indent="-317500" algn="ctr">
               <a:spcBef>
                 <a:spcPts val="0"/>
               </a:spcBef>
@@ -3001,7 +3535,7 @@
               <a:buChar char="○"/>
               <a:defRPr/>
             </a:lvl5pPr>
-            <a:lvl6pPr indent="-317500" lvl="5" marL="2743200" algn="ctr">
+            <a:lvl6pPr marL="2743200" lvl="5" indent="-317500" algn="ctr">
               <a:spcBef>
                 <a:spcPts val="0"/>
               </a:spcBef>
@@ -3012,7 +3546,7 @@
               <a:buChar char="■"/>
               <a:defRPr/>
             </a:lvl6pPr>
-            <a:lvl7pPr indent="-317500" lvl="6" marL="3200400" algn="ctr">
+            <a:lvl7pPr marL="3200400" lvl="6" indent="-317500" algn="ctr">
               <a:spcBef>
                 <a:spcPts val="0"/>
               </a:spcBef>
@@ -3023,7 +3557,7 @@
               <a:buChar char="●"/>
               <a:defRPr/>
             </a:lvl7pPr>
-            <a:lvl8pPr indent="-317500" lvl="7" marL="3657600" algn="ctr">
+            <a:lvl8pPr marL="3657600" lvl="7" indent="-317500" algn="ctr">
               <a:spcBef>
                 <a:spcPts val="0"/>
               </a:spcBef>
@@ -3034,7 +3568,7 @@
               <a:buChar char="○"/>
               <a:defRPr/>
             </a:lvl8pPr>
-            <a:lvl9pPr indent="-317500" lvl="8" marL="4114800" algn="ctr">
+            <a:lvl9pPr marL="4114800" lvl="8" indent="-317500" algn="ctr">
               <a:spcBef>
                 <a:spcPts val="0"/>
               </a:spcBef>
@@ -3046,15 +3580,19 @@
               <a:defRPr/>
             </a:lvl9pPr>
           </a:lstStyle>
-          <a:p/>
+          <a:p>
+            <a:endParaRPr/>
+          </a:p>
         </p:txBody>
       </p:sp>
       <p:sp>
         <p:nvSpPr>
           <p:cNvPr id="47" name="Google Shape;47;p11"/>
-          <p:cNvSpPr txBox="1"/>
+          <p:cNvSpPr txBox="1">
+            <a:spLocks noGrp="1"/>
+          </p:cNvSpPr>
           <p:nvPr>
-            <p:ph idx="12" type="sldNum"/>
+            <p:ph type="sldNum" idx="12"/>
           </p:nvPr>
         </p:nvSpPr>
         <p:spPr>
@@ -3067,7 +3605,7 @@
           </a:prstGeom>
         </p:spPr>
         <p:txBody>
-          <a:bodyPr anchorCtr="0" anchor="ctr" bIns="91425" lIns="91425" spcFirstLastPara="1" rIns="91425" wrap="square" tIns="91425">
+          <a:bodyPr spcFirstLastPara="1" wrap="square" lIns="91425" tIns="91425" rIns="91425" bIns="91425" anchor="ctr" anchorCtr="0">
             <a:normAutofit/>
           </a:bodyPr>
           <a:lstStyle>
@@ -3109,7 +3647,7 @@
             </a:lvl9pPr>
           </a:lstStyle>
           <a:p>
-            <a:pPr indent="0" lvl="0" marL="0" rtl="0" algn="r">
+            <a:pPr marL="0" lvl="0" indent="0" algn="r" rtl="0">
               <a:spcBef>
                 <a:spcPts val="0"/>
               </a:spcBef>
@@ -3120,7 +3658,7 @@
             </a:pPr>
             <a:fld id="{00000000-1234-1234-1234-123412341234}" type="slidenum">
               <a:rPr lang="it"/>
-              <a:t>‹#›</a:t>
+              <a:t>‹N›</a:t>
             </a:fld>
             <a:endParaRPr/>
           </a:p>
@@ -3135,11 +3673,11 @@
 </file>
 
 <file path=ppt/slideLayouts/slideLayout11.xml><?xml version="1.0" encoding="utf-8"?>
-<p:sldLayout xmlns:a="http://schemas.openxmlformats.org/drawingml/2006/main" xmlns:r="http://schemas.openxmlformats.org/officeDocument/2006/relationships" xmlns:mc="http://schemas.openxmlformats.org/markup-compatibility/2006" xmlns:mv="urn:schemas-microsoft-com:mac:vml" xmlns:p="http://schemas.openxmlformats.org/presentationml/2006/main" xmlns:c="http://schemas.openxmlformats.org/drawingml/2006/chart" xmlns:dgm="http://schemas.openxmlformats.org/drawingml/2006/diagram" xmlns:o="urn:schemas-microsoft-com:office:office" xmlns:v="urn:schemas-microsoft-com:vml" xmlns:pvml="urn:schemas-microsoft-com:office:powerpoint" xmlns:com="http://schemas.openxmlformats.org/drawingml/2006/compatibility" xmlns:p14="http://schemas.microsoft.com/office/powerpoint/2010/main" xmlns:p15="http://schemas.microsoft.com/office/powerpoint/2012/main" xmlns:ahyp="http://schemas.microsoft.com/office/drawing/2018/hyperlinkcolor" matchingName="Blank" type="blank">
+<p:sldLayout xmlns:a="http://schemas.openxmlformats.org/drawingml/2006/main" xmlns:r="http://schemas.openxmlformats.org/officeDocument/2006/relationships" xmlns:p="http://schemas.openxmlformats.org/presentationml/2006/main" matchingName="Blank" type="blank">
   <p:cSld name="BLANK">
     <p:spTree>
       <p:nvGrpSpPr>
-        <p:cNvPr id="48" name="Shape 48"/>
+        <p:cNvPr id="1" name="Shape 48"/>
         <p:cNvGrpSpPr/>
         <p:nvPr/>
       </p:nvGrpSpPr>
@@ -3154,9 +3692,11 @@
       <p:sp>
         <p:nvSpPr>
           <p:cNvPr id="49" name="Google Shape;49;p12"/>
-          <p:cNvSpPr txBox="1"/>
+          <p:cNvSpPr txBox="1">
+            <a:spLocks noGrp="1"/>
+          </p:cNvSpPr>
           <p:nvPr>
-            <p:ph idx="12" type="sldNum"/>
+            <p:ph type="sldNum" idx="12"/>
           </p:nvPr>
         </p:nvSpPr>
         <p:spPr>
@@ -3169,7 +3709,7 @@
           </a:prstGeom>
         </p:spPr>
         <p:txBody>
-          <a:bodyPr anchorCtr="0" anchor="ctr" bIns="91425" lIns="91425" spcFirstLastPara="1" rIns="91425" wrap="square" tIns="91425">
+          <a:bodyPr spcFirstLastPara="1" wrap="square" lIns="91425" tIns="91425" rIns="91425" bIns="91425" anchor="ctr" anchorCtr="0">
             <a:normAutofit/>
           </a:bodyPr>
           <a:lstStyle>
@@ -3211,7 +3751,7 @@
             </a:lvl9pPr>
           </a:lstStyle>
           <a:p>
-            <a:pPr indent="0" lvl="0" marL="0" rtl="0" algn="r">
+            <a:pPr marL="0" lvl="0" indent="0" algn="r" rtl="0">
               <a:spcBef>
                 <a:spcPts val="0"/>
               </a:spcBef>
@@ -3222,7 +3762,7 @@
             </a:pPr>
             <a:fld id="{00000000-1234-1234-1234-123412341234}" type="slidenum">
               <a:rPr lang="it"/>
-              <a:t>‹#›</a:t>
+              <a:t>‹N›</a:t>
             </a:fld>
             <a:endParaRPr/>
           </a:p>
@@ -3237,11 +3777,11 @@
 </file>
 
 <file path=ppt/slideLayouts/slideLayout2.xml><?xml version="1.0" encoding="utf-8"?>
-<p:sldLayout xmlns:a="http://schemas.openxmlformats.org/drawingml/2006/main" xmlns:r="http://schemas.openxmlformats.org/officeDocument/2006/relationships" xmlns:mc="http://schemas.openxmlformats.org/markup-compatibility/2006" xmlns:mv="urn:schemas-microsoft-com:mac:vml" xmlns:p="http://schemas.openxmlformats.org/presentationml/2006/main" xmlns:c="http://schemas.openxmlformats.org/drawingml/2006/chart" xmlns:dgm="http://schemas.openxmlformats.org/drawingml/2006/diagram" xmlns:o="urn:schemas-microsoft-com:office:office" xmlns:v="urn:schemas-microsoft-com:vml" xmlns:pvml="urn:schemas-microsoft-com:office:powerpoint" xmlns:com="http://schemas.openxmlformats.org/drawingml/2006/compatibility" xmlns:p14="http://schemas.microsoft.com/office/powerpoint/2010/main" xmlns:p15="http://schemas.microsoft.com/office/powerpoint/2012/main" xmlns:ahyp="http://schemas.microsoft.com/office/drawing/2018/hyperlinkcolor" matchingName="Section header" type="secHead">
+<p:sldLayout xmlns:a="http://schemas.openxmlformats.org/drawingml/2006/main" xmlns:r="http://schemas.openxmlformats.org/officeDocument/2006/relationships" xmlns:p="http://schemas.openxmlformats.org/presentationml/2006/main" matchingName="Section header" type="secHead">
   <p:cSld name="SECTION_HEADER">
     <p:spTree>
       <p:nvGrpSpPr>
-        <p:cNvPr id="13" name="Shape 13"/>
+        <p:cNvPr id="1" name="Shape 13"/>
         <p:cNvGrpSpPr/>
         <p:nvPr/>
       </p:nvGrpSpPr>
@@ -3256,7 +3796,9 @@
       <p:sp>
         <p:nvSpPr>
           <p:cNvPr id="14" name="Google Shape;14;p3"/>
-          <p:cNvSpPr txBox="1"/>
+          <p:cNvSpPr txBox="1">
+            <a:spLocks noGrp="1"/>
+          </p:cNvSpPr>
           <p:nvPr>
             <p:ph type="title"/>
           </p:nvPr>
@@ -3271,7 +3813,7 @@
           </a:prstGeom>
         </p:spPr>
         <p:txBody>
-          <a:bodyPr anchorCtr="0" anchor="ctr" bIns="91425" lIns="91425" spcFirstLastPara="1" rIns="91425" wrap="square" tIns="91425">
+          <a:bodyPr spcFirstLastPara="1" wrap="square" lIns="91425" tIns="91425" rIns="91425" bIns="91425" anchor="ctr" anchorCtr="0">
             <a:normAutofit/>
           </a:bodyPr>
           <a:lstStyle>
@@ -3375,15 +3917,19 @@
               <a:defRPr sz="3600"/>
             </a:lvl9pPr>
           </a:lstStyle>
-          <a:p/>
+          <a:p>
+            <a:endParaRPr/>
+          </a:p>
         </p:txBody>
       </p:sp>
       <p:sp>
         <p:nvSpPr>
           <p:cNvPr id="15" name="Google Shape;15;p3"/>
-          <p:cNvSpPr txBox="1"/>
+          <p:cNvSpPr txBox="1">
+            <a:spLocks noGrp="1"/>
+          </p:cNvSpPr>
           <p:nvPr>
-            <p:ph idx="12" type="sldNum"/>
+            <p:ph type="sldNum" idx="12"/>
           </p:nvPr>
         </p:nvSpPr>
         <p:spPr>
@@ -3396,7 +3942,7 @@
           </a:prstGeom>
         </p:spPr>
         <p:txBody>
-          <a:bodyPr anchorCtr="0" anchor="ctr" bIns="91425" lIns="91425" spcFirstLastPara="1" rIns="91425" wrap="square" tIns="91425">
+          <a:bodyPr spcFirstLastPara="1" wrap="square" lIns="91425" tIns="91425" rIns="91425" bIns="91425" anchor="ctr" anchorCtr="0">
             <a:normAutofit/>
           </a:bodyPr>
           <a:lstStyle>
@@ -3438,7 +3984,7 @@
             </a:lvl9pPr>
           </a:lstStyle>
           <a:p>
-            <a:pPr indent="0" lvl="0" marL="0" rtl="0" algn="r">
+            <a:pPr marL="0" lvl="0" indent="0" algn="r" rtl="0">
               <a:spcBef>
                 <a:spcPts val="0"/>
               </a:spcBef>
@@ -3449,7 +3995,7 @@
             </a:pPr>
             <a:fld id="{00000000-1234-1234-1234-123412341234}" type="slidenum">
               <a:rPr lang="it"/>
-              <a:t>‹#›</a:t>
+              <a:t>‹N›</a:t>
             </a:fld>
             <a:endParaRPr/>
           </a:p>
@@ -3464,11 +4010,11 @@
 </file>
 
 <file path=ppt/slideLayouts/slideLayout3.xml><?xml version="1.0" encoding="utf-8"?>
-<p:sldLayout xmlns:a="http://schemas.openxmlformats.org/drawingml/2006/main" xmlns:r="http://schemas.openxmlformats.org/officeDocument/2006/relationships" xmlns:mc="http://schemas.openxmlformats.org/markup-compatibility/2006" xmlns:mv="urn:schemas-microsoft-com:mac:vml" xmlns:p="http://schemas.openxmlformats.org/presentationml/2006/main" xmlns:c="http://schemas.openxmlformats.org/drawingml/2006/chart" xmlns:dgm="http://schemas.openxmlformats.org/drawingml/2006/diagram" xmlns:o="urn:schemas-microsoft-com:office:office" xmlns:v="urn:schemas-microsoft-com:vml" xmlns:pvml="urn:schemas-microsoft-com:office:powerpoint" xmlns:com="http://schemas.openxmlformats.org/drawingml/2006/compatibility" xmlns:p14="http://schemas.microsoft.com/office/powerpoint/2010/main" xmlns:p15="http://schemas.microsoft.com/office/powerpoint/2012/main" xmlns:ahyp="http://schemas.microsoft.com/office/drawing/2018/hyperlinkcolor" matchingName="Title and body" type="tx">
+<p:sldLayout xmlns:a="http://schemas.openxmlformats.org/drawingml/2006/main" xmlns:r="http://schemas.openxmlformats.org/officeDocument/2006/relationships" xmlns:p="http://schemas.openxmlformats.org/presentationml/2006/main" matchingName="Title and body" type="tx">
   <p:cSld name="TITLE_AND_BODY">
     <p:spTree>
       <p:nvGrpSpPr>
-        <p:cNvPr id="16" name="Shape 16"/>
+        <p:cNvPr id="1" name="Shape 16"/>
         <p:cNvGrpSpPr/>
         <p:nvPr/>
       </p:nvGrpSpPr>
@@ -3483,7 +4029,9 @@
       <p:sp>
         <p:nvSpPr>
           <p:cNvPr id="17" name="Google Shape;17;p4"/>
-          <p:cNvSpPr txBox="1"/>
+          <p:cNvSpPr txBox="1">
+            <a:spLocks noGrp="1"/>
+          </p:cNvSpPr>
           <p:nvPr>
             <p:ph type="title"/>
           </p:nvPr>
@@ -3498,7 +4046,7 @@
           </a:prstGeom>
         </p:spPr>
         <p:txBody>
-          <a:bodyPr anchorCtr="0" anchor="t" bIns="91425" lIns="91425" spcFirstLastPara="1" rIns="91425" wrap="square" tIns="91425">
+          <a:bodyPr spcFirstLastPara="1" wrap="square" lIns="91425" tIns="91425" rIns="91425" bIns="91425" anchor="t" anchorCtr="0">
             <a:normAutofit/>
           </a:bodyPr>
           <a:lstStyle>
@@ -3602,15 +4150,19 @@
               <a:defRPr/>
             </a:lvl9pPr>
           </a:lstStyle>
-          <a:p/>
+          <a:p>
+            <a:endParaRPr/>
+          </a:p>
         </p:txBody>
       </p:sp>
       <p:sp>
         <p:nvSpPr>
           <p:cNvPr id="18" name="Google Shape;18;p4"/>
-          <p:cNvSpPr txBox="1"/>
+          <p:cNvSpPr txBox="1">
+            <a:spLocks noGrp="1"/>
+          </p:cNvSpPr>
           <p:nvPr>
-            <p:ph idx="1" type="body"/>
+            <p:ph type="body" idx="1"/>
           </p:nvPr>
         </p:nvSpPr>
         <p:spPr>
@@ -3623,11 +4175,11 @@
           </a:prstGeom>
         </p:spPr>
         <p:txBody>
-          <a:bodyPr anchorCtr="0" anchor="t" bIns="91425" lIns="91425" spcFirstLastPara="1" rIns="91425" wrap="square" tIns="91425">
+          <a:bodyPr spcFirstLastPara="1" wrap="square" lIns="91425" tIns="91425" rIns="91425" bIns="91425" anchor="t" anchorCtr="0">
             <a:normAutofit/>
           </a:bodyPr>
           <a:lstStyle>
-            <a:lvl1pPr indent="-342900" lvl="0" marL="457200">
+            <a:lvl1pPr marL="457200" lvl="0" indent="-342900">
               <a:spcBef>
                 <a:spcPts val="0"/>
               </a:spcBef>
@@ -3638,7 +4190,7 @@
               <a:buChar char="●"/>
               <a:defRPr/>
             </a:lvl1pPr>
-            <a:lvl2pPr indent="-317500" lvl="1" marL="914400">
+            <a:lvl2pPr marL="914400" lvl="1" indent="-317500">
               <a:spcBef>
                 <a:spcPts val="0"/>
               </a:spcBef>
@@ -3649,7 +4201,7 @@
               <a:buChar char="○"/>
               <a:defRPr/>
             </a:lvl2pPr>
-            <a:lvl3pPr indent="-317500" lvl="2" marL="1371600">
+            <a:lvl3pPr marL="1371600" lvl="2" indent="-317500">
               <a:spcBef>
                 <a:spcPts val="0"/>
               </a:spcBef>
@@ -3660,7 +4212,7 @@
               <a:buChar char="■"/>
               <a:defRPr/>
             </a:lvl3pPr>
-            <a:lvl4pPr indent="-317500" lvl="3" marL="1828800">
+            <a:lvl4pPr marL="1828800" lvl="3" indent="-317500">
               <a:spcBef>
                 <a:spcPts val="0"/>
               </a:spcBef>
@@ -3671,7 +4223,7 @@
               <a:buChar char="●"/>
               <a:defRPr/>
             </a:lvl4pPr>
-            <a:lvl5pPr indent="-317500" lvl="4" marL="2286000">
+            <a:lvl5pPr marL="2286000" lvl="4" indent="-317500">
               <a:spcBef>
                 <a:spcPts val="0"/>
               </a:spcBef>
@@ -3682,7 +4234,7 @@
               <a:buChar char="○"/>
               <a:defRPr/>
             </a:lvl5pPr>
-            <a:lvl6pPr indent="-317500" lvl="5" marL="2743200">
+            <a:lvl6pPr marL="2743200" lvl="5" indent="-317500">
               <a:spcBef>
                 <a:spcPts val="0"/>
               </a:spcBef>
@@ -3693,7 +4245,7 @@
               <a:buChar char="■"/>
               <a:defRPr/>
             </a:lvl6pPr>
-            <a:lvl7pPr indent="-317500" lvl="6" marL="3200400">
+            <a:lvl7pPr marL="3200400" lvl="6" indent="-317500">
               <a:spcBef>
                 <a:spcPts val="0"/>
               </a:spcBef>
@@ -3704,7 +4256,7 @@
               <a:buChar char="●"/>
               <a:defRPr/>
             </a:lvl7pPr>
-            <a:lvl8pPr indent="-317500" lvl="7" marL="3657600">
+            <a:lvl8pPr marL="3657600" lvl="7" indent="-317500">
               <a:spcBef>
                 <a:spcPts val="0"/>
               </a:spcBef>
@@ -3715,7 +4267,7 @@
               <a:buChar char="○"/>
               <a:defRPr/>
             </a:lvl8pPr>
-            <a:lvl9pPr indent="-317500" lvl="8" marL="4114800">
+            <a:lvl9pPr marL="4114800" lvl="8" indent="-317500">
               <a:spcBef>
                 <a:spcPts val="0"/>
               </a:spcBef>
@@ -3727,15 +4279,19 @@
               <a:defRPr/>
             </a:lvl9pPr>
           </a:lstStyle>
-          <a:p/>
+          <a:p>
+            <a:endParaRPr/>
+          </a:p>
         </p:txBody>
       </p:sp>
       <p:sp>
         <p:nvSpPr>
           <p:cNvPr id="19" name="Google Shape;19;p4"/>
-          <p:cNvSpPr txBox="1"/>
+          <p:cNvSpPr txBox="1">
+            <a:spLocks noGrp="1"/>
+          </p:cNvSpPr>
           <p:nvPr>
-            <p:ph idx="12" type="sldNum"/>
+            <p:ph type="sldNum" idx="12"/>
           </p:nvPr>
         </p:nvSpPr>
         <p:spPr>
@@ -3748,7 +4304,7 @@
           </a:prstGeom>
         </p:spPr>
         <p:txBody>
-          <a:bodyPr anchorCtr="0" anchor="ctr" bIns="91425" lIns="91425" spcFirstLastPara="1" rIns="91425" wrap="square" tIns="91425">
+          <a:bodyPr spcFirstLastPara="1" wrap="square" lIns="91425" tIns="91425" rIns="91425" bIns="91425" anchor="ctr" anchorCtr="0">
             <a:normAutofit/>
           </a:bodyPr>
           <a:lstStyle>
@@ -3790,7 +4346,7 @@
             </a:lvl9pPr>
           </a:lstStyle>
           <a:p>
-            <a:pPr indent="0" lvl="0" marL="0" rtl="0" algn="r">
+            <a:pPr marL="0" lvl="0" indent="0" algn="r" rtl="0">
               <a:spcBef>
                 <a:spcPts val="0"/>
               </a:spcBef>
@@ -3801,7 +4357,7 @@
             </a:pPr>
             <a:fld id="{00000000-1234-1234-1234-123412341234}" type="slidenum">
               <a:rPr lang="it"/>
-              <a:t>‹#›</a:t>
+              <a:t>‹N›</a:t>
             </a:fld>
             <a:endParaRPr/>
           </a:p>
@@ -3816,11 +4372,11 @@
 </file>
 
 <file path=ppt/slideLayouts/slideLayout4.xml><?xml version="1.0" encoding="utf-8"?>
-<p:sldLayout xmlns:a="http://schemas.openxmlformats.org/drawingml/2006/main" xmlns:r="http://schemas.openxmlformats.org/officeDocument/2006/relationships" xmlns:mc="http://schemas.openxmlformats.org/markup-compatibility/2006" xmlns:mv="urn:schemas-microsoft-com:mac:vml" xmlns:p="http://schemas.openxmlformats.org/presentationml/2006/main" xmlns:c="http://schemas.openxmlformats.org/drawingml/2006/chart" xmlns:dgm="http://schemas.openxmlformats.org/drawingml/2006/diagram" xmlns:o="urn:schemas-microsoft-com:office:office" xmlns:v="urn:schemas-microsoft-com:vml" xmlns:pvml="urn:schemas-microsoft-com:office:powerpoint" xmlns:com="http://schemas.openxmlformats.org/drawingml/2006/compatibility" xmlns:p14="http://schemas.microsoft.com/office/powerpoint/2010/main" xmlns:p15="http://schemas.microsoft.com/office/powerpoint/2012/main" xmlns:ahyp="http://schemas.microsoft.com/office/drawing/2018/hyperlinkcolor" matchingName="Title and two columns" type="twoColTx">
+<p:sldLayout xmlns:a="http://schemas.openxmlformats.org/drawingml/2006/main" xmlns:r="http://schemas.openxmlformats.org/officeDocument/2006/relationships" xmlns:p="http://schemas.openxmlformats.org/presentationml/2006/main" matchingName="Title and two columns" type="twoColTx">
   <p:cSld name="TITLE_AND_TWO_COLUMNS">
     <p:spTree>
       <p:nvGrpSpPr>
-        <p:cNvPr id="20" name="Shape 20"/>
+        <p:cNvPr id="1" name="Shape 20"/>
         <p:cNvGrpSpPr/>
         <p:nvPr/>
       </p:nvGrpSpPr>
@@ -3835,7 +4391,9 @@
       <p:sp>
         <p:nvSpPr>
           <p:cNvPr id="21" name="Google Shape;21;p5"/>
-          <p:cNvSpPr txBox="1"/>
+          <p:cNvSpPr txBox="1">
+            <a:spLocks noGrp="1"/>
+          </p:cNvSpPr>
           <p:nvPr>
             <p:ph type="title"/>
           </p:nvPr>
@@ -3850,7 +4408,7 @@
           </a:prstGeom>
         </p:spPr>
         <p:txBody>
-          <a:bodyPr anchorCtr="0" anchor="t" bIns="91425" lIns="91425" spcFirstLastPara="1" rIns="91425" wrap="square" tIns="91425">
+          <a:bodyPr spcFirstLastPara="1" wrap="square" lIns="91425" tIns="91425" rIns="91425" bIns="91425" anchor="t" anchorCtr="0">
             <a:normAutofit/>
           </a:bodyPr>
           <a:lstStyle>
@@ -3954,15 +4512,19 @@
               <a:defRPr/>
             </a:lvl9pPr>
           </a:lstStyle>
-          <a:p/>
+          <a:p>
+            <a:endParaRPr/>
+          </a:p>
         </p:txBody>
       </p:sp>
       <p:sp>
         <p:nvSpPr>
           <p:cNvPr id="22" name="Google Shape;22;p5"/>
-          <p:cNvSpPr txBox="1"/>
+          <p:cNvSpPr txBox="1">
+            <a:spLocks noGrp="1"/>
+          </p:cNvSpPr>
           <p:nvPr>
-            <p:ph idx="1" type="body"/>
+            <p:ph type="body" idx="1"/>
           </p:nvPr>
         </p:nvSpPr>
         <p:spPr>
@@ -3975,11 +4537,11 @@
           </a:prstGeom>
         </p:spPr>
         <p:txBody>
-          <a:bodyPr anchorCtr="0" anchor="t" bIns="91425" lIns="91425" spcFirstLastPara="1" rIns="91425" wrap="square" tIns="91425">
+          <a:bodyPr spcFirstLastPara="1" wrap="square" lIns="91425" tIns="91425" rIns="91425" bIns="91425" anchor="t" anchorCtr="0">
             <a:normAutofit/>
           </a:bodyPr>
           <a:lstStyle>
-            <a:lvl1pPr indent="-317500" lvl="0" marL="457200">
+            <a:lvl1pPr marL="457200" lvl="0" indent="-317500">
               <a:spcBef>
                 <a:spcPts val="0"/>
               </a:spcBef>
@@ -3990,7 +4552,7 @@
               <a:buChar char="●"/>
               <a:defRPr sz="1400"/>
             </a:lvl1pPr>
-            <a:lvl2pPr indent="-304800" lvl="1" marL="914400">
+            <a:lvl2pPr marL="914400" lvl="1" indent="-304800">
               <a:spcBef>
                 <a:spcPts val="0"/>
               </a:spcBef>
@@ -4001,7 +4563,7 @@
               <a:buChar char="○"/>
               <a:defRPr sz="1200"/>
             </a:lvl2pPr>
-            <a:lvl3pPr indent="-304800" lvl="2" marL="1371600">
+            <a:lvl3pPr marL="1371600" lvl="2" indent="-304800">
               <a:spcBef>
                 <a:spcPts val="0"/>
               </a:spcBef>
@@ -4012,7 +4574,7 @@
               <a:buChar char="■"/>
               <a:defRPr sz="1200"/>
             </a:lvl3pPr>
-            <a:lvl4pPr indent="-304800" lvl="3" marL="1828800">
+            <a:lvl4pPr marL="1828800" lvl="3" indent="-304800">
               <a:spcBef>
                 <a:spcPts val="0"/>
               </a:spcBef>
@@ -4023,7 +4585,7 @@
               <a:buChar char="●"/>
               <a:defRPr sz="1200"/>
             </a:lvl4pPr>
-            <a:lvl5pPr indent="-304800" lvl="4" marL="2286000">
+            <a:lvl5pPr marL="2286000" lvl="4" indent="-304800">
               <a:spcBef>
                 <a:spcPts val="0"/>
               </a:spcBef>
@@ -4034,7 +4596,7 @@
               <a:buChar char="○"/>
               <a:defRPr sz="1200"/>
             </a:lvl5pPr>
-            <a:lvl6pPr indent="-304800" lvl="5" marL="2743200">
+            <a:lvl6pPr marL="2743200" lvl="5" indent="-304800">
               <a:spcBef>
                 <a:spcPts val="0"/>
               </a:spcBef>
@@ -4045,7 +4607,7 @@
               <a:buChar char="■"/>
               <a:defRPr sz="1200"/>
             </a:lvl6pPr>
-            <a:lvl7pPr indent="-304800" lvl="6" marL="3200400">
+            <a:lvl7pPr marL="3200400" lvl="6" indent="-304800">
               <a:spcBef>
                 <a:spcPts val="0"/>
               </a:spcBef>
@@ -4056,7 +4618,7 @@
               <a:buChar char="●"/>
               <a:defRPr sz="1200"/>
             </a:lvl7pPr>
-            <a:lvl8pPr indent="-304800" lvl="7" marL="3657600">
+            <a:lvl8pPr marL="3657600" lvl="7" indent="-304800">
               <a:spcBef>
                 <a:spcPts val="0"/>
               </a:spcBef>
@@ -4067,7 +4629,7 @@
               <a:buChar char="○"/>
               <a:defRPr sz="1200"/>
             </a:lvl8pPr>
-            <a:lvl9pPr indent="-304800" lvl="8" marL="4114800">
+            <a:lvl9pPr marL="4114800" lvl="8" indent="-304800">
               <a:spcBef>
                 <a:spcPts val="0"/>
               </a:spcBef>
@@ -4079,15 +4641,19 @@
               <a:defRPr sz="1200"/>
             </a:lvl9pPr>
           </a:lstStyle>
-          <a:p/>
+          <a:p>
+            <a:endParaRPr/>
+          </a:p>
         </p:txBody>
       </p:sp>
       <p:sp>
         <p:nvSpPr>
           <p:cNvPr id="23" name="Google Shape;23;p5"/>
-          <p:cNvSpPr txBox="1"/>
+          <p:cNvSpPr txBox="1">
+            <a:spLocks noGrp="1"/>
+          </p:cNvSpPr>
           <p:nvPr>
-            <p:ph idx="2" type="body"/>
+            <p:ph type="body" idx="2"/>
           </p:nvPr>
         </p:nvSpPr>
         <p:spPr>
@@ -4100,11 +4666,11 @@
           </a:prstGeom>
         </p:spPr>
         <p:txBody>
-          <a:bodyPr anchorCtr="0" anchor="t" bIns="91425" lIns="91425" spcFirstLastPara="1" rIns="91425" wrap="square" tIns="91425">
+          <a:bodyPr spcFirstLastPara="1" wrap="square" lIns="91425" tIns="91425" rIns="91425" bIns="91425" anchor="t" anchorCtr="0">
             <a:normAutofit/>
           </a:bodyPr>
           <a:lstStyle>
-            <a:lvl1pPr indent="-317500" lvl="0" marL="457200">
+            <a:lvl1pPr marL="457200" lvl="0" indent="-317500">
               <a:spcBef>
                 <a:spcPts val="0"/>
               </a:spcBef>
@@ -4115,7 +4681,7 @@
               <a:buChar char="●"/>
               <a:defRPr sz="1400"/>
             </a:lvl1pPr>
-            <a:lvl2pPr indent="-304800" lvl="1" marL="914400">
+            <a:lvl2pPr marL="914400" lvl="1" indent="-304800">
               <a:spcBef>
                 <a:spcPts val="0"/>
               </a:spcBef>
@@ -4126,7 +4692,7 @@
               <a:buChar char="○"/>
               <a:defRPr sz="1200"/>
             </a:lvl2pPr>
-            <a:lvl3pPr indent="-304800" lvl="2" marL="1371600">
+            <a:lvl3pPr marL="1371600" lvl="2" indent="-304800">
               <a:spcBef>
                 <a:spcPts val="0"/>
               </a:spcBef>
@@ -4137,7 +4703,7 @@
               <a:buChar char="■"/>
               <a:defRPr sz="1200"/>
             </a:lvl3pPr>
-            <a:lvl4pPr indent="-304800" lvl="3" marL="1828800">
+            <a:lvl4pPr marL="1828800" lvl="3" indent="-304800">
               <a:spcBef>
                 <a:spcPts val="0"/>
               </a:spcBef>
@@ -4148,7 +4714,7 @@
               <a:buChar char="●"/>
               <a:defRPr sz="1200"/>
             </a:lvl4pPr>
-            <a:lvl5pPr indent="-304800" lvl="4" marL="2286000">
+            <a:lvl5pPr marL="2286000" lvl="4" indent="-304800">
               <a:spcBef>
                 <a:spcPts val="0"/>
               </a:spcBef>
@@ -4159,7 +4725,7 @@
               <a:buChar char="○"/>
               <a:defRPr sz="1200"/>
             </a:lvl5pPr>
-            <a:lvl6pPr indent="-304800" lvl="5" marL="2743200">
+            <a:lvl6pPr marL="2743200" lvl="5" indent="-304800">
               <a:spcBef>
                 <a:spcPts val="0"/>
               </a:spcBef>
@@ -4170,7 +4736,7 @@
               <a:buChar char="■"/>
               <a:defRPr sz="1200"/>
             </a:lvl6pPr>
-            <a:lvl7pPr indent="-304800" lvl="6" marL="3200400">
+            <a:lvl7pPr marL="3200400" lvl="6" indent="-304800">
               <a:spcBef>
                 <a:spcPts val="0"/>
               </a:spcBef>
@@ -4181,7 +4747,7 @@
               <a:buChar char="●"/>
               <a:defRPr sz="1200"/>
             </a:lvl7pPr>
-            <a:lvl8pPr indent="-304800" lvl="7" marL="3657600">
+            <a:lvl8pPr marL="3657600" lvl="7" indent="-304800">
               <a:spcBef>
                 <a:spcPts val="0"/>
               </a:spcBef>
@@ -4192,7 +4758,7 @@
               <a:buChar char="○"/>
               <a:defRPr sz="1200"/>
             </a:lvl8pPr>
-            <a:lvl9pPr indent="-304800" lvl="8" marL="4114800">
+            <a:lvl9pPr marL="4114800" lvl="8" indent="-304800">
               <a:spcBef>
                 <a:spcPts val="0"/>
               </a:spcBef>
@@ -4204,15 +4770,19 @@
               <a:defRPr sz="1200"/>
             </a:lvl9pPr>
           </a:lstStyle>
-          <a:p/>
+          <a:p>
+            <a:endParaRPr/>
+          </a:p>
         </p:txBody>
       </p:sp>
       <p:sp>
         <p:nvSpPr>
           <p:cNvPr id="24" name="Google Shape;24;p5"/>
-          <p:cNvSpPr txBox="1"/>
+          <p:cNvSpPr txBox="1">
+            <a:spLocks noGrp="1"/>
+          </p:cNvSpPr>
           <p:nvPr>
-            <p:ph idx="12" type="sldNum"/>
+            <p:ph type="sldNum" idx="12"/>
           </p:nvPr>
         </p:nvSpPr>
         <p:spPr>
@@ -4225,7 +4795,7 @@
           </a:prstGeom>
         </p:spPr>
         <p:txBody>
-          <a:bodyPr anchorCtr="0" anchor="ctr" bIns="91425" lIns="91425" spcFirstLastPara="1" rIns="91425" wrap="square" tIns="91425">
+          <a:bodyPr spcFirstLastPara="1" wrap="square" lIns="91425" tIns="91425" rIns="91425" bIns="91425" anchor="ctr" anchorCtr="0">
             <a:normAutofit/>
           </a:bodyPr>
           <a:lstStyle>
@@ -4267,7 +4837,7 @@
             </a:lvl9pPr>
           </a:lstStyle>
           <a:p>
-            <a:pPr indent="0" lvl="0" marL="0" rtl="0" algn="r">
+            <a:pPr marL="0" lvl="0" indent="0" algn="r" rtl="0">
               <a:spcBef>
                 <a:spcPts val="0"/>
               </a:spcBef>
@@ -4278,7 +4848,7 @@
             </a:pPr>
             <a:fld id="{00000000-1234-1234-1234-123412341234}" type="slidenum">
               <a:rPr lang="it"/>
-              <a:t>‹#›</a:t>
+              <a:t>‹N›</a:t>
             </a:fld>
             <a:endParaRPr/>
           </a:p>
@@ -4293,11 +4863,11 @@
 </file>
 
 <file path=ppt/slideLayouts/slideLayout5.xml><?xml version="1.0" encoding="utf-8"?>
-<p:sldLayout xmlns:a="http://schemas.openxmlformats.org/drawingml/2006/main" xmlns:r="http://schemas.openxmlformats.org/officeDocument/2006/relationships" xmlns:mc="http://schemas.openxmlformats.org/markup-compatibility/2006" xmlns:mv="urn:schemas-microsoft-com:mac:vml" xmlns:p="http://schemas.openxmlformats.org/presentationml/2006/main" xmlns:c="http://schemas.openxmlformats.org/drawingml/2006/chart" xmlns:dgm="http://schemas.openxmlformats.org/drawingml/2006/diagram" xmlns:o="urn:schemas-microsoft-com:office:office" xmlns:v="urn:schemas-microsoft-com:vml" xmlns:pvml="urn:schemas-microsoft-com:office:powerpoint" xmlns:com="http://schemas.openxmlformats.org/drawingml/2006/compatibility" xmlns:p14="http://schemas.microsoft.com/office/powerpoint/2010/main" xmlns:p15="http://schemas.microsoft.com/office/powerpoint/2012/main" xmlns:ahyp="http://schemas.microsoft.com/office/drawing/2018/hyperlinkcolor" matchingName="Title only" type="titleOnly">
+<p:sldLayout xmlns:a="http://schemas.openxmlformats.org/drawingml/2006/main" xmlns:r="http://schemas.openxmlformats.org/officeDocument/2006/relationships" xmlns:p="http://schemas.openxmlformats.org/presentationml/2006/main" matchingName="Title only" type="titleOnly">
   <p:cSld name="TITLE_ONLY">
     <p:spTree>
       <p:nvGrpSpPr>
-        <p:cNvPr id="25" name="Shape 25"/>
+        <p:cNvPr id="1" name="Shape 25"/>
         <p:cNvGrpSpPr/>
         <p:nvPr/>
       </p:nvGrpSpPr>
@@ -4312,7 +4882,9 @@
       <p:sp>
         <p:nvSpPr>
           <p:cNvPr id="26" name="Google Shape;26;p6"/>
-          <p:cNvSpPr txBox="1"/>
+          <p:cNvSpPr txBox="1">
+            <a:spLocks noGrp="1"/>
+          </p:cNvSpPr>
           <p:nvPr>
             <p:ph type="title"/>
           </p:nvPr>
@@ -4327,7 +4899,7 @@
           </a:prstGeom>
         </p:spPr>
         <p:txBody>
-          <a:bodyPr anchorCtr="0" anchor="t" bIns="91425" lIns="91425" spcFirstLastPara="1" rIns="91425" wrap="square" tIns="91425">
+          <a:bodyPr spcFirstLastPara="1" wrap="square" lIns="91425" tIns="91425" rIns="91425" bIns="91425" anchor="t" anchorCtr="0">
             <a:normAutofit/>
           </a:bodyPr>
           <a:lstStyle>
@@ -4431,15 +5003,19 @@
               <a:defRPr/>
             </a:lvl9pPr>
           </a:lstStyle>
-          <a:p/>
+          <a:p>
+            <a:endParaRPr/>
+          </a:p>
         </p:txBody>
       </p:sp>
       <p:sp>
         <p:nvSpPr>
           <p:cNvPr id="27" name="Google Shape;27;p6"/>
-          <p:cNvSpPr txBox="1"/>
+          <p:cNvSpPr txBox="1">
+            <a:spLocks noGrp="1"/>
+          </p:cNvSpPr>
           <p:nvPr>
-            <p:ph idx="12" type="sldNum"/>
+            <p:ph type="sldNum" idx="12"/>
           </p:nvPr>
         </p:nvSpPr>
         <p:spPr>
@@ -4452,7 +5028,7 @@
           </a:prstGeom>
         </p:spPr>
         <p:txBody>
-          <a:bodyPr anchorCtr="0" anchor="ctr" bIns="91425" lIns="91425" spcFirstLastPara="1" rIns="91425" wrap="square" tIns="91425">
+          <a:bodyPr spcFirstLastPara="1" wrap="square" lIns="91425" tIns="91425" rIns="91425" bIns="91425" anchor="ctr" anchorCtr="0">
             <a:normAutofit/>
           </a:bodyPr>
           <a:lstStyle>
@@ -4494,7 +5070,7 @@
             </a:lvl9pPr>
           </a:lstStyle>
           <a:p>
-            <a:pPr indent="0" lvl="0" marL="0" rtl="0" algn="r">
+            <a:pPr marL="0" lvl="0" indent="0" algn="r" rtl="0">
               <a:spcBef>
                 <a:spcPts val="0"/>
               </a:spcBef>
@@ -4505,7 +5081,7 @@
             </a:pPr>
             <a:fld id="{00000000-1234-1234-1234-123412341234}" type="slidenum">
               <a:rPr lang="it"/>
-              <a:t>‹#›</a:t>
+              <a:t>‹N›</a:t>
             </a:fld>
             <a:endParaRPr/>
           </a:p>
@@ -4520,11 +5096,11 @@
 </file>
 
 <file path=ppt/slideLayouts/slideLayout6.xml><?xml version="1.0" encoding="utf-8"?>
-<p:sldLayout xmlns:a="http://schemas.openxmlformats.org/drawingml/2006/main" xmlns:r="http://schemas.openxmlformats.org/officeDocument/2006/relationships" xmlns:mc="http://schemas.openxmlformats.org/markup-compatibility/2006" xmlns:mv="urn:schemas-microsoft-com:mac:vml" xmlns:p="http://schemas.openxmlformats.org/presentationml/2006/main" xmlns:c="http://schemas.openxmlformats.org/drawingml/2006/chart" xmlns:dgm="http://schemas.openxmlformats.org/drawingml/2006/diagram" xmlns:o="urn:schemas-microsoft-com:office:office" xmlns:v="urn:schemas-microsoft-com:vml" xmlns:pvml="urn:schemas-microsoft-com:office:powerpoint" xmlns:com="http://schemas.openxmlformats.org/drawingml/2006/compatibility" xmlns:p14="http://schemas.microsoft.com/office/powerpoint/2010/main" xmlns:p15="http://schemas.microsoft.com/office/powerpoint/2012/main" xmlns:ahyp="http://schemas.microsoft.com/office/drawing/2018/hyperlinkcolor" matchingName="One column text">
+<p:sldLayout xmlns:a="http://schemas.openxmlformats.org/drawingml/2006/main" xmlns:r="http://schemas.openxmlformats.org/officeDocument/2006/relationships" xmlns:p="http://schemas.openxmlformats.org/presentationml/2006/main" matchingName="One column text">
   <p:cSld name="ONE_COLUMN_TEXT">
     <p:spTree>
       <p:nvGrpSpPr>
-        <p:cNvPr id="28" name="Shape 28"/>
+        <p:cNvPr id="1" name="Shape 28"/>
         <p:cNvGrpSpPr/>
         <p:nvPr/>
       </p:nvGrpSpPr>
@@ -4539,7 +5115,9 @@
       <p:sp>
         <p:nvSpPr>
           <p:cNvPr id="29" name="Google Shape;29;p7"/>
-          <p:cNvSpPr txBox="1"/>
+          <p:cNvSpPr txBox="1">
+            <a:spLocks noGrp="1"/>
+          </p:cNvSpPr>
           <p:nvPr>
             <p:ph type="title"/>
           </p:nvPr>
@@ -4554,7 +5132,7 @@
           </a:prstGeom>
         </p:spPr>
         <p:txBody>
-          <a:bodyPr anchorCtr="0" anchor="b" bIns="91425" lIns="91425" spcFirstLastPara="1" rIns="91425" wrap="square" tIns="91425">
+          <a:bodyPr spcFirstLastPara="1" wrap="square" lIns="91425" tIns="91425" rIns="91425" bIns="91425" anchor="b" anchorCtr="0">
             <a:normAutofit/>
           </a:bodyPr>
           <a:lstStyle>
@@ -4658,15 +5236,19 @@
               <a:defRPr sz="2400"/>
             </a:lvl9pPr>
           </a:lstStyle>
-          <a:p/>
+          <a:p>
+            <a:endParaRPr/>
+          </a:p>
         </p:txBody>
       </p:sp>
       <p:sp>
         <p:nvSpPr>
           <p:cNvPr id="30" name="Google Shape;30;p7"/>
-          <p:cNvSpPr txBox="1"/>
+          <p:cNvSpPr txBox="1">
+            <a:spLocks noGrp="1"/>
+          </p:cNvSpPr>
           <p:nvPr>
-            <p:ph idx="1" type="body"/>
+            <p:ph type="body" idx="1"/>
           </p:nvPr>
         </p:nvSpPr>
         <p:spPr>
@@ -4679,11 +5261,11 @@
           </a:prstGeom>
         </p:spPr>
         <p:txBody>
-          <a:bodyPr anchorCtr="0" anchor="t" bIns="91425" lIns="91425" spcFirstLastPara="1" rIns="91425" wrap="square" tIns="91425">
+          <a:bodyPr spcFirstLastPara="1" wrap="square" lIns="91425" tIns="91425" rIns="91425" bIns="91425" anchor="t" anchorCtr="0">
             <a:normAutofit/>
           </a:bodyPr>
           <a:lstStyle>
-            <a:lvl1pPr indent="-304800" lvl="0" marL="457200">
+            <a:lvl1pPr marL="457200" lvl="0" indent="-304800">
               <a:spcBef>
                 <a:spcPts val="0"/>
               </a:spcBef>
@@ -4694,7 +5276,7 @@
               <a:buChar char="●"/>
               <a:defRPr sz="1200"/>
             </a:lvl1pPr>
-            <a:lvl2pPr indent="-304800" lvl="1" marL="914400">
+            <a:lvl2pPr marL="914400" lvl="1" indent="-304800">
               <a:spcBef>
                 <a:spcPts val="0"/>
               </a:spcBef>
@@ -4705,7 +5287,7 @@
               <a:buChar char="○"/>
               <a:defRPr sz="1200"/>
             </a:lvl2pPr>
-            <a:lvl3pPr indent="-304800" lvl="2" marL="1371600">
+            <a:lvl3pPr marL="1371600" lvl="2" indent="-304800">
               <a:spcBef>
                 <a:spcPts val="0"/>
               </a:spcBef>
@@ -4716,7 +5298,7 @@
               <a:buChar char="■"/>
               <a:defRPr sz="1200"/>
             </a:lvl3pPr>
-            <a:lvl4pPr indent="-304800" lvl="3" marL="1828800">
+            <a:lvl4pPr marL="1828800" lvl="3" indent="-304800">
               <a:spcBef>
                 <a:spcPts val="0"/>
               </a:spcBef>
@@ -4727,7 +5309,7 @@
               <a:buChar char="●"/>
               <a:defRPr sz="1200"/>
             </a:lvl4pPr>
-            <a:lvl5pPr indent="-304800" lvl="4" marL="2286000">
+            <a:lvl5pPr marL="2286000" lvl="4" indent="-304800">
               <a:spcBef>
                 <a:spcPts val="0"/>
               </a:spcBef>
@@ -4738,7 +5320,7 @@
               <a:buChar char="○"/>
               <a:defRPr sz="1200"/>
             </a:lvl5pPr>
-            <a:lvl6pPr indent="-304800" lvl="5" marL="2743200">
+            <a:lvl6pPr marL="2743200" lvl="5" indent="-304800">
               <a:spcBef>
                 <a:spcPts val="0"/>
               </a:spcBef>
@@ -4749,7 +5331,7 @@
               <a:buChar char="■"/>
               <a:defRPr sz="1200"/>
             </a:lvl6pPr>
-            <a:lvl7pPr indent="-304800" lvl="6" marL="3200400">
+            <a:lvl7pPr marL="3200400" lvl="6" indent="-304800">
               <a:spcBef>
                 <a:spcPts val="0"/>
               </a:spcBef>
@@ -4760,7 +5342,7 @@
               <a:buChar char="●"/>
               <a:defRPr sz="1200"/>
             </a:lvl7pPr>
-            <a:lvl8pPr indent="-304800" lvl="7" marL="3657600">
+            <a:lvl8pPr marL="3657600" lvl="7" indent="-304800">
               <a:spcBef>
                 <a:spcPts val="0"/>
               </a:spcBef>
@@ -4771,7 +5353,7 @@
               <a:buChar char="○"/>
               <a:defRPr sz="1200"/>
             </a:lvl8pPr>
-            <a:lvl9pPr indent="-304800" lvl="8" marL="4114800">
+            <a:lvl9pPr marL="4114800" lvl="8" indent="-304800">
               <a:spcBef>
                 <a:spcPts val="0"/>
               </a:spcBef>
@@ -4783,15 +5365,19 @@
               <a:defRPr sz="1200"/>
             </a:lvl9pPr>
           </a:lstStyle>
-          <a:p/>
+          <a:p>
+            <a:endParaRPr/>
+          </a:p>
         </p:txBody>
       </p:sp>
       <p:sp>
         <p:nvSpPr>
           <p:cNvPr id="31" name="Google Shape;31;p7"/>
-          <p:cNvSpPr txBox="1"/>
+          <p:cNvSpPr txBox="1">
+            <a:spLocks noGrp="1"/>
+          </p:cNvSpPr>
           <p:nvPr>
-            <p:ph idx="12" type="sldNum"/>
+            <p:ph type="sldNum" idx="12"/>
           </p:nvPr>
         </p:nvSpPr>
         <p:spPr>
@@ -4804,7 +5390,7 @@
           </a:prstGeom>
         </p:spPr>
         <p:txBody>
-          <a:bodyPr anchorCtr="0" anchor="ctr" bIns="91425" lIns="91425" spcFirstLastPara="1" rIns="91425" wrap="square" tIns="91425">
+          <a:bodyPr spcFirstLastPara="1" wrap="square" lIns="91425" tIns="91425" rIns="91425" bIns="91425" anchor="ctr" anchorCtr="0">
             <a:normAutofit/>
           </a:bodyPr>
           <a:lstStyle>
@@ -4846,7 +5432,7 @@
             </a:lvl9pPr>
           </a:lstStyle>
           <a:p>
-            <a:pPr indent="0" lvl="0" marL="0" rtl="0" algn="r">
+            <a:pPr marL="0" lvl="0" indent="0" algn="r" rtl="0">
               <a:spcBef>
                 <a:spcPts val="0"/>
               </a:spcBef>
@@ -4857,7 +5443,7 @@
             </a:pPr>
             <a:fld id="{00000000-1234-1234-1234-123412341234}" type="slidenum">
               <a:rPr lang="it"/>
-              <a:t>‹#›</a:t>
+              <a:t>‹N›</a:t>
             </a:fld>
             <a:endParaRPr/>
           </a:p>
@@ -4872,11 +5458,11 @@
 </file>
 
 <file path=ppt/slideLayouts/slideLayout7.xml><?xml version="1.0" encoding="utf-8"?>
-<p:sldLayout xmlns:a="http://schemas.openxmlformats.org/drawingml/2006/main" xmlns:r="http://schemas.openxmlformats.org/officeDocument/2006/relationships" xmlns:mc="http://schemas.openxmlformats.org/markup-compatibility/2006" xmlns:mv="urn:schemas-microsoft-com:mac:vml" xmlns:p="http://schemas.openxmlformats.org/presentationml/2006/main" xmlns:c="http://schemas.openxmlformats.org/drawingml/2006/chart" xmlns:dgm="http://schemas.openxmlformats.org/drawingml/2006/diagram" xmlns:o="urn:schemas-microsoft-com:office:office" xmlns:v="urn:schemas-microsoft-com:vml" xmlns:pvml="urn:schemas-microsoft-com:office:powerpoint" xmlns:com="http://schemas.openxmlformats.org/drawingml/2006/compatibility" xmlns:p14="http://schemas.microsoft.com/office/powerpoint/2010/main" xmlns:p15="http://schemas.microsoft.com/office/powerpoint/2012/main" xmlns:ahyp="http://schemas.microsoft.com/office/drawing/2018/hyperlinkcolor" matchingName="Main point">
+<p:sldLayout xmlns:a="http://schemas.openxmlformats.org/drawingml/2006/main" xmlns:r="http://schemas.openxmlformats.org/officeDocument/2006/relationships" xmlns:p="http://schemas.openxmlformats.org/presentationml/2006/main" matchingName="Main point">
   <p:cSld name="MAIN_POINT">
     <p:spTree>
       <p:nvGrpSpPr>
-        <p:cNvPr id="32" name="Shape 32"/>
+        <p:cNvPr id="1" name="Shape 32"/>
         <p:cNvGrpSpPr/>
         <p:nvPr/>
       </p:nvGrpSpPr>
@@ -4891,7 +5477,9 @@
       <p:sp>
         <p:nvSpPr>
           <p:cNvPr id="33" name="Google Shape;33;p8"/>
-          <p:cNvSpPr txBox="1"/>
+          <p:cNvSpPr txBox="1">
+            <a:spLocks noGrp="1"/>
+          </p:cNvSpPr>
           <p:nvPr>
             <p:ph type="title"/>
           </p:nvPr>
@@ -4906,7 +5494,7 @@
           </a:prstGeom>
         </p:spPr>
         <p:txBody>
-          <a:bodyPr anchorCtr="0" anchor="ctr" bIns="91425" lIns="91425" spcFirstLastPara="1" rIns="91425" wrap="square" tIns="91425">
+          <a:bodyPr spcFirstLastPara="1" wrap="square" lIns="91425" tIns="91425" rIns="91425" bIns="91425" anchor="ctr" anchorCtr="0">
             <a:normAutofit/>
           </a:bodyPr>
           <a:lstStyle>
@@ -5010,15 +5598,19 @@
               <a:defRPr sz="4800"/>
             </a:lvl9pPr>
           </a:lstStyle>
-          <a:p/>
+          <a:p>
+            <a:endParaRPr/>
+          </a:p>
         </p:txBody>
       </p:sp>
       <p:sp>
         <p:nvSpPr>
           <p:cNvPr id="34" name="Google Shape;34;p8"/>
-          <p:cNvSpPr txBox="1"/>
+          <p:cNvSpPr txBox="1">
+            <a:spLocks noGrp="1"/>
+          </p:cNvSpPr>
           <p:nvPr>
-            <p:ph idx="12" type="sldNum"/>
+            <p:ph type="sldNum" idx="12"/>
           </p:nvPr>
         </p:nvSpPr>
         <p:spPr>
@@ -5031,7 +5623,7 @@
           </a:prstGeom>
         </p:spPr>
         <p:txBody>
-          <a:bodyPr anchorCtr="0" anchor="ctr" bIns="91425" lIns="91425" spcFirstLastPara="1" rIns="91425" wrap="square" tIns="91425">
+          <a:bodyPr spcFirstLastPara="1" wrap="square" lIns="91425" tIns="91425" rIns="91425" bIns="91425" anchor="ctr" anchorCtr="0">
             <a:normAutofit/>
           </a:bodyPr>
           <a:lstStyle>
@@ -5073,7 +5665,7 @@
             </a:lvl9pPr>
           </a:lstStyle>
           <a:p>
-            <a:pPr indent="0" lvl="0" marL="0" rtl="0" algn="r">
+            <a:pPr marL="0" lvl="0" indent="0" algn="r" rtl="0">
               <a:spcBef>
                 <a:spcPts val="0"/>
               </a:spcBef>
@@ -5084,7 +5676,7 @@
             </a:pPr>
             <a:fld id="{00000000-1234-1234-1234-123412341234}" type="slidenum">
               <a:rPr lang="it"/>
-              <a:t>‹#›</a:t>
+              <a:t>‹N›</a:t>
             </a:fld>
             <a:endParaRPr/>
           </a:p>
@@ -5099,11 +5691,11 @@
 </file>
 
 <file path=ppt/slideLayouts/slideLayout8.xml><?xml version="1.0" encoding="utf-8"?>
-<p:sldLayout xmlns:a="http://schemas.openxmlformats.org/drawingml/2006/main" xmlns:r="http://schemas.openxmlformats.org/officeDocument/2006/relationships" xmlns:mc="http://schemas.openxmlformats.org/markup-compatibility/2006" xmlns:mv="urn:schemas-microsoft-com:mac:vml" xmlns:p="http://schemas.openxmlformats.org/presentationml/2006/main" xmlns:c="http://schemas.openxmlformats.org/drawingml/2006/chart" xmlns:dgm="http://schemas.openxmlformats.org/drawingml/2006/diagram" xmlns:o="urn:schemas-microsoft-com:office:office" xmlns:v="urn:schemas-microsoft-com:vml" xmlns:pvml="urn:schemas-microsoft-com:office:powerpoint" xmlns:com="http://schemas.openxmlformats.org/drawingml/2006/compatibility" xmlns:p14="http://schemas.microsoft.com/office/powerpoint/2010/main" xmlns:p15="http://schemas.microsoft.com/office/powerpoint/2012/main" xmlns:ahyp="http://schemas.microsoft.com/office/drawing/2018/hyperlinkcolor" matchingName="Section title and description">
+<p:sldLayout xmlns:a="http://schemas.openxmlformats.org/drawingml/2006/main" xmlns:r="http://schemas.openxmlformats.org/officeDocument/2006/relationships" xmlns:p="http://schemas.openxmlformats.org/presentationml/2006/main" matchingName="Section title and description">
   <p:cSld name="SECTION_TITLE_AND_DESCRIPTION">
     <p:spTree>
       <p:nvGrpSpPr>
-        <p:cNvPr id="35" name="Shape 35"/>
+        <p:cNvPr id="1" name="Shape 35"/>
         <p:cNvGrpSpPr/>
         <p:nvPr/>
       </p:nvGrpSpPr>
@@ -5137,12 +5729,12 @@
           </a:ln>
         </p:spPr>
         <p:txBody>
-          <a:bodyPr anchorCtr="0" anchor="ctr" bIns="91425" lIns="91425" spcFirstLastPara="1" rIns="91425" wrap="square" tIns="91425">
+          <a:bodyPr spcFirstLastPara="1" wrap="square" lIns="91425" tIns="91425" rIns="91425" bIns="91425" anchor="ctr" anchorCtr="0">
             <a:noAutofit/>
           </a:bodyPr>
           <a:lstStyle/>
           <a:p>
-            <a:pPr indent="0" lvl="0" marL="0" rtl="0" algn="l">
+            <a:pPr marL="0" lvl="0" indent="0" algn="l" rtl="0">
               <a:spcBef>
                 <a:spcPts val="0"/>
               </a:spcBef>
@@ -5151,9 +5743,6 @@
               </a:spcAft>
               <a:buNone/>
             </a:pPr>
-            <a:r>
-              <a:t/>
-            </a:r>
             <a:endParaRPr/>
           </a:p>
         </p:txBody>
@@ -5161,7 +5750,9 @@
       <p:sp>
         <p:nvSpPr>
           <p:cNvPr id="37" name="Google Shape;37;p9"/>
-          <p:cNvSpPr txBox="1"/>
+          <p:cNvSpPr txBox="1">
+            <a:spLocks noGrp="1"/>
+          </p:cNvSpPr>
           <p:nvPr>
             <p:ph type="title"/>
           </p:nvPr>
@@ -5176,7 +5767,7 @@
           </a:prstGeom>
         </p:spPr>
         <p:txBody>
-          <a:bodyPr anchorCtr="0" anchor="b" bIns="91425" lIns="91425" spcFirstLastPara="1" rIns="91425" wrap="square" tIns="91425">
+          <a:bodyPr spcFirstLastPara="1" wrap="square" lIns="91425" tIns="91425" rIns="91425" bIns="91425" anchor="b" anchorCtr="0">
             <a:normAutofit/>
           </a:bodyPr>
           <a:lstStyle>
@@ -5280,15 +5871,19 @@
               <a:defRPr sz="4200"/>
             </a:lvl9pPr>
           </a:lstStyle>
-          <a:p/>
+          <a:p>
+            <a:endParaRPr/>
+          </a:p>
         </p:txBody>
       </p:sp>
       <p:sp>
         <p:nvSpPr>
           <p:cNvPr id="38" name="Google Shape;38;p9"/>
-          <p:cNvSpPr txBox="1"/>
+          <p:cNvSpPr txBox="1">
+            <a:spLocks noGrp="1"/>
+          </p:cNvSpPr>
           <p:nvPr>
-            <p:ph idx="1" type="subTitle"/>
+            <p:ph type="subTitle" idx="1"/>
           </p:nvPr>
         </p:nvSpPr>
         <p:spPr>
@@ -5301,7 +5896,7 @@
           </a:prstGeom>
         </p:spPr>
         <p:txBody>
-          <a:bodyPr anchorCtr="0" anchor="t" bIns="91425" lIns="91425" spcFirstLastPara="1" rIns="91425" wrap="square" tIns="91425">
+          <a:bodyPr spcFirstLastPara="1" wrap="square" lIns="91425" tIns="91425" rIns="91425" bIns="91425" anchor="t" anchorCtr="0">
             <a:normAutofit/>
           </a:bodyPr>
           <a:lstStyle>
@@ -5432,15 +6027,19 @@
               <a:defRPr sz="2100"/>
             </a:lvl9pPr>
           </a:lstStyle>
-          <a:p/>
+          <a:p>
+            <a:endParaRPr/>
+          </a:p>
         </p:txBody>
       </p:sp>
       <p:sp>
         <p:nvSpPr>
           <p:cNvPr id="39" name="Google Shape;39;p9"/>
-          <p:cNvSpPr txBox="1"/>
+          <p:cNvSpPr txBox="1">
+            <a:spLocks noGrp="1"/>
+          </p:cNvSpPr>
           <p:nvPr>
-            <p:ph idx="2" type="body"/>
+            <p:ph type="body" idx="2"/>
           </p:nvPr>
         </p:nvSpPr>
         <p:spPr>
@@ -5453,11 +6052,11 @@
           </a:prstGeom>
         </p:spPr>
         <p:txBody>
-          <a:bodyPr anchorCtr="0" anchor="ctr" bIns="91425" lIns="91425" spcFirstLastPara="1" rIns="91425" wrap="square" tIns="91425">
+          <a:bodyPr spcFirstLastPara="1" wrap="square" lIns="91425" tIns="91425" rIns="91425" bIns="91425" anchor="ctr" anchorCtr="0">
             <a:normAutofit/>
           </a:bodyPr>
           <a:lstStyle>
-            <a:lvl1pPr indent="-342900" lvl="0" marL="457200">
+            <a:lvl1pPr marL="457200" lvl="0" indent="-342900">
               <a:spcBef>
                 <a:spcPts val="0"/>
               </a:spcBef>
@@ -5468,7 +6067,7 @@
               <a:buChar char="●"/>
               <a:defRPr/>
             </a:lvl1pPr>
-            <a:lvl2pPr indent="-317500" lvl="1" marL="914400">
+            <a:lvl2pPr marL="914400" lvl="1" indent="-317500">
               <a:spcBef>
                 <a:spcPts val="0"/>
               </a:spcBef>
@@ -5479,7 +6078,7 @@
               <a:buChar char="○"/>
               <a:defRPr/>
             </a:lvl2pPr>
-            <a:lvl3pPr indent="-317500" lvl="2" marL="1371600">
+            <a:lvl3pPr marL="1371600" lvl="2" indent="-317500">
               <a:spcBef>
                 <a:spcPts val="0"/>
               </a:spcBef>
@@ -5490,7 +6089,7 @@
               <a:buChar char="■"/>
               <a:defRPr/>
             </a:lvl3pPr>
-            <a:lvl4pPr indent="-317500" lvl="3" marL="1828800">
+            <a:lvl4pPr marL="1828800" lvl="3" indent="-317500">
               <a:spcBef>
                 <a:spcPts val="0"/>
               </a:spcBef>
@@ -5501,7 +6100,7 @@
               <a:buChar char="●"/>
               <a:defRPr/>
             </a:lvl4pPr>
-            <a:lvl5pPr indent="-317500" lvl="4" marL="2286000">
+            <a:lvl5pPr marL="2286000" lvl="4" indent="-317500">
               <a:spcBef>
                 <a:spcPts val="0"/>
               </a:spcBef>
@@ -5512,7 +6111,7 @@
               <a:buChar char="○"/>
               <a:defRPr/>
             </a:lvl5pPr>
-            <a:lvl6pPr indent="-317500" lvl="5" marL="2743200">
+            <a:lvl6pPr marL="2743200" lvl="5" indent="-317500">
               <a:spcBef>
                 <a:spcPts val="0"/>
               </a:spcBef>
@@ -5523,7 +6122,7 @@
               <a:buChar char="■"/>
               <a:defRPr/>
             </a:lvl6pPr>
-            <a:lvl7pPr indent="-317500" lvl="6" marL="3200400">
+            <a:lvl7pPr marL="3200400" lvl="6" indent="-317500">
               <a:spcBef>
                 <a:spcPts val="0"/>
               </a:spcBef>
@@ -5534,7 +6133,7 @@
               <a:buChar char="●"/>
               <a:defRPr/>
             </a:lvl7pPr>
-            <a:lvl8pPr indent="-317500" lvl="7" marL="3657600">
+            <a:lvl8pPr marL="3657600" lvl="7" indent="-317500">
               <a:spcBef>
                 <a:spcPts val="0"/>
               </a:spcBef>
@@ -5545,7 +6144,7 @@
               <a:buChar char="○"/>
               <a:defRPr/>
             </a:lvl8pPr>
-            <a:lvl9pPr indent="-317500" lvl="8" marL="4114800">
+            <a:lvl9pPr marL="4114800" lvl="8" indent="-317500">
               <a:spcBef>
                 <a:spcPts val="0"/>
               </a:spcBef>
@@ -5557,15 +6156,19 @@
               <a:defRPr/>
             </a:lvl9pPr>
           </a:lstStyle>
-          <a:p/>
+          <a:p>
+            <a:endParaRPr/>
+          </a:p>
         </p:txBody>
       </p:sp>
       <p:sp>
         <p:nvSpPr>
           <p:cNvPr id="40" name="Google Shape;40;p9"/>
-          <p:cNvSpPr txBox="1"/>
+          <p:cNvSpPr txBox="1">
+            <a:spLocks noGrp="1"/>
+          </p:cNvSpPr>
           <p:nvPr>
-            <p:ph idx="12" type="sldNum"/>
+            <p:ph type="sldNum" idx="12"/>
           </p:nvPr>
         </p:nvSpPr>
         <p:spPr>
@@ -5578,7 +6181,7 @@
           </a:prstGeom>
         </p:spPr>
         <p:txBody>
-          <a:bodyPr anchorCtr="0" anchor="ctr" bIns="91425" lIns="91425" spcFirstLastPara="1" rIns="91425" wrap="square" tIns="91425">
+          <a:bodyPr spcFirstLastPara="1" wrap="square" lIns="91425" tIns="91425" rIns="91425" bIns="91425" anchor="ctr" anchorCtr="0">
             <a:normAutofit/>
           </a:bodyPr>
           <a:lstStyle>
@@ -5620,7 +6223,7 @@
             </a:lvl9pPr>
           </a:lstStyle>
           <a:p>
-            <a:pPr indent="0" lvl="0" marL="0" rtl="0" algn="r">
+            <a:pPr marL="0" lvl="0" indent="0" algn="r" rtl="0">
               <a:spcBef>
                 <a:spcPts val="0"/>
               </a:spcBef>
@@ -5631,7 +6234,7 @@
             </a:pPr>
             <a:fld id="{00000000-1234-1234-1234-123412341234}" type="slidenum">
               <a:rPr lang="it"/>
-              <a:t>‹#›</a:t>
+              <a:t>‹N›</a:t>
             </a:fld>
             <a:endParaRPr/>
           </a:p>
@@ -5646,11 +6249,11 @@
 </file>
 
 <file path=ppt/slideLayouts/slideLayout9.xml><?xml version="1.0" encoding="utf-8"?>
-<p:sldLayout xmlns:a="http://schemas.openxmlformats.org/drawingml/2006/main" xmlns:r="http://schemas.openxmlformats.org/officeDocument/2006/relationships" xmlns:mc="http://schemas.openxmlformats.org/markup-compatibility/2006" xmlns:mv="urn:schemas-microsoft-com:mac:vml" xmlns:p="http://schemas.openxmlformats.org/presentationml/2006/main" xmlns:c="http://schemas.openxmlformats.org/drawingml/2006/chart" xmlns:dgm="http://schemas.openxmlformats.org/drawingml/2006/diagram" xmlns:o="urn:schemas-microsoft-com:office:office" xmlns:v="urn:schemas-microsoft-com:vml" xmlns:pvml="urn:schemas-microsoft-com:office:powerpoint" xmlns:com="http://schemas.openxmlformats.org/drawingml/2006/compatibility" xmlns:p14="http://schemas.microsoft.com/office/powerpoint/2010/main" xmlns:p15="http://schemas.microsoft.com/office/powerpoint/2012/main" xmlns:ahyp="http://schemas.microsoft.com/office/drawing/2018/hyperlinkcolor" matchingName="Caption">
+<p:sldLayout xmlns:a="http://schemas.openxmlformats.org/drawingml/2006/main" xmlns:r="http://schemas.openxmlformats.org/officeDocument/2006/relationships" xmlns:p="http://schemas.openxmlformats.org/presentationml/2006/main" matchingName="Caption">
   <p:cSld name="CAPTION_ONLY">
     <p:spTree>
       <p:nvGrpSpPr>
-        <p:cNvPr id="41" name="Shape 41"/>
+        <p:cNvPr id="1" name="Shape 41"/>
         <p:cNvGrpSpPr/>
         <p:nvPr/>
       </p:nvGrpSpPr>
@@ -5665,9 +6268,11 @@
       <p:sp>
         <p:nvSpPr>
           <p:cNvPr id="42" name="Google Shape;42;p10"/>
-          <p:cNvSpPr txBox="1"/>
+          <p:cNvSpPr txBox="1">
+            <a:spLocks noGrp="1"/>
+          </p:cNvSpPr>
           <p:nvPr>
-            <p:ph idx="1" type="body"/>
+            <p:ph type="body" idx="1"/>
           </p:nvPr>
         </p:nvSpPr>
         <p:spPr>
@@ -5680,11 +6285,11 @@
           </a:prstGeom>
         </p:spPr>
         <p:txBody>
-          <a:bodyPr anchorCtr="0" anchor="ctr" bIns="91425" lIns="91425" spcFirstLastPara="1" rIns="91425" wrap="square" tIns="91425">
+          <a:bodyPr spcFirstLastPara="1" wrap="square" lIns="91425" tIns="91425" rIns="91425" bIns="91425" anchor="ctr" anchorCtr="0">
             <a:normAutofit/>
           </a:bodyPr>
           <a:lstStyle>
-            <a:lvl1pPr indent="-228600" lvl="0" marL="457200">
+            <a:lvl1pPr marL="457200" lvl="0" indent="-228600">
               <a:lnSpc>
                 <a:spcPct val="100000"/>
               </a:lnSpc>
@@ -5699,15 +6304,19 @@
               <a:defRPr/>
             </a:lvl1pPr>
           </a:lstStyle>
-          <a:p/>
+          <a:p>
+            <a:endParaRPr/>
+          </a:p>
         </p:txBody>
       </p:sp>
       <p:sp>
         <p:nvSpPr>
           <p:cNvPr id="43" name="Google Shape;43;p10"/>
-          <p:cNvSpPr txBox="1"/>
+          <p:cNvSpPr txBox="1">
+            <a:spLocks noGrp="1"/>
+          </p:cNvSpPr>
           <p:nvPr>
-            <p:ph idx="12" type="sldNum"/>
+            <p:ph type="sldNum" idx="12"/>
           </p:nvPr>
         </p:nvSpPr>
         <p:spPr>
@@ -5720,7 +6329,7 @@
           </a:prstGeom>
         </p:spPr>
         <p:txBody>
-          <a:bodyPr anchorCtr="0" anchor="ctr" bIns="91425" lIns="91425" spcFirstLastPara="1" rIns="91425" wrap="square" tIns="91425">
+          <a:bodyPr spcFirstLastPara="1" wrap="square" lIns="91425" tIns="91425" rIns="91425" bIns="91425" anchor="ctr" anchorCtr="0">
             <a:normAutofit/>
           </a:bodyPr>
           <a:lstStyle>
@@ -5762,7 +6371,7 @@
             </a:lvl9pPr>
           </a:lstStyle>
           <a:p>
-            <a:pPr indent="0" lvl="0" marL="0" rtl="0" algn="r">
+            <a:pPr marL="0" lvl="0" indent="0" algn="r" rtl="0">
               <a:spcBef>
                 <a:spcPts val="0"/>
               </a:spcBef>
@@ -5773,7 +6382,7 @@
             </a:pPr>
             <a:fld id="{00000000-1234-1234-1234-123412341234}" type="slidenum">
               <a:rPr lang="it"/>
-              <a:t>‹#›</a:t>
+              <a:t>‹N›</a:t>
             </a:fld>
             <a:endParaRPr/>
           </a:p>
@@ -5788,18 +6397,19 @@
 </file>
 
 <file path=ppt/slideMasters/slideMaster1.xml><?xml version="1.0" encoding="utf-8"?>
-<p:sldMaster xmlns:a="http://schemas.openxmlformats.org/drawingml/2006/main" xmlns:r="http://schemas.openxmlformats.org/officeDocument/2006/relationships" xmlns:mc="http://schemas.openxmlformats.org/markup-compatibility/2006" xmlns:mv="urn:schemas-microsoft-com:mac:vml" xmlns:p="http://schemas.openxmlformats.org/presentationml/2006/main" xmlns:c="http://schemas.openxmlformats.org/drawingml/2006/chart" xmlns:dgm="http://schemas.openxmlformats.org/drawingml/2006/diagram" xmlns:o="urn:schemas-microsoft-com:office:office" xmlns:v="urn:schemas-microsoft-com:vml" xmlns:pvml="urn:schemas-microsoft-com:office:powerpoint" xmlns:com="http://schemas.openxmlformats.org/drawingml/2006/compatibility" xmlns:p14="http://schemas.microsoft.com/office/powerpoint/2010/main" xmlns:p15="http://schemas.microsoft.com/office/powerpoint/2012/main" xmlns:ahyp="http://schemas.microsoft.com/office/drawing/2018/hyperlinkcolor">
+<p:sldMaster xmlns:a="http://schemas.openxmlformats.org/drawingml/2006/main" xmlns:r="http://schemas.openxmlformats.org/officeDocument/2006/relationships" xmlns:p="http://schemas.openxmlformats.org/presentationml/2006/main">
   <p:cSld name="simple-light-2">
     <p:bg>
       <p:bgPr>
         <a:solidFill>
           <a:schemeClr val="lt1"/>
         </a:solidFill>
+        <a:effectLst/>
       </p:bgPr>
     </p:bg>
     <p:spTree>
       <p:nvGrpSpPr>
-        <p:cNvPr id="5" name="Shape 5"/>
+        <p:cNvPr id="1" name="Shape 5"/>
         <p:cNvGrpSpPr/>
         <p:nvPr/>
       </p:nvGrpSpPr>
@@ -5814,7 +6424,9 @@
       <p:sp>
         <p:nvSpPr>
           <p:cNvPr id="6" name="Google Shape;6;p1"/>
-          <p:cNvSpPr txBox="1"/>
+          <p:cNvSpPr txBox="1">
+            <a:spLocks noGrp="1"/>
+          </p:cNvSpPr>
           <p:nvPr>
             <p:ph type="title"/>
           </p:nvPr>
@@ -5833,7 +6445,7 @@
           </a:ln>
         </p:spPr>
         <p:txBody>
-          <a:bodyPr anchorCtr="0" anchor="t" bIns="91425" lIns="91425" spcFirstLastPara="1" rIns="91425" wrap="square" tIns="91425">
+          <a:bodyPr spcFirstLastPara="1" wrap="square" lIns="91425" tIns="91425" rIns="91425" bIns="91425" anchor="t" anchorCtr="0">
             <a:normAutofit/>
           </a:bodyPr>
           <a:lstStyle>
@@ -6000,15 +6612,19 @@
               </a:defRPr>
             </a:lvl9pPr>
           </a:lstStyle>
-          <a:p/>
+          <a:p>
+            <a:endParaRPr/>
+          </a:p>
         </p:txBody>
       </p:sp>
       <p:sp>
         <p:nvSpPr>
           <p:cNvPr id="7" name="Google Shape;7;p1"/>
-          <p:cNvSpPr txBox="1"/>
+          <p:cNvSpPr txBox="1">
+            <a:spLocks noGrp="1"/>
+          </p:cNvSpPr>
           <p:nvPr>
-            <p:ph idx="1" type="body"/>
+            <p:ph type="body" idx="1"/>
           </p:nvPr>
         </p:nvSpPr>
         <p:spPr>
@@ -6025,11 +6641,11 @@
           </a:ln>
         </p:spPr>
         <p:txBody>
-          <a:bodyPr anchorCtr="0" anchor="t" bIns="91425" lIns="91425" spcFirstLastPara="1" rIns="91425" wrap="square" tIns="91425">
+          <a:bodyPr spcFirstLastPara="1" wrap="square" lIns="91425" tIns="91425" rIns="91425" bIns="91425" anchor="t" anchorCtr="0">
             <a:normAutofit/>
           </a:bodyPr>
           <a:lstStyle>
-            <a:lvl1pPr indent="-342900" lvl="0" marL="457200">
+            <a:lvl1pPr marL="457200" lvl="0" indent="-342900">
               <a:lnSpc>
                 <a:spcPct val="115000"/>
               </a:lnSpc>
@@ -6050,7 +6666,7 @@
                 </a:solidFill>
               </a:defRPr>
             </a:lvl1pPr>
-            <a:lvl2pPr indent="-317500" lvl="1" marL="914400">
+            <a:lvl2pPr marL="914400" lvl="1" indent="-317500">
               <a:lnSpc>
                 <a:spcPct val="115000"/>
               </a:lnSpc>
@@ -6071,7 +6687,7 @@
                 </a:solidFill>
               </a:defRPr>
             </a:lvl2pPr>
-            <a:lvl3pPr indent="-317500" lvl="2" marL="1371600">
+            <a:lvl3pPr marL="1371600" lvl="2" indent="-317500">
               <a:lnSpc>
                 <a:spcPct val="115000"/>
               </a:lnSpc>
@@ -6092,7 +6708,7 @@
                 </a:solidFill>
               </a:defRPr>
             </a:lvl3pPr>
-            <a:lvl4pPr indent="-317500" lvl="3" marL="1828800">
+            <a:lvl4pPr marL="1828800" lvl="3" indent="-317500">
               <a:lnSpc>
                 <a:spcPct val="115000"/>
               </a:lnSpc>
@@ -6113,7 +6729,7 @@
                 </a:solidFill>
               </a:defRPr>
             </a:lvl4pPr>
-            <a:lvl5pPr indent="-317500" lvl="4" marL="2286000">
+            <a:lvl5pPr marL="2286000" lvl="4" indent="-317500">
               <a:lnSpc>
                 <a:spcPct val="115000"/>
               </a:lnSpc>
@@ -6134,7 +6750,7 @@
                 </a:solidFill>
               </a:defRPr>
             </a:lvl5pPr>
-            <a:lvl6pPr indent="-317500" lvl="5" marL="2743200">
+            <a:lvl6pPr marL="2743200" lvl="5" indent="-317500">
               <a:lnSpc>
                 <a:spcPct val="115000"/>
               </a:lnSpc>
@@ -6155,7 +6771,7 @@
                 </a:solidFill>
               </a:defRPr>
             </a:lvl6pPr>
-            <a:lvl7pPr indent="-317500" lvl="6" marL="3200400">
+            <a:lvl7pPr marL="3200400" lvl="6" indent="-317500">
               <a:lnSpc>
                 <a:spcPct val="115000"/>
               </a:lnSpc>
@@ -6176,7 +6792,7 @@
                 </a:solidFill>
               </a:defRPr>
             </a:lvl7pPr>
-            <a:lvl8pPr indent="-317500" lvl="7" marL="3657600">
+            <a:lvl8pPr marL="3657600" lvl="7" indent="-317500">
               <a:lnSpc>
                 <a:spcPct val="115000"/>
               </a:lnSpc>
@@ -6197,7 +6813,7 @@
                 </a:solidFill>
               </a:defRPr>
             </a:lvl8pPr>
-            <a:lvl9pPr indent="-317500" lvl="8" marL="4114800">
+            <a:lvl9pPr marL="4114800" lvl="8" indent="-317500">
               <a:lnSpc>
                 <a:spcPct val="115000"/>
               </a:lnSpc>
@@ -6219,15 +6835,19 @@
               </a:defRPr>
             </a:lvl9pPr>
           </a:lstStyle>
-          <a:p/>
+          <a:p>
+            <a:endParaRPr/>
+          </a:p>
         </p:txBody>
       </p:sp>
       <p:sp>
         <p:nvSpPr>
           <p:cNvPr id="8" name="Google Shape;8;p1"/>
-          <p:cNvSpPr txBox="1"/>
+          <p:cNvSpPr txBox="1">
+            <a:spLocks noGrp="1"/>
+          </p:cNvSpPr>
           <p:nvPr>
-            <p:ph idx="12" type="sldNum"/>
+            <p:ph type="sldNum" idx="12"/>
           </p:nvPr>
         </p:nvSpPr>
         <p:spPr>
@@ -6244,7 +6864,7 @@
           </a:ln>
         </p:spPr>
         <p:txBody>
-          <a:bodyPr anchorCtr="0" anchor="ctr" bIns="91425" lIns="91425" spcFirstLastPara="1" rIns="91425" wrap="square" tIns="91425">
+          <a:bodyPr spcFirstLastPara="1" wrap="square" lIns="91425" tIns="91425" rIns="91425" bIns="91425" anchor="ctr" anchorCtr="0">
             <a:normAutofit/>
           </a:bodyPr>
           <a:lstStyle>
@@ -6322,7 +6942,7 @@
             </a:lvl9pPr>
           </a:lstStyle>
           <a:p>
-            <a:pPr indent="0" lvl="0" marL="0" rtl="0" algn="r">
+            <a:pPr marL="0" lvl="0" indent="0" algn="r" rtl="0">
               <a:spcBef>
                 <a:spcPts val="0"/>
               </a:spcBef>
@@ -6333,7 +6953,7 @@
             </a:pPr>
             <a:fld id="{00000000-1234-1234-1234-123412341234}" type="slidenum">
               <a:rPr lang="it"/>
-              <a:t>‹#›</a:t>
+              <a:t>‹N›</a:t>
             </a:fld>
             <a:endParaRPr/>
           </a:p>
@@ -6341,7 +6961,7 @@
       </p:sp>
     </p:spTree>
   </p:cSld>
-  <p:clrMap accent1="accent1" accent2="accent2" accent3="accent3" accent4="accent4" accent5="accent5" accent6="accent6" bg1="lt1" bg2="dk2" tx1="dk1" tx2="lt2" folHlink="folHlink" hlink="hlink"/>
+  <p:clrMap bg1="lt1" tx1="dk1" bg2="dk2" tx2="lt2" accent1="accent1" accent2="accent2" accent3="accent3" accent4="accent4" accent5="accent5" accent6="accent6" hlink="hlink" folHlink="folHlink"/>
   <p:sldLayoutIdLst>
     <p:sldLayoutId id="2147483648" r:id="rId1"/>
     <p:sldLayoutId id="2147483649" r:id="rId2"/>
@@ -6355,10 +6975,10 @@
     <p:sldLayoutId id="2147483657" r:id="rId10"/>
     <p:sldLayoutId id="2147483658" r:id="rId11"/>
   </p:sldLayoutIdLst>
-  <p:hf dt="0" ftr="0" hdr="0"/>
+  <p:hf hdr="0" ftr="0" dt="0"/>
   <p:txStyles>
     <p:titleStyle>
-      <a:defPPr lvl="0" marR="0" rtl="0" algn="l">
+      <a:defPPr marR="0" lvl="0" algn="l" rtl="0">
         <a:lnSpc>
           <a:spcPct val="100000"/>
         </a:lnSpc>
@@ -6369,7 +6989,7 @@
           <a:spcPts val="0"/>
         </a:spcAft>
       </a:defPPr>
-      <a:lvl1pPr lvl="0" marR="0" rtl="0" algn="l">
+      <a:lvl1pPr marR="0" lvl="0" algn="l" rtl="0">
         <a:lnSpc>
           <a:spcPct val="100000"/>
         </a:lnSpc>
@@ -6383,7 +7003,7 @@
           <a:srgbClr val="000000"/>
         </a:buClr>
         <a:buFont typeface="Arial"/>
-        <a:defRPr b="0" i="0" sz="1400" u="none" cap="none" strike="noStrike">
+        <a:defRPr sz="1400" b="0" i="0" u="none" strike="noStrike" cap="none">
           <a:solidFill>
             <a:srgbClr val="000000"/>
           </a:solidFill>
@@ -6393,7 +7013,7 @@
           <a:sym typeface="Arial"/>
         </a:defRPr>
       </a:lvl1pPr>
-      <a:lvl2pPr lvl="1" marR="0" rtl="0" algn="l">
+      <a:lvl2pPr marR="0" lvl="1" algn="l" rtl="0">
         <a:lnSpc>
           <a:spcPct val="100000"/>
         </a:lnSpc>
@@ -6407,7 +7027,7 @@
           <a:srgbClr val="000000"/>
         </a:buClr>
         <a:buFont typeface="Arial"/>
-        <a:defRPr b="0" i="0" sz="1400" u="none" cap="none" strike="noStrike">
+        <a:defRPr sz="1400" b="0" i="0" u="none" strike="noStrike" cap="none">
           <a:solidFill>
             <a:srgbClr val="000000"/>
           </a:solidFill>
@@ -6417,7 +7037,7 @@
           <a:sym typeface="Arial"/>
         </a:defRPr>
       </a:lvl2pPr>
-      <a:lvl3pPr lvl="2" marR="0" rtl="0" algn="l">
+      <a:lvl3pPr marR="0" lvl="2" algn="l" rtl="0">
         <a:lnSpc>
           <a:spcPct val="100000"/>
         </a:lnSpc>
@@ -6431,7 +7051,7 @@
           <a:srgbClr val="000000"/>
         </a:buClr>
         <a:buFont typeface="Arial"/>
-        <a:defRPr b="0" i="0" sz="1400" u="none" cap="none" strike="noStrike">
+        <a:defRPr sz="1400" b="0" i="0" u="none" strike="noStrike" cap="none">
           <a:solidFill>
             <a:srgbClr val="000000"/>
           </a:solidFill>
@@ -6441,7 +7061,7 @@
           <a:sym typeface="Arial"/>
         </a:defRPr>
       </a:lvl3pPr>
-      <a:lvl4pPr lvl="3" marR="0" rtl="0" algn="l">
+      <a:lvl4pPr marR="0" lvl="3" algn="l" rtl="0">
         <a:lnSpc>
           <a:spcPct val="100000"/>
         </a:lnSpc>
@@ -6455,7 +7075,7 @@
           <a:srgbClr val="000000"/>
         </a:buClr>
         <a:buFont typeface="Arial"/>
-        <a:defRPr b="0" i="0" sz="1400" u="none" cap="none" strike="noStrike">
+        <a:defRPr sz="1400" b="0" i="0" u="none" strike="noStrike" cap="none">
           <a:solidFill>
             <a:srgbClr val="000000"/>
           </a:solidFill>
@@ -6465,7 +7085,7 @@
           <a:sym typeface="Arial"/>
         </a:defRPr>
       </a:lvl4pPr>
-      <a:lvl5pPr lvl="4" marR="0" rtl="0" algn="l">
+      <a:lvl5pPr marR="0" lvl="4" algn="l" rtl="0">
         <a:lnSpc>
           <a:spcPct val="100000"/>
         </a:lnSpc>
@@ -6479,7 +7099,7 @@
           <a:srgbClr val="000000"/>
         </a:buClr>
         <a:buFont typeface="Arial"/>
-        <a:defRPr b="0" i="0" sz="1400" u="none" cap="none" strike="noStrike">
+        <a:defRPr sz="1400" b="0" i="0" u="none" strike="noStrike" cap="none">
           <a:solidFill>
             <a:srgbClr val="000000"/>
           </a:solidFill>
@@ -6489,7 +7109,7 @@
           <a:sym typeface="Arial"/>
         </a:defRPr>
       </a:lvl5pPr>
-      <a:lvl6pPr lvl="5" marR="0" rtl="0" algn="l">
+      <a:lvl6pPr marR="0" lvl="5" algn="l" rtl="0">
         <a:lnSpc>
           <a:spcPct val="100000"/>
         </a:lnSpc>
@@ -6503,7 +7123,7 @@
           <a:srgbClr val="000000"/>
         </a:buClr>
         <a:buFont typeface="Arial"/>
-        <a:defRPr b="0" i="0" sz="1400" u="none" cap="none" strike="noStrike">
+        <a:defRPr sz="1400" b="0" i="0" u="none" strike="noStrike" cap="none">
           <a:solidFill>
             <a:srgbClr val="000000"/>
           </a:solidFill>
@@ -6513,7 +7133,7 @@
           <a:sym typeface="Arial"/>
         </a:defRPr>
       </a:lvl6pPr>
-      <a:lvl7pPr lvl="6" marR="0" rtl="0" algn="l">
+      <a:lvl7pPr marR="0" lvl="6" algn="l" rtl="0">
         <a:lnSpc>
           <a:spcPct val="100000"/>
         </a:lnSpc>
@@ -6527,7 +7147,7 @@
           <a:srgbClr val="000000"/>
         </a:buClr>
         <a:buFont typeface="Arial"/>
-        <a:defRPr b="0" i="0" sz="1400" u="none" cap="none" strike="noStrike">
+        <a:defRPr sz="1400" b="0" i="0" u="none" strike="noStrike" cap="none">
           <a:solidFill>
             <a:srgbClr val="000000"/>
           </a:solidFill>
@@ -6537,7 +7157,7 @@
           <a:sym typeface="Arial"/>
         </a:defRPr>
       </a:lvl7pPr>
-      <a:lvl8pPr lvl="7" marR="0" rtl="0" algn="l">
+      <a:lvl8pPr marR="0" lvl="7" algn="l" rtl="0">
         <a:lnSpc>
           <a:spcPct val="100000"/>
         </a:lnSpc>
@@ -6551,7 +7171,7 @@
           <a:srgbClr val="000000"/>
         </a:buClr>
         <a:buFont typeface="Arial"/>
-        <a:defRPr b="0" i="0" sz="1400" u="none" cap="none" strike="noStrike">
+        <a:defRPr sz="1400" b="0" i="0" u="none" strike="noStrike" cap="none">
           <a:solidFill>
             <a:srgbClr val="000000"/>
           </a:solidFill>
@@ -6561,7 +7181,7 @@
           <a:sym typeface="Arial"/>
         </a:defRPr>
       </a:lvl8pPr>
-      <a:lvl9pPr lvl="8" marR="0" rtl="0" algn="l">
+      <a:lvl9pPr marR="0" lvl="8" algn="l" rtl="0">
         <a:lnSpc>
           <a:spcPct val="100000"/>
         </a:lnSpc>
@@ -6575,7 +7195,7 @@
           <a:srgbClr val="000000"/>
         </a:buClr>
         <a:buFont typeface="Arial"/>
-        <a:defRPr b="0" i="0" sz="1400" u="none" cap="none" strike="noStrike">
+        <a:defRPr sz="1400" b="0" i="0" u="none" strike="noStrike" cap="none">
           <a:solidFill>
             <a:srgbClr val="000000"/>
           </a:solidFill>
@@ -6587,7 +7207,7 @@
       </a:lvl9pPr>
     </p:titleStyle>
     <p:bodyStyle>
-      <a:defPPr lvl="0" marR="0" rtl="0" algn="l">
+      <a:defPPr marR="0" lvl="0" algn="l" rtl="0">
         <a:lnSpc>
           <a:spcPct val="100000"/>
         </a:lnSpc>
@@ -6598,7 +7218,7 @@
           <a:spcPts val="0"/>
         </a:spcAft>
       </a:defPPr>
-      <a:lvl1pPr lvl="0" marR="0" rtl="0" algn="l">
+      <a:lvl1pPr marR="0" lvl="0" algn="l" rtl="0">
         <a:lnSpc>
           <a:spcPct val="100000"/>
         </a:lnSpc>
@@ -6612,7 +7232,7 @@
           <a:srgbClr val="000000"/>
         </a:buClr>
         <a:buFont typeface="Arial"/>
-        <a:defRPr b="0" i="0" sz="1400" u="none" cap="none" strike="noStrike">
+        <a:defRPr sz="1400" b="0" i="0" u="none" strike="noStrike" cap="none">
           <a:solidFill>
             <a:srgbClr val="000000"/>
           </a:solidFill>
@@ -6622,7 +7242,7 @@
           <a:sym typeface="Arial"/>
         </a:defRPr>
       </a:lvl1pPr>
-      <a:lvl2pPr lvl="1" marR="0" rtl="0" algn="l">
+      <a:lvl2pPr marR="0" lvl="1" algn="l" rtl="0">
         <a:lnSpc>
           <a:spcPct val="100000"/>
         </a:lnSpc>
@@ -6636,7 +7256,7 @@
           <a:srgbClr val="000000"/>
         </a:buClr>
         <a:buFont typeface="Arial"/>
-        <a:defRPr b="0" i="0" sz="1400" u="none" cap="none" strike="noStrike">
+        <a:defRPr sz="1400" b="0" i="0" u="none" strike="noStrike" cap="none">
           <a:solidFill>
             <a:srgbClr val="000000"/>
           </a:solidFill>
@@ -6646,7 +7266,7 @@
           <a:sym typeface="Arial"/>
         </a:defRPr>
       </a:lvl2pPr>
-      <a:lvl3pPr lvl="2" marR="0" rtl="0" algn="l">
+      <a:lvl3pPr marR="0" lvl="2" algn="l" rtl="0">
         <a:lnSpc>
           <a:spcPct val="100000"/>
         </a:lnSpc>
@@ -6660,7 +7280,7 @@
           <a:srgbClr val="000000"/>
         </a:buClr>
         <a:buFont typeface="Arial"/>
-        <a:defRPr b="0" i="0" sz="1400" u="none" cap="none" strike="noStrike">
+        <a:defRPr sz="1400" b="0" i="0" u="none" strike="noStrike" cap="none">
           <a:solidFill>
             <a:srgbClr val="000000"/>
           </a:solidFill>
@@ -6670,7 +7290,7 @@
           <a:sym typeface="Arial"/>
         </a:defRPr>
       </a:lvl3pPr>
-      <a:lvl4pPr lvl="3" marR="0" rtl="0" algn="l">
+      <a:lvl4pPr marR="0" lvl="3" algn="l" rtl="0">
         <a:lnSpc>
           <a:spcPct val="100000"/>
         </a:lnSpc>
@@ -6684,7 +7304,7 @@
           <a:srgbClr val="000000"/>
         </a:buClr>
         <a:buFont typeface="Arial"/>
-        <a:defRPr b="0" i="0" sz="1400" u="none" cap="none" strike="noStrike">
+        <a:defRPr sz="1400" b="0" i="0" u="none" strike="noStrike" cap="none">
           <a:solidFill>
             <a:srgbClr val="000000"/>
           </a:solidFill>
@@ -6694,7 +7314,7 @@
           <a:sym typeface="Arial"/>
         </a:defRPr>
       </a:lvl4pPr>
-      <a:lvl5pPr lvl="4" marR="0" rtl="0" algn="l">
+      <a:lvl5pPr marR="0" lvl="4" algn="l" rtl="0">
         <a:lnSpc>
           <a:spcPct val="100000"/>
         </a:lnSpc>
@@ -6708,7 +7328,7 @@
           <a:srgbClr val="000000"/>
         </a:buClr>
         <a:buFont typeface="Arial"/>
-        <a:defRPr b="0" i="0" sz="1400" u="none" cap="none" strike="noStrike">
+        <a:defRPr sz="1400" b="0" i="0" u="none" strike="noStrike" cap="none">
           <a:solidFill>
             <a:srgbClr val="000000"/>
           </a:solidFill>
@@ -6718,7 +7338,7 @@
           <a:sym typeface="Arial"/>
         </a:defRPr>
       </a:lvl5pPr>
-      <a:lvl6pPr lvl="5" marR="0" rtl="0" algn="l">
+      <a:lvl6pPr marR="0" lvl="5" algn="l" rtl="0">
         <a:lnSpc>
           <a:spcPct val="100000"/>
         </a:lnSpc>
@@ -6732,7 +7352,7 @@
           <a:srgbClr val="000000"/>
         </a:buClr>
         <a:buFont typeface="Arial"/>
-        <a:defRPr b="0" i="0" sz="1400" u="none" cap="none" strike="noStrike">
+        <a:defRPr sz="1400" b="0" i="0" u="none" strike="noStrike" cap="none">
           <a:solidFill>
             <a:srgbClr val="000000"/>
           </a:solidFill>
@@ -6742,7 +7362,7 @@
           <a:sym typeface="Arial"/>
         </a:defRPr>
       </a:lvl6pPr>
-      <a:lvl7pPr lvl="6" marR="0" rtl="0" algn="l">
+      <a:lvl7pPr marR="0" lvl="6" algn="l" rtl="0">
         <a:lnSpc>
           <a:spcPct val="100000"/>
         </a:lnSpc>
@@ -6756,7 +7376,7 @@
           <a:srgbClr val="000000"/>
         </a:buClr>
         <a:buFont typeface="Arial"/>
-        <a:defRPr b="0" i="0" sz="1400" u="none" cap="none" strike="noStrike">
+        <a:defRPr sz="1400" b="0" i="0" u="none" strike="noStrike" cap="none">
           <a:solidFill>
             <a:srgbClr val="000000"/>
           </a:solidFill>
@@ -6766,7 +7386,7 @@
           <a:sym typeface="Arial"/>
         </a:defRPr>
       </a:lvl7pPr>
-      <a:lvl8pPr lvl="7" marR="0" rtl="0" algn="l">
+      <a:lvl8pPr marR="0" lvl="7" algn="l" rtl="0">
         <a:lnSpc>
           <a:spcPct val="100000"/>
         </a:lnSpc>
@@ -6780,7 +7400,7 @@
           <a:srgbClr val="000000"/>
         </a:buClr>
         <a:buFont typeface="Arial"/>
-        <a:defRPr b="0" i="0" sz="1400" u="none" cap="none" strike="noStrike">
+        <a:defRPr sz="1400" b="0" i="0" u="none" strike="noStrike" cap="none">
           <a:solidFill>
             <a:srgbClr val="000000"/>
           </a:solidFill>
@@ -6790,7 +7410,7 @@
           <a:sym typeface="Arial"/>
         </a:defRPr>
       </a:lvl8pPr>
-      <a:lvl9pPr lvl="8" marR="0" rtl="0" algn="l">
+      <a:lvl9pPr marR="0" lvl="8" algn="l" rtl="0">
         <a:lnSpc>
           <a:spcPct val="100000"/>
         </a:lnSpc>
@@ -6804,7 +7424,7 @@
           <a:srgbClr val="000000"/>
         </a:buClr>
         <a:buFont typeface="Arial"/>
-        <a:defRPr b="0" i="0" sz="1400" u="none" cap="none" strike="noStrike">
+        <a:defRPr sz="1400" b="0" i="0" u="none" strike="noStrike" cap="none">
           <a:solidFill>
             <a:srgbClr val="000000"/>
           </a:solidFill>
@@ -6816,7 +7436,7 @@
       </a:lvl9pPr>
     </p:bodyStyle>
     <p:otherStyle>
-      <a:defPPr lvl="0" marR="0" rtl="0" algn="l">
+      <a:defPPr marR="0" lvl="0" algn="l" rtl="0">
         <a:lnSpc>
           <a:spcPct val="100000"/>
         </a:lnSpc>
@@ -6827,7 +7447,7 @@
           <a:spcPts val="0"/>
         </a:spcAft>
       </a:defPPr>
-      <a:lvl1pPr lvl="0" marR="0" rtl="0" algn="l">
+      <a:lvl1pPr marR="0" lvl="0" algn="l" rtl="0">
         <a:lnSpc>
           <a:spcPct val="100000"/>
         </a:lnSpc>
@@ -6841,7 +7461,7 @@
           <a:srgbClr val="000000"/>
         </a:buClr>
         <a:buFont typeface="Arial"/>
-        <a:defRPr b="0" i="0" sz="1400" u="none" cap="none" strike="noStrike">
+        <a:defRPr sz="1400" b="0" i="0" u="none" strike="noStrike" cap="none">
           <a:solidFill>
             <a:srgbClr val="000000"/>
           </a:solidFill>
@@ -6851,7 +7471,7 @@
           <a:sym typeface="Arial"/>
         </a:defRPr>
       </a:lvl1pPr>
-      <a:lvl2pPr lvl="1" marR="0" rtl="0" algn="l">
+      <a:lvl2pPr marR="0" lvl="1" algn="l" rtl="0">
         <a:lnSpc>
           <a:spcPct val="100000"/>
         </a:lnSpc>
@@ -6865,7 +7485,7 @@
           <a:srgbClr val="000000"/>
         </a:buClr>
         <a:buFont typeface="Arial"/>
-        <a:defRPr b="0" i="0" sz="1400" u="none" cap="none" strike="noStrike">
+        <a:defRPr sz="1400" b="0" i="0" u="none" strike="noStrike" cap="none">
           <a:solidFill>
             <a:srgbClr val="000000"/>
           </a:solidFill>
@@ -6875,7 +7495,7 @@
           <a:sym typeface="Arial"/>
         </a:defRPr>
       </a:lvl2pPr>
-      <a:lvl3pPr lvl="2" marR="0" rtl="0" algn="l">
+      <a:lvl3pPr marR="0" lvl="2" algn="l" rtl="0">
         <a:lnSpc>
           <a:spcPct val="100000"/>
         </a:lnSpc>
@@ -6889,7 +7509,7 @@
           <a:srgbClr val="000000"/>
         </a:buClr>
         <a:buFont typeface="Arial"/>
-        <a:defRPr b="0" i="0" sz="1400" u="none" cap="none" strike="noStrike">
+        <a:defRPr sz="1400" b="0" i="0" u="none" strike="noStrike" cap="none">
           <a:solidFill>
             <a:srgbClr val="000000"/>
           </a:solidFill>
@@ -6899,7 +7519,7 @@
           <a:sym typeface="Arial"/>
         </a:defRPr>
       </a:lvl3pPr>
-      <a:lvl4pPr lvl="3" marR="0" rtl="0" algn="l">
+      <a:lvl4pPr marR="0" lvl="3" algn="l" rtl="0">
         <a:lnSpc>
           <a:spcPct val="100000"/>
         </a:lnSpc>
@@ -6913,7 +7533,7 @@
           <a:srgbClr val="000000"/>
         </a:buClr>
         <a:buFont typeface="Arial"/>
-        <a:defRPr b="0" i="0" sz="1400" u="none" cap="none" strike="noStrike">
+        <a:defRPr sz="1400" b="0" i="0" u="none" strike="noStrike" cap="none">
           <a:solidFill>
             <a:srgbClr val="000000"/>
           </a:solidFill>
@@ -6923,7 +7543,7 @@
           <a:sym typeface="Arial"/>
         </a:defRPr>
       </a:lvl4pPr>
-      <a:lvl5pPr lvl="4" marR="0" rtl="0" algn="l">
+      <a:lvl5pPr marR="0" lvl="4" algn="l" rtl="0">
         <a:lnSpc>
           <a:spcPct val="100000"/>
         </a:lnSpc>
@@ -6937,7 +7557,7 @@
           <a:srgbClr val="000000"/>
         </a:buClr>
         <a:buFont typeface="Arial"/>
-        <a:defRPr b="0" i="0" sz="1400" u="none" cap="none" strike="noStrike">
+        <a:defRPr sz="1400" b="0" i="0" u="none" strike="noStrike" cap="none">
           <a:solidFill>
             <a:srgbClr val="000000"/>
           </a:solidFill>
@@ -6947,7 +7567,7 @@
           <a:sym typeface="Arial"/>
         </a:defRPr>
       </a:lvl5pPr>
-      <a:lvl6pPr lvl="5" marR="0" rtl="0" algn="l">
+      <a:lvl6pPr marR="0" lvl="5" algn="l" rtl="0">
         <a:lnSpc>
           <a:spcPct val="100000"/>
         </a:lnSpc>
@@ -6961,7 +7581,7 @@
           <a:srgbClr val="000000"/>
         </a:buClr>
         <a:buFont typeface="Arial"/>
-        <a:defRPr b="0" i="0" sz="1400" u="none" cap="none" strike="noStrike">
+        <a:defRPr sz="1400" b="0" i="0" u="none" strike="noStrike" cap="none">
           <a:solidFill>
             <a:srgbClr val="000000"/>
           </a:solidFill>
@@ -6971,7 +7591,7 @@
           <a:sym typeface="Arial"/>
         </a:defRPr>
       </a:lvl6pPr>
-      <a:lvl7pPr lvl="6" marR="0" rtl="0" algn="l">
+      <a:lvl7pPr marR="0" lvl="6" algn="l" rtl="0">
         <a:lnSpc>
           <a:spcPct val="100000"/>
         </a:lnSpc>
@@ -6985,7 +7605,7 @@
           <a:srgbClr val="000000"/>
         </a:buClr>
         <a:buFont typeface="Arial"/>
-        <a:defRPr b="0" i="0" sz="1400" u="none" cap="none" strike="noStrike">
+        <a:defRPr sz="1400" b="0" i="0" u="none" strike="noStrike" cap="none">
           <a:solidFill>
             <a:srgbClr val="000000"/>
           </a:solidFill>
@@ -6995,7 +7615,7 @@
           <a:sym typeface="Arial"/>
         </a:defRPr>
       </a:lvl7pPr>
-      <a:lvl8pPr lvl="7" marR="0" rtl="0" algn="l">
+      <a:lvl8pPr marR="0" lvl="7" algn="l" rtl="0">
         <a:lnSpc>
           <a:spcPct val="100000"/>
         </a:lnSpc>
@@ -7009,7 +7629,7 @@
           <a:srgbClr val="000000"/>
         </a:buClr>
         <a:buFont typeface="Arial"/>
-        <a:defRPr b="0" i="0" sz="1400" u="none" cap="none" strike="noStrike">
+        <a:defRPr sz="1400" b="0" i="0" u="none" strike="noStrike" cap="none">
           <a:solidFill>
             <a:srgbClr val="000000"/>
           </a:solidFill>
@@ -7019,7 +7639,7 @@
           <a:sym typeface="Arial"/>
         </a:defRPr>
       </a:lvl8pPr>
-      <a:lvl9pPr lvl="8" marR="0" rtl="0" algn="l">
+      <a:lvl9pPr marR="0" lvl="8" algn="l" rtl="0">
         <a:lnSpc>
           <a:spcPct val="100000"/>
         </a:lnSpc>
@@ -7033,7 +7653,7 @@
           <a:srgbClr val="000000"/>
         </a:buClr>
         <a:buFont typeface="Arial"/>
-        <a:defRPr b="0" i="0" sz="1400" u="none" cap="none" strike="noStrike">
+        <a:defRPr sz="1400" b="0" i="0" u="none" strike="noStrike" cap="none">
           <a:solidFill>
             <a:srgbClr val="000000"/>
           </a:solidFill>
@@ -7049,18 +7669,19 @@
 </file>
 
 <file path=ppt/slides/slide1.xml><?xml version="1.0" encoding="utf-8"?>
-<p:sld xmlns:a="http://schemas.openxmlformats.org/drawingml/2006/main" xmlns:r="http://schemas.openxmlformats.org/officeDocument/2006/relationships" xmlns:mc="http://schemas.openxmlformats.org/markup-compatibility/2006" xmlns:mv="urn:schemas-microsoft-com:mac:vml" xmlns:p="http://schemas.openxmlformats.org/presentationml/2006/main" xmlns:c="http://schemas.openxmlformats.org/drawingml/2006/chart" xmlns:dgm="http://schemas.openxmlformats.org/drawingml/2006/diagram" xmlns:o="urn:schemas-microsoft-com:office:office" xmlns:v="urn:schemas-microsoft-com:vml" xmlns:pvml="urn:schemas-microsoft-com:office:powerpoint" xmlns:com="http://schemas.openxmlformats.org/drawingml/2006/compatibility" xmlns:p14="http://schemas.microsoft.com/office/powerpoint/2010/main" xmlns:p15="http://schemas.microsoft.com/office/powerpoint/2012/main" xmlns:ahyp="http://schemas.microsoft.com/office/drawing/2018/hyperlinkcolor">
+<p:sld xmlns:a="http://schemas.openxmlformats.org/drawingml/2006/main" xmlns:r="http://schemas.openxmlformats.org/officeDocument/2006/relationships" xmlns:p="http://schemas.openxmlformats.org/presentationml/2006/main">
   <p:cSld>
     <p:bg>
       <p:bgPr>
         <a:solidFill>
           <a:srgbClr val="6FA8DC"/>
         </a:solidFill>
+        <a:effectLst/>
       </p:bgPr>
     </p:bg>
     <p:spTree>
       <p:nvGrpSpPr>
-        <p:cNvPr id="53" name="Shape 53"/>
+        <p:cNvPr id="1" name="Shape 53"/>
         <p:cNvGrpSpPr/>
         <p:nvPr/>
       </p:nvGrpSpPr>
@@ -7120,12 +7741,12 @@
           </a:ln>
         </p:spPr>
         <p:txBody>
-          <a:bodyPr anchorCtr="0" anchor="t" bIns="91425" lIns="91425" spcFirstLastPara="1" rIns="91425" wrap="square" tIns="91425">
+          <a:bodyPr spcFirstLastPara="1" wrap="square" lIns="91425" tIns="91425" rIns="91425" bIns="91425" anchor="t" anchorCtr="0">
             <a:spAutoFit/>
           </a:bodyPr>
           <a:lstStyle/>
           <a:p>
-            <a:pPr indent="0" lvl="0" marL="0" rtl="0" algn="ctr">
+            <a:pPr marL="0" lvl="0" indent="0" algn="ctr" rtl="0">
               <a:spcBef>
                 <a:spcPts val="0"/>
               </a:spcBef>
@@ -7135,7 +7756,7 @@
               <a:buNone/>
             </a:pPr>
             <a:r>
-              <a:rPr lang="it" sz="2800">
+              <a:rPr lang="it" sz="2800" u="sng" dirty="0">
                 <a:solidFill>
                   <a:srgbClr val="1D2C5E"/>
                 </a:solidFill>
@@ -7146,7 +7767,7 @@
               </a:rPr>
               <a:t>Visualizzazione scientifica</a:t>
             </a:r>
-            <a:endParaRPr sz="2800">
+            <a:endParaRPr sz="2800" u="sng" dirty="0">
               <a:solidFill>
                 <a:srgbClr val="1D2C5E"/>
               </a:solidFill>
@@ -7178,12 +7799,12 @@
           </a:ln>
         </p:spPr>
         <p:txBody>
-          <a:bodyPr anchorCtr="0" anchor="t" bIns="91425" lIns="91425" spcFirstLastPara="1" rIns="91425" wrap="square" tIns="91425">
+          <a:bodyPr spcFirstLastPara="1" wrap="square" lIns="91425" tIns="91425" rIns="91425" bIns="91425" anchor="t" anchorCtr="0">
             <a:spAutoFit/>
           </a:bodyPr>
           <a:lstStyle/>
           <a:p>
-            <a:pPr indent="0" lvl="0" marL="0" rtl="0" algn="ctr">
+            <a:pPr marL="0" lvl="0" indent="0" algn="ctr" rtl="0">
               <a:spcBef>
                 <a:spcPts val="0"/>
               </a:spcBef>
@@ -7193,7 +7814,7 @@
               <a:buNone/>
             </a:pPr>
             <a:r>
-              <a:rPr lang="it">
+              <a:rPr lang="it" dirty="0">
                 <a:solidFill>
                   <a:srgbClr val="1D2C5E"/>
                 </a:solidFill>
@@ -7204,459 +7825,9 @@
               </a:rPr>
               <a:t>Amatore Luigi - Mantonico Alessio</a:t>
             </a:r>
-            <a:endParaRPr>
+            <a:endParaRPr dirty="0">
               <a:solidFill>
                 <a:srgbClr val="1D2C5E"/>
-              </a:solidFill>
-              <a:latin typeface="Roboto"/>
-              <a:ea typeface="Roboto"/>
-              <a:cs typeface="Roboto"/>
-              <a:sym typeface="Roboto"/>
-            </a:endParaRPr>
-          </a:p>
-        </p:txBody>
-      </p:sp>
-      <p:sp>
-        <p:nvSpPr>
-          <p:cNvPr id="57" name="Google Shape;57;p13"/>
-          <p:cNvSpPr txBox="1"/>
-          <p:nvPr>
-            <p:ph idx="12" type="sldNum"/>
-          </p:nvPr>
-        </p:nvSpPr>
-        <p:spPr>
-          <a:xfrm>
-            <a:off x="8472458" y="4663217"/>
-            <a:ext cx="548700" cy="393600"/>
-          </a:xfrm>
-          <a:prstGeom prst="rect">
-            <a:avLst/>
-          </a:prstGeom>
-        </p:spPr>
-        <p:txBody>
-          <a:bodyPr anchorCtr="0" anchor="ctr" bIns="91425" lIns="91425" spcFirstLastPara="1" rIns="91425" wrap="square" tIns="91425">
-            <a:normAutofit/>
-          </a:bodyPr>
-          <a:lstStyle/>
-          <a:p>
-            <a:pPr indent="0" lvl="0" marL="0" rtl="0" algn="r">
-              <a:spcBef>
-                <a:spcPts val="0"/>
-              </a:spcBef>
-              <a:spcAft>
-                <a:spcPts val="0"/>
-              </a:spcAft>
-              <a:buNone/>
-            </a:pPr>
-            <a:fld id="{00000000-1234-1234-1234-123412341234}" type="slidenum">
-              <a:rPr lang="it"/>
-              <a:t>‹#›</a:t>
-            </a:fld>
-            <a:endParaRPr/>
-          </a:p>
-        </p:txBody>
-      </p:sp>
-    </p:spTree>
-  </p:cSld>
-  <p:clrMapOvr>
-    <a:masterClrMapping/>
-  </p:clrMapOvr>
-</p:sld>
-</file>
-
-<file path=ppt/slides/slide10.xml><?xml version="1.0" encoding="utf-8"?>
-<p:sld xmlns:a="http://schemas.openxmlformats.org/drawingml/2006/main" xmlns:r="http://schemas.openxmlformats.org/officeDocument/2006/relationships" xmlns:mc="http://schemas.openxmlformats.org/markup-compatibility/2006" xmlns:mv="urn:schemas-microsoft-com:mac:vml" xmlns:p="http://schemas.openxmlformats.org/presentationml/2006/main" xmlns:c="http://schemas.openxmlformats.org/drawingml/2006/chart" xmlns:dgm="http://schemas.openxmlformats.org/drawingml/2006/diagram" xmlns:o="urn:schemas-microsoft-com:office:office" xmlns:v="urn:schemas-microsoft-com:vml" xmlns:pvml="urn:schemas-microsoft-com:office:powerpoint" xmlns:com="http://schemas.openxmlformats.org/drawingml/2006/compatibility" xmlns:p14="http://schemas.microsoft.com/office/powerpoint/2010/main" xmlns:p15="http://schemas.microsoft.com/office/powerpoint/2012/main" xmlns:ahyp="http://schemas.microsoft.com/office/drawing/2018/hyperlinkcolor">
-  <p:cSld>
-    <p:bg>
-      <p:bgPr>
-        <a:solidFill>
-          <a:srgbClr val="F3F3F3"/>
-        </a:solidFill>
-      </p:bgPr>
-    </p:bg>
-    <p:spTree>
-      <p:nvGrpSpPr>
-        <p:cNvPr id="122" name="Shape 122"/>
-        <p:cNvGrpSpPr/>
-        <p:nvPr/>
-      </p:nvGrpSpPr>
-      <p:grpSpPr>
-        <a:xfrm>
-          <a:off x="0" y="0"/>
-          <a:ext cx="0" cy="0"/>
-          <a:chOff x="0" y="0"/>
-          <a:chExt cx="0" cy="0"/>
-        </a:xfrm>
-      </p:grpSpPr>
-      <p:sp>
-        <p:nvSpPr>
-          <p:cNvPr id="123" name="Google Shape;123;p22"/>
-          <p:cNvSpPr txBox="1"/>
-          <p:nvPr>
-            <p:ph idx="12" type="sldNum"/>
-          </p:nvPr>
-        </p:nvSpPr>
-        <p:spPr>
-          <a:xfrm>
-            <a:off x="8472458" y="4663217"/>
-            <a:ext cx="548700" cy="393600"/>
-          </a:xfrm>
-          <a:prstGeom prst="rect">
-            <a:avLst/>
-          </a:prstGeom>
-        </p:spPr>
-        <p:txBody>
-          <a:bodyPr anchorCtr="0" anchor="ctr" bIns="91425" lIns="91425" spcFirstLastPara="1" rIns="91425" wrap="square" tIns="91425">
-            <a:normAutofit/>
-          </a:bodyPr>
-          <a:lstStyle/>
-          <a:p>
-            <a:pPr indent="0" lvl="0" marL="0" rtl="0" algn="r">
-              <a:spcBef>
-                <a:spcPts val="0"/>
-              </a:spcBef>
-              <a:spcAft>
-                <a:spcPts val="0"/>
-              </a:spcAft>
-              <a:buNone/>
-            </a:pPr>
-            <a:fld id="{00000000-1234-1234-1234-123412341234}" type="slidenum">
-              <a:rPr lang="it"/>
-              <a:t>‹#›</a:t>
-            </a:fld>
-            <a:endParaRPr/>
-          </a:p>
-        </p:txBody>
-      </p:sp>
-      <p:pic>
-        <p:nvPicPr>
-          <p:cNvPr id="124" name="Google Shape;124;p22"/>
-          <p:cNvPicPr preferRelativeResize="0"/>
-          <p:nvPr/>
-        </p:nvPicPr>
-        <p:blipFill>
-          <a:blip r:embed="rId3">
-            <a:alphaModFix/>
-          </a:blip>
-          <a:stretch>
-            <a:fillRect/>
-          </a:stretch>
-        </p:blipFill>
-        <p:spPr>
-          <a:xfrm>
-            <a:off x="4561483" y="47034"/>
-            <a:ext cx="2917325" cy="2651590"/>
-          </a:xfrm>
-          <a:prstGeom prst="rect">
-            <a:avLst/>
-          </a:prstGeom>
-          <a:noFill/>
-          <a:ln>
-            <a:noFill/>
-          </a:ln>
-        </p:spPr>
-      </p:pic>
-      <p:pic>
-        <p:nvPicPr>
-          <p:cNvPr id="125" name="Google Shape;125;p22"/>
-          <p:cNvPicPr preferRelativeResize="0"/>
-          <p:nvPr/>
-        </p:nvPicPr>
-        <p:blipFill>
-          <a:blip r:embed="rId4">
-            <a:alphaModFix/>
-          </a:blip>
-          <a:stretch>
-            <a:fillRect/>
-          </a:stretch>
-        </p:blipFill>
-        <p:spPr>
-          <a:xfrm>
-            <a:off x="1344300" y="0"/>
-            <a:ext cx="3020764" cy="2745651"/>
-          </a:xfrm>
-          <a:prstGeom prst="rect">
-            <a:avLst/>
-          </a:prstGeom>
-          <a:noFill/>
-          <a:ln>
-            <a:noFill/>
-          </a:ln>
-        </p:spPr>
-      </p:pic>
-      <p:pic>
-        <p:nvPicPr>
-          <p:cNvPr id="126" name="Google Shape;126;p22"/>
-          <p:cNvPicPr preferRelativeResize="0"/>
-          <p:nvPr/>
-        </p:nvPicPr>
-        <p:blipFill rotWithShape="1">
-          <a:blip r:embed="rId5">
-            <a:alphaModFix/>
-          </a:blip>
-          <a:srcRect b="0" l="2610" r="-2609" t="0"/>
-          <a:stretch/>
-        </p:blipFill>
-        <p:spPr>
-          <a:xfrm>
-            <a:off x="1396025" y="2272321"/>
-            <a:ext cx="2917325" cy="3012455"/>
-          </a:xfrm>
-          <a:prstGeom prst="rect">
-            <a:avLst/>
-          </a:prstGeom>
-          <a:noFill/>
-          <a:ln>
-            <a:noFill/>
-          </a:ln>
-        </p:spPr>
-      </p:pic>
-      <p:pic>
-        <p:nvPicPr>
-          <p:cNvPr id="127" name="Google Shape;127;p22"/>
-          <p:cNvPicPr preferRelativeResize="0"/>
-          <p:nvPr/>
-        </p:nvPicPr>
-        <p:blipFill>
-          <a:blip r:embed="rId6">
-            <a:alphaModFix/>
-          </a:blip>
-          <a:stretch>
-            <a:fillRect/>
-          </a:stretch>
-        </p:blipFill>
-        <p:spPr>
-          <a:xfrm>
-            <a:off x="4509975" y="2236096"/>
-            <a:ext cx="2917325" cy="3012455"/>
-          </a:xfrm>
-          <a:prstGeom prst="rect">
-            <a:avLst/>
-          </a:prstGeom>
-          <a:noFill/>
-          <a:ln>
-            <a:noFill/>
-          </a:ln>
-        </p:spPr>
-      </p:pic>
-    </p:spTree>
-  </p:cSld>
-  <p:clrMapOvr>
-    <a:masterClrMapping/>
-  </p:clrMapOvr>
-</p:sld>
-</file>
-
-<file path=ppt/slides/slide11.xml><?xml version="1.0" encoding="utf-8"?>
-<p:sld xmlns:a="http://schemas.openxmlformats.org/drawingml/2006/main" xmlns:r="http://schemas.openxmlformats.org/officeDocument/2006/relationships" xmlns:mc="http://schemas.openxmlformats.org/markup-compatibility/2006" xmlns:mv="urn:schemas-microsoft-com:mac:vml" xmlns:p="http://schemas.openxmlformats.org/presentationml/2006/main" xmlns:c="http://schemas.openxmlformats.org/drawingml/2006/chart" xmlns:dgm="http://schemas.openxmlformats.org/drawingml/2006/diagram" xmlns:o="urn:schemas-microsoft-com:office:office" xmlns:v="urn:schemas-microsoft-com:vml" xmlns:pvml="urn:schemas-microsoft-com:office:powerpoint" xmlns:com="http://schemas.openxmlformats.org/drawingml/2006/compatibility" xmlns:p14="http://schemas.microsoft.com/office/powerpoint/2010/main" xmlns:p15="http://schemas.microsoft.com/office/powerpoint/2012/main" xmlns:ahyp="http://schemas.microsoft.com/office/drawing/2018/hyperlinkcolor">
-  <p:cSld>
-    <p:bg>
-      <p:bgPr>
-        <a:solidFill>
-          <a:srgbClr val="F3F3F3"/>
-        </a:solidFill>
-      </p:bgPr>
-    </p:bg>
-    <p:spTree>
-      <p:nvGrpSpPr>
-        <p:cNvPr id="131" name="Shape 131"/>
-        <p:cNvGrpSpPr/>
-        <p:nvPr/>
-      </p:nvGrpSpPr>
-      <p:grpSpPr>
-        <a:xfrm>
-          <a:off x="0" y="0"/>
-          <a:ext cx="0" cy="0"/>
-          <a:chOff x="0" y="0"/>
-          <a:chExt cx="0" cy="0"/>
-        </a:xfrm>
-      </p:grpSpPr>
-      <p:sp>
-        <p:nvSpPr>
-          <p:cNvPr id="132" name="Google Shape;132;p23"/>
-          <p:cNvSpPr txBox="1"/>
-          <p:nvPr>
-            <p:ph type="title"/>
-          </p:nvPr>
-        </p:nvSpPr>
-        <p:spPr>
-          <a:xfrm>
-            <a:off x="307450" y="2164900"/>
-            <a:ext cx="3099900" cy="572700"/>
-          </a:xfrm>
-          <a:prstGeom prst="rect">
-            <a:avLst/>
-          </a:prstGeom>
-        </p:spPr>
-        <p:txBody>
-          <a:bodyPr anchorCtr="0" anchor="t" bIns="91425" lIns="91425" spcFirstLastPara="1" rIns="91425" wrap="square" tIns="91425">
-            <a:noAutofit/>
-          </a:bodyPr>
-          <a:lstStyle/>
-          <a:p>
-            <a:pPr indent="0" lvl="0" marL="0" rtl="0" algn="l">
-              <a:spcBef>
-                <a:spcPts val="0"/>
-              </a:spcBef>
-              <a:spcAft>
-                <a:spcPts val="0"/>
-              </a:spcAft>
-              <a:buSzPts val="990"/>
-              <a:buNone/>
-            </a:pPr>
-            <a:r>
-              <a:rPr lang="it" sz="3020">
-                <a:solidFill>
-                  <a:srgbClr val="6FA8DC"/>
-                </a:solidFill>
-                <a:latin typeface="Oswald"/>
-                <a:ea typeface="Oswald"/>
-                <a:cs typeface="Oswald"/>
-                <a:sym typeface="Oswald"/>
-              </a:rPr>
-              <a:t>Pesi </a:t>
-            </a:r>
-            <a:r>
-              <a:rPr lang="it" sz="3020">
-                <a:solidFill>
-                  <a:srgbClr val="6FA8DC"/>
-                </a:solidFill>
-                <a:latin typeface="Oswald"/>
-                <a:ea typeface="Oswald"/>
-                <a:cs typeface="Oswald"/>
-                <a:sym typeface="Oswald"/>
-              </a:rPr>
-              <a:t>dei Pokémon</a:t>
-            </a:r>
-            <a:endParaRPr sz="3020">
-              <a:solidFill>
-                <a:srgbClr val="6FA8DC"/>
-              </a:solidFill>
-              <a:latin typeface="Oswald"/>
-              <a:ea typeface="Oswald"/>
-              <a:cs typeface="Oswald"/>
-              <a:sym typeface="Oswald"/>
-            </a:endParaRPr>
-          </a:p>
-        </p:txBody>
-      </p:sp>
-      <p:sp>
-        <p:nvSpPr>
-          <p:cNvPr id="133" name="Google Shape;133;p23"/>
-          <p:cNvSpPr txBox="1"/>
-          <p:nvPr>
-            <p:ph idx="12" type="sldNum"/>
-          </p:nvPr>
-        </p:nvSpPr>
-        <p:spPr>
-          <a:xfrm>
-            <a:off x="8472458" y="4663217"/>
-            <a:ext cx="548700" cy="393600"/>
-          </a:xfrm>
-          <a:prstGeom prst="rect">
-            <a:avLst/>
-          </a:prstGeom>
-        </p:spPr>
-        <p:txBody>
-          <a:bodyPr anchorCtr="0" anchor="ctr" bIns="91425" lIns="91425" spcFirstLastPara="1" rIns="91425" wrap="square" tIns="91425">
-            <a:normAutofit/>
-          </a:bodyPr>
-          <a:lstStyle/>
-          <a:p>
-            <a:pPr indent="0" lvl="0" marL="0" rtl="0" algn="r">
-              <a:spcBef>
-                <a:spcPts val="0"/>
-              </a:spcBef>
-              <a:spcAft>
-                <a:spcPts val="0"/>
-              </a:spcAft>
-              <a:buNone/>
-            </a:pPr>
-            <a:fld id="{00000000-1234-1234-1234-123412341234}" type="slidenum">
-              <a:rPr lang="it"/>
-              <a:t>‹#›</a:t>
-            </a:fld>
-            <a:endParaRPr/>
-          </a:p>
-        </p:txBody>
-      </p:sp>
-      <p:pic>
-        <p:nvPicPr>
-          <p:cNvPr id="134" name="Google Shape;134;p23"/>
-          <p:cNvPicPr preferRelativeResize="0"/>
-          <p:nvPr/>
-        </p:nvPicPr>
-        <p:blipFill>
-          <a:blip r:embed="rId3">
-            <a:alphaModFix/>
-          </a:blip>
-          <a:stretch>
-            <a:fillRect/>
-          </a:stretch>
-        </p:blipFill>
-        <p:spPr>
-          <a:xfrm>
-            <a:off x="3165250" y="-278385"/>
-            <a:ext cx="5700251" cy="5700275"/>
-          </a:xfrm>
-          <a:prstGeom prst="rect">
-            <a:avLst/>
-          </a:prstGeom>
-          <a:noFill/>
-          <a:ln>
-            <a:noFill/>
-          </a:ln>
-        </p:spPr>
-      </p:pic>
-      <p:sp>
-        <p:nvSpPr>
-          <p:cNvPr id="135" name="Google Shape;135;p23"/>
-          <p:cNvSpPr txBox="1"/>
-          <p:nvPr/>
-        </p:nvSpPr>
-        <p:spPr>
-          <a:xfrm>
-            <a:off x="307450" y="2656100"/>
-            <a:ext cx="2344200" cy="400200"/>
-          </a:xfrm>
-          <a:prstGeom prst="rect">
-            <a:avLst/>
-          </a:prstGeom>
-          <a:noFill/>
-          <a:ln>
-            <a:noFill/>
-          </a:ln>
-        </p:spPr>
-        <p:txBody>
-          <a:bodyPr anchorCtr="0" anchor="t" bIns="91425" lIns="91425" spcFirstLastPara="1" rIns="91425" wrap="square" tIns="91425">
-            <a:spAutoFit/>
-          </a:bodyPr>
-          <a:lstStyle/>
-          <a:p>
-            <a:pPr indent="0" lvl="0" marL="0" rtl="0" algn="l">
-              <a:spcBef>
-                <a:spcPts val="0"/>
-              </a:spcBef>
-              <a:spcAft>
-                <a:spcPts val="0"/>
-              </a:spcAft>
-              <a:buNone/>
-            </a:pPr>
-            <a:r>
-              <a:rPr lang="it">
-                <a:solidFill>
-                  <a:schemeClr val="dk2"/>
-                </a:solidFill>
-                <a:latin typeface="Roboto"/>
-                <a:ea typeface="Roboto"/>
-                <a:cs typeface="Roboto"/>
-                <a:sym typeface="Roboto"/>
-              </a:rPr>
-              <a:t>Non è molto chiaro…</a:t>
-            </a:r>
-            <a:endParaRPr>
-              <a:solidFill>
-                <a:schemeClr val="dk2"/>
               </a:solidFill>
               <a:latin typeface="Roboto"/>
               <a:ea typeface="Roboto"/>
@@ -7674,19 +7845,20 @@
 </p:sld>
 </file>
 
-<file path=ppt/slides/slide12.xml><?xml version="1.0" encoding="utf-8"?>
-<p:sld xmlns:a="http://schemas.openxmlformats.org/drawingml/2006/main" xmlns:r="http://schemas.openxmlformats.org/officeDocument/2006/relationships" xmlns:mc="http://schemas.openxmlformats.org/markup-compatibility/2006" xmlns:mv="urn:schemas-microsoft-com:mac:vml" xmlns:p="http://schemas.openxmlformats.org/presentationml/2006/main" xmlns:c="http://schemas.openxmlformats.org/drawingml/2006/chart" xmlns:dgm="http://schemas.openxmlformats.org/drawingml/2006/diagram" xmlns:o="urn:schemas-microsoft-com:office:office" xmlns:v="urn:schemas-microsoft-com:vml" xmlns:pvml="urn:schemas-microsoft-com:office:powerpoint" xmlns:com="http://schemas.openxmlformats.org/drawingml/2006/compatibility" xmlns:p14="http://schemas.microsoft.com/office/powerpoint/2010/main" xmlns:p15="http://schemas.microsoft.com/office/powerpoint/2012/main" xmlns:ahyp="http://schemas.microsoft.com/office/drawing/2018/hyperlinkcolor">
+<file path=ppt/slides/slide10.xml><?xml version="1.0" encoding="utf-8"?>
+<p:sld xmlns:a="http://schemas.openxmlformats.org/drawingml/2006/main" xmlns:r="http://schemas.openxmlformats.org/officeDocument/2006/relationships" xmlns:p="http://schemas.openxmlformats.org/presentationml/2006/main">
   <p:cSld>
     <p:bg>
       <p:bgPr>
         <a:solidFill>
           <a:srgbClr val="F3F3F3"/>
         </a:solidFill>
+        <a:effectLst/>
       </p:bgPr>
     </p:bg>
     <p:spTree>
       <p:nvGrpSpPr>
-        <p:cNvPr id="139" name="Shape 139"/>
+        <p:cNvPr id="1" name="Shape 119"/>
         <p:cNvGrpSpPr/>
         <p:nvPr/>
       </p:nvGrpSpPr>
@@ -7700,38 +7872,41 @@
       </p:grpSpPr>
       <p:sp>
         <p:nvSpPr>
-          <p:cNvPr id="140" name="Google Shape;140;p24"/>
-          <p:cNvSpPr txBox="1"/>
+          <p:cNvPr id="120" name="Google Shape;120;p22"/>
+          <p:cNvSpPr txBox="1">
+            <a:spLocks noGrp="1"/>
+          </p:cNvSpPr>
           <p:nvPr>
             <p:ph type="title"/>
           </p:nvPr>
         </p:nvSpPr>
         <p:spPr>
           <a:xfrm>
-            <a:off x="311700" y="336350"/>
-            <a:ext cx="8520600" cy="572700"/>
+            <a:off x="293725" y="300000"/>
+            <a:ext cx="2356500" cy="707700"/>
           </a:xfrm>
           <a:prstGeom prst="rect">
             <a:avLst/>
           </a:prstGeom>
         </p:spPr>
         <p:txBody>
-          <a:bodyPr anchorCtr="0" anchor="t" bIns="91425" lIns="91425" spcFirstLastPara="1" rIns="91425" wrap="square" tIns="91425">
-            <a:normAutofit fontScale="90000"/>
+          <a:bodyPr spcFirstLastPara="1" wrap="square" lIns="91425" tIns="91425" rIns="91425" bIns="91425" anchor="t" anchorCtr="0">
+            <a:noAutofit/>
           </a:bodyPr>
           <a:lstStyle/>
           <a:p>
-            <a:pPr indent="0" lvl="0" marL="0" rtl="0" algn="l">
-              <a:spcBef>
-                <a:spcPts val="0"/>
-              </a:spcBef>
-              <a:spcAft>
-                <a:spcPts val="0"/>
-              </a:spcAft>
+            <a:pPr marL="0" lvl="0" indent="0" algn="l" rtl="0">
+              <a:spcBef>
+                <a:spcPts val="0"/>
+              </a:spcBef>
+              <a:spcAft>
+                <a:spcPts val="0"/>
+              </a:spcAft>
+              <a:buSzPts val="990"/>
               <a:buNone/>
             </a:pPr>
             <a:r>
-              <a:rPr lang="it" sz="3020">
+              <a:rPr lang="it" sz="3020" u="sng" dirty="0">
                 <a:solidFill>
                   <a:srgbClr val="6FA8DC"/>
                 </a:solidFill>
@@ -7740,10 +7915,192 @@
                 <a:cs typeface="Oswald"/>
                 <a:sym typeface="Oswald"/>
               </a:rPr>
-              <a:t>Pesi </a:t>
+              <a:t>Power Creep?</a:t>
             </a:r>
+            <a:endParaRPr sz="3020" u="sng" dirty="0">
+              <a:solidFill>
+                <a:srgbClr val="6FA8DC"/>
+              </a:solidFill>
+              <a:latin typeface="Oswald"/>
+              <a:ea typeface="Oswald"/>
+              <a:cs typeface="Oswald"/>
+              <a:sym typeface="Oswald"/>
+            </a:endParaRPr>
+          </a:p>
+        </p:txBody>
+      </p:sp>
+      <p:sp>
+        <p:nvSpPr>
+          <p:cNvPr id="121" name="Google Shape;121;p22"/>
+          <p:cNvSpPr txBox="1">
+            <a:spLocks noGrp="1"/>
+          </p:cNvSpPr>
+          <p:nvPr>
+            <p:ph type="sldNum" idx="12"/>
+          </p:nvPr>
+        </p:nvSpPr>
+        <p:spPr>
+          <a:xfrm>
+            <a:off x="8472458" y="4663217"/>
+            <a:ext cx="548700" cy="393600"/>
+          </a:xfrm>
+          <a:prstGeom prst="rect">
+            <a:avLst/>
+          </a:prstGeom>
+        </p:spPr>
+        <p:txBody>
+          <a:bodyPr spcFirstLastPara="1" wrap="square" lIns="91425" tIns="91425" rIns="91425" bIns="91425" anchor="ctr" anchorCtr="0">
+            <a:normAutofit/>
+          </a:bodyPr>
+          <a:lstStyle/>
+          <a:p>
+            <a:pPr marL="0" lvl="0" indent="0" algn="r" rtl="0">
+              <a:spcBef>
+                <a:spcPts val="0"/>
+              </a:spcBef>
+              <a:spcAft>
+                <a:spcPts val="0"/>
+              </a:spcAft>
+              <a:buNone/>
+            </a:pPr>
             <a:r>
-              <a:rPr lang="it" sz="3020">
+              <a:rPr lang="it" dirty="0"/>
+              <a:t>9</a:t>
+            </a:r>
+            <a:endParaRPr dirty="0"/>
+          </a:p>
+        </p:txBody>
+      </p:sp>
+      <p:pic>
+        <p:nvPicPr>
+          <p:cNvPr id="3" name="Immagine 2">
+            <a:extLst>
+              <a:ext uri="{FF2B5EF4-FFF2-40B4-BE49-F238E27FC236}">
+                <a16:creationId xmlns:a16="http://schemas.microsoft.com/office/drawing/2014/main" id="{D053B12D-5547-FF92-A6FA-11F209F1E73F}"/>
+              </a:ext>
+            </a:extLst>
+          </p:cNvPr>
+          <p:cNvPicPr>
+            <a:picLocks noChangeAspect="1"/>
+          </p:cNvPicPr>
+          <p:nvPr/>
+        </p:nvPicPr>
+        <p:blipFill>
+          <a:blip r:embed="rId3"/>
+          <a:stretch>
+            <a:fillRect/>
+          </a:stretch>
+        </p:blipFill>
+        <p:spPr>
+          <a:xfrm>
+            <a:off x="-151829" y="1329726"/>
+            <a:ext cx="6306763" cy="3153381"/>
+          </a:xfrm>
+          <a:prstGeom prst="rect">
+            <a:avLst/>
+          </a:prstGeom>
+        </p:spPr>
+      </p:pic>
+      <p:pic>
+        <p:nvPicPr>
+          <p:cNvPr id="5" name="Immagine 4">
+            <a:extLst>
+              <a:ext uri="{FF2B5EF4-FFF2-40B4-BE49-F238E27FC236}">
+                <a16:creationId xmlns:a16="http://schemas.microsoft.com/office/drawing/2014/main" id="{2BE9D3C6-83EA-1D3D-9014-7177CD6C7F23}"/>
+              </a:ext>
+            </a:extLst>
+          </p:cNvPr>
+          <p:cNvPicPr>
+            <a:picLocks noChangeAspect="1"/>
+          </p:cNvPicPr>
+          <p:nvPr/>
+        </p:nvPicPr>
+        <p:blipFill>
+          <a:blip r:embed="rId4"/>
+          <a:stretch>
+            <a:fillRect/>
+          </a:stretch>
+        </p:blipFill>
+        <p:spPr>
+          <a:xfrm>
+            <a:off x="5734050" y="1329726"/>
+            <a:ext cx="3153600" cy="3153600"/>
+          </a:xfrm>
+          <a:prstGeom prst="rect">
+            <a:avLst/>
+          </a:prstGeom>
+        </p:spPr>
+      </p:pic>
+    </p:spTree>
+  </p:cSld>
+  <p:clrMapOvr>
+    <a:masterClrMapping/>
+  </p:clrMapOvr>
+</p:sld>
+</file>
+
+<file path=ppt/slides/slide11.xml><?xml version="1.0" encoding="utf-8"?>
+<p:sld xmlns:a="http://schemas.openxmlformats.org/drawingml/2006/main" xmlns:r="http://schemas.openxmlformats.org/officeDocument/2006/relationships" xmlns:p="http://schemas.openxmlformats.org/presentationml/2006/main">
+  <p:cSld>
+    <p:bg>
+      <p:bgPr>
+        <a:solidFill>
+          <a:srgbClr val="F3F3F3"/>
+        </a:solidFill>
+        <a:effectLst/>
+      </p:bgPr>
+    </p:bg>
+    <p:spTree>
+      <p:nvGrpSpPr>
+        <p:cNvPr id="1" name="Shape 127"/>
+        <p:cNvGrpSpPr/>
+        <p:nvPr/>
+      </p:nvGrpSpPr>
+      <p:grpSpPr>
+        <a:xfrm>
+          <a:off x="0" y="0"/>
+          <a:ext cx="0" cy="0"/>
+          <a:chOff x="0" y="0"/>
+          <a:chExt cx="0" cy="0"/>
+        </a:xfrm>
+      </p:grpSpPr>
+      <p:sp>
+        <p:nvSpPr>
+          <p:cNvPr id="128" name="Google Shape;128;p23"/>
+          <p:cNvSpPr txBox="1">
+            <a:spLocks noGrp="1"/>
+          </p:cNvSpPr>
+          <p:nvPr>
+            <p:ph type="title"/>
+          </p:nvPr>
+        </p:nvSpPr>
+        <p:spPr>
+          <a:xfrm>
+            <a:off x="370200" y="310000"/>
+            <a:ext cx="4471964" cy="695700"/>
+          </a:xfrm>
+          <a:prstGeom prst="rect">
+            <a:avLst/>
+          </a:prstGeom>
+        </p:spPr>
+        <p:txBody>
+          <a:bodyPr spcFirstLastPara="1" wrap="square" lIns="91425" tIns="91425" rIns="91425" bIns="91425" anchor="t" anchorCtr="0">
+            <a:noAutofit/>
+          </a:bodyPr>
+          <a:lstStyle/>
+          <a:p>
+            <a:pPr marL="0" lvl="0" indent="0" algn="l" rtl="0">
+              <a:spcBef>
+                <a:spcPts val="0"/>
+              </a:spcBef>
+              <a:spcAft>
+                <a:spcPts val="0"/>
+              </a:spcAft>
+              <a:buSzPts val="990"/>
+              <a:buNone/>
+            </a:pPr>
+            <a:r>
+              <a:rPr lang="it" sz="3020" u="sng" dirty="0">
                 <a:solidFill>
                   <a:srgbClr val="6FA8DC"/>
                 </a:solidFill>
@@ -7752,18 +8109,28 @@
                 <a:cs typeface="Oswald"/>
                 <a:sym typeface="Oswald"/>
               </a:rPr>
-              <a:t>dei Pokémon</a:t>
+              <a:t>Base Stats Total per categoria</a:t>
             </a:r>
-            <a:endParaRPr/>
+            <a:endParaRPr sz="3020" u="sng" dirty="0">
+              <a:solidFill>
+                <a:srgbClr val="6FA8DC"/>
+              </a:solidFill>
+              <a:latin typeface="Oswald"/>
+              <a:ea typeface="Oswald"/>
+              <a:cs typeface="Oswald"/>
+              <a:sym typeface="Oswald"/>
+            </a:endParaRPr>
           </a:p>
         </p:txBody>
       </p:sp>
       <p:sp>
         <p:nvSpPr>
-          <p:cNvPr id="141" name="Google Shape;141;p24"/>
-          <p:cNvSpPr txBox="1"/>
+          <p:cNvPr id="129" name="Google Shape;129;p23"/>
+          <p:cNvSpPr txBox="1">
+            <a:spLocks noGrp="1"/>
+          </p:cNvSpPr>
           <p:nvPr>
-            <p:ph idx="12" type="sldNum"/>
+            <p:ph type="sldNum" idx="12"/>
           </p:nvPr>
         </p:nvSpPr>
         <p:spPr>
@@ -7776,12 +8143,12 @@
           </a:prstGeom>
         </p:spPr>
         <p:txBody>
-          <a:bodyPr anchorCtr="0" anchor="ctr" bIns="91425" lIns="91425" spcFirstLastPara="1" rIns="91425" wrap="square" tIns="91425">
+          <a:bodyPr spcFirstLastPara="1" wrap="square" lIns="91425" tIns="91425" rIns="91425" bIns="91425" anchor="ctr" anchorCtr="0">
             <a:normAutofit/>
           </a:bodyPr>
           <a:lstStyle/>
           <a:p>
-            <a:pPr indent="0" lvl="0" marL="0" rtl="0" algn="r">
+            <a:pPr marL="0" lvl="0" indent="0" algn="r" rtl="0">
               <a:spcBef>
                 <a:spcPts val="0"/>
               </a:spcBef>
@@ -7790,32 +8157,378 @@
               </a:spcAft>
               <a:buNone/>
             </a:pPr>
-            <a:fld id="{00000000-1234-1234-1234-123412341234}" type="slidenum">
-              <a:rPr lang="it"/>
-              <a:t>‹#›</a:t>
-            </a:fld>
-            <a:endParaRPr/>
+            <a:r>
+              <a:rPr lang="it" dirty="0"/>
+              <a:t>10</a:t>
+            </a:r>
+            <a:endParaRPr dirty="0"/>
           </a:p>
         </p:txBody>
       </p:sp>
       <p:pic>
         <p:nvPicPr>
-          <p:cNvPr id="142" name="Google Shape;142;p24"/>
-          <p:cNvPicPr preferRelativeResize="0"/>
+          <p:cNvPr id="3" name="Immagine 2">
+            <a:extLst>
+              <a:ext uri="{FF2B5EF4-FFF2-40B4-BE49-F238E27FC236}">
+                <a16:creationId xmlns:a16="http://schemas.microsoft.com/office/drawing/2014/main" id="{3F28105C-86DB-3948-DEF5-9EE7068C9802}"/>
+              </a:ext>
+            </a:extLst>
+          </p:cNvPr>
+          <p:cNvPicPr>
+            <a:picLocks noChangeAspect="1"/>
+          </p:cNvPicPr>
           <p:nvPr/>
         </p:nvPicPr>
         <p:blipFill>
-          <a:blip r:embed="rId3">
-            <a:alphaModFix/>
-          </a:blip>
+          <a:blip r:embed="rId3"/>
           <a:stretch>
             <a:fillRect/>
           </a:stretch>
         </p:blipFill>
         <p:spPr>
           <a:xfrm>
-            <a:off x="428500" y="620875"/>
-            <a:ext cx="3820975" cy="3820975"/>
+            <a:off x="2616777" y="923055"/>
+            <a:ext cx="3910445" cy="3910445"/>
+          </a:xfrm>
+          <a:prstGeom prst="rect">
+            <a:avLst/>
+          </a:prstGeom>
+        </p:spPr>
+      </p:pic>
+    </p:spTree>
+  </p:cSld>
+  <p:clrMapOvr>
+    <a:masterClrMapping/>
+  </p:clrMapOvr>
+</p:sld>
+</file>
+
+<file path=ppt/slides/slide12.xml><?xml version="1.0" encoding="utf-8"?>
+<p:sld xmlns:a="http://schemas.openxmlformats.org/drawingml/2006/main" xmlns:r="http://schemas.openxmlformats.org/officeDocument/2006/relationships" xmlns:p="http://schemas.openxmlformats.org/presentationml/2006/main">
+  <p:cSld>
+    <p:bg>
+      <p:bgPr>
+        <a:solidFill>
+          <a:srgbClr val="F3F3F3"/>
+        </a:solidFill>
+        <a:effectLst/>
+      </p:bgPr>
+    </p:bg>
+    <p:spTree>
+      <p:nvGrpSpPr>
+        <p:cNvPr id="1" name="Shape 134"/>
+        <p:cNvGrpSpPr/>
+        <p:nvPr/>
+      </p:nvGrpSpPr>
+      <p:grpSpPr>
+        <a:xfrm>
+          <a:off x="0" y="0"/>
+          <a:ext cx="0" cy="0"/>
+          <a:chOff x="0" y="0"/>
+          <a:chExt cx="0" cy="0"/>
+        </a:xfrm>
+      </p:grpSpPr>
+      <p:sp>
+        <p:nvSpPr>
+          <p:cNvPr id="135" name="Google Shape;135;p24"/>
+          <p:cNvSpPr txBox="1">
+            <a:spLocks noGrp="1"/>
+          </p:cNvSpPr>
+          <p:nvPr>
+            <p:ph type="title"/>
+          </p:nvPr>
+        </p:nvSpPr>
+        <p:spPr>
+          <a:xfrm>
+            <a:off x="311700" y="445025"/>
+            <a:ext cx="4495829" cy="572700"/>
+          </a:xfrm>
+          <a:prstGeom prst="rect">
+            <a:avLst/>
+          </a:prstGeom>
+        </p:spPr>
+        <p:txBody>
+          <a:bodyPr spcFirstLastPara="1" wrap="square" lIns="91425" tIns="91425" rIns="91425" bIns="91425" anchor="t" anchorCtr="0">
+            <a:noAutofit/>
+          </a:bodyPr>
+          <a:lstStyle/>
+          <a:p>
+            <a:pPr marL="0" lvl="0" indent="0" algn="l" rtl="0">
+              <a:spcBef>
+                <a:spcPts val="0"/>
+              </a:spcBef>
+              <a:spcAft>
+                <a:spcPts val="0"/>
+              </a:spcAft>
+              <a:buClr>
+                <a:schemeClr val="dk1"/>
+              </a:buClr>
+              <a:buSzPts val="891"/>
+              <a:buFont typeface="Arial"/>
+              <a:buNone/>
+            </a:pPr>
+            <a:r>
+              <a:rPr lang="it" sz="3020" u="sng" dirty="0">
+                <a:solidFill>
+                  <a:srgbClr val="6FA8DC"/>
+                </a:solidFill>
+                <a:latin typeface="Oswald"/>
+                <a:ea typeface="Oswald"/>
+                <a:cs typeface="Oswald"/>
+                <a:sym typeface="Oswald"/>
+              </a:rPr>
+              <a:t>Base Stats Total per categoria</a:t>
+            </a:r>
+            <a:endParaRPr sz="3020" u="sng" dirty="0"/>
+          </a:p>
+        </p:txBody>
+      </p:sp>
+      <p:sp>
+        <p:nvSpPr>
+          <p:cNvPr id="136" name="Google Shape;136;p24"/>
+          <p:cNvSpPr txBox="1">
+            <a:spLocks noGrp="1"/>
+          </p:cNvSpPr>
+          <p:nvPr>
+            <p:ph type="sldNum" idx="12"/>
+          </p:nvPr>
+        </p:nvSpPr>
+        <p:spPr>
+          <a:xfrm>
+            <a:off x="8472458" y="4663217"/>
+            <a:ext cx="548700" cy="393600"/>
+          </a:xfrm>
+          <a:prstGeom prst="rect">
+            <a:avLst/>
+          </a:prstGeom>
+        </p:spPr>
+        <p:txBody>
+          <a:bodyPr spcFirstLastPara="1" wrap="square" lIns="91425" tIns="91425" rIns="91425" bIns="91425" anchor="ctr" anchorCtr="0">
+            <a:normAutofit/>
+          </a:bodyPr>
+          <a:lstStyle/>
+          <a:p>
+            <a:pPr marL="0" lvl="0" indent="0" algn="r" rtl="0">
+              <a:spcBef>
+                <a:spcPts val="0"/>
+              </a:spcBef>
+              <a:spcAft>
+                <a:spcPts val="0"/>
+              </a:spcAft>
+              <a:buNone/>
+            </a:pPr>
+            <a:r>
+              <a:rPr lang="it" dirty="0"/>
+              <a:t>11</a:t>
+            </a:r>
+            <a:endParaRPr dirty="0"/>
+          </a:p>
+        </p:txBody>
+      </p:sp>
+      <p:pic>
+        <p:nvPicPr>
+          <p:cNvPr id="5" name="Immagine 4" descr="Immagine che contiene cielo notturno&#10;&#10;Descrizione generata automaticamente">
+            <a:extLst>
+              <a:ext uri="{FF2B5EF4-FFF2-40B4-BE49-F238E27FC236}">
+                <a16:creationId xmlns:a16="http://schemas.microsoft.com/office/drawing/2014/main" id="{9280B1CB-2A3A-3D6A-61F3-D88F89444929}"/>
+              </a:ext>
+            </a:extLst>
+          </p:cNvPr>
+          <p:cNvPicPr>
+            <a:picLocks noChangeAspect="1"/>
+          </p:cNvPicPr>
+          <p:nvPr/>
+        </p:nvPicPr>
+        <p:blipFill>
+          <a:blip r:embed="rId3"/>
+          <a:stretch>
+            <a:fillRect/>
+          </a:stretch>
+        </p:blipFill>
+        <p:spPr>
+          <a:xfrm>
+            <a:off x="822614" y="1083541"/>
+            <a:ext cx="3513859" cy="3513859"/>
+          </a:xfrm>
+          <a:prstGeom prst="rect">
+            <a:avLst/>
+          </a:prstGeom>
+        </p:spPr>
+      </p:pic>
+      <p:pic>
+        <p:nvPicPr>
+          <p:cNvPr id="7" name="Immagine 6" descr="Immagine che contiene scuro, cielo notturno&#10;&#10;Descrizione generata automaticamente">
+            <a:extLst>
+              <a:ext uri="{FF2B5EF4-FFF2-40B4-BE49-F238E27FC236}">
+                <a16:creationId xmlns:a16="http://schemas.microsoft.com/office/drawing/2014/main" id="{E9903856-E4D2-A11D-F694-52BD639DE35A}"/>
+              </a:ext>
+            </a:extLst>
+          </p:cNvPr>
+          <p:cNvPicPr>
+            <a:picLocks noChangeAspect="1"/>
+          </p:cNvPicPr>
+          <p:nvPr/>
+        </p:nvPicPr>
+        <p:blipFill>
+          <a:blip r:embed="rId4"/>
+          <a:stretch>
+            <a:fillRect/>
+          </a:stretch>
+        </p:blipFill>
+        <p:spPr>
+          <a:xfrm>
+            <a:off x="4807529" y="1083800"/>
+            <a:ext cx="3513600" cy="3513600"/>
+          </a:xfrm>
+          <a:prstGeom prst="rect">
+            <a:avLst/>
+          </a:prstGeom>
+        </p:spPr>
+      </p:pic>
+    </p:spTree>
+  </p:cSld>
+  <p:clrMapOvr>
+    <a:masterClrMapping/>
+  </p:clrMapOvr>
+</p:sld>
+</file>
+
+<file path=ppt/slides/slide13.xml><?xml version="1.0" encoding="utf-8"?>
+<p:sld xmlns:a="http://schemas.openxmlformats.org/drawingml/2006/main" xmlns:r="http://schemas.openxmlformats.org/officeDocument/2006/relationships" xmlns:p="http://schemas.openxmlformats.org/presentationml/2006/main">
+  <p:cSld>
+    <p:bg>
+      <p:bgPr>
+        <a:solidFill>
+          <a:srgbClr val="F3F3F3"/>
+        </a:solidFill>
+        <a:effectLst/>
+      </p:bgPr>
+    </p:bg>
+    <p:spTree>
+      <p:nvGrpSpPr>
+        <p:cNvPr id="1" name="Shape 142"/>
+        <p:cNvGrpSpPr/>
+        <p:nvPr/>
+      </p:nvGrpSpPr>
+      <p:grpSpPr>
+        <a:xfrm>
+          <a:off x="0" y="0"/>
+          <a:ext cx="0" cy="0"/>
+          <a:chOff x="0" y="0"/>
+          <a:chExt cx="0" cy="0"/>
+        </a:xfrm>
+      </p:grpSpPr>
+      <p:sp>
+        <p:nvSpPr>
+          <p:cNvPr id="143" name="Google Shape;143;p25"/>
+          <p:cNvSpPr txBox="1">
+            <a:spLocks noGrp="1"/>
+          </p:cNvSpPr>
+          <p:nvPr>
+            <p:ph type="title"/>
+          </p:nvPr>
+        </p:nvSpPr>
+        <p:spPr>
+          <a:xfrm>
+            <a:off x="307450" y="2164900"/>
+            <a:ext cx="2735808" cy="572700"/>
+          </a:xfrm>
+          <a:prstGeom prst="rect">
+            <a:avLst/>
+          </a:prstGeom>
+        </p:spPr>
+        <p:txBody>
+          <a:bodyPr spcFirstLastPara="1" wrap="square" lIns="91425" tIns="91425" rIns="91425" bIns="91425" anchor="t" anchorCtr="0">
+            <a:noAutofit/>
+          </a:bodyPr>
+          <a:lstStyle/>
+          <a:p>
+            <a:pPr marL="0" lvl="0" indent="0" algn="l" rtl="0">
+              <a:spcBef>
+                <a:spcPts val="0"/>
+              </a:spcBef>
+              <a:spcAft>
+                <a:spcPts val="0"/>
+              </a:spcAft>
+              <a:buSzPts val="990"/>
+              <a:buNone/>
+            </a:pPr>
+            <a:r>
+              <a:rPr lang="it" sz="3020" u="sng" dirty="0">
+                <a:solidFill>
+                  <a:srgbClr val="6FA8DC"/>
+                </a:solidFill>
+                <a:latin typeface="Oswald"/>
+                <a:ea typeface="Oswald"/>
+                <a:cs typeface="Oswald"/>
+                <a:sym typeface="Oswald"/>
+              </a:rPr>
+              <a:t>Pesi dei Pokémon</a:t>
+            </a:r>
+            <a:endParaRPr sz="3020" u="sng" dirty="0">
+              <a:solidFill>
+                <a:srgbClr val="6FA8DC"/>
+              </a:solidFill>
+              <a:latin typeface="Oswald"/>
+              <a:ea typeface="Oswald"/>
+              <a:cs typeface="Oswald"/>
+              <a:sym typeface="Oswald"/>
+            </a:endParaRPr>
+          </a:p>
+        </p:txBody>
+      </p:sp>
+      <p:sp>
+        <p:nvSpPr>
+          <p:cNvPr id="144" name="Google Shape;144;p25"/>
+          <p:cNvSpPr txBox="1">
+            <a:spLocks noGrp="1"/>
+          </p:cNvSpPr>
+          <p:nvPr>
+            <p:ph type="sldNum" idx="12"/>
+          </p:nvPr>
+        </p:nvSpPr>
+        <p:spPr>
+          <a:xfrm>
+            <a:off x="8472458" y="4663217"/>
+            <a:ext cx="548700" cy="393600"/>
+          </a:xfrm>
+          <a:prstGeom prst="rect">
+            <a:avLst/>
+          </a:prstGeom>
+        </p:spPr>
+        <p:txBody>
+          <a:bodyPr spcFirstLastPara="1" wrap="square" lIns="91425" tIns="91425" rIns="91425" bIns="91425" anchor="ctr" anchorCtr="0">
+            <a:normAutofit/>
+          </a:bodyPr>
+          <a:lstStyle/>
+          <a:p>
+            <a:pPr marL="0" lvl="0" indent="0" algn="r" rtl="0">
+              <a:spcBef>
+                <a:spcPts val="0"/>
+              </a:spcBef>
+              <a:spcAft>
+                <a:spcPts val="0"/>
+              </a:spcAft>
+              <a:buNone/>
+            </a:pPr>
+            <a:r>
+              <a:rPr lang="it" dirty="0"/>
+              <a:t>12</a:t>
+            </a:r>
+            <a:endParaRPr dirty="0"/>
+          </a:p>
+        </p:txBody>
+      </p:sp>
+      <p:sp>
+        <p:nvSpPr>
+          <p:cNvPr id="145" name="Google Shape;145;p25"/>
+          <p:cNvSpPr txBox="1"/>
+          <p:nvPr/>
+        </p:nvSpPr>
+        <p:spPr>
+          <a:xfrm>
+            <a:off x="307450" y="2656100"/>
+            <a:ext cx="2344200" cy="400200"/>
           </a:xfrm>
           <a:prstGeom prst="rect">
             <a:avLst/>
@@ -7825,58 +8538,387 @@
             <a:noFill/>
           </a:ln>
         </p:spPr>
-      </p:pic>
+        <p:txBody>
+          <a:bodyPr spcFirstLastPara="1" wrap="square" lIns="91425" tIns="91425" rIns="91425" bIns="91425" anchor="t" anchorCtr="0">
+            <a:spAutoFit/>
+          </a:bodyPr>
+          <a:lstStyle/>
+          <a:p>
+            <a:pPr marL="0" lvl="0" indent="0" algn="l" rtl="0">
+              <a:spcBef>
+                <a:spcPts val="0"/>
+              </a:spcBef>
+              <a:spcAft>
+                <a:spcPts val="0"/>
+              </a:spcAft>
+              <a:buNone/>
+            </a:pPr>
+            <a:r>
+              <a:rPr lang="it" dirty="0">
+                <a:solidFill>
+                  <a:schemeClr val="dk2"/>
+                </a:solidFill>
+                <a:latin typeface="Roboto"/>
+                <a:ea typeface="Roboto"/>
+                <a:cs typeface="Roboto"/>
+                <a:sym typeface="Roboto"/>
+              </a:rPr>
+              <a:t>Non è molto chiaro…</a:t>
+            </a:r>
+            <a:endParaRPr dirty="0">
+              <a:solidFill>
+                <a:schemeClr val="dk2"/>
+              </a:solidFill>
+              <a:latin typeface="Roboto"/>
+              <a:ea typeface="Roboto"/>
+              <a:cs typeface="Roboto"/>
+              <a:sym typeface="Roboto"/>
+            </a:endParaRPr>
+          </a:p>
+        </p:txBody>
+      </p:sp>
       <p:pic>
         <p:nvPicPr>
-          <p:cNvPr id="143" name="Google Shape;143;p24"/>
-          <p:cNvPicPr preferRelativeResize="0"/>
+          <p:cNvPr id="5" name="Immagine 4">
+            <a:extLst>
+              <a:ext uri="{FF2B5EF4-FFF2-40B4-BE49-F238E27FC236}">
+                <a16:creationId xmlns:a16="http://schemas.microsoft.com/office/drawing/2014/main" id="{92CCB351-CA33-EA86-6828-EB4D1184649E}"/>
+              </a:ext>
+            </a:extLst>
+          </p:cNvPr>
+          <p:cNvPicPr>
+            <a:picLocks noChangeAspect="1"/>
+          </p:cNvPicPr>
           <p:nvPr/>
         </p:nvPicPr>
         <p:blipFill>
-          <a:blip r:embed="rId4">
-            <a:alphaModFix/>
-          </a:blip>
+          <a:blip r:embed="rId3"/>
           <a:stretch>
             <a:fillRect/>
           </a:stretch>
         </p:blipFill>
         <p:spPr>
           <a:xfrm>
-            <a:off x="4420875" y="657325"/>
-            <a:ext cx="3783900" cy="3783900"/>
-          </a:xfrm>
-          <a:prstGeom prst="rect">
-            <a:avLst/>
-          </a:prstGeom>
-          <a:noFill/>
-          <a:ln>
-            <a:noFill/>
-          </a:ln>
+            <a:off x="3317608" y="-142850"/>
+            <a:ext cx="5429200" cy="5429200"/>
+          </a:xfrm>
+          <a:prstGeom prst="rect">
+            <a:avLst/>
+          </a:prstGeom>
         </p:spPr>
       </p:pic>
+    </p:spTree>
+  </p:cSld>
+  <p:clrMapOvr>
+    <a:masterClrMapping/>
+  </p:clrMapOvr>
+</p:sld>
+</file>
+
+<file path=ppt/slides/slide14.xml><?xml version="1.0" encoding="utf-8"?>
+<p:sld xmlns:a="http://schemas.openxmlformats.org/drawingml/2006/main" xmlns:r="http://schemas.openxmlformats.org/officeDocument/2006/relationships" xmlns:p="http://schemas.openxmlformats.org/presentationml/2006/main">
+  <p:cSld>
+    <p:bg>
+      <p:bgPr>
+        <a:solidFill>
+          <a:srgbClr val="F3F3F3"/>
+        </a:solidFill>
+        <a:effectLst/>
+      </p:bgPr>
+    </p:bg>
+    <p:spTree>
+      <p:nvGrpSpPr>
+        <p:cNvPr id="1" name="Shape 150"/>
+        <p:cNvGrpSpPr/>
+        <p:nvPr/>
+      </p:nvGrpSpPr>
+      <p:grpSpPr>
+        <a:xfrm>
+          <a:off x="0" y="0"/>
+          <a:ext cx="0" cy="0"/>
+          <a:chOff x="0" y="0"/>
+          <a:chExt cx="0" cy="0"/>
+        </a:xfrm>
+      </p:grpSpPr>
+      <p:sp>
+        <p:nvSpPr>
+          <p:cNvPr id="151" name="Google Shape;151;p26"/>
+          <p:cNvSpPr txBox="1">
+            <a:spLocks noGrp="1"/>
+          </p:cNvSpPr>
+          <p:nvPr>
+            <p:ph type="title"/>
+          </p:nvPr>
+        </p:nvSpPr>
+        <p:spPr>
+          <a:xfrm>
+            <a:off x="322400" y="306075"/>
+            <a:ext cx="2746382" cy="572700"/>
+          </a:xfrm>
+          <a:prstGeom prst="rect">
+            <a:avLst/>
+          </a:prstGeom>
+        </p:spPr>
+        <p:txBody>
+          <a:bodyPr spcFirstLastPara="1" wrap="square" lIns="91425" tIns="91425" rIns="91425" bIns="91425" anchor="t" anchorCtr="0">
+            <a:noAutofit/>
+          </a:bodyPr>
+          <a:lstStyle/>
+          <a:p>
+            <a:pPr marL="0" lvl="0" indent="0" algn="l" rtl="0">
+              <a:spcBef>
+                <a:spcPts val="0"/>
+              </a:spcBef>
+              <a:spcAft>
+                <a:spcPts val="0"/>
+              </a:spcAft>
+              <a:buSzPts val="990"/>
+              <a:buNone/>
+            </a:pPr>
+            <a:r>
+              <a:rPr lang="it" sz="3020" u="sng" dirty="0">
+                <a:solidFill>
+                  <a:srgbClr val="6FA8DC"/>
+                </a:solidFill>
+                <a:latin typeface="Oswald"/>
+                <a:ea typeface="Oswald"/>
+                <a:cs typeface="Oswald"/>
+                <a:sym typeface="Oswald"/>
+              </a:rPr>
+              <a:t>Pesi dei Pokémon</a:t>
+            </a:r>
+            <a:endParaRPr sz="3020" u="sng" dirty="0">
+              <a:solidFill>
+                <a:srgbClr val="6FA8DC"/>
+              </a:solidFill>
+              <a:latin typeface="Oswald"/>
+              <a:ea typeface="Oswald"/>
+              <a:cs typeface="Oswald"/>
+              <a:sym typeface="Oswald"/>
+            </a:endParaRPr>
+          </a:p>
+        </p:txBody>
+      </p:sp>
+      <p:sp>
+        <p:nvSpPr>
+          <p:cNvPr id="152" name="Google Shape;152;p26"/>
+          <p:cNvSpPr txBox="1">
+            <a:spLocks noGrp="1"/>
+          </p:cNvSpPr>
+          <p:nvPr>
+            <p:ph type="sldNum" idx="12"/>
+          </p:nvPr>
+        </p:nvSpPr>
+        <p:spPr>
+          <a:xfrm>
+            <a:off x="8472458" y="4663217"/>
+            <a:ext cx="548700" cy="393600"/>
+          </a:xfrm>
+          <a:prstGeom prst="rect">
+            <a:avLst/>
+          </a:prstGeom>
+        </p:spPr>
+        <p:txBody>
+          <a:bodyPr spcFirstLastPara="1" wrap="square" lIns="91425" tIns="91425" rIns="91425" bIns="91425" anchor="ctr" anchorCtr="0">
+            <a:normAutofit/>
+          </a:bodyPr>
+          <a:lstStyle/>
+          <a:p>
+            <a:pPr marL="0" lvl="0" indent="0" algn="r" rtl="0">
+              <a:spcBef>
+                <a:spcPts val="0"/>
+              </a:spcBef>
+              <a:spcAft>
+                <a:spcPts val="0"/>
+              </a:spcAft>
+              <a:buNone/>
+            </a:pPr>
+            <a:r>
+              <a:rPr lang="it" dirty="0"/>
+              <a:t>13</a:t>
+            </a:r>
+            <a:endParaRPr dirty="0"/>
+          </a:p>
+        </p:txBody>
+      </p:sp>
+      <p:pic>
+        <p:nvPicPr>
+          <p:cNvPr id="5" name="Immagine 4">
+            <a:extLst>
+              <a:ext uri="{FF2B5EF4-FFF2-40B4-BE49-F238E27FC236}">
+                <a16:creationId xmlns:a16="http://schemas.microsoft.com/office/drawing/2014/main" id="{7C2F4A0D-A4FA-374A-9A8A-DD29C774BE40}"/>
+              </a:ext>
+            </a:extLst>
+          </p:cNvPr>
+          <p:cNvPicPr>
+            <a:picLocks noChangeAspect="1"/>
+          </p:cNvPicPr>
+          <p:nvPr/>
+        </p:nvPicPr>
+        <p:blipFill>
+          <a:blip r:embed="rId3"/>
+          <a:stretch>
+            <a:fillRect/>
+          </a:stretch>
+        </p:blipFill>
+        <p:spPr>
+          <a:xfrm>
+            <a:off x="1621847" y="1028352"/>
+            <a:ext cx="5900305" cy="3540183"/>
+          </a:xfrm>
+          <a:prstGeom prst="rect">
+            <a:avLst/>
+          </a:prstGeom>
+        </p:spPr>
+      </p:pic>
+    </p:spTree>
+  </p:cSld>
+  <p:clrMapOvr>
+    <a:masterClrMapping/>
+  </p:clrMapOvr>
+</p:sld>
+</file>
+
+<file path=ppt/slides/slide15.xml><?xml version="1.0" encoding="utf-8"?>
+<p:sld xmlns:a="http://schemas.openxmlformats.org/drawingml/2006/main" xmlns:r="http://schemas.openxmlformats.org/officeDocument/2006/relationships" xmlns:p="http://schemas.openxmlformats.org/presentationml/2006/main">
+  <p:cSld>
+    <p:bg>
+      <p:bgPr>
+        <a:solidFill>
+          <a:srgbClr val="F3F3F3"/>
+        </a:solidFill>
+        <a:effectLst/>
+      </p:bgPr>
+    </p:bg>
+    <p:spTree>
+      <p:nvGrpSpPr>
+        <p:cNvPr id="1" name="Shape 157"/>
+        <p:cNvGrpSpPr/>
+        <p:nvPr/>
+      </p:nvGrpSpPr>
+      <p:grpSpPr>
+        <a:xfrm>
+          <a:off x="0" y="0"/>
+          <a:ext cx="0" cy="0"/>
+          <a:chOff x="0" y="0"/>
+          <a:chExt cx="0" cy="0"/>
+        </a:xfrm>
+      </p:grpSpPr>
+      <p:sp>
+        <p:nvSpPr>
+          <p:cNvPr id="158" name="Google Shape;158;p27"/>
+          <p:cNvSpPr txBox="1">
+            <a:spLocks noGrp="1"/>
+          </p:cNvSpPr>
+          <p:nvPr>
+            <p:ph type="title"/>
+          </p:nvPr>
+        </p:nvSpPr>
+        <p:spPr>
+          <a:xfrm>
+            <a:off x="311700" y="336350"/>
+            <a:ext cx="2646245" cy="572700"/>
+          </a:xfrm>
+          <a:prstGeom prst="rect">
+            <a:avLst/>
+          </a:prstGeom>
+        </p:spPr>
+        <p:txBody>
+          <a:bodyPr spcFirstLastPara="1" wrap="square" lIns="91425" tIns="91425" rIns="91425" bIns="91425" anchor="t" anchorCtr="0">
+            <a:noAutofit/>
+          </a:bodyPr>
+          <a:lstStyle/>
+          <a:p>
+            <a:pPr marL="0" lvl="0" indent="0" algn="l" rtl="0">
+              <a:spcBef>
+                <a:spcPts val="0"/>
+              </a:spcBef>
+              <a:spcAft>
+                <a:spcPts val="0"/>
+              </a:spcAft>
+              <a:buNone/>
+            </a:pPr>
+            <a:r>
+              <a:rPr lang="it" sz="3020" u="sng" dirty="0">
+                <a:solidFill>
+                  <a:srgbClr val="6FA8DC"/>
+                </a:solidFill>
+                <a:latin typeface="Oswald"/>
+                <a:ea typeface="Oswald"/>
+                <a:cs typeface="Oswald"/>
+                <a:sym typeface="Oswald"/>
+              </a:rPr>
+              <a:t>Pesi dei Pokémon</a:t>
+            </a:r>
+            <a:endParaRPr sz="3020" u="sng" dirty="0"/>
+          </a:p>
+        </p:txBody>
+      </p:sp>
+      <p:sp>
+        <p:nvSpPr>
+          <p:cNvPr id="159" name="Google Shape;159;p27"/>
+          <p:cNvSpPr txBox="1">
+            <a:spLocks noGrp="1"/>
+          </p:cNvSpPr>
+          <p:nvPr>
+            <p:ph type="sldNum" idx="12"/>
+          </p:nvPr>
+        </p:nvSpPr>
+        <p:spPr>
+          <a:xfrm>
+            <a:off x="8472458" y="4663217"/>
+            <a:ext cx="548700" cy="393600"/>
+          </a:xfrm>
+          <a:prstGeom prst="rect">
+            <a:avLst/>
+          </a:prstGeom>
+        </p:spPr>
+        <p:txBody>
+          <a:bodyPr spcFirstLastPara="1" wrap="square" lIns="91425" tIns="91425" rIns="91425" bIns="91425" anchor="ctr" anchorCtr="0">
+            <a:normAutofit/>
+          </a:bodyPr>
+          <a:lstStyle/>
+          <a:p>
+            <a:pPr marL="0" lvl="0" indent="0" algn="r" rtl="0">
+              <a:spcBef>
+                <a:spcPts val="0"/>
+              </a:spcBef>
+              <a:spcAft>
+                <a:spcPts val="0"/>
+              </a:spcAft>
+              <a:buNone/>
+            </a:pPr>
+            <a:r>
+              <a:rPr lang="it" dirty="0"/>
+              <a:t>14</a:t>
+            </a:r>
+            <a:endParaRPr dirty="0"/>
+          </a:p>
+        </p:txBody>
+      </p:sp>
       <p:grpSp>
         <p:nvGrpSpPr>
-          <p:cNvPr id="144" name="Google Shape;144;p24"/>
+          <p:cNvPr id="160" name="Google Shape;160;p27"/>
           <p:cNvGrpSpPr/>
           <p:nvPr/>
         </p:nvGrpSpPr>
         <p:grpSpPr>
           <a:xfrm>
-            <a:off x="1810988" y="4263025"/>
-            <a:ext cx="5160338" cy="400200"/>
-            <a:chOff x="1810988" y="4263025"/>
-            <a:chExt cx="5160338" cy="400200"/>
+            <a:off x="2119525" y="4352600"/>
+            <a:ext cx="5035438" cy="400200"/>
+            <a:chOff x="2119525" y="4263025"/>
+            <a:chExt cx="5035438" cy="400200"/>
           </a:xfrm>
         </p:grpSpPr>
         <p:sp>
           <p:nvSpPr>
-            <p:cNvPr id="145" name="Google Shape;145;p24"/>
+            <p:cNvPr id="161" name="Google Shape;161;p27"/>
             <p:cNvSpPr txBox="1"/>
             <p:nvPr/>
           </p:nvSpPr>
           <p:spPr>
             <a:xfrm>
-              <a:off x="1810988" y="4263025"/>
+              <a:off x="2119525" y="4263025"/>
               <a:ext cx="1056000" cy="400200"/>
             </a:xfrm>
             <a:prstGeom prst="rect">
@@ -7888,12 +8930,12 @@
             </a:ln>
           </p:spPr>
           <p:txBody>
-            <a:bodyPr anchorCtr="0" anchor="t" bIns="91425" lIns="91425" spcFirstLastPara="1" rIns="91425" wrap="square" tIns="91425">
+            <a:bodyPr spcFirstLastPara="1" wrap="square" lIns="91425" tIns="91425" rIns="91425" bIns="91425" anchor="t" anchorCtr="0">
               <a:spAutoFit/>
             </a:bodyPr>
             <a:lstStyle/>
             <a:p>
-              <a:pPr indent="0" lvl="0" marL="0" rtl="0" algn="l">
+              <a:pPr marL="0" lvl="0" indent="0" algn="l" rtl="0">
                 <a:spcBef>
                   <a:spcPts val="0"/>
                 </a:spcBef>
@@ -7928,13 +8970,13 @@
         </p:sp>
         <p:sp>
           <p:nvSpPr>
-            <p:cNvPr id="146" name="Google Shape;146;p24"/>
+            <p:cNvPr id="162" name="Google Shape;162;p27"/>
             <p:cNvSpPr txBox="1"/>
             <p:nvPr/>
           </p:nvSpPr>
           <p:spPr>
             <a:xfrm>
-              <a:off x="5654326" y="4263025"/>
+              <a:off x="5837963" y="4263025"/>
               <a:ext cx="1317000" cy="400200"/>
             </a:xfrm>
             <a:prstGeom prst="rect">
@@ -7946,12 +8988,12 @@
             </a:ln>
           </p:spPr>
           <p:txBody>
-            <a:bodyPr anchorCtr="0" anchor="t" bIns="91425" lIns="91425" spcFirstLastPara="1" rIns="91425" wrap="square" tIns="91425">
+            <a:bodyPr spcFirstLastPara="1" wrap="square" lIns="91425" tIns="91425" rIns="91425" bIns="91425" anchor="t" anchorCtr="0">
               <a:spAutoFit/>
             </a:bodyPr>
             <a:lstStyle/>
             <a:p>
-              <a:pPr indent="0" lvl="0" marL="0" rtl="0" algn="l">
+              <a:pPr marL="0" lvl="0" indent="0" algn="l" rtl="0">
                 <a:spcBef>
                   <a:spcPts val="0"/>
                 </a:spcBef>
@@ -7985,6 +9027,66 @@
           </p:txBody>
         </p:sp>
       </p:grpSp>
+      <p:pic>
+        <p:nvPicPr>
+          <p:cNvPr id="3" name="Immagine 2" descr="Immagine che contiene cielo notturno&#10;&#10;Descrizione generata automaticamente">
+            <a:extLst>
+              <a:ext uri="{FF2B5EF4-FFF2-40B4-BE49-F238E27FC236}">
+                <a16:creationId xmlns:a16="http://schemas.microsoft.com/office/drawing/2014/main" id="{7A4E4F78-4F9F-0EA5-077C-B59F207C1720}"/>
+              </a:ext>
+            </a:extLst>
+          </p:cNvPr>
+          <p:cNvPicPr>
+            <a:picLocks noChangeAspect="1"/>
+          </p:cNvPicPr>
+          <p:nvPr/>
+        </p:nvPicPr>
+        <p:blipFill>
+          <a:blip r:embed="rId3"/>
+          <a:stretch>
+            <a:fillRect/>
+          </a:stretch>
+        </p:blipFill>
+        <p:spPr>
+          <a:xfrm>
+            <a:off x="890725" y="1098606"/>
+            <a:ext cx="3513600" cy="3513600"/>
+          </a:xfrm>
+          <a:prstGeom prst="rect">
+            <a:avLst/>
+          </a:prstGeom>
+        </p:spPr>
+      </p:pic>
+      <p:pic>
+        <p:nvPicPr>
+          <p:cNvPr id="7" name="Immagine 6" descr="Immagine che contiene cielo notturno&#10;&#10;Descrizione generata automaticamente">
+            <a:extLst>
+              <a:ext uri="{FF2B5EF4-FFF2-40B4-BE49-F238E27FC236}">
+                <a16:creationId xmlns:a16="http://schemas.microsoft.com/office/drawing/2014/main" id="{4541080E-5FF5-A4A6-6DD8-34971A9C8A00}"/>
+              </a:ext>
+            </a:extLst>
+          </p:cNvPr>
+          <p:cNvPicPr>
+            <a:picLocks noChangeAspect="1"/>
+          </p:cNvPicPr>
+          <p:nvPr/>
+        </p:nvPicPr>
+        <p:blipFill>
+          <a:blip r:embed="rId4"/>
+          <a:stretch>
+            <a:fillRect/>
+          </a:stretch>
+        </p:blipFill>
+        <p:spPr>
+          <a:xfrm>
+            <a:off x="4739677" y="1098606"/>
+            <a:ext cx="3513600" cy="3513600"/>
+          </a:xfrm>
+          <a:prstGeom prst="rect">
+            <a:avLst/>
+          </a:prstGeom>
+        </p:spPr>
+      </p:pic>
     </p:spTree>
   </p:cSld>
   <p:clrMapOvr>
@@ -7993,19 +9095,20 @@
 </p:sld>
 </file>
 
-<file path=ppt/slides/slide13.xml><?xml version="1.0" encoding="utf-8"?>
-<p:sld xmlns:a="http://schemas.openxmlformats.org/drawingml/2006/main" xmlns:r="http://schemas.openxmlformats.org/officeDocument/2006/relationships" xmlns:mc="http://schemas.openxmlformats.org/markup-compatibility/2006" xmlns:mv="urn:schemas-microsoft-com:mac:vml" xmlns:p="http://schemas.openxmlformats.org/presentationml/2006/main" xmlns:c="http://schemas.openxmlformats.org/drawingml/2006/chart" xmlns:dgm="http://schemas.openxmlformats.org/drawingml/2006/diagram" xmlns:o="urn:schemas-microsoft-com:office:office" xmlns:v="urn:schemas-microsoft-com:vml" xmlns:pvml="urn:schemas-microsoft-com:office:powerpoint" xmlns:com="http://schemas.openxmlformats.org/drawingml/2006/compatibility" xmlns:p14="http://schemas.microsoft.com/office/powerpoint/2010/main" xmlns:p15="http://schemas.microsoft.com/office/powerpoint/2012/main" xmlns:ahyp="http://schemas.microsoft.com/office/drawing/2018/hyperlinkcolor">
+<file path=ppt/slides/slide16.xml><?xml version="1.0" encoding="utf-8"?>
+<p:sld xmlns:a="http://schemas.openxmlformats.org/drawingml/2006/main" xmlns:r="http://schemas.openxmlformats.org/officeDocument/2006/relationships" xmlns:p="http://schemas.openxmlformats.org/presentationml/2006/main">
   <p:cSld>
     <p:bg>
       <p:bgPr>
         <a:solidFill>
           <a:srgbClr val="F3F3F3"/>
         </a:solidFill>
+        <a:effectLst/>
       </p:bgPr>
     </p:bg>
     <p:spTree>
       <p:nvGrpSpPr>
-        <p:cNvPr id="150" name="Shape 150"/>
+        <p:cNvPr id="1" name="Shape 168"/>
         <p:cNvGrpSpPr/>
         <p:nvPr/>
       </p:nvGrpSpPr>
@@ -8019,15 +9122,17 @@
       </p:grpSpPr>
       <p:sp>
         <p:nvSpPr>
-          <p:cNvPr id="151" name="Google Shape;151;p25"/>
-          <p:cNvSpPr txBox="1"/>
+          <p:cNvPr id="169" name="Google Shape;169;p28"/>
+          <p:cNvSpPr txBox="1">
+            <a:spLocks noGrp="1"/>
+          </p:cNvSpPr>
           <p:nvPr>
             <p:ph type="title"/>
           </p:nvPr>
         </p:nvSpPr>
         <p:spPr>
           <a:xfrm>
-            <a:off x="375125" y="396675"/>
+            <a:off x="423616" y="2285400"/>
             <a:ext cx="3040500" cy="572700"/>
           </a:xfrm>
           <a:prstGeom prst="rect">
@@ -8035,12 +9140,12 @@
           </a:prstGeom>
         </p:spPr>
         <p:txBody>
-          <a:bodyPr anchorCtr="0" anchor="t" bIns="91425" lIns="91425" spcFirstLastPara="1" rIns="91425" wrap="square" tIns="91425">
+          <a:bodyPr spcFirstLastPara="1" wrap="square" lIns="91425" tIns="91425" rIns="91425" bIns="91425" anchor="t" anchorCtr="0">
             <a:noAutofit/>
           </a:bodyPr>
           <a:lstStyle/>
           <a:p>
-            <a:pPr indent="0" lvl="0" marL="0" rtl="0" algn="l">
+            <a:pPr marL="0" lvl="0" indent="0" algn="l" rtl="0">
               <a:spcBef>
                 <a:spcPts val="0"/>
               </a:spcBef>
@@ -8051,7 +9156,7 @@
               <a:buNone/>
             </a:pPr>
             <a:r>
-              <a:rPr lang="it" sz="3020">
+              <a:rPr lang="it" sz="3020" u="sng" dirty="0">
                 <a:solidFill>
                   <a:srgbClr val="6FA8DC"/>
                 </a:solidFill>
@@ -8062,7 +9167,7 @@
               </a:rPr>
               <a:t>Altezze dei Pokémon</a:t>
             </a:r>
-            <a:endParaRPr sz="3020">
+            <a:endParaRPr sz="3020" u="sng" dirty="0">
               <a:solidFill>
                 <a:srgbClr val="6FA8DC"/>
               </a:solidFill>
@@ -8076,10 +9181,12 @@
       </p:sp>
       <p:sp>
         <p:nvSpPr>
-          <p:cNvPr id="152" name="Google Shape;152;p25"/>
-          <p:cNvSpPr txBox="1"/>
+          <p:cNvPr id="170" name="Google Shape;170;p28"/>
+          <p:cNvSpPr txBox="1">
+            <a:spLocks noGrp="1"/>
+          </p:cNvSpPr>
           <p:nvPr>
-            <p:ph idx="12" type="sldNum"/>
+            <p:ph type="sldNum" idx="12"/>
           </p:nvPr>
         </p:nvSpPr>
         <p:spPr>
@@ -8092,12 +9199,12 @@
           </a:prstGeom>
         </p:spPr>
         <p:txBody>
-          <a:bodyPr anchorCtr="0" anchor="ctr" bIns="91425" lIns="91425" spcFirstLastPara="1" rIns="91425" wrap="square" tIns="91425">
+          <a:bodyPr spcFirstLastPara="1" wrap="square" lIns="91425" tIns="91425" rIns="91425" bIns="91425" anchor="ctr" anchorCtr="0">
             <a:normAutofit/>
           </a:bodyPr>
           <a:lstStyle/>
           <a:p>
-            <a:pPr indent="0" lvl="0" marL="0" rtl="0" algn="r">
+            <a:pPr marL="0" lvl="0" indent="0" algn="r" rtl="0">
               <a:spcBef>
                 <a:spcPts val="0"/>
               </a:spcBef>
@@ -8106,68 +9213,42 @@
               </a:spcAft>
               <a:buNone/>
             </a:pPr>
-            <a:fld id="{00000000-1234-1234-1234-123412341234}" type="slidenum">
-              <a:rPr lang="it"/>
-              <a:t>‹#›</a:t>
-            </a:fld>
-            <a:endParaRPr/>
+            <a:r>
+              <a:rPr lang="it-IT" dirty="0"/>
+              <a:t>15</a:t>
+            </a:r>
+            <a:endParaRPr dirty="0"/>
           </a:p>
         </p:txBody>
       </p:sp>
       <p:pic>
         <p:nvPicPr>
-          <p:cNvPr id="153" name="Google Shape;153;p25"/>
-          <p:cNvPicPr preferRelativeResize="0"/>
+          <p:cNvPr id="3" name="Immagine 2">
+            <a:extLst>
+              <a:ext uri="{FF2B5EF4-FFF2-40B4-BE49-F238E27FC236}">
+                <a16:creationId xmlns:a16="http://schemas.microsoft.com/office/drawing/2014/main" id="{BAFBD6CE-6A2C-CF15-D625-42D09D69834C}"/>
+              </a:ext>
+            </a:extLst>
+          </p:cNvPr>
+          <p:cNvPicPr>
+            <a:picLocks noChangeAspect="1"/>
+          </p:cNvPicPr>
           <p:nvPr/>
         </p:nvPicPr>
         <p:blipFill>
-          <a:blip r:embed="rId3">
-            <a:alphaModFix/>
-          </a:blip>
+          <a:blip r:embed="rId3"/>
           <a:stretch>
             <a:fillRect/>
           </a:stretch>
         </p:blipFill>
         <p:spPr>
           <a:xfrm>
-            <a:off x="3745350" y="12"/>
-            <a:ext cx="5004150" cy="5004126"/>
-          </a:xfrm>
-          <a:prstGeom prst="rect">
-            <a:avLst/>
-          </a:prstGeom>
-          <a:noFill/>
-          <a:ln>
-            <a:noFill/>
-          </a:ln>
-        </p:spPr>
-      </p:pic>
-      <p:pic>
-        <p:nvPicPr>
-          <p:cNvPr id="154" name="Google Shape;154;p25"/>
-          <p:cNvPicPr preferRelativeResize="0"/>
-          <p:nvPr/>
-        </p:nvPicPr>
-        <p:blipFill>
-          <a:blip r:embed="rId4">
-            <a:alphaModFix/>
-          </a:blip>
-          <a:stretch>
-            <a:fillRect/>
-          </a:stretch>
-        </p:blipFill>
-        <p:spPr>
-          <a:xfrm>
-            <a:off x="329225" y="1528625"/>
-            <a:ext cx="3246575" cy="3246575"/>
-          </a:xfrm>
-          <a:prstGeom prst="rect">
-            <a:avLst/>
-          </a:prstGeom>
-          <a:noFill/>
-          <a:ln>
-            <a:noFill/>
-          </a:ln>
+            <a:off x="3464116" y="-142650"/>
+            <a:ext cx="5428800" cy="5428800"/>
+          </a:xfrm>
+          <a:prstGeom prst="rect">
+            <a:avLst/>
+          </a:prstGeom>
         </p:spPr>
       </p:pic>
     </p:spTree>
@@ -8178,19 +9259,20 @@
 </p:sld>
 </file>
 
-<file path=ppt/slides/slide14.xml><?xml version="1.0" encoding="utf-8"?>
-<p:sld xmlns:a="http://schemas.openxmlformats.org/drawingml/2006/main" xmlns:r="http://schemas.openxmlformats.org/officeDocument/2006/relationships" xmlns:mc="http://schemas.openxmlformats.org/markup-compatibility/2006" xmlns:mv="urn:schemas-microsoft-com:mac:vml" xmlns:p="http://schemas.openxmlformats.org/presentationml/2006/main" xmlns:c="http://schemas.openxmlformats.org/drawingml/2006/chart" xmlns:dgm="http://schemas.openxmlformats.org/drawingml/2006/diagram" xmlns:o="urn:schemas-microsoft-com:office:office" xmlns:v="urn:schemas-microsoft-com:vml" xmlns:pvml="urn:schemas-microsoft-com:office:powerpoint" xmlns:com="http://schemas.openxmlformats.org/drawingml/2006/compatibility" xmlns:p14="http://schemas.microsoft.com/office/powerpoint/2010/main" xmlns:p15="http://schemas.microsoft.com/office/powerpoint/2012/main" xmlns:ahyp="http://schemas.microsoft.com/office/drawing/2018/hyperlinkcolor">
+<file path=ppt/slides/slide17.xml><?xml version="1.0" encoding="utf-8"?>
+<p:sld xmlns:a="http://schemas.openxmlformats.org/drawingml/2006/main" xmlns:r="http://schemas.openxmlformats.org/officeDocument/2006/relationships" xmlns:p="http://schemas.openxmlformats.org/presentationml/2006/main">
   <p:cSld>
     <p:bg>
       <p:bgPr>
         <a:solidFill>
           <a:srgbClr val="F3F3F3"/>
         </a:solidFill>
+        <a:effectLst/>
       </p:bgPr>
     </p:bg>
     <p:spTree>
       <p:nvGrpSpPr>
-        <p:cNvPr id="158" name="Shape 158"/>
+        <p:cNvPr id="1" name="Shape 175"/>
         <p:cNvGrpSpPr/>
         <p:nvPr/>
       </p:nvGrpSpPr>
@@ -8204,28 +9286,30 @@
       </p:grpSpPr>
       <p:sp>
         <p:nvSpPr>
-          <p:cNvPr id="159" name="Google Shape;159;p26"/>
-          <p:cNvSpPr txBox="1"/>
+          <p:cNvPr id="176" name="Google Shape;176;p29"/>
+          <p:cNvSpPr txBox="1">
+            <a:spLocks noGrp="1"/>
+          </p:cNvSpPr>
           <p:nvPr>
             <p:ph type="title"/>
           </p:nvPr>
         </p:nvSpPr>
         <p:spPr>
           <a:xfrm>
-            <a:off x="692025" y="1966650"/>
-            <a:ext cx="2732700" cy="1009200"/>
+            <a:off x="375125" y="396675"/>
+            <a:ext cx="3040500" cy="572700"/>
           </a:xfrm>
           <a:prstGeom prst="rect">
             <a:avLst/>
           </a:prstGeom>
         </p:spPr>
         <p:txBody>
-          <a:bodyPr anchorCtr="0" anchor="t" bIns="91425" lIns="91425" spcFirstLastPara="1" rIns="91425" wrap="square" tIns="91425">
+          <a:bodyPr spcFirstLastPara="1" wrap="square" lIns="91425" tIns="91425" rIns="91425" bIns="91425" anchor="t" anchorCtr="0">
             <a:noAutofit/>
           </a:bodyPr>
           <a:lstStyle/>
           <a:p>
-            <a:pPr indent="0" lvl="0" marL="0" rtl="0" algn="l">
+            <a:pPr marL="0" lvl="0" indent="0" algn="l" rtl="0">
               <a:spcBef>
                 <a:spcPts val="0"/>
               </a:spcBef>
@@ -8236,7 +9320,7 @@
               <a:buNone/>
             </a:pPr>
             <a:r>
-              <a:rPr lang="it" sz="3020">
+              <a:rPr lang="it" sz="3020" u="sng" dirty="0">
                 <a:solidFill>
                   <a:srgbClr val="6FA8DC"/>
                 </a:solidFill>
@@ -8245,42 +9329,9 @@
                 <a:cs typeface="Oswald"/>
                 <a:sym typeface="Oswald"/>
               </a:rPr>
-              <a:t>Comparazione </a:t>
+              <a:t>Altezze dei Pokémon</a:t>
             </a:r>
-            <a:endParaRPr sz="3020">
-              <a:solidFill>
-                <a:srgbClr val="6FA8DC"/>
-              </a:solidFill>
-              <a:latin typeface="Oswald"/>
-              <a:ea typeface="Oswald"/>
-              <a:cs typeface="Oswald"/>
-              <a:sym typeface="Oswald"/>
-            </a:endParaRPr>
-          </a:p>
-          <a:p>
-            <a:pPr indent="0" lvl="0" marL="0" rtl="0" algn="l">
-              <a:spcBef>
-                <a:spcPts val="0"/>
-              </a:spcBef>
-              <a:spcAft>
-                <a:spcPts val="0"/>
-              </a:spcAft>
-              <a:buSzPts val="990"/>
-              <a:buNone/>
-            </a:pPr>
-            <a:r>
-              <a:rPr lang="it" sz="3020">
-                <a:solidFill>
-                  <a:srgbClr val="6FA8DC"/>
-                </a:solidFill>
-                <a:latin typeface="Oswald"/>
-                <a:ea typeface="Oswald"/>
-                <a:cs typeface="Oswald"/>
-                <a:sym typeface="Oswald"/>
-              </a:rPr>
-              <a:t>altezza-peso</a:t>
-            </a:r>
-            <a:endParaRPr sz="3020">
+            <a:endParaRPr sz="3020" u="sng" dirty="0">
               <a:solidFill>
                 <a:srgbClr val="6FA8DC"/>
               </a:solidFill>
@@ -8294,10 +9345,12 @@
       </p:sp>
       <p:sp>
         <p:nvSpPr>
-          <p:cNvPr id="160" name="Google Shape;160;p26"/>
-          <p:cNvSpPr txBox="1"/>
+          <p:cNvPr id="177" name="Google Shape;177;p29"/>
+          <p:cNvSpPr txBox="1">
+            <a:spLocks noGrp="1"/>
+          </p:cNvSpPr>
           <p:nvPr>
-            <p:ph idx="12" type="sldNum"/>
+            <p:ph type="sldNum" idx="12"/>
           </p:nvPr>
         </p:nvSpPr>
         <p:spPr>
@@ -8310,12 +9363,12 @@
           </a:prstGeom>
         </p:spPr>
         <p:txBody>
-          <a:bodyPr anchorCtr="0" anchor="ctr" bIns="91425" lIns="91425" spcFirstLastPara="1" rIns="91425" wrap="square" tIns="91425">
+          <a:bodyPr spcFirstLastPara="1" wrap="square" lIns="91425" tIns="91425" rIns="91425" bIns="91425" anchor="ctr" anchorCtr="0">
             <a:normAutofit/>
           </a:bodyPr>
           <a:lstStyle/>
           <a:p>
-            <a:pPr indent="0" lvl="0" marL="0" rtl="0" algn="r">
+            <a:pPr marL="0" lvl="0" indent="0" algn="r" rtl="0">
               <a:spcBef>
                 <a:spcPts val="0"/>
               </a:spcBef>
@@ -8324,94 +9377,74 @@
               </a:spcAft>
               <a:buNone/>
             </a:pPr>
-            <a:fld id="{00000000-1234-1234-1234-123412341234}" type="slidenum">
-              <a:rPr lang="it"/>
-              <a:t>‹#›</a:t>
-            </a:fld>
-            <a:endParaRPr/>
+            <a:r>
+              <a:rPr lang="it" dirty="0"/>
+              <a:t>16</a:t>
+            </a:r>
+            <a:endParaRPr dirty="0"/>
           </a:p>
         </p:txBody>
       </p:sp>
       <p:pic>
         <p:nvPicPr>
-          <p:cNvPr id="161" name="Google Shape;161;p26"/>
-          <p:cNvPicPr preferRelativeResize="0"/>
+          <p:cNvPr id="3" name="Immagine 2">
+            <a:extLst>
+              <a:ext uri="{FF2B5EF4-FFF2-40B4-BE49-F238E27FC236}">
+                <a16:creationId xmlns:a16="http://schemas.microsoft.com/office/drawing/2014/main" id="{B6AD57D5-1BCD-F51E-558A-03B2FC0C05E8}"/>
+              </a:ext>
+            </a:extLst>
+          </p:cNvPr>
+          <p:cNvPicPr>
+            <a:picLocks noChangeAspect="1"/>
+          </p:cNvPicPr>
           <p:nvPr/>
         </p:nvPicPr>
         <p:blipFill>
-          <a:blip r:embed="rId3">
-            <a:alphaModFix/>
-          </a:blip>
+          <a:blip r:embed="rId3"/>
           <a:stretch>
             <a:fillRect/>
           </a:stretch>
         </p:blipFill>
         <p:spPr>
           <a:xfrm>
-            <a:off x="3245375" y="-252749"/>
-            <a:ext cx="5649000" cy="5649000"/>
-          </a:xfrm>
-          <a:prstGeom prst="rect">
-            <a:avLst/>
-          </a:prstGeom>
-          <a:noFill/>
-          <a:ln>
-            <a:noFill/>
-          </a:ln>
+            <a:off x="-166254" y="1149617"/>
+            <a:ext cx="5855999" cy="3513600"/>
+          </a:xfrm>
+          <a:prstGeom prst="rect">
+            <a:avLst/>
+          </a:prstGeom>
         </p:spPr>
       </p:pic>
-      <p:sp>
-        <p:nvSpPr>
-          <p:cNvPr id="162" name="Google Shape;162;p26"/>
-          <p:cNvSpPr txBox="1"/>
+      <p:pic>
+        <p:nvPicPr>
+          <p:cNvPr id="5" name="Immagine 4" descr="Immagine che contiene cielo notturno&#10;&#10;Descrizione generata automaticamente">
+            <a:extLst>
+              <a:ext uri="{FF2B5EF4-FFF2-40B4-BE49-F238E27FC236}">
+                <a16:creationId xmlns:a16="http://schemas.microsoft.com/office/drawing/2014/main" id="{46AC6473-F7A8-4627-AAAE-BE8A34357A98}"/>
+              </a:ext>
+            </a:extLst>
+          </p:cNvPr>
+          <p:cNvPicPr>
+            <a:picLocks noChangeAspect="1"/>
+          </p:cNvPicPr>
           <p:nvPr/>
-        </p:nvSpPr>
-        <p:spPr>
-          <a:xfrm>
-            <a:off x="751650" y="2975850"/>
-            <a:ext cx="2792100" cy="400200"/>
-          </a:xfrm>
-          <a:prstGeom prst="rect">
-            <a:avLst/>
-          </a:prstGeom>
-          <a:noFill/>
-          <a:ln>
-            <a:noFill/>
-          </a:ln>
-        </p:spPr>
-        <p:txBody>
-          <a:bodyPr anchorCtr="0" anchor="t" bIns="91425" lIns="91425" spcFirstLastPara="1" rIns="91425" wrap="square" tIns="91425">
-            <a:spAutoFit/>
-          </a:bodyPr>
-          <a:lstStyle/>
-          <a:p>
-            <a:pPr indent="0" lvl="0" marL="0" rtl="0" algn="l">
-              <a:spcBef>
-                <a:spcPts val="0"/>
-              </a:spcBef>
-              <a:spcAft>
-                <a:spcPts val="0"/>
-              </a:spcAft>
-              <a:buNone/>
-            </a:pPr>
-            <a:r>
-              <a:rPr lang="it">
-                <a:latin typeface="Roboto"/>
-                <a:ea typeface="Roboto"/>
-                <a:cs typeface="Roboto"/>
-                <a:sym typeface="Roboto"/>
-              </a:rPr>
-              <a:t>Esiste una relazione lineare?</a:t>
-            </a:r>
-            <a:endParaRPr>
-              <a:latin typeface="Roboto"/>
-              <a:ea typeface="Roboto"/>
-              <a:cs typeface="Roboto"/>
-              <a:sym typeface="Roboto"/>
-            </a:endParaRPr>
-          </a:p>
-        </p:txBody>
-      </p:sp>
+        </p:nvPicPr>
+        <p:blipFill>
+          <a:blip r:embed="rId4"/>
+          <a:stretch>
+            <a:fillRect/>
+          </a:stretch>
+        </p:blipFill>
+        <p:spPr>
+          <a:xfrm>
+            <a:off x="5415727" y="1149617"/>
+            <a:ext cx="3513600" cy="3513600"/>
+          </a:xfrm>
+          <a:prstGeom prst="rect">
+            <a:avLst/>
+          </a:prstGeom>
+        </p:spPr>
+      </p:pic>
     </p:spTree>
   </p:cSld>
   <p:clrMapOvr>
@@ -8420,19 +9453,20 @@
 </p:sld>
 </file>
 
-<file path=ppt/slides/slide15.xml><?xml version="1.0" encoding="utf-8"?>
-<p:sld xmlns:a="http://schemas.openxmlformats.org/drawingml/2006/main" xmlns:r="http://schemas.openxmlformats.org/officeDocument/2006/relationships" xmlns:mc="http://schemas.openxmlformats.org/markup-compatibility/2006" xmlns:mv="urn:schemas-microsoft-com:mac:vml" xmlns:p="http://schemas.openxmlformats.org/presentationml/2006/main" xmlns:c="http://schemas.openxmlformats.org/drawingml/2006/chart" xmlns:dgm="http://schemas.openxmlformats.org/drawingml/2006/diagram" xmlns:o="urn:schemas-microsoft-com:office:office" xmlns:v="urn:schemas-microsoft-com:vml" xmlns:pvml="urn:schemas-microsoft-com:office:powerpoint" xmlns:com="http://schemas.openxmlformats.org/drawingml/2006/compatibility" xmlns:p14="http://schemas.microsoft.com/office/powerpoint/2010/main" xmlns:p15="http://schemas.microsoft.com/office/powerpoint/2012/main" xmlns:ahyp="http://schemas.microsoft.com/office/drawing/2018/hyperlinkcolor">
+<file path=ppt/slides/slide18.xml><?xml version="1.0" encoding="utf-8"?>
+<p:sld xmlns:a="http://schemas.openxmlformats.org/drawingml/2006/main" xmlns:r="http://schemas.openxmlformats.org/officeDocument/2006/relationships" xmlns:p="http://schemas.openxmlformats.org/presentationml/2006/main">
   <p:cSld>
     <p:bg>
       <p:bgPr>
         <a:solidFill>
           <a:srgbClr val="F3F3F3"/>
         </a:solidFill>
+        <a:effectLst/>
       </p:bgPr>
     </p:bg>
     <p:spTree>
       <p:nvGrpSpPr>
-        <p:cNvPr id="166" name="Shape 166"/>
+        <p:cNvPr id="1" name="Shape 183"/>
         <p:cNvGrpSpPr/>
         <p:nvPr/>
       </p:nvGrpSpPr>
@@ -8446,28 +9480,30 @@
       </p:grpSpPr>
       <p:sp>
         <p:nvSpPr>
-          <p:cNvPr id="167" name="Google Shape;167;p27"/>
-          <p:cNvSpPr txBox="1"/>
+          <p:cNvPr id="184" name="Google Shape;184;p30"/>
+          <p:cNvSpPr txBox="1">
+            <a:spLocks noGrp="1"/>
+          </p:cNvSpPr>
           <p:nvPr>
             <p:ph type="title"/>
           </p:nvPr>
         </p:nvSpPr>
         <p:spPr>
           <a:xfrm>
-            <a:off x="311700" y="445025"/>
-            <a:ext cx="8520600" cy="572700"/>
+            <a:off x="751650" y="1720786"/>
+            <a:ext cx="2168939" cy="1009200"/>
           </a:xfrm>
           <a:prstGeom prst="rect">
             <a:avLst/>
           </a:prstGeom>
         </p:spPr>
         <p:txBody>
-          <a:bodyPr anchorCtr="0" anchor="t" bIns="91425" lIns="91425" spcFirstLastPara="1" rIns="91425" wrap="square" tIns="91425">
+          <a:bodyPr spcFirstLastPara="1" wrap="square" lIns="91425" tIns="91425" rIns="91425" bIns="91425" anchor="t" anchorCtr="0">
             <a:noAutofit/>
           </a:bodyPr>
           <a:lstStyle/>
           <a:p>
-            <a:pPr indent="0" lvl="0" marL="0" rtl="0" algn="l">
+            <a:pPr marL="0" lvl="0" indent="0" algn="l" rtl="0">
               <a:spcBef>
                 <a:spcPts val="0"/>
               </a:spcBef>
@@ -8478,7 +9514,7 @@
               <a:buNone/>
             </a:pPr>
             <a:r>
-              <a:rPr lang="it" sz="3020">
+              <a:rPr lang="it" sz="3020" u="sng" dirty="0">
                 <a:solidFill>
                   <a:srgbClr val="6FA8DC"/>
                 </a:solidFill>
@@ -8487,9 +9523,42 @@
                 <a:cs typeface="Oswald"/>
                 <a:sym typeface="Oswald"/>
               </a:rPr>
-              <a:t>Efficacia difensiva</a:t>
+              <a:t>Comparazione </a:t>
             </a:r>
-            <a:endParaRPr sz="3020">
+            <a:endParaRPr sz="3020" u="sng" dirty="0">
+              <a:solidFill>
+                <a:srgbClr val="6FA8DC"/>
+              </a:solidFill>
+              <a:latin typeface="Oswald"/>
+              <a:ea typeface="Oswald"/>
+              <a:cs typeface="Oswald"/>
+              <a:sym typeface="Oswald"/>
+            </a:endParaRPr>
+          </a:p>
+          <a:p>
+            <a:pPr marL="0" lvl="0" indent="0" algn="l" rtl="0">
+              <a:spcBef>
+                <a:spcPts val="0"/>
+              </a:spcBef>
+              <a:spcAft>
+                <a:spcPts val="0"/>
+              </a:spcAft>
+              <a:buSzPts val="990"/>
+              <a:buNone/>
+            </a:pPr>
+            <a:r>
+              <a:rPr lang="it" sz="3020" u="sng" dirty="0">
+                <a:solidFill>
+                  <a:srgbClr val="6FA8DC"/>
+                </a:solidFill>
+                <a:latin typeface="Oswald"/>
+                <a:ea typeface="Oswald"/>
+                <a:cs typeface="Oswald"/>
+                <a:sym typeface="Oswald"/>
+              </a:rPr>
+              <a:t>altezza-peso</a:t>
+            </a:r>
+            <a:endParaRPr sz="3020" u="sng" dirty="0">
               <a:solidFill>
                 <a:srgbClr val="6FA8DC"/>
               </a:solidFill>
@@ -8503,10 +9572,12 @@
       </p:sp>
       <p:sp>
         <p:nvSpPr>
-          <p:cNvPr id="168" name="Google Shape;168;p27"/>
-          <p:cNvSpPr txBox="1"/>
+          <p:cNvPr id="185" name="Google Shape;185;p30"/>
+          <p:cNvSpPr txBox="1">
+            <a:spLocks noGrp="1"/>
+          </p:cNvSpPr>
           <p:nvPr>
-            <p:ph idx="12" type="sldNum"/>
+            <p:ph type="sldNum" idx="12"/>
           </p:nvPr>
         </p:nvSpPr>
         <p:spPr>
@@ -8519,12 +9590,12 @@
           </a:prstGeom>
         </p:spPr>
         <p:txBody>
-          <a:bodyPr anchorCtr="0" anchor="ctr" bIns="91425" lIns="91425" spcFirstLastPara="1" rIns="91425" wrap="square" tIns="91425">
+          <a:bodyPr spcFirstLastPara="1" wrap="square" lIns="91425" tIns="91425" rIns="91425" bIns="91425" anchor="ctr" anchorCtr="0">
             <a:normAutofit/>
           </a:bodyPr>
           <a:lstStyle/>
           <a:p>
-            <a:pPr indent="0" lvl="0" marL="0" rtl="0" algn="r">
+            <a:pPr marL="0" lvl="0" indent="0" algn="r" rtl="0">
               <a:spcBef>
                 <a:spcPts val="0"/>
               </a:spcBef>
@@ -8533,40 +9604,91 @@
               </a:spcAft>
               <a:buNone/>
             </a:pPr>
-            <a:fld id="{00000000-1234-1234-1234-123412341234}" type="slidenum">
-              <a:rPr lang="it"/>
-              <a:t>‹#›</a:t>
-            </a:fld>
-            <a:endParaRPr/>
+            <a:r>
+              <a:rPr lang="it-IT" dirty="0"/>
+              <a:t>17</a:t>
+            </a:r>
+            <a:endParaRPr dirty="0"/>
+          </a:p>
+        </p:txBody>
+      </p:sp>
+      <p:sp>
+        <p:nvSpPr>
+          <p:cNvPr id="186" name="Google Shape;186;p30"/>
+          <p:cNvSpPr txBox="1"/>
+          <p:nvPr/>
+        </p:nvSpPr>
+        <p:spPr>
+          <a:xfrm>
+            <a:off x="751650" y="2729986"/>
+            <a:ext cx="2792100" cy="400200"/>
+          </a:xfrm>
+          <a:prstGeom prst="rect">
+            <a:avLst/>
+          </a:prstGeom>
+          <a:noFill/>
+          <a:ln>
+            <a:noFill/>
+          </a:ln>
+        </p:spPr>
+        <p:txBody>
+          <a:bodyPr spcFirstLastPara="1" wrap="square" lIns="91425" tIns="91425" rIns="91425" bIns="91425" anchor="t" anchorCtr="0">
+            <a:spAutoFit/>
+          </a:bodyPr>
+          <a:lstStyle/>
+          <a:p>
+            <a:r>
+              <a:rPr lang="it" dirty="0">
+                <a:solidFill>
+                  <a:schemeClr val="dk2"/>
+                </a:solidFill>
+                <a:latin typeface="Roboto"/>
+                <a:ea typeface="Roboto"/>
+                <a:cs typeface="Roboto"/>
+                <a:sym typeface="Roboto"/>
+              </a:rPr>
+              <a:t>Esiste una relazione lineare?</a:t>
+            </a:r>
+            <a:endParaRPr dirty="0">
+              <a:solidFill>
+                <a:schemeClr val="dk2"/>
+              </a:solidFill>
+              <a:latin typeface="Roboto"/>
+              <a:ea typeface="Roboto"/>
+              <a:cs typeface="Roboto"/>
+              <a:sym typeface="Roboto"/>
+            </a:endParaRPr>
           </a:p>
         </p:txBody>
       </p:sp>
       <p:pic>
         <p:nvPicPr>
-          <p:cNvPr id="169" name="Google Shape;169;p27"/>
-          <p:cNvPicPr preferRelativeResize="0"/>
+          <p:cNvPr id="3" name="Immagine 2" descr="Immagine che contiene esterni, oggetto da esterni, notte&#10;&#10;Descrizione generata automaticamente">
+            <a:extLst>
+              <a:ext uri="{FF2B5EF4-FFF2-40B4-BE49-F238E27FC236}">
+                <a16:creationId xmlns:a16="http://schemas.microsoft.com/office/drawing/2014/main" id="{8877960F-51C4-46D7-4A12-334C31C6FACD}"/>
+              </a:ext>
+            </a:extLst>
+          </p:cNvPr>
+          <p:cNvPicPr>
+            <a:picLocks noChangeAspect="1"/>
+          </p:cNvPicPr>
           <p:nvPr/>
         </p:nvPicPr>
         <p:blipFill>
-          <a:blip r:embed="rId3">
-            <a:alphaModFix/>
-          </a:blip>
+          <a:blip r:embed="rId3"/>
           <a:stretch>
             <a:fillRect/>
           </a:stretch>
         </p:blipFill>
         <p:spPr>
           <a:xfrm>
-            <a:off x="-362275" y="1408200"/>
-            <a:ext cx="9765074" cy="3255025"/>
-          </a:xfrm>
-          <a:prstGeom prst="rect">
-            <a:avLst/>
-          </a:prstGeom>
-          <a:noFill/>
-          <a:ln>
-            <a:noFill/>
-          </a:ln>
+            <a:off x="3424725" y="-142650"/>
+            <a:ext cx="5428800" cy="5428800"/>
+          </a:xfrm>
+          <a:prstGeom prst="rect">
+            <a:avLst/>
+          </a:prstGeom>
         </p:spPr>
       </p:pic>
     </p:spTree>
@@ -8577,19 +9699,20 @@
 </p:sld>
 </file>
 
-<file path=ppt/slides/slide16.xml><?xml version="1.0" encoding="utf-8"?>
-<p:sld xmlns:a="http://schemas.openxmlformats.org/drawingml/2006/main" xmlns:r="http://schemas.openxmlformats.org/officeDocument/2006/relationships" xmlns:mc="http://schemas.openxmlformats.org/markup-compatibility/2006" xmlns:mv="urn:schemas-microsoft-com:mac:vml" xmlns:p="http://schemas.openxmlformats.org/presentationml/2006/main" xmlns:c="http://schemas.openxmlformats.org/drawingml/2006/chart" xmlns:dgm="http://schemas.openxmlformats.org/drawingml/2006/diagram" xmlns:o="urn:schemas-microsoft-com:office:office" xmlns:v="urn:schemas-microsoft-com:vml" xmlns:pvml="urn:schemas-microsoft-com:office:powerpoint" xmlns:com="http://schemas.openxmlformats.org/drawingml/2006/compatibility" xmlns:p14="http://schemas.microsoft.com/office/powerpoint/2010/main" xmlns:p15="http://schemas.microsoft.com/office/powerpoint/2012/main" xmlns:ahyp="http://schemas.microsoft.com/office/drawing/2018/hyperlinkcolor">
+<file path=ppt/slides/slide19.xml><?xml version="1.0" encoding="utf-8"?>
+<p:sld xmlns:a="http://schemas.openxmlformats.org/drawingml/2006/main" xmlns:r="http://schemas.openxmlformats.org/officeDocument/2006/relationships" xmlns:p="http://schemas.openxmlformats.org/presentationml/2006/main">
   <p:cSld>
     <p:bg>
       <p:bgPr>
         <a:solidFill>
           <a:srgbClr val="F3F3F3"/>
         </a:solidFill>
+        <a:effectLst/>
       </p:bgPr>
     </p:bg>
     <p:spTree>
       <p:nvGrpSpPr>
-        <p:cNvPr id="173" name="Shape 173"/>
+        <p:cNvPr id="1" name="Shape 191"/>
         <p:cNvGrpSpPr/>
         <p:nvPr/>
       </p:nvGrpSpPr>
@@ -8603,8 +9726,10 @@
       </p:grpSpPr>
       <p:sp>
         <p:nvSpPr>
-          <p:cNvPr id="174" name="Google Shape;174;p28"/>
-          <p:cNvSpPr txBox="1"/>
+          <p:cNvPr id="192" name="Google Shape;192;p31"/>
+          <p:cNvSpPr txBox="1">
+            <a:spLocks noGrp="1"/>
+          </p:cNvSpPr>
           <p:nvPr>
             <p:ph type="title"/>
           </p:nvPr>
@@ -8612,19 +9737,19 @@
         <p:spPr>
           <a:xfrm>
             <a:off x="311700" y="445025"/>
-            <a:ext cx="8520600" cy="572700"/>
+            <a:ext cx="2729373" cy="572700"/>
           </a:xfrm>
           <a:prstGeom prst="rect">
             <a:avLst/>
           </a:prstGeom>
         </p:spPr>
         <p:txBody>
-          <a:bodyPr anchorCtr="0" anchor="t" bIns="91425" lIns="91425" spcFirstLastPara="1" rIns="91425" wrap="square" tIns="91425">
+          <a:bodyPr spcFirstLastPara="1" wrap="square" lIns="91425" tIns="91425" rIns="91425" bIns="91425" anchor="t" anchorCtr="0">
             <a:noAutofit/>
           </a:bodyPr>
           <a:lstStyle/>
           <a:p>
-            <a:pPr indent="0" lvl="0" marL="0" rtl="0" algn="l">
+            <a:pPr marL="0" lvl="0" indent="0" algn="l" rtl="0">
               <a:spcBef>
                 <a:spcPts val="0"/>
               </a:spcBef>
@@ -8635,7 +9760,7 @@
               <a:buNone/>
             </a:pPr>
             <a:r>
-              <a:rPr lang="it" sz="3020">
+              <a:rPr lang="it" sz="3020" u="sng" dirty="0">
                 <a:solidFill>
                   <a:srgbClr val="6FA8DC"/>
                 </a:solidFill>
@@ -8646,7 +9771,7 @@
               </a:rPr>
               <a:t>Efficacia difensiva</a:t>
             </a:r>
-            <a:endParaRPr sz="3020">
+            <a:endParaRPr sz="3020" u="sng" dirty="0">
               <a:solidFill>
                 <a:srgbClr val="6FA8DC"/>
               </a:solidFill>
@@ -8660,10 +9785,12 @@
       </p:sp>
       <p:sp>
         <p:nvSpPr>
-          <p:cNvPr id="175" name="Google Shape;175;p28"/>
-          <p:cNvSpPr txBox="1"/>
+          <p:cNvPr id="193" name="Google Shape;193;p31"/>
+          <p:cNvSpPr txBox="1">
+            <a:spLocks noGrp="1"/>
+          </p:cNvSpPr>
           <p:nvPr>
-            <p:ph idx="12" type="sldNum"/>
+            <p:ph type="sldNum" idx="12"/>
           </p:nvPr>
         </p:nvSpPr>
         <p:spPr>
@@ -8676,12 +9803,12 @@
           </a:prstGeom>
         </p:spPr>
         <p:txBody>
-          <a:bodyPr anchorCtr="0" anchor="ctr" bIns="91425" lIns="91425" spcFirstLastPara="1" rIns="91425" wrap="square" tIns="91425">
+          <a:bodyPr spcFirstLastPara="1" wrap="square" lIns="91425" tIns="91425" rIns="91425" bIns="91425" anchor="ctr" anchorCtr="0">
             <a:normAutofit/>
           </a:bodyPr>
           <a:lstStyle/>
           <a:p>
-            <a:pPr indent="0" lvl="0" marL="0" rtl="0" algn="r">
+            <a:pPr marL="0" lvl="0" indent="0" algn="r" rtl="0">
               <a:spcBef>
                 <a:spcPts val="0"/>
               </a:spcBef>
@@ -8690,196 +9817,42 @@
               </a:spcAft>
               <a:buNone/>
             </a:pPr>
-            <a:fld id="{00000000-1234-1234-1234-123412341234}" type="slidenum">
-              <a:rPr lang="it"/>
-              <a:t>‹#›</a:t>
-            </a:fld>
-            <a:endParaRPr/>
+            <a:r>
+              <a:rPr lang="it-IT" dirty="0"/>
+              <a:t>18</a:t>
+            </a:r>
+            <a:endParaRPr dirty="0"/>
           </a:p>
         </p:txBody>
       </p:sp>
       <p:pic>
         <p:nvPicPr>
-          <p:cNvPr id="176" name="Google Shape;176;p28"/>
-          <p:cNvPicPr preferRelativeResize="0"/>
+          <p:cNvPr id="3" name="Immagine 2">
+            <a:extLst>
+              <a:ext uri="{FF2B5EF4-FFF2-40B4-BE49-F238E27FC236}">
+                <a16:creationId xmlns:a16="http://schemas.microsoft.com/office/drawing/2014/main" id="{60AEEA88-17CA-CF27-8E56-8DF58766B358}"/>
+              </a:ext>
+            </a:extLst>
+          </p:cNvPr>
+          <p:cNvPicPr>
+            <a:picLocks noChangeAspect="1"/>
+          </p:cNvPicPr>
           <p:nvPr/>
         </p:nvPicPr>
         <p:blipFill>
-          <a:blip r:embed="rId3">
-            <a:alphaModFix/>
-          </a:blip>
+          <a:blip r:embed="rId3"/>
           <a:stretch>
             <a:fillRect/>
           </a:stretch>
         </p:blipFill>
         <p:spPr>
           <a:xfrm>
-            <a:off x="-491062" y="1152788"/>
-            <a:ext cx="10126126" cy="3375375"/>
-          </a:xfrm>
-          <a:prstGeom prst="rect">
-            <a:avLst/>
-          </a:prstGeom>
-          <a:noFill/>
-          <a:ln>
-            <a:noFill/>
-          </a:ln>
-        </p:spPr>
-      </p:pic>
-    </p:spTree>
-  </p:cSld>
-  <p:clrMapOvr>
-    <a:masterClrMapping/>
-  </p:clrMapOvr>
-</p:sld>
-</file>
-
-<file path=ppt/slides/slide17.xml><?xml version="1.0" encoding="utf-8"?>
-<p:sld xmlns:a="http://schemas.openxmlformats.org/drawingml/2006/main" xmlns:r="http://schemas.openxmlformats.org/officeDocument/2006/relationships" xmlns:mc="http://schemas.openxmlformats.org/markup-compatibility/2006" xmlns:mv="urn:schemas-microsoft-com:mac:vml" xmlns:p="http://schemas.openxmlformats.org/presentationml/2006/main" xmlns:c="http://schemas.openxmlformats.org/drawingml/2006/chart" xmlns:dgm="http://schemas.openxmlformats.org/drawingml/2006/diagram" xmlns:o="urn:schemas-microsoft-com:office:office" xmlns:v="urn:schemas-microsoft-com:vml" xmlns:pvml="urn:schemas-microsoft-com:office:powerpoint" xmlns:com="http://schemas.openxmlformats.org/drawingml/2006/compatibility" xmlns:p14="http://schemas.microsoft.com/office/powerpoint/2010/main" xmlns:p15="http://schemas.microsoft.com/office/powerpoint/2012/main" xmlns:ahyp="http://schemas.microsoft.com/office/drawing/2018/hyperlinkcolor">
-  <p:cSld>
-    <p:bg>
-      <p:bgPr>
-        <a:solidFill>
-          <a:srgbClr val="6FA8DC"/>
-        </a:solidFill>
-      </p:bgPr>
-    </p:bg>
-    <p:spTree>
-      <p:nvGrpSpPr>
-        <p:cNvPr id="180" name="Shape 180"/>
-        <p:cNvGrpSpPr/>
-        <p:nvPr/>
-      </p:nvGrpSpPr>
-      <p:grpSpPr>
-        <a:xfrm>
-          <a:off x="0" y="0"/>
-          <a:ext cx="0" cy="0"/>
-          <a:chOff x="0" y="0"/>
-          <a:chExt cx="0" cy="0"/>
-        </a:xfrm>
-      </p:grpSpPr>
-      <p:sp>
-        <p:nvSpPr>
-          <p:cNvPr id="181" name="Google Shape;181;p29"/>
-          <p:cNvSpPr txBox="1"/>
-          <p:nvPr>
-            <p:ph type="title"/>
-          </p:nvPr>
-        </p:nvSpPr>
-        <p:spPr>
-          <a:xfrm>
-            <a:off x="203025" y="1001400"/>
-            <a:ext cx="8520600" cy="1963500"/>
-          </a:xfrm>
-          <a:prstGeom prst="rect">
-            <a:avLst/>
-          </a:prstGeom>
-        </p:spPr>
-        <p:txBody>
-          <a:bodyPr anchorCtr="0" anchor="ctr" bIns="91425" lIns="91425" spcFirstLastPara="1" rIns="91425" wrap="square" tIns="91425">
-            <a:normAutofit/>
-          </a:bodyPr>
-          <a:lstStyle/>
-          <a:p>
-            <a:pPr indent="0" lvl="0" marL="0" rtl="0" algn="ctr">
-              <a:spcBef>
-                <a:spcPts val="0"/>
-              </a:spcBef>
-              <a:spcAft>
-                <a:spcPts val="0"/>
-              </a:spcAft>
-              <a:buNone/>
-            </a:pPr>
-            <a:r>
-              <a:rPr lang="it" sz="5800">
-                <a:solidFill>
-                  <a:srgbClr val="F3F3F3"/>
-                </a:solidFill>
-                <a:latin typeface="Roboto"/>
-                <a:ea typeface="Roboto"/>
-                <a:cs typeface="Roboto"/>
-                <a:sym typeface="Roboto"/>
-              </a:rPr>
-              <a:t>Grazie per l’ascolto!</a:t>
-            </a:r>
-            <a:endParaRPr sz="5800">
-              <a:solidFill>
-                <a:srgbClr val="F3F3F3"/>
-              </a:solidFill>
-              <a:latin typeface="Roboto"/>
-              <a:ea typeface="Roboto"/>
-              <a:cs typeface="Roboto"/>
-              <a:sym typeface="Roboto"/>
-            </a:endParaRPr>
-          </a:p>
-        </p:txBody>
-      </p:sp>
-      <p:sp>
-        <p:nvSpPr>
-          <p:cNvPr id="182" name="Google Shape;182;p29"/>
-          <p:cNvSpPr txBox="1"/>
-          <p:nvPr>
-            <p:ph idx="12" type="sldNum"/>
-          </p:nvPr>
-        </p:nvSpPr>
-        <p:spPr>
-          <a:xfrm>
-            <a:off x="8472458" y="4663217"/>
-            <a:ext cx="548700" cy="393600"/>
-          </a:xfrm>
-          <a:prstGeom prst="rect">
-            <a:avLst/>
-          </a:prstGeom>
-        </p:spPr>
-        <p:txBody>
-          <a:bodyPr anchorCtr="0" anchor="ctr" bIns="91425" lIns="91425" spcFirstLastPara="1" rIns="91425" wrap="square" tIns="91425">
-            <a:normAutofit/>
-          </a:bodyPr>
-          <a:lstStyle/>
-          <a:p>
-            <a:pPr indent="0" lvl="0" marL="0" rtl="0" algn="r">
-              <a:spcBef>
-                <a:spcPts val="0"/>
-              </a:spcBef>
-              <a:spcAft>
-                <a:spcPts val="0"/>
-              </a:spcAft>
-              <a:buNone/>
-            </a:pPr>
-            <a:fld id="{00000000-1234-1234-1234-123412341234}" type="slidenum">
-              <a:rPr lang="it"/>
-              <a:t>‹#›</a:t>
-            </a:fld>
-            <a:endParaRPr/>
-          </a:p>
-        </p:txBody>
-      </p:sp>
-      <p:pic>
-        <p:nvPicPr>
-          <p:cNvPr id="183" name="Google Shape;183;p29"/>
-          <p:cNvPicPr preferRelativeResize="0"/>
-          <p:nvPr/>
-        </p:nvPicPr>
-        <p:blipFill>
-          <a:blip r:embed="rId3">
-            <a:alphaModFix/>
-          </a:blip>
-          <a:stretch>
-            <a:fillRect/>
-          </a:stretch>
-        </p:blipFill>
-        <p:spPr>
-          <a:xfrm>
-            <a:off x="3816875" y="2571750"/>
-            <a:ext cx="1292876" cy="1292876"/>
-          </a:xfrm>
-          <a:prstGeom prst="rect">
-            <a:avLst/>
-          </a:prstGeom>
-          <a:noFill/>
-          <a:ln>
-            <a:noFill/>
-          </a:ln>
+            <a:off x="-448119" y="1316471"/>
+            <a:ext cx="10040238" cy="3346746"/>
+          </a:xfrm>
+          <a:prstGeom prst="rect">
+            <a:avLst/>
+          </a:prstGeom>
         </p:spPr>
       </p:pic>
     </p:spTree>
@@ -8891,18 +9864,19 @@
 </file>
 
 <file path=ppt/slides/slide2.xml><?xml version="1.0" encoding="utf-8"?>
-<p:sld xmlns:a="http://schemas.openxmlformats.org/drawingml/2006/main" xmlns:r="http://schemas.openxmlformats.org/officeDocument/2006/relationships" xmlns:mc="http://schemas.openxmlformats.org/markup-compatibility/2006" xmlns:mv="urn:schemas-microsoft-com:mac:vml" xmlns:p="http://schemas.openxmlformats.org/presentationml/2006/main" xmlns:c="http://schemas.openxmlformats.org/drawingml/2006/chart" xmlns:dgm="http://schemas.openxmlformats.org/drawingml/2006/diagram" xmlns:o="urn:schemas-microsoft-com:office:office" xmlns:v="urn:schemas-microsoft-com:vml" xmlns:pvml="urn:schemas-microsoft-com:office:powerpoint" xmlns:com="http://schemas.openxmlformats.org/drawingml/2006/compatibility" xmlns:p14="http://schemas.microsoft.com/office/powerpoint/2010/main" xmlns:p15="http://schemas.microsoft.com/office/powerpoint/2012/main" xmlns:ahyp="http://schemas.microsoft.com/office/drawing/2018/hyperlinkcolor">
+<p:sld xmlns:a="http://schemas.openxmlformats.org/drawingml/2006/main" xmlns:r="http://schemas.openxmlformats.org/officeDocument/2006/relationships" xmlns:p="http://schemas.openxmlformats.org/presentationml/2006/main">
   <p:cSld>
     <p:bg>
       <p:bgPr>
         <a:solidFill>
           <a:srgbClr val="F3F3F3"/>
         </a:solidFill>
+        <a:effectLst/>
       </p:bgPr>
     </p:bg>
     <p:spTree>
       <p:nvGrpSpPr>
-        <p:cNvPr id="61" name="Shape 61"/>
+        <p:cNvPr id="1" name="Shape 61"/>
         <p:cNvGrpSpPr/>
         <p:nvPr/>
       </p:nvGrpSpPr>
@@ -8936,12 +9910,12 @@
           </a:ln>
         </p:spPr>
         <p:txBody>
-          <a:bodyPr anchorCtr="0" anchor="ctr" bIns="91425" lIns="91425" spcFirstLastPara="1" rIns="91425" wrap="square" tIns="91425">
+          <a:bodyPr spcFirstLastPara="1" wrap="square" lIns="91425" tIns="91425" rIns="91425" bIns="91425" anchor="ctr" anchorCtr="0">
             <a:noAutofit/>
           </a:bodyPr>
           <a:lstStyle/>
           <a:p>
-            <a:pPr indent="0" lvl="0" marL="0" rtl="0" algn="l">
+            <a:pPr marL="0" lvl="0" indent="0" algn="l" rtl="0">
               <a:spcBef>
                 <a:spcPts val="0"/>
               </a:spcBef>
@@ -8950,9 +9924,6 @@
               </a:spcAft>
               <a:buNone/>
             </a:pPr>
-            <a:r>
-              <a:t/>
-            </a:r>
             <a:endParaRPr>
               <a:solidFill>
                 <a:srgbClr val="6FA8DC"/>
@@ -8964,9 +9935,11 @@
       <p:sp>
         <p:nvSpPr>
           <p:cNvPr id="63" name="Google Shape;63;p14"/>
-          <p:cNvSpPr txBox="1"/>
+          <p:cNvSpPr txBox="1">
+            <a:spLocks noGrp="1"/>
+          </p:cNvSpPr>
           <p:nvPr>
-            <p:ph idx="1" type="body"/>
+            <p:ph type="body" idx="1"/>
           </p:nvPr>
         </p:nvSpPr>
         <p:spPr>
@@ -8979,12 +9952,12 @@
           </a:prstGeom>
         </p:spPr>
         <p:txBody>
-          <a:bodyPr anchorCtr="0" anchor="ctr" bIns="91425" lIns="91425" spcFirstLastPara="1" rIns="91425" wrap="square" tIns="91425">
-            <a:normAutofit fontScale="92500" lnSpcReduction="20000"/>
+          <a:bodyPr spcFirstLastPara="1" wrap="square" lIns="91425" tIns="91425" rIns="91425" bIns="91425" anchor="ctr" anchorCtr="0">
+            <a:normAutofit fontScale="85000" lnSpcReduction="20000"/>
           </a:bodyPr>
           <a:lstStyle/>
           <a:p>
-            <a:pPr indent="0" lvl="0" marL="0" rtl="0" algn="l">
+            <a:pPr marL="0" lvl="0" indent="0" algn="l" rtl="0">
               <a:lnSpc>
                 <a:spcPct val="100000"/>
               </a:lnSpc>
@@ -9002,7 +9975,7 @@
               <a:buNone/>
             </a:pPr>
             <a:r>
-              <a:rPr lang="it" sz="3120">
+              <a:rPr lang="it" sz="3120" u="sng" dirty="0">
                 <a:solidFill>
                   <a:srgbClr val="6FA8DC"/>
                 </a:solidFill>
@@ -9013,7 +9986,7 @@
               </a:rPr>
               <a:t>Dataset</a:t>
             </a:r>
-            <a:endParaRPr>
+            <a:endParaRPr u="sng" dirty="0">
               <a:latin typeface="Oswald"/>
               <a:ea typeface="Oswald"/>
               <a:cs typeface="Oswald"/>
@@ -9021,7 +9994,7 @@
             </a:endParaRPr>
           </a:p>
           <a:p>
-            <a:pPr indent="0" lvl="0" marL="0" rtl="0" algn="l">
+            <a:pPr marL="0" lvl="0" indent="0" algn="l" rtl="0">
               <a:spcBef>
                 <a:spcPts val="0"/>
               </a:spcBef>
@@ -9031,15 +10004,15 @@
               <a:buNone/>
             </a:pPr>
             <a:r>
-              <a:rPr lang="it">
+              <a:rPr lang="it" dirty="0">
                 <a:latin typeface="Roboto"/>
                 <a:ea typeface="Roboto"/>
                 <a:cs typeface="Roboto"/>
                 <a:sym typeface="Roboto"/>
               </a:rPr>
-              <a:t>Il dataset contiene dati riguardanti tutti i Pokémon e le loro forme delle prime 8 generazioni.</a:t>
+              <a:t>Il dataset contiene dati riguardanti tutti i Pokémon introdotti fino all’ottava generazione.</a:t>
             </a:r>
-            <a:endParaRPr>
+            <a:endParaRPr dirty="0">
               <a:latin typeface="Roboto"/>
               <a:ea typeface="Roboto"/>
               <a:cs typeface="Roboto"/>
@@ -9047,7 +10020,7 @@
             </a:endParaRPr>
           </a:p>
           <a:p>
-            <a:pPr indent="0" lvl="0" marL="0" rtl="0" algn="l">
+            <a:pPr marL="0" lvl="0" indent="0" algn="l" rtl="0">
               <a:spcBef>
                 <a:spcPts val="1200"/>
               </a:spcBef>
@@ -9057,7 +10030,7 @@
               <a:buNone/>
             </a:pPr>
             <a:r>
-              <a:rPr lang="it">
+              <a:rPr lang="it" dirty="0">
                 <a:latin typeface="Roboto"/>
                 <a:ea typeface="Roboto"/>
                 <a:cs typeface="Roboto"/>
@@ -9066,7 +10039,7 @@
               <a:t>Dati reperiti da </a:t>
             </a:r>
             <a:r>
-              <a:rPr lang="it" u="sng">
+              <a:rPr lang="it" u="sng" dirty="0">
                 <a:solidFill>
                   <a:schemeClr val="hlink"/>
                 </a:solidFill>
@@ -9079,7 +10052,7 @@
               <a:t>Kaggle</a:t>
             </a:r>
             <a:r>
-              <a:rPr lang="it">
+              <a:rPr lang="it" dirty="0">
                 <a:latin typeface="Roboto"/>
                 <a:ea typeface="Roboto"/>
                 <a:cs typeface="Roboto"/>
@@ -9087,7 +10060,7 @@
               </a:rPr>
               <a:t>.</a:t>
             </a:r>
-            <a:endParaRPr>
+            <a:endParaRPr dirty="0">
               <a:latin typeface="Roboto"/>
               <a:ea typeface="Roboto"/>
               <a:cs typeface="Roboto"/>
@@ -9127,9 +10100,11 @@
       <p:sp>
         <p:nvSpPr>
           <p:cNvPr id="65" name="Google Shape;65;p14"/>
-          <p:cNvSpPr txBox="1"/>
+          <p:cNvSpPr txBox="1">
+            <a:spLocks noGrp="1"/>
+          </p:cNvSpPr>
           <p:nvPr>
-            <p:ph idx="12" type="sldNum"/>
+            <p:ph type="sldNum" idx="12"/>
           </p:nvPr>
         </p:nvSpPr>
         <p:spPr>
@@ -9142,12 +10117,12 @@
           </a:prstGeom>
         </p:spPr>
         <p:txBody>
-          <a:bodyPr anchorCtr="0" anchor="ctr" bIns="91425" lIns="91425" spcFirstLastPara="1" rIns="91425" wrap="square" tIns="91425">
+          <a:bodyPr spcFirstLastPara="1" wrap="square" lIns="91425" tIns="91425" rIns="91425" bIns="91425" anchor="ctr" anchorCtr="0">
             <a:normAutofit/>
           </a:bodyPr>
           <a:lstStyle/>
           <a:p>
-            <a:pPr indent="0" lvl="0" marL="0" rtl="0" algn="r">
+            <a:pPr marL="0" lvl="0" indent="0" algn="r" rtl="0">
               <a:spcBef>
                 <a:spcPts val="0"/>
               </a:spcBef>
@@ -9156,11 +10131,11 @@
               </a:spcAft>
               <a:buNone/>
             </a:pPr>
-            <a:fld id="{00000000-1234-1234-1234-123412341234}" type="slidenum">
-              <a:rPr lang="it"/>
-              <a:t>‹#›</a:t>
-            </a:fld>
-            <a:endParaRPr/>
+            <a:r>
+              <a:rPr lang="it" dirty="0"/>
+              <a:t>1</a:t>
+            </a:r>
+            <a:endParaRPr dirty="0"/>
           </a:p>
         </p:txBody>
       </p:sp>
@@ -9172,19 +10147,303 @@
 </p:sld>
 </file>
 
-<file path=ppt/slides/slide3.xml><?xml version="1.0" encoding="utf-8"?>
-<p:sld xmlns:a="http://schemas.openxmlformats.org/drawingml/2006/main" xmlns:r="http://schemas.openxmlformats.org/officeDocument/2006/relationships" xmlns:mc="http://schemas.openxmlformats.org/markup-compatibility/2006" xmlns:mv="urn:schemas-microsoft-com:mac:vml" xmlns:p="http://schemas.openxmlformats.org/presentationml/2006/main" xmlns:c="http://schemas.openxmlformats.org/drawingml/2006/chart" xmlns:dgm="http://schemas.openxmlformats.org/drawingml/2006/diagram" xmlns:o="urn:schemas-microsoft-com:office:office" xmlns:v="urn:schemas-microsoft-com:vml" xmlns:pvml="urn:schemas-microsoft-com:office:powerpoint" xmlns:com="http://schemas.openxmlformats.org/drawingml/2006/compatibility" xmlns:p14="http://schemas.microsoft.com/office/powerpoint/2010/main" xmlns:p15="http://schemas.microsoft.com/office/powerpoint/2012/main" xmlns:ahyp="http://schemas.microsoft.com/office/drawing/2018/hyperlinkcolor">
+<file path=ppt/slides/slide20.xml><?xml version="1.0" encoding="utf-8"?>
+<p:sld xmlns:a="http://schemas.openxmlformats.org/drawingml/2006/main" xmlns:r="http://schemas.openxmlformats.org/officeDocument/2006/relationships" xmlns:p="http://schemas.openxmlformats.org/presentationml/2006/main">
   <p:cSld>
     <p:bg>
       <p:bgPr>
         <a:solidFill>
           <a:srgbClr val="F3F3F3"/>
         </a:solidFill>
+        <a:effectLst/>
       </p:bgPr>
     </p:bg>
     <p:spTree>
       <p:nvGrpSpPr>
-        <p:cNvPr id="69" name="Shape 69"/>
+        <p:cNvPr id="1" name="Shape 198"/>
+        <p:cNvGrpSpPr/>
+        <p:nvPr/>
+      </p:nvGrpSpPr>
+      <p:grpSpPr>
+        <a:xfrm>
+          <a:off x="0" y="0"/>
+          <a:ext cx="0" cy="0"/>
+          <a:chOff x="0" y="0"/>
+          <a:chExt cx="0" cy="0"/>
+        </a:xfrm>
+      </p:grpSpPr>
+      <p:sp>
+        <p:nvSpPr>
+          <p:cNvPr id="199" name="Google Shape;199;p32"/>
+          <p:cNvSpPr txBox="1">
+            <a:spLocks noGrp="1"/>
+          </p:cNvSpPr>
+          <p:nvPr>
+            <p:ph type="title"/>
+          </p:nvPr>
+        </p:nvSpPr>
+        <p:spPr>
+          <a:xfrm>
+            <a:off x="311700" y="445025"/>
+            <a:ext cx="2722445" cy="572700"/>
+          </a:xfrm>
+          <a:prstGeom prst="rect">
+            <a:avLst/>
+          </a:prstGeom>
+        </p:spPr>
+        <p:txBody>
+          <a:bodyPr spcFirstLastPara="1" wrap="square" lIns="91425" tIns="91425" rIns="91425" bIns="91425" anchor="t" anchorCtr="0">
+            <a:noAutofit/>
+          </a:bodyPr>
+          <a:lstStyle/>
+          <a:p>
+            <a:pPr marL="0" lvl="0" indent="0" algn="l" rtl="0">
+              <a:spcBef>
+                <a:spcPts val="0"/>
+              </a:spcBef>
+              <a:spcAft>
+                <a:spcPts val="0"/>
+              </a:spcAft>
+              <a:buSzPts val="990"/>
+              <a:buNone/>
+            </a:pPr>
+            <a:r>
+              <a:rPr lang="it" sz="3020" u="sng" dirty="0">
+                <a:solidFill>
+                  <a:srgbClr val="6FA8DC"/>
+                </a:solidFill>
+                <a:latin typeface="Oswald"/>
+                <a:ea typeface="Oswald"/>
+                <a:cs typeface="Oswald"/>
+                <a:sym typeface="Oswald"/>
+              </a:rPr>
+              <a:t>Efficacia difensiva</a:t>
+            </a:r>
+            <a:endParaRPr sz="3020" u="sng" dirty="0">
+              <a:solidFill>
+                <a:srgbClr val="6FA8DC"/>
+              </a:solidFill>
+              <a:latin typeface="Oswald"/>
+              <a:ea typeface="Oswald"/>
+              <a:cs typeface="Oswald"/>
+              <a:sym typeface="Oswald"/>
+            </a:endParaRPr>
+          </a:p>
+        </p:txBody>
+      </p:sp>
+      <p:sp>
+        <p:nvSpPr>
+          <p:cNvPr id="200" name="Google Shape;200;p32"/>
+          <p:cNvSpPr txBox="1">
+            <a:spLocks noGrp="1"/>
+          </p:cNvSpPr>
+          <p:nvPr>
+            <p:ph type="sldNum" idx="12"/>
+          </p:nvPr>
+        </p:nvSpPr>
+        <p:spPr>
+          <a:xfrm>
+            <a:off x="8472458" y="4663217"/>
+            <a:ext cx="548700" cy="393600"/>
+          </a:xfrm>
+          <a:prstGeom prst="rect">
+            <a:avLst/>
+          </a:prstGeom>
+        </p:spPr>
+        <p:txBody>
+          <a:bodyPr spcFirstLastPara="1" wrap="square" lIns="91425" tIns="91425" rIns="91425" bIns="91425" anchor="ctr" anchorCtr="0">
+            <a:normAutofit/>
+          </a:bodyPr>
+          <a:lstStyle/>
+          <a:p>
+            <a:pPr marL="0" lvl="0" indent="0" algn="r" rtl="0">
+              <a:spcBef>
+                <a:spcPts val="0"/>
+              </a:spcBef>
+              <a:spcAft>
+                <a:spcPts val="0"/>
+              </a:spcAft>
+              <a:buNone/>
+            </a:pPr>
+            <a:r>
+              <a:rPr lang="it-IT" dirty="0"/>
+              <a:t>19</a:t>
+            </a:r>
+            <a:endParaRPr dirty="0"/>
+          </a:p>
+        </p:txBody>
+      </p:sp>
+      <p:pic>
+        <p:nvPicPr>
+          <p:cNvPr id="3" name="Immagine 2" descr="Immagine che contiene testo&#10;&#10;Descrizione generata automaticamente">
+            <a:extLst>
+              <a:ext uri="{FF2B5EF4-FFF2-40B4-BE49-F238E27FC236}">
+                <a16:creationId xmlns:a16="http://schemas.microsoft.com/office/drawing/2014/main" id="{7F88D14D-6258-B3F5-2AA8-41540CD8C330}"/>
+              </a:ext>
+            </a:extLst>
+          </p:cNvPr>
+          <p:cNvPicPr>
+            <a:picLocks noChangeAspect="1"/>
+          </p:cNvPicPr>
+          <p:nvPr/>
+        </p:nvPicPr>
+        <p:blipFill>
+          <a:blip r:embed="rId3"/>
+          <a:stretch>
+            <a:fillRect/>
+          </a:stretch>
+        </p:blipFill>
+        <p:spPr>
+          <a:xfrm>
+            <a:off x="-450000" y="1315217"/>
+            <a:ext cx="10044000" cy="3348000"/>
+          </a:xfrm>
+          <a:prstGeom prst="rect">
+            <a:avLst/>
+          </a:prstGeom>
+        </p:spPr>
+      </p:pic>
+    </p:spTree>
+  </p:cSld>
+  <p:clrMapOvr>
+    <a:masterClrMapping/>
+  </p:clrMapOvr>
+</p:sld>
+</file>
+
+<file path=ppt/slides/slide21.xml><?xml version="1.0" encoding="utf-8"?>
+<p:sld xmlns:a="http://schemas.openxmlformats.org/drawingml/2006/main" xmlns:r="http://schemas.openxmlformats.org/officeDocument/2006/relationships" xmlns:p="http://schemas.openxmlformats.org/presentationml/2006/main">
+  <p:cSld>
+    <p:bg>
+      <p:bgPr>
+        <a:solidFill>
+          <a:srgbClr val="6FA8DC"/>
+        </a:solidFill>
+        <a:effectLst/>
+      </p:bgPr>
+    </p:bg>
+    <p:spTree>
+      <p:nvGrpSpPr>
+        <p:cNvPr id="1" name="Shape 205"/>
+        <p:cNvGrpSpPr/>
+        <p:nvPr/>
+      </p:nvGrpSpPr>
+      <p:grpSpPr>
+        <a:xfrm>
+          <a:off x="0" y="0"/>
+          <a:ext cx="0" cy="0"/>
+          <a:chOff x="0" y="0"/>
+          <a:chExt cx="0" cy="0"/>
+        </a:xfrm>
+      </p:grpSpPr>
+      <p:sp>
+        <p:nvSpPr>
+          <p:cNvPr id="206" name="Google Shape;206;p33"/>
+          <p:cNvSpPr txBox="1">
+            <a:spLocks noGrp="1"/>
+          </p:cNvSpPr>
+          <p:nvPr>
+            <p:ph type="title"/>
+          </p:nvPr>
+        </p:nvSpPr>
+        <p:spPr>
+          <a:xfrm>
+            <a:off x="203038" y="1254950"/>
+            <a:ext cx="8520600" cy="1963500"/>
+          </a:xfrm>
+          <a:prstGeom prst="rect">
+            <a:avLst/>
+          </a:prstGeom>
+        </p:spPr>
+        <p:txBody>
+          <a:bodyPr spcFirstLastPara="1" wrap="square" lIns="91425" tIns="91425" rIns="91425" bIns="91425" anchor="ctr" anchorCtr="0">
+            <a:normAutofit/>
+          </a:bodyPr>
+          <a:lstStyle/>
+          <a:p>
+            <a:pPr marL="0" lvl="0" indent="0" algn="ctr" rtl="0">
+              <a:spcBef>
+                <a:spcPts val="0"/>
+              </a:spcBef>
+              <a:spcAft>
+                <a:spcPts val="0"/>
+              </a:spcAft>
+              <a:buNone/>
+            </a:pPr>
+            <a:r>
+              <a:rPr lang="it" sz="5800" dirty="0">
+                <a:solidFill>
+                  <a:srgbClr val="F3F3F3"/>
+                </a:solidFill>
+                <a:latin typeface="Roboto"/>
+                <a:ea typeface="Roboto"/>
+                <a:cs typeface="Roboto"/>
+                <a:sym typeface="Roboto"/>
+              </a:rPr>
+              <a:t>Grazie per l’attenzione!</a:t>
+            </a:r>
+            <a:endParaRPr sz="5800" dirty="0">
+              <a:solidFill>
+                <a:srgbClr val="F3F3F3"/>
+              </a:solidFill>
+              <a:latin typeface="Roboto"/>
+              <a:ea typeface="Roboto"/>
+              <a:cs typeface="Roboto"/>
+              <a:sym typeface="Roboto"/>
+            </a:endParaRPr>
+          </a:p>
+        </p:txBody>
+      </p:sp>
+      <p:pic>
+        <p:nvPicPr>
+          <p:cNvPr id="208" name="Google Shape;208;p33"/>
+          <p:cNvPicPr preferRelativeResize="0"/>
+          <p:nvPr/>
+        </p:nvPicPr>
+        <p:blipFill>
+          <a:blip r:embed="rId3">
+            <a:alphaModFix/>
+          </a:blip>
+          <a:stretch>
+            <a:fillRect/>
+          </a:stretch>
+        </p:blipFill>
+        <p:spPr>
+          <a:xfrm>
+            <a:off x="3816900" y="2878175"/>
+            <a:ext cx="1292876" cy="1292876"/>
+          </a:xfrm>
+          <a:prstGeom prst="rect">
+            <a:avLst/>
+          </a:prstGeom>
+          <a:noFill/>
+          <a:ln>
+            <a:noFill/>
+          </a:ln>
+        </p:spPr>
+      </p:pic>
+    </p:spTree>
+  </p:cSld>
+  <p:clrMapOvr>
+    <a:masterClrMapping/>
+  </p:clrMapOvr>
+</p:sld>
+</file>
+
+<file path=ppt/slides/slide3.xml><?xml version="1.0" encoding="utf-8"?>
+<p:sld xmlns:a="http://schemas.openxmlformats.org/drawingml/2006/main" xmlns:r="http://schemas.openxmlformats.org/officeDocument/2006/relationships" xmlns:p="http://schemas.openxmlformats.org/presentationml/2006/main">
+  <p:cSld>
+    <p:bg>
+      <p:bgPr>
+        <a:solidFill>
+          <a:srgbClr val="F3F3F3"/>
+        </a:solidFill>
+        <a:effectLst/>
+      </p:bgPr>
+    </p:bg>
+    <p:spTree>
+      <p:nvGrpSpPr>
+        <p:cNvPr id="1" name="Shape 69"/>
         <p:cNvGrpSpPr/>
         <p:nvPr/>
       </p:nvGrpSpPr>
@@ -9199,7 +10458,9 @@
       <p:sp>
         <p:nvSpPr>
           <p:cNvPr id="70" name="Google Shape;70;p15"/>
-          <p:cNvSpPr txBox="1"/>
+          <p:cNvSpPr txBox="1">
+            <a:spLocks noGrp="1"/>
+          </p:cNvSpPr>
           <p:nvPr>
             <p:ph type="title"/>
           </p:nvPr>
@@ -9207,19 +10468,19 @@
         <p:spPr>
           <a:xfrm>
             <a:off x="311700" y="445025"/>
-            <a:ext cx="8520600" cy="572700"/>
+            <a:ext cx="3529053" cy="572700"/>
           </a:xfrm>
           <a:prstGeom prst="rect">
             <a:avLst/>
           </a:prstGeom>
         </p:spPr>
         <p:txBody>
-          <a:bodyPr anchorCtr="0" anchor="t" bIns="91425" lIns="91425" spcFirstLastPara="1" rIns="91425" wrap="square" tIns="91425">
+          <a:bodyPr spcFirstLastPara="1" wrap="square" lIns="91425" tIns="91425" rIns="91425" bIns="91425" anchor="t" anchorCtr="0">
             <a:noAutofit/>
           </a:bodyPr>
           <a:lstStyle/>
           <a:p>
-            <a:pPr indent="0" lvl="0" marL="0" rtl="0" algn="l">
+            <a:pPr marL="0" lvl="0" indent="0" algn="l" rtl="0">
               <a:spcBef>
                 <a:spcPts val="0"/>
               </a:spcBef>
@@ -9230,7 +10491,7 @@
               <a:buNone/>
             </a:pPr>
             <a:r>
-              <a:rPr lang="it" sz="3020">
+              <a:rPr lang="it" sz="3020" u="sng" dirty="0">
                 <a:solidFill>
                   <a:srgbClr val="6FA8DC"/>
                 </a:solidFill>
@@ -9241,7 +10502,7 @@
               </a:rPr>
               <a:t>Generazioni di Pokémon </a:t>
             </a:r>
-            <a:endParaRPr sz="3020">
+            <a:endParaRPr sz="3020" u="sng" dirty="0">
               <a:solidFill>
                 <a:srgbClr val="6FA8DC"/>
               </a:solidFill>
@@ -9269,8 +10530,8 @@
         </p:blipFill>
         <p:spPr>
           <a:xfrm>
-            <a:off x="2563875" y="1287675"/>
-            <a:ext cx="4016250" cy="3075800"/>
+            <a:off x="2807473" y="1614055"/>
+            <a:ext cx="3529053" cy="2632363"/>
           </a:xfrm>
           <a:prstGeom prst="rect">
             <a:avLst/>
@@ -9284,9 +10545,11 @@
       <p:sp>
         <p:nvSpPr>
           <p:cNvPr id="72" name="Google Shape;72;p15"/>
-          <p:cNvSpPr txBox="1"/>
+          <p:cNvSpPr txBox="1">
+            <a:spLocks noGrp="1"/>
+          </p:cNvSpPr>
           <p:nvPr>
-            <p:ph idx="12" type="sldNum"/>
+            <p:ph type="sldNum" idx="12"/>
           </p:nvPr>
         </p:nvSpPr>
         <p:spPr>
@@ -9299,12 +10562,12 @@
           </a:prstGeom>
         </p:spPr>
         <p:txBody>
-          <a:bodyPr anchorCtr="0" anchor="ctr" bIns="91425" lIns="91425" spcFirstLastPara="1" rIns="91425" wrap="square" tIns="91425">
+          <a:bodyPr spcFirstLastPara="1" wrap="square" lIns="91425" tIns="91425" rIns="91425" bIns="91425" anchor="ctr" anchorCtr="0">
             <a:normAutofit/>
           </a:bodyPr>
           <a:lstStyle/>
           <a:p>
-            <a:pPr indent="0" lvl="0" marL="0" rtl="0" algn="r">
+            <a:pPr marL="0" lvl="0" indent="0" algn="r" rtl="0">
               <a:spcBef>
                 <a:spcPts val="0"/>
               </a:spcBef>
@@ -9313,11 +10576,11 @@
               </a:spcAft>
               <a:buNone/>
             </a:pPr>
-            <a:fld id="{00000000-1234-1234-1234-123412341234}" type="slidenum">
-              <a:rPr lang="it"/>
-              <a:t>‹#›</a:t>
-            </a:fld>
-            <a:endParaRPr/>
+            <a:r>
+              <a:rPr lang="it" dirty="0"/>
+              <a:t>2</a:t>
+            </a:r>
+            <a:endParaRPr dirty="0"/>
           </a:p>
         </p:txBody>
       </p:sp>
@@ -9330,18 +10593,19 @@
 </file>
 
 <file path=ppt/slides/slide4.xml><?xml version="1.0" encoding="utf-8"?>
-<p:sld xmlns:a="http://schemas.openxmlformats.org/drawingml/2006/main" xmlns:r="http://schemas.openxmlformats.org/officeDocument/2006/relationships" xmlns:mc="http://schemas.openxmlformats.org/markup-compatibility/2006" xmlns:mv="urn:schemas-microsoft-com:mac:vml" xmlns:p="http://schemas.openxmlformats.org/presentationml/2006/main" xmlns:c="http://schemas.openxmlformats.org/drawingml/2006/chart" xmlns:dgm="http://schemas.openxmlformats.org/drawingml/2006/diagram" xmlns:o="urn:schemas-microsoft-com:office:office" xmlns:v="urn:schemas-microsoft-com:vml" xmlns:pvml="urn:schemas-microsoft-com:office:powerpoint" xmlns:com="http://schemas.openxmlformats.org/drawingml/2006/compatibility" xmlns:p14="http://schemas.microsoft.com/office/powerpoint/2010/main" xmlns:p15="http://schemas.microsoft.com/office/powerpoint/2012/main" xmlns:ahyp="http://schemas.microsoft.com/office/drawing/2018/hyperlinkcolor">
+<p:sld xmlns:a="http://schemas.openxmlformats.org/drawingml/2006/main" xmlns:r="http://schemas.openxmlformats.org/officeDocument/2006/relationships" xmlns:p="http://schemas.openxmlformats.org/presentationml/2006/main">
   <p:cSld>
     <p:bg>
       <p:bgPr>
         <a:solidFill>
           <a:srgbClr val="F3F3F3"/>
         </a:solidFill>
+        <a:effectLst/>
       </p:bgPr>
     </p:bg>
     <p:spTree>
       <p:nvGrpSpPr>
-        <p:cNvPr id="76" name="Shape 76"/>
+        <p:cNvPr id="1" name="Shape 76"/>
         <p:cNvGrpSpPr/>
         <p:nvPr/>
       </p:nvGrpSpPr>
@@ -9356,7 +10620,9 @@
       <p:sp>
         <p:nvSpPr>
           <p:cNvPr id="77" name="Google Shape;77;p16"/>
-          <p:cNvSpPr txBox="1"/>
+          <p:cNvSpPr txBox="1">
+            <a:spLocks noGrp="1"/>
+          </p:cNvSpPr>
           <p:nvPr>
             <p:ph type="title"/>
           </p:nvPr>
@@ -9364,19 +10630,19 @@
         <p:spPr>
           <a:xfrm>
             <a:off x="311700" y="445025"/>
-            <a:ext cx="8520600" cy="572700"/>
+            <a:ext cx="2410718" cy="572700"/>
           </a:xfrm>
           <a:prstGeom prst="rect">
             <a:avLst/>
           </a:prstGeom>
         </p:spPr>
         <p:txBody>
-          <a:bodyPr anchorCtr="0" anchor="t" bIns="91425" lIns="91425" spcFirstLastPara="1" rIns="91425" wrap="square" tIns="91425">
+          <a:bodyPr spcFirstLastPara="1" wrap="square" lIns="91425" tIns="91425" rIns="91425" bIns="91425" anchor="t" anchorCtr="0">
             <a:noAutofit/>
           </a:bodyPr>
           <a:lstStyle/>
           <a:p>
-            <a:pPr indent="0" lvl="0" marL="0" rtl="0" algn="l">
+            <a:pPr marL="0" lvl="0" indent="0" algn="l" rtl="0">
               <a:spcBef>
                 <a:spcPts val="0"/>
               </a:spcBef>
@@ -9387,7 +10653,7 @@
               <a:buNone/>
             </a:pPr>
             <a:r>
-              <a:rPr lang="it" sz="3020">
+              <a:rPr lang="it" sz="3020" u="sng" dirty="0">
                 <a:solidFill>
                   <a:srgbClr val="6FA8DC"/>
                 </a:solidFill>
@@ -9398,7 +10664,7 @@
               </a:rPr>
               <a:t>Tipi di Pokémon</a:t>
             </a:r>
-            <a:endParaRPr sz="3020">
+            <a:endParaRPr sz="3020" u="sng" dirty="0">
               <a:solidFill>
                 <a:srgbClr val="6FA8DC"/>
               </a:solidFill>
@@ -9426,8 +10692,8 @@
         </p:blipFill>
         <p:spPr>
           <a:xfrm>
-            <a:off x="2272615" y="1371327"/>
-            <a:ext cx="4598775" cy="2906275"/>
+            <a:off x="2511371" y="1627909"/>
+            <a:ext cx="4121258" cy="2559638"/>
           </a:xfrm>
           <a:prstGeom prst="rect">
             <a:avLst/>
@@ -9441,9 +10707,11 @@
       <p:sp>
         <p:nvSpPr>
           <p:cNvPr id="79" name="Google Shape;79;p16"/>
-          <p:cNvSpPr txBox="1"/>
+          <p:cNvSpPr txBox="1">
+            <a:spLocks noGrp="1"/>
+          </p:cNvSpPr>
           <p:nvPr>
-            <p:ph idx="12" type="sldNum"/>
+            <p:ph type="sldNum" idx="12"/>
           </p:nvPr>
         </p:nvSpPr>
         <p:spPr>
@@ -9456,12 +10724,12 @@
           </a:prstGeom>
         </p:spPr>
         <p:txBody>
-          <a:bodyPr anchorCtr="0" anchor="ctr" bIns="91425" lIns="91425" spcFirstLastPara="1" rIns="91425" wrap="square" tIns="91425">
+          <a:bodyPr spcFirstLastPara="1" wrap="square" lIns="91425" tIns="91425" rIns="91425" bIns="91425" anchor="ctr" anchorCtr="0">
             <a:normAutofit/>
           </a:bodyPr>
           <a:lstStyle/>
           <a:p>
-            <a:pPr indent="0" lvl="0" marL="0" rtl="0" algn="r">
+            <a:pPr marL="0" lvl="0" indent="0" algn="r" rtl="0">
               <a:spcBef>
                 <a:spcPts val="0"/>
               </a:spcBef>
@@ -9470,11 +10738,11 @@
               </a:spcAft>
               <a:buNone/>
             </a:pPr>
-            <a:fld id="{00000000-1234-1234-1234-123412341234}" type="slidenum">
-              <a:rPr lang="it"/>
-              <a:t>‹#›</a:t>
-            </a:fld>
-            <a:endParaRPr/>
+            <a:r>
+              <a:rPr lang="it" dirty="0"/>
+              <a:t>3</a:t>
+            </a:r>
+            <a:endParaRPr dirty="0"/>
           </a:p>
         </p:txBody>
       </p:sp>
@@ -9487,18 +10755,19 @@
 </file>
 
 <file path=ppt/slides/slide5.xml><?xml version="1.0" encoding="utf-8"?>
-<p:sld xmlns:a="http://schemas.openxmlformats.org/drawingml/2006/main" xmlns:r="http://schemas.openxmlformats.org/officeDocument/2006/relationships" xmlns:mc="http://schemas.openxmlformats.org/markup-compatibility/2006" xmlns:mv="urn:schemas-microsoft-com:mac:vml" xmlns:p="http://schemas.openxmlformats.org/presentationml/2006/main" xmlns:c="http://schemas.openxmlformats.org/drawingml/2006/chart" xmlns:dgm="http://schemas.openxmlformats.org/drawingml/2006/diagram" xmlns:o="urn:schemas-microsoft-com:office:office" xmlns:v="urn:schemas-microsoft-com:vml" xmlns:pvml="urn:schemas-microsoft-com:office:powerpoint" xmlns:com="http://schemas.openxmlformats.org/drawingml/2006/compatibility" xmlns:p14="http://schemas.microsoft.com/office/powerpoint/2010/main" xmlns:p15="http://schemas.microsoft.com/office/powerpoint/2012/main" xmlns:ahyp="http://schemas.microsoft.com/office/drawing/2018/hyperlinkcolor">
+<p:sld xmlns:a="http://schemas.openxmlformats.org/drawingml/2006/main" xmlns:r="http://schemas.openxmlformats.org/officeDocument/2006/relationships" xmlns:p="http://schemas.openxmlformats.org/presentationml/2006/main">
   <p:cSld>
     <p:bg>
       <p:bgPr>
         <a:solidFill>
           <a:schemeClr val="lt2"/>
         </a:solidFill>
+        <a:effectLst/>
       </p:bgPr>
     </p:bg>
     <p:spTree>
       <p:nvGrpSpPr>
-        <p:cNvPr id="83" name="Shape 83"/>
+        <p:cNvPr id="1" name="Shape 83"/>
         <p:cNvGrpSpPr/>
         <p:nvPr/>
       </p:nvGrpSpPr>
@@ -9513,7 +10782,9 @@
       <p:sp>
         <p:nvSpPr>
           <p:cNvPr id="84" name="Google Shape;84;p17"/>
-          <p:cNvSpPr txBox="1"/>
+          <p:cNvSpPr txBox="1">
+            <a:spLocks noGrp="1"/>
+          </p:cNvSpPr>
           <p:nvPr>
             <p:ph type="title"/>
           </p:nvPr>
@@ -9521,19 +10792,19 @@
         <p:spPr>
           <a:xfrm>
             <a:off x="311700" y="445025"/>
-            <a:ext cx="8520600" cy="572700"/>
+            <a:ext cx="4918391" cy="572700"/>
           </a:xfrm>
           <a:prstGeom prst="rect">
             <a:avLst/>
           </a:prstGeom>
         </p:spPr>
         <p:txBody>
-          <a:bodyPr anchorCtr="0" anchor="t" bIns="91425" lIns="91425" spcFirstLastPara="1" rIns="91425" wrap="square" tIns="91425">
+          <a:bodyPr spcFirstLastPara="1" wrap="square" lIns="91425" tIns="91425" rIns="91425" bIns="91425" anchor="t" anchorCtr="0">
             <a:noAutofit/>
           </a:bodyPr>
           <a:lstStyle/>
           <a:p>
-            <a:pPr indent="0" lvl="0" marL="0" rtl="0" algn="l">
+            <a:pPr marL="0" lvl="0" indent="0" algn="l" rtl="0">
               <a:spcBef>
                 <a:spcPts val="0"/>
               </a:spcBef>
@@ -9544,7 +10815,7 @@
               <a:buNone/>
             </a:pPr>
             <a:r>
-              <a:rPr lang="it" sz="3020">
+              <a:rPr lang="it" sz="3020" u="sng" dirty="0">
                 <a:solidFill>
                   <a:srgbClr val="6FA8DC"/>
                 </a:solidFill>
@@ -9553,21 +10824,9 @@
                 <a:cs typeface="Oswald"/>
                 <a:sym typeface="Oswald"/>
               </a:rPr>
-              <a:t>Classificazioni </a:t>
+              <a:t>Classificazioni principali Pokémon</a:t>
             </a:r>
-            <a:r>
-              <a:rPr lang="it" sz="3020">
-                <a:solidFill>
-                  <a:srgbClr val="6FA8DC"/>
-                </a:solidFill>
-                <a:latin typeface="Oswald"/>
-                <a:ea typeface="Oswald"/>
-                <a:cs typeface="Oswald"/>
-                <a:sym typeface="Oswald"/>
-              </a:rPr>
-              <a:t>principali Pokémon</a:t>
-            </a:r>
-            <a:endParaRPr sz="3020">
+            <a:endParaRPr sz="3020" u="sng" dirty="0">
               <a:solidFill>
                 <a:srgbClr val="6FA8DC"/>
               </a:solidFill>
@@ -9579,74 +10838,78 @@
           </a:p>
         </p:txBody>
       </p:sp>
+      <p:sp>
+        <p:nvSpPr>
+          <p:cNvPr id="85" name="Google Shape;85;p17"/>
+          <p:cNvSpPr txBox="1">
+            <a:spLocks noGrp="1"/>
+          </p:cNvSpPr>
+          <p:nvPr>
+            <p:ph type="sldNum" idx="12"/>
+          </p:nvPr>
+        </p:nvSpPr>
+        <p:spPr>
+          <a:xfrm>
+            <a:off x="8472458" y="4663217"/>
+            <a:ext cx="548700" cy="393600"/>
+          </a:xfrm>
+          <a:prstGeom prst="rect">
+            <a:avLst/>
+          </a:prstGeom>
+        </p:spPr>
+        <p:txBody>
+          <a:bodyPr spcFirstLastPara="1" wrap="square" lIns="91425" tIns="91425" rIns="91425" bIns="91425" anchor="ctr" anchorCtr="0">
+            <a:normAutofit/>
+          </a:bodyPr>
+          <a:lstStyle/>
+          <a:p>
+            <a:pPr marL="0" lvl="0" indent="0" algn="r" rtl="0">
+              <a:spcBef>
+                <a:spcPts val="0"/>
+              </a:spcBef>
+              <a:spcAft>
+                <a:spcPts val="0"/>
+              </a:spcAft>
+              <a:buNone/>
+            </a:pPr>
+            <a:r>
+              <a:rPr lang="it" dirty="0"/>
+              <a:t>4</a:t>
+            </a:r>
+            <a:endParaRPr dirty="0"/>
+          </a:p>
+        </p:txBody>
+      </p:sp>
       <p:pic>
         <p:nvPicPr>
-          <p:cNvPr id="85" name="Google Shape;85;p17"/>
-          <p:cNvPicPr preferRelativeResize="0"/>
+          <p:cNvPr id="3" name="Immagine 2">
+            <a:extLst>
+              <a:ext uri="{FF2B5EF4-FFF2-40B4-BE49-F238E27FC236}">
+                <a16:creationId xmlns:a16="http://schemas.microsoft.com/office/drawing/2014/main" id="{1DD0C19B-22DC-BBEF-5A2C-F8E8D970B2AD}"/>
+              </a:ext>
+            </a:extLst>
+          </p:cNvPr>
+          <p:cNvPicPr>
+            <a:picLocks noChangeAspect="1"/>
+          </p:cNvPicPr>
           <p:nvPr/>
         </p:nvPicPr>
         <p:blipFill>
-          <a:blip r:embed="rId3">
-            <a:alphaModFix/>
-          </a:blip>
+          <a:blip r:embed="rId3"/>
           <a:stretch>
             <a:fillRect/>
           </a:stretch>
         </p:blipFill>
         <p:spPr>
           <a:xfrm>
-            <a:off x="1981787" y="1513213"/>
-            <a:ext cx="5180425" cy="2678525"/>
-          </a:xfrm>
-          <a:prstGeom prst="rect">
-            <a:avLst/>
-          </a:prstGeom>
-          <a:noFill/>
-          <a:ln>
-            <a:noFill/>
-          </a:ln>
+            <a:off x="2552871" y="1590386"/>
+            <a:ext cx="4038257" cy="2692172"/>
+          </a:xfrm>
+          <a:prstGeom prst="rect">
+            <a:avLst/>
+          </a:prstGeom>
         </p:spPr>
       </p:pic>
-      <p:sp>
-        <p:nvSpPr>
-          <p:cNvPr id="86" name="Google Shape;86;p17"/>
-          <p:cNvSpPr txBox="1"/>
-          <p:nvPr>
-            <p:ph idx="12" type="sldNum"/>
-          </p:nvPr>
-        </p:nvSpPr>
-        <p:spPr>
-          <a:xfrm>
-            <a:off x="8472458" y="4663217"/>
-            <a:ext cx="548700" cy="393600"/>
-          </a:xfrm>
-          <a:prstGeom prst="rect">
-            <a:avLst/>
-          </a:prstGeom>
-        </p:spPr>
-        <p:txBody>
-          <a:bodyPr anchorCtr="0" anchor="ctr" bIns="91425" lIns="91425" spcFirstLastPara="1" rIns="91425" wrap="square" tIns="91425">
-            <a:normAutofit/>
-          </a:bodyPr>
-          <a:lstStyle/>
-          <a:p>
-            <a:pPr indent="0" lvl="0" marL="0" rtl="0" algn="r">
-              <a:spcBef>
-                <a:spcPts val="0"/>
-              </a:spcBef>
-              <a:spcAft>
-                <a:spcPts val="0"/>
-              </a:spcAft>
-              <a:buNone/>
-            </a:pPr>
-            <a:fld id="{00000000-1234-1234-1234-123412341234}" type="slidenum">
-              <a:rPr lang="it"/>
-              <a:t>‹#›</a:t>
-            </a:fld>
-            <a:endParaRPr/>
-          </a:p>
-        </p:txBody>
-      </p:sp>
     </p:spTree>
   </p:cSld>
   <p:clrMapOvr>
@@ -9656,18 +10919,19 @@
 </file>
 
 <file path=ppt/slides/slide6.xml><?xml version="1.0" encoding="utf-8"?>
-<p:sld xmlns:a="http://schemas.openxmlformats.org/drawingml/2006/main" xmlns:r="http://schemas.openxmlformats.org/officeDocument/2006/relationships" xmlns:mc="http://schemas.openxmlformats.org/markup-compatibility/2006" xmlns:mv="urn:schemas-microsoft-com:mac:vml" xmlns:p="http://schemas.openxmlformats.org/presentationml/2006/main" xmlns:c="http://schemas.openxmlformats.org/drawingml/2006/chart" xmlns:dgm="http://schemas.openxmlformats.org/drawingml/2006/diagram" xmlns:o="urn:schemas-microsoft-com:office:office" xmlns:v="urn:schemas-microsoft-com:vml" xmlns:pvml="urn:schemas-microsoft-com:office:powerpoint" xmlns:com="http://schemas.openxmlformats.org/drawingml/2006/compatibility" xmlns:p14="http://schemas.microsoft.com/office/powerpoint/2010/main" xmlns:p15="http://schemas.microsoft.com/office/powerpoint/2012/main" xmlns:ahyp="http://schemas.microsoft.com/office/drawing/2018/hyperlinkcolor">
+<p:sld xmlns:a="http://schemas.openxmlformats.org/drawingml/2006/main" xmlns:r="http://schemas.openxmlformats.org/officeDocument/2006/relationships" xmlns:p="http://schemas.openxmlformats.org/presentationml/2006/main">
   <p:cSld>
     <p:bg>
       <p:bgPr>
         <a:solidFill>
           <a:srgbClr val="F3F3F3"/>
         </a:solidFill>
+        <a:effectLst/>
       </p:bgPr>
     </p:bg>
     <p:spTree>
       <p:nvGrpSpPr>
-        <p:cNvPr id="90" name="Shape 90"/>
+        <p:cNvPr id="1" name="Shape 90"/>
         <p:cNvGrpSpPr/>
         <p:nvPr/>
       </p:nvGrpSpPr>
@@ -9682,7 +10946,9 @@
       <p:sp>
         <p:nvSpPr>
           <p:cNvPr id="91" name="Google Shape;91;p18"/>
-          <p:cNvSpPr txBox="1"/>
+          <p:cNvSpPr txBox="1">
+            <a:spLocks noGrp="1"/>
+          </p:cNvSpPr>
           <p:nvPr>
             <p:ph type="title"/>
           </p:nvPr>
@@ -9690,19 +10956,19 @@
         <p:spPr>
           <a:xfrm>
             <a:off x="311700" y="445025"/>
-            <a:ext cx="8520600" cy="572700"/>
+            <a:ext cx="1704136" cy="572700"/>
           </a:xfrm>
           <a:prstGeom prst="rect">
             <a:avLst/>
           </a:prstGeom>
         </p:spPr>
         <p:txBody>
-          <a:bodyPr anchorCtr="0" anchor="t" bIns="91425" lIns="91425" spcFirstLastPara="1" rIns="91425" wrap="square" tIns="91425">
+          <a:bodyPr spcFirstLastPara="1" wrap="square" lIns="91425" tIns="91425" rIns="91425" bIns="91425" anchor="t" anchorCtr="0">
             <a:noAutofit/>
           </a:bodyPr>
           <a:lstStyle/>
           <a:p>
-            <a:pPr indent="0" lvl="0" marL="0" rtl="0" algn="l">
+            <a:pPr marL="0" lvl="0" indent="0" algn="l" rtl="0">
               <a:spcBef>
                 <a:spcPts val="0"/>
               </a:spcBef>
@@ -9713,7 +10979,7 @@
               <a:buNone/>
             </a:pPr>
             <a:r>
-              <a:rPr lang="it" sz="3020">
+              <a:rPr lang="it" sz="3020" u="sng" dirty="0">
                 <a:solidFill>
                   <a:srgbClr val="6FA8DC"/>
                 </a:solidFill>
@@ -9722,21 +10988,9 @@
                 <a:cs typeface="Oswald"/>
                 <a:sym typeface="Oswald"/>
               </a:rPr>
-              <a:t>C</a:t>
+              <a:t>Catch rate</a:t>
             </a:r>
-            <a:r>
-              <a:rPr lang="it" sz="3020">
-                <a:solidFill>
-                  <a:srgbClr val="6FA8DC"/>
-                </a:solidFill>
-                <a:latin typeface="Oswald"/>
-                <a:ea typeface="Oswald"/>
-                <a:cs typeface="Oswald"/>
-                <a:sym typeface="Oswald"/>
-              </a:rPr>
-              <a:t>atch rate</a:t>
-            </a:r>
-            <a:endParaRPr sz="3020">
+            <a:endParaRPr sz="3020" u="sng" dirty="0">
               <a:solidFill>
                 <a:srgbClr val="6FA8DC"/>
               </a:solidFill>
@@ -9751,29 +11005,29 @@
       <p:sp>
         <p:nvSpPr>
           <p:cNvPr id="92" name="Google Shape;92;p18"/>
-          <p:cNvSpPr txBox="1"/>
-          <p:nvPr/>
+          <p:cNvSpPr txBox="1">
+            <a:spLocks noGrp="1"/>
+          </p:cNvSpPr>
+          <p:nvPr>
+            <p:ph type="sldNum" idx="12"/>
+          </p:nvPr>
         </p:nvSpPr>
         <p:spPr>
           <a:xfrm>
-            <a:off x="5800425" y="2590425"/>
-            <a:ext cx="3359400" cy="400200"/>
-          </a:xfrm>
-          <a:prstGeom prst="rect">
-            <a:avLst/>
-          </a:prstGeom>
-          <a:noFill/>
-          <a:ln>
-            <a:noFill/>
-          </a:ln>
+            <a:off x="8472458" y="4663217"/>
+            <a:ext cx="548700" cy="393600"/>
+          </a:xfrm>
+          <a:prstGeom prst="rect">
+            <a:avLst/>
+          </a:prstGeom>
         </p:spPr>
         <p:txBody>
-          <a:bodyPr anchorCtr="0" anchor="t" bIns="91425" lIns="91425" spcFirstLastPara="1" rIns="91425" wrap="square" tIns="91425">
-            <a:spAutoFit/>
+          <a:bodyPr spcFirstLastPara="1" wrap="square" lIns="91425" tIns="91425" rIns="91425" bIns="91425" anchor="ctr" anchorCtr="0">
+            <a:normAutofit/>
           </a:bodyPr>
           <a:lstStyle/>
           <a:p>
-            <a:pPr indent="0" lvl="0" marL="0" rtl="0" algn="l">
+            <a:pPr marL="0" lvl="0" indent="0" algn="r" rtl="0">
               <a:spcBef>
                 <a:spcPts val="0"/>
               </a:spcBef>
@@ -9783,108 +11037,43 @@
               <a:buNone/>
             </a:pPr>
             <a:r>
-              <a:t/>
+              <a:rPr lang="it" dirty="0"/>
+              <a:t>5</a:t>
             </a:r>
-            <a:endParaRPr/>
+            <a:endParaRPr dirty="0"/>
           </a:p>
         </p:txBody>
       </p:sp>
       <p:pic>
         <p:nvPicPr>
-          <p:cNvPr id="93" name="Google Shape;93;p18"/>
-          <p:cNvPicPr preferRelativeResize="0"/>
+          <p:cNvPr id="3" name="Immagine 2">
+            <a:extLst>
+              <a:ext uri="{FF2B5EF4-FFF2-40B4-BE49-F238E27FC236}">
+                <a16:creationId xmlns:a16="http://schemas.microsoft.com/office/drawing/2014/main" id="{E39E7668-725B-1332-F5DE-71E9EEF4ACCA}"/>
+              </a:ext>
+            </a:extLst>
+          </p:cNvPr>
+          <p:cNvPicPr>
+            <a:picLocks noChangeAspect="1"/>
+          </p:cNvPicPr>
           <p:nvPr/>
         </p:nvPicPr>
         <p:blipFill>
-          <a:blip r:embed="rId3">
-            <a:alphaModFix/>
-          </a:blip>
+          <a:blip r:embed="rId3"/>
           <a:stretch>
             <a:fillRect/>
           </a:stretch>
         </p:blipFill>
         <p:spPr>
           <a:xfrm>
-            <a:off x="444300" y="1414633"/>
-            <a:ext cx="4127700" cy="2751792"/>
-          </a:xfrm>
-          <a:prstGeom prst="rect">
-            <a:avLst/>
-          </a:prstGeom>
-          <a:noFill/>
-          <a:ln>
-            <a:noFill/>
-          </a:ln>
+            <a:off x="2459353" y="1347932"/>
+            <a:ext cx="4225293" cy="2816862"/>
+          </a:xfrm>
+          <a:prstGeom prst="rect">
+            <a:avLst/>
+          </a:prstGeom>
         </p:spPr>
       </p:pic>
-      <p:pic>
-        <p:nvPicPr>
-          <p:cNvPr id="94" name="Google Shape;94;p18"/>
-          <p:cNvPicPr preferRelativeResize="0"/>
-          <p:nvPr/>
-        </p:nvPicPr>
-        <p:blipFill>
-          <a:blip r:embed="rId4">
-            <a:alphaModFix/>
-          </a:blip>
-          <a:stretch>
-            <a:fillRect/>
-          </a:stretch>
-        </p:blipFill>
-        <p:spPr>
-          <a:xfrm>
-            <a:off x="4805825" y="1448371"/>
-            <a:ext cx="4026475" cy="2684317"/>
-          </a:xfrm>
-          <a:prstGeom prst="rect">
-            <a:avLst/>
-          </a:prstGeom>
-          <a:noFill/>
-          <a:ln>
-            <a:noFill/>
-          </a:ln>
-        </p:spPr>
-      </p:pic>
-      <p:sp>
-        <p:nvSpPr>
-          <p:cNvPr id="95" name="Google Shape;95;p18"/>
-          <p:cNvSpPr txBox="1"/>
-          <p:nvPr>
-            <p:ph idx="12" type="sldNum"/>
-          </p:nvPr>
-        </p:nvSpPr>
-        <p:spPr>
-          <a:xfrm>
-            <a:off x="8472458" y="4663217"/>
-            <a:ext cx="548700" cy="393600"/>
-          </a:xfrm>
-          <a:prstGeom prst="rect">
-            <a:avLst/>
-          </a:prstGeom>
-        </p:spPr>
-        <p:txBody>
-          <a:bodyPr anchorCtr="0" anchor="ctr" bIns="91425" lIns="91425" spcFirstLastPara="1" rIns="91425" wrap="square" tIns="91425">
-            <a:normAutofit/>
-          </a:bodyPr>
-          <a:lstStyle/>
-          <a:p>
-            <a:pPr indent="0" lvl="0" marL="0" rtl="0" algn="r">
-              <a:spcBef>
-                <a:spcPts val="0"/>
-              </a:spcBef>
-              <a:spcAft>
-                <a:spcPts val="0"/>
-              </a:spcAft>
-              <a:buNone/>
-            </a:pPr>
-            <a:fld id="{00000000-1234-1234-1234-123412341234}" type="slidenum">
-              <a:rPr lang="it"/>
-              <a:t>‹#›</a:t>
-            </a:fld>
-            <a:endParaRPr/>
-          </a:p>
-        </p:txBody>
-      </p:sp>
     </p:spTree>
   </p:cSld>
   <p:clrMapOvr>
@@ -9894,18 +11083,19 @@
 </file>
 
 <file path=ppt/slides/slide7.xml><?xml version="1.0" encoding="utf-8"?>
-<p:sld xmlns:a="http://schemas.openxmlformats.org/drawingml/2006/main" xmlns:r="http://schemas.openxmlformats.org/officeDocument/2006/relationships" xmlns:mc="http://schemas.openxmlformats.org/markup-compatibility/2006" xmlns:mv="urn:schemas-microsoft-com:mac:vml" xmlns:p="http://schemas.openxmlformats.org/presentationml/2006/main" xmlns:c="http://schemas.openxmlformats.org/drawingml/2006/chart" xmlns:dgm="http://schemas.openxmlformats.org/drawingml/2006/diagram" xmlns:o="urn:schemas-microsoft-com:office:office" xmlns:v="urn:schemas-microsoft-com:vml" xmlns:pvml="urn:schemas-microsoft-com:office:powerpoint" xmlns:com="http://schemas.openxmlformats.org/drawingml/2006/compatibility" xmlns:p14="http://schemas.microsoft.com/office/powerpoint/2010/main" xmlns:p15="http://schemas.microsoft.com/office/powerpoint/2012/main" xmlns:ahyp="http://schemas.microsoft.com/office/drawing/2018/hyperlinkcolor">
+<p:sld xmlns:a="http://schemas.openxmlformats.org/drawingml/2006/main" xmlns:r="http://schemas.openxmlformats.org/officeDocument/2006/relationships" xmlns:p="http://schemas.openxmlformats.org/presentationml/2006/main">
   <p:cSld>
     <p:bg>
       <p:bgPr>
         <a:solidFill>
           <a:srgbClr val="F3F3F3"/>
         </a:solidFill>
+        <a:effectLst/>
       </p:bgPr>
     </p:bg>
     <p:spTree>
       <p:nvGrpSpPr>
-        <p:cNvPr id="99" name="Shape 99"/>
+        <p:cNvPr id="1" name="Shape 97"/>
         <p:cNvGrpSpPr/>
         <p:nvPr/>
       </p:nvGrpSpPr>
@@ -9919,28 +11109,30 @@
       </p:grpSpPr>
       <p:sp>
         <p:nvSpPr>
-          <p:cNvPr id="100" name="Google Shape;100;p19"/>
-          <p:cNvSpPr txBox="1"/>
+          <p:cNvPr id="98" name="Google Shape;98;p19"/>
+          <p:cNvSpPr txBox="1">
+            <a:spLocks noGrp="1"/>
+          </p:cNvSpPr>
           <p:nvPr>
             <p:ph type="title"/>
           </p:nvPr>
         </p:nvSpPr>
         <p:spPr>
           <a:xfrm>
-            <a:off x="308650" y="2031900"/>
-            <a:ext cx="3140100" cy="1079700"/>
+            <a:off x="311700" y="445025"/>
+            <a:ext cx="1648718" cy="572700"/>
           </a:xfrm>
           <a:prstGeom prst="rect">
             <a:avLst/>
           </a:prstGeom>
         </p:spPr>
         <p:txBody>
-          <a:bodyPr anchorCtr="0" anchor="t" bIns="91425" lIns="91425" spcFirstLastPara="1" rIns="91425" wrap="square" tIns="91425">
+          <a:bodyPr spcFirstLastPara="1" wrap="square" lIns="91425" tIns="91425" rIns="91425" bIns="91425" anchor="t" anchorCtr="0">
             <a:noAutofit/>
           </a:bodyPr>
           <a:lstStyle/>
           <a:p>
-            <a:pPr indent="0" lvl="0" marL="0" rtl="0" algn="l">
+            <a:pPr marL="0" lvl="0" indent="0" algn="l" rtl="0">
               <a:spcBef>
                 <a:spcPts val="0"/>
               </a:spcBef>
@@ -9951,7 +11143,171 @@
               <a:buNone/>
             </a:pPr>
             <a:r>
-              <a:rPr lang="it" sz="3220">
+              <a:rPr lang="it" sz="3020" u="sng" dirty="0">
+                <a:solidFill>
+                  <a:srgbClr val="6FA8DC"/>
+                </a:solidFill>
+                <a:latin typeface="Oswald"/>
+                <a:ea typeface="Oswald"/>
+                <a:cs typeface="Oswald"/>
+                <a:sym typeface="Oswald"/>
+              </a:rPr>
+              <a:t>Catch rate</a:t>
+            </a:r>
+            <a:endParaRPr sz="3020" u="sng" dirty="0">
+              <a:solidFill>
+                <a:srgbClr val="6FA8DC"/>
+              </a:solidFill>
+              <a:latin typeface="Oswald"/>
+              <a:ea typeface="Oswald"/>
+              <a:cs typeface="Oswald"/>
+              <a:sym typeface="Oswald"/>
+            </a:endParaRPr>
+          </a:p>
+        </p:txBody>
+      </p:sp>
+      <p:sp>
+        <p:nvSpPr>
+          <p:cNvPr id="99" name="Google Shape;99;p19"/>
+          <p:cNvSpPr txBox="1">
+            <a:spLocks noGrp="1"/>
+          </p:cNvSpPr>
+          <p:nvPr>
+            <p:ph type="sldNum" idx="12"/>
+          </p:nvPr>
+        </p:nvSpPr>
+        <p:spPr>
+          <a:xfrm>
+            <a:off x="8472458" y="4663217"/>
+            <a:ext cx="548700" cy="393600"/>
+          </a:xfrm>
+          <a:prstGeom prst="rect">
+            <a:avLst/>
+          </a:prstGeom>
+        </p:spPr>
+        <p:txBody>
+          <a:bodyPr spcFirstLastPara="1" wrap="square" lIns="91425" tIns="91425" rIns="91425" bIns="91425" anchor="ctr" anchorCtr="0">
+            <a:normAutofit/>
+          </a:bodyPr>
+          <a:lstStyle/>
+          <a:p>
+            <a:pPr marL="0" lvl="0" indent="0" algn="r" rtl="0">
+              <a:spcBef>
+                <a:spcPts val="0"/>
+              </a:spcBef>
+              <a:spcAft>
+                <a:spcPts val="0"/>
+              </a:spcAft>
+              <a:buNone/>
+            </a:pPr>
+            <a:r>
+              <a:rPr lang="it" dirty="0"/>
+              <a:t>6</a:t>
+            </a:r>
+            <a:endParaRPr dirty="0"/>
+          </a:p>
+        </p:txBody>
+      </p:sp>
+      <p:pic>
+        <p:nvPicPr>
+          <p:cNvPr id="3" name="Immagine 2" descr="Immagine che contiene testo&#10;&#10;Descrizione generata automaticamente">
+            <a:extLst>
+              <a:ext uri="{FF2B5EF4-FFF2-40B4-BE49-F238E27FC236}">
+                <a16:creationId xmlns:a16="http://schemas.microsoft.com/office/drawing/2014/main" id="{0EEFFC0C-F860-8D7B-C142-C9F28B21A670}"/>
+              </a:ext>
+            </a:extLst>
+          </p:cNvPr>
+          <p:cNvPicPr>
+            <a:picLocks noChangeAspect="1"/>
+          </p:cNvPicPr>
+          <p:nvPr/>
+        </p:nvPicPr>
+        <p:blipFill>
+          <a:blip r:embed="rId3"/>
+          <a:stretch>
+            <a:fillRect/>
+          </a:stretch>
+        </p:blipFill>
+        <p:spPr>
+          <a:xfrm>
+            <a:off x="1354567" y="1231755"/>
+            <a:ext cx="6434865" cy="3217432"/>
+          </a:xfrm>
+          <a:prstGeom prst="rect">
+            <a:avLst/>
+          </a:prstGeom>
+        </p:spPr>
+      </p:pic>
+    </p:spTree>
+  </p:cSld>
+  <p:clrMapOvr>
+    <a:masterClrMapping/>
+  </p:clrMapOvr>
+</p:sld>
+</file>
+
+<file path=ppt/slides/slide8.xml><?xml version="1.0" encoding="utf-8"?>
+<p:sld xmlns:a="http://schemas.openxmlformats.org/drawingml/2006/main" xmlns:r="http://schemas.openxmlformats.org/officeDocument/2006/relationships" xmlns:p="http://schemas.openxmlformats.org/presentationml/2006/main">
+  <p:cSld>
+    <p:bg>
+      <p:bgPr>
+        <a:solidFill>
+          <a:srgbClr val="F3F3F3"/>
+        </a:solidFill>
+        <a:effectLst/>
+      </p:bgPr>
+    </p:bg>
+    <p:spTree>
+      <p:nvGrpSpPr>
+        <p:cNvPr id="1" name="Shape 104"/>
+        <p:cNvGrpSpPr/>
+        <p:nvPr/>
+      </p:nvGrpSpPr>
+      <p:grpSpPr>
+        <a:xfrm>
+          <a:off x="0" y="0"/>
+          <a:ext cx="0" cy="0"/>
+          <a:chOff x="0" y="0"/>
+          <a:chExt cx="0" cy="0"/>
+        </a:xfrm>
+      </p:grpSpPr>
+      <p:sp>
+        <p:nvSpPr>
+          <p:cNvPr id="105" name="Google Shape;105;p20"/>
+          <p:cNvSpPr txBox="1">
+            <a:spLocks noGrp="1"/>
+          </p:cNvSpPr>
+          <p:nvPr>
+            <p:ph type="title"/>
+          </p:nvPr>
+        </p:nvSpPr>
+        <p:spPr>
+          <a:xfrm>
+            <a:off x="342650" y="2031900"/>
+            <a:ext cx="3140100" cy="1079700"/>
+          </a:xfrm>
+          <a:prstGeom prst="rect">
+            <a:avLst/>
+          </a:prstGeom>
+        </p:spPr>
+        <p:txBody>
+          <a:bodyPr spcFirstLastPara="1" wrap="square" lIns="91425" tIns="91425" rIns="91425" bIns="91425" anchor="t" anchorCtr="0">
+            <a:noAutofit/>
+          </a:bodyPr>
+          <a:lstStyle/>
+          <a:p>
+            <a:pPr marL="0" lvl="0" indent="0" algn="l" rtl="0">
+              <a:spcBef>
+                <a:spcPts val="0"/>
+              </a:spcBef>
+              <a:spcAft>
+                <a:spcPts val="0"/>
+              </a:spcAft>
+              <a:buSzPts val="990"/>
+              <a:buNone/>
+            </a:pPr>
+            <a:r>
+              <a:rPr lang="it" sz="3020" u="sng" dirty="0">
                 <a:solidFill>
                   <a:srgbClr val="6FA8DC"/>
                 </a:solidFill>
@@ -9962,7 +11318,7 @@
               </a:rPr>
               <a:t>Distribuzioni delle </a:t>
             </a:r>
-            <a:endParaRPr sz="3220">
+            <a:endParaRPr sz="3020" u="sng" dirty="0">
               <a:solidFill>
                 <a:srgbClr val="6FA8DC"/>
               </a:solidFill>
@@ -9973,7 +11329,7 @@
             </a:endParaRPr>
           </a:p>
           <a:p>
-            <a:pPr indent="0" lvl="0" marL="0" rtl="0" algn="l">
+            <a:pPr marL="0" lvl="0" indent="0" algn="l" rtl="0">
               <a:spcBef>
                 <a:spcPts val="0"/>
               </a:spcBef>
@@ -9984,7 +11340,7 @@
               <a:buNone/>
             </a:pPr>
             <a:r>
-              <a:rPr lang="it" sz="3220">
+              <a:rPr lang="it" sz="3020" u="sng" dirty="0">
                 <a:solidFill>
                   <a:srgbClr val="6FA8DC"/>
                 </a:solidFill>
@@ -9995,7 +11351,7 @@
               </a:rPr>
               <a:t>statistiche di base</a:t>
             </a:r>
-            <a:endParaRPr sz="3220">
+            <a:endParaRPr sz="3020" u="sng" dirty="0">
               <a:solidFill>
                 <a:srgbClr val="6FA8DC"/>
               </a:solidFill>
@@ -10009,7 +11365,7 @@
       </p:sp>
       <p:pic>
         <p:nvPicPr>
-          <p:cNvPr id="101" name="Google Shape;101;p19"/>
+          <p:cNvPr id="106" name="Google Shape;106;p20"/>
           <p:cNvPicPr preferRelativeResize="0"/>
           <p:nvPr/>
         </p:nvPicPr>
@@ -10037,10 +11393,12 @@
       </p:pic>
       <p:sp>
         <p:nvSpPr>
-          <p:cNvPr id="102" name="Google Shape;102;p19"/>
-          <p:cNvSpPr txBox="1"/>
+          <p:cNvPr id="107" name="Google Shape;107;p20"/>
+          <p:cNvSpPr txBox="1">
+            <a:spLocks noGrp="1"/>
+          </p:cNvSpPr>
           <p:nvPr>
-            <p:ph idx="12" type="sldNum"/>
+            <p:ph type="sldNum" idx="12"/>
           </p:nvPr>
         </p:nvSpPr>
         <p:spPr>
@@ -10053,12 +11411,12 @@
           </a:prstGeom>
         </p:spPr>
         <p:txBody>
-          <a:bodyPr anchorCtr="0" anchor="ctr" bIns="91425" lIns="91425" spcFirstLastPara="1" rIns="91425" wrap="square" tIns="91425">
+          <a:bodyPr spcFirstLastPara="1" wrap="square" lIns="91425" tIns="91425" rIns="91425" bIns="91425" anchor="ctr" anchorCtr="0">
             <a:normAutofit/>
           </a:bodyPr>
           <a:lstStyle/>
           <a:p>
-            <a:pPr indent="0" lvl="0" marL="0" rtl="0" algn="r">
+            <a:pPr marL="0" lvl="0" indent="0" algn="r" rtl="0">
               <a:spcBef>
                 <a:spcPts val="0"/>
               </a:spcBef>
@@ -10067,11 +11425,11 @@
               </a:spcAft>
               <a:buNone/>
             </a:pPr>
-            <a:fld id="{00000000-1234-1234-1234-123412341234}" type="slidenum">
-              <a:rPr lang="it"/>
-              <a:t>‹#›</a:t>
-            </a:fld>
-            <a:endParaRPr/>
+            <a:r>
+              <a:rPr lang="it" dirty="0"/>
+              <a:t>7</a:t>
+            </a:r>
+            <a:endParaRPr dirty="0"/>
           </a:p>
         </p:txBody>
       </p:sp>
@@ -10083,19 +11441,20 @@
 </p:sld>
 </file>
 
-<file path=ppt/slides/slide8.xml><?xml version="1.0" encoding="utf-8"?>
-<p:sld xmlns:a="http://schemas.openxmlformats.org/drawingml/2006/main" xmlns:r="http://schemas.openxmlformats.org/officeDocument/2006/relationships" xmlns:mc="http://schemas.openxmlformats.org/markup-compatibility/2006" xmlns:mv="urn:schemas-microsoft-com:mac:vml" xmlns:p="http://schemas.openxmlformats.org/presentationml/2006/main" xmlns:c="http://schemas.openxmlformats.org/drawingml/2006/chart" xmlns:dgm="http://schemas.openxmlformats.org/drawingml/2006/diagram" xmlns:o="urn:schemas-microsoft-com:office:office" xmlns:v="urn:schemas-microsoft-com:vml" xmlns:pvml="urn:schemas-microsoft-com:office:powerpoint" xmlns:com="http://schemas.openxmlformats.org/drawingml/2006/compatibility" xmlns:p14="http://schemas.microsoft.com/office/powerpoint/2010/main" xmlns:p15="http://schemas.microsoft.com/office/powerpoint/2012/main" xmlns:ahyp="http://schemas.microsoft.com/office/drawing/2018/hyperlinkcolor">
+<file path=ppt/slides/slide9.xml><?xml version="1.0" encoding="utf-8"?>
+<p:sld xmlns:a="http://schemas.openxmlformats.org/drawingml/2006/main" xmlns:r="http://schemas.openxmlformats.org/officeDocument/2006/relationships" xmlns:p="http://schemas.openxmlformats.org/presentationml/2006/main">
   <p:cSld>
     <p:bg>
       <p:bgPr>
         <a:solidFill>
           <a:srgbClr val="F3F3F3"/>
         </a:solidFill>
+        <a:effectLst/>
       </p:bgPr>
     </p:bg>
     <p:spTree>
       <p:nvGrpSpPr>
-        <p:cNvPr id="106" name="Shape 106"/>
+        <p:cNvPr id="1" name="Shape 111"/>
         <p:cNvGrpSpPr/>
         <p:nvPr/>
       </p:nvGrpSpPr>
@@ -10109,28 +11468,30 @@
       </p:grpSpPr>
       <p:sp>
         <p:nvSpPr>
-          <p:cNvPr id="107" name="Google Shape;107;p20"/>
-          <p:cNvSpPr txBox="1"/>
+          <p:cNvPr id="112" name="Google Shape;112;p21"/>
+          <p:cNvSpPr txBox="1">
+            <a:spLocks noGrp="1"/>
+          </p:cNvSpPr>
           <p:nvPr>
             <p:ph type="title"/>
           </p:nvPr>
         </p:nvSpPr>
         <p:spPr>
           <a:xfrm>
-            <a:off x="370200" y="310000"/>
-            <a:ext cx="7228200" cy="695700"/>
+            <a:off x="293725" y="300000"/>
+            <a:ext cx="5386639" cy="707700"/>
           </a:xfrm>
           <a:prstGeom prst="rect">
             <a:avLst/>
           </a:prstGeom>
         </p:spPr>
         <p:txBody>
-          <a:bodyPr anchorCtr="0" anchor="t" bIns="91425" lIns="91425" spcFirstLastPara="1" rIns="91425" wrap="square" tIns="91425">
+          <a:bodyPr spcFirstLastPara="1" wrap="square" lIns="91425" tIns="91425" rIns="91425" bIns="91425" anchor="t" anchorCtr="0">
             <a:noAutofit/>
           </a:bodyPr>
           <a:lstStyle/>
           <a:p>
-            <a:pPr indent="0" lvl="0" marL="0" rtl="0" algn="l">
+            <a:pPr marL="0" lvl="0" indent="0" algn="l" rtl="0">
               <a:spcBef>
                 <a:spcPts val="0"/>
               </a:spcBef>
@@ -10141,7 +11502,7 @@
               <a:buNone/>
             </a:pPr>
             <a:r>
-              <a:rPr lang="it" sz="3020">
+              <a:rPr lang="it" sz="3020" u="sng" dirty="0">
                 <a:solidFill>
                   <a:srgbClr val="6FA8DC"/>
                 </a:solidFill>
@@ -10150,9 +11511,9 @@
                 <a:cs typeface="Oswald"/>
                 <a:sym typeface="Oswald"/>
               </a:rPr>
-              <a:t>Base Stats Total per categoria</a:t>
+              <a:t>Distribuzioni delle statistiche di base</a:t>
             </a:r>
-            <a:endParaRPr sz="3020">
+            <a:endParaRPr sz="3020" u="sng" dirty="0">
               <a:solidFill>
                 <a:srgbClr val="6FA8DC"/>
               </a:solidFill>
@@ -10166,10 +11527,12 @@
       </p:sp>
       <p:sp>
         <p:nvSpPr>
-          <p:cNvPr id="108" name="Google Shape;108;p20"/>
-          <p:cNvSpPr txBox="1"/>
+          <p:cNvPr id="113" name="Google Shape;113;p21"/>
+          <p:cNvSpPr txBox="1">
+            <a:spLocks noGrp="1"/>
+          </p:cNvSpPr>
           <p:nvPr>
-            <p:ph idx="12" type="sldNum"/>
+            <p:ph type="sldNum" idx="12"/>
           </p:nvPr>
         </p:nvSpPr>
         <p:spPr>
@@ -10182,12 +11545,12 @@
           </a:prstGeom>
         </p:spPr>
         <p:txBody>
-          <a:bodyPr anchorCtr="0" anchor="ctr" bIns="91425" lIns="91425" spcFirstLastPara="1" rIns="91425" wrap="square" tIns="91425">
+          <a:bodyPr spcFirstLastPara="1" wrap="square" lIns="91425" tIns="91425" rIns="91425" bIns="91425" anchor="ctr" anchorCtr="0">
             <a:normAutofit/>
           </a:bodyPr>
           <a:lstStyle/>
           <a:p>
-            <a:pPr indent="0" lvl="0" marL="0" rtl="0" algn="r">
+            <a:pPr marL="0" lvl="0" indent="0" algn="r" rtl="0">
               <a:spcBef>
                 <a:spcPts val="0"/>
               </a:spcBef>
@@ -10196,249 +11559,72 @@
               </a:spcAft>
               <a:buNone/>
             </a:pPr>
-            <a:fld id="{00000000-1234-1234-1234-123412341234}" type="slidenum">
-              <a:rPr lang="it"/>
-              <a:t>‹#›</a:t>
-            </a:fld>
-            <a:endParaRPr/>
+            <a:r>
+              <a:rPr lang="it" dirty="0"/>
+              <a:t>8</a:t>
+            </a:r>
+            <a:endParaRPr dirty="0"/>
           </a:p>
         </p:txBody>
       </p:sp>
       <p:pic>
         <p:nvPicPr>
-          <p:cNvPr id="109" name="Google Shape;109;p20"/>
-          <p:cNvPicPr preferRelativeResize="0"/>
+          <p:cNvPr id="5" name="Immagine 4" descr="Immagine che contiene testo, verme&#10;&#10;Descrizione generata automaticamente">
+            <a:extLst>
+              <a:ext uri="{FF2B5EF4-FFF2-40B4-BE49-F238E27FC236}">
+                <a16:creationId xmlns:a16="http://schemas.microsoft.com/office/drawing/2014/main" id="{3AE9782E-C760-67D8-7AD2-AC9CCCF11BB9}"/>
+              </a:ext>
+            </a:extLst>
+          </p:cNvPr>
+          <p:cNvPicPr>
+            <a:picLocks noChangeAspect="1"/>
+          </p:cNvPicPr>
           <p:nvPr/>
         </p:nvPicPr>
         <p:blipFill>
-          <a:blip r:embed="rId3">
-            <a:alphaModFix/>
-          </a:blip>
+          <a:blip r:embed="rId3"/>
           <a:stretch>
             <a:fillRect/>
           </a:stretch>
         </p:blipFill>
         <p:spPr>
           <a:xfrm>
-            <a:off x="4620100" y="1005702"/>
-            <a:ext cx="4005125" cy="4005100"/>
-          </a:xfrm>
-          <a:prstGeom prst="rect">
-            <a:avLst/>
-          </a:prstGeom>
-          <a:noFill/>
-          <a:ln>
-            <a:noFill/>
-          </a:ln>
+            <a:off x="-117194" y="1252282"/>
+            <a:ext cx="6307201" cy="3153600"/>
+          </a:xfrm>
+          <a:prstGeom prst="rect">
+            <a:avLst/>
+          </a:prstGeom>
         </p:spPr>
       </p:pic>
       <p:pic>
         <p:nvPicPr>
-          <p:cNvPr id="110" name="Google Shape;110;p20"/>
-          <p:cNvPicPr preferRelativeResize="0"/>
+          <p:cNvPr id="7" name="Immagine 6">
+            <a:extLst>
+              <a:ext uri="{FF2B5EF4-FFF2-40B4-BE49-F238E27FC236}">
+                <a16:creationId xmlns:a16="http://schemas.microsoft.com/office/drawing/2014/main" id="{8E5F9A68-B7CB-709F-5298-AFA9A6E98B20}"/>
+              </a:ext>
+            </a:extLst>
+          </p:cNvPr>
+          <p:cNvPicPr>
+            <a:picLocks noChangeAspect="1"/>
+          </p:cNvPicPr>
           <p:nvPr/>
         </p:nvPicPr>
         <p:blipFill>
-          <a:blip r:embed="rId4">
-            <a:alphaModFix/>
-          </a:blip>
+          <a:blip r:embed="rId4"/>
           <a:stretch>
             <a:fillRect/>
           </a:stretch>
         </p:blipFill>
         <p:spPr>
           <a:xfrm>
-            <a:off x="370200" y="937637"/>
-            <a:ext cx="4141225" cy="4141225"/>
-          </a:xfrm>
-          <a:prstGeom prst="rect">
-            <a:avLst/>
-          </a:prstGeom>
-          <a:noFill/>
-          <a:ln>
-            <a:noFill/>
-          </a:ln>
-        </p:spPr>
-      </p:pic>
-    </p:spTree>
-  </p:cSld>
-  <p:clrMapOvr>
-    <a:masterClrMapping/>
-  </p:clrMapOvr>
-</p:sld>
-</file>
-
-<file path=ppt/slides/slide9.xml><?xml version="1.0" encoding="utf-8"?>
-<p:sld xmlns:a="http://schemas.openxmlformats.org/drawingml/2006/main" xmlns:r="http://schemas.openxmlformats.org/officeDocument/2006/relationships" xmlns:mc="http://schemas.openxmlformats.org/markup-compatibility/2006" xmlns:mv="urn:schemas-microsoft-com:mac:vml" xmlns:p="http://schemas.openxmlformats.org/presentationml/2006/main" xmlns:c="http://schemas.openxmlformats.org/drawingml/2006/chart" xmlns:dgm="http://schemas.openxmlformats.org/drawingml/2006/diagram" xmlns:o="urn:schemas-microsoft-com:office:office" xmlns:v="urn:schemas-microsoft-com:vml" xmlns:pvml="urn:schemas-microsoft-com:office:powerpoint" xmlns:com="http://schemas.openxmlformats.org/drawingml/2006/compatibility" xmlns:p14="http://schemas.microsoft.com/office/powerpoint/2010/main" xmlns:p15="http://schemas.microsoft.com/office/powerpoint/2012/main" xmlns:ahyp="http://schemas.microsoft.com/office/drawing/2018/hyperlinkcolor">
-  <p:cSld>
-    <p:bg>
-      <p:bgPr>
-        <a:solidFill>
-          <a:srgbClr val="F3F3F3"/>
-        </a:solidFill>
-      </p:bgPr>
-    </p:bg>
-    <p:spTree>
-      <p:nvGrpSpPr>
-        <p:cNvPr id="114" name="Shape 114"/>
-        <p:cNvGrpSpPr/>
-        <p:nvPr/>
-      </p:nvGrpSpPr>
-      <p:grpSpPr>
-        <a:xfrm>
-          <a:off x="0" y="0"/>
-          <a:ext cx="0" cy="0"/>
-          <a:chOff x="0" y="0"/>
-          <a:chExt cx="0" cy="0"/>
-        </a:xfrm>
-      </p:grpSpPr>
-      <p:sp>
-        <p:nvSpPr>
-          <p:cNvPr id="115" name="Google Shape;115;p21"/>
-          <p:cNvSpPr txBox="1"/>
-          <p:nvPr>
-            <p:ph type="title"/>
-          </p:nvPr>
-        </p:nvSpPr>
-        <p:spPr>
-          <a:xfrm>
-            <a:off x="311700" y="445025"/>
-            <a:ext cx="8520600" cy="572700"/>
-          </a:xfrm>
-          <a:prstGeom prst="rect">
-            <a:avLst/>
-          </a:prstGeom>
-        </p:spPr>
-        <p:txBody>
-          <a:bodyPr anchorCtr="0" anchor="t" bIns="91425" lIns="91425" spcFirstLastPara="1" rIns="91425" wrap="square" tIns="91425">
-            <a:noAutofit/>
-          </a:bodyPr>
-          <a:lstStyle/>
-          <a:p>
-            <a:pPr indent="0" lvl="0" marL="0" rtl="0" algn="l">
-              <a:spcBef>
-                <a:spcPts val="0"/>
-              </a:spcBef>
-              <a:spcAft>
-                <a:spcPts val="0"/>
-              </a:spcAft>
-              <a:buClr>
-                <a:schemeClr val="dk1"/>
-              </a:buClr>
-              <a:buSzPts val="891"/>
-              <a:buFont typeface="Arial"/>
-              <a:buNone/>
-            </a:pPr>
-            <a:r>
-              <a:rPr lang="it" sz="3000">
-                <a:solidFill>
-                  <a:srgbClr val="6FA8DC"/>
-                </a:solidFill>
-                <a:latin typeface="Oswald"/>
-                <a:ea typeface="Oswald"/>
-                <a:cs typeface="Oswald"/>
-                <a:sym typeface="Oswald"/>
-              </a:rPr>
-              <a:t>Base Stats Total per categoria</a:t>
-            </a:r>
-            <a:endParaRPr sz="3000"/>
-          </a:p>
-        </p:txBody>
-      </p:sp>
-      <p:sp>
-        <p:nvSpPr>
-          <p:cNvPr id="116" name="Google Shape;116;p21"/>
-          <p:cNvSpPr txBox="1"/>
-          <p:nvPr>
-            <p:ph idx="12" type="sldNum"/>
-          </p:nvPr>
-        </p:nvSpPr>
-        <p:spPr>
-          <a:xfrm>
-            <a:off x="8472458" y="4663217"/>
-            <a:ext cx="548700" cy="393600"/>
-          </a:xfrm>
-          <a:prstGeom prst="rect">
-            <a:avLst/>
-          </a:prstGeom>
-        </p:spPr>
-        <p:txBody>
-          <a:bodyPr anchorCtr="0" anchor="ctr" bIns="91425" lIns="91425" spcFirstLastPara="1" rIns="91425" wrap="square" tIns="91425">
-            <a:normAutofit/>
-          </a:bodyPr>
-          <a:lstStyle/>
-          <a:p>
-            <a:pPr indent="0" lvl="0" marL="0" rtl="0" algn="r">
-              <a:spcBef>
-                <a:spcPts val="0"/>
-              </a:spcBef>
-              <a:spcAft>
-                <a:spcPts val="0"/>
-              </a:spcAft>
-              <a:buNone/>
-            </a:pPr>
-            <a:fld id="{00000000-1234-1234-1234-123412341234}" type="slidenum">
-              <a:rPr lang="it"/>
-              <a:t>‹#›</a:t>
-            </a:fld>
-            <a:endParaRPr/>
-          </a:p>
-        </p:txBody>
-      </p:sp>
-      <p:pic>
-        <p:nvPicPr>
-          <p:cNvPr id="117" name="Google Shape;117;p21"/>
-          <p:cNvPicPr preferRelativeResize="0"/>
-          <p:nvPr/>
-        </p:nvPicPr>
-        <p:blipFill>
-          <a:blip r:embed="rId3">
-            <a:alphaModFix/>
-          </a:blip>
-          <a:stretch>
-            <a:fillRect/>
-          </a:stretch>
-        </p:blipFill>
-        <p:spPr>
-          <a:xfrm>
-            <a:off x="530150" y="935600"/>
-            <a:ext cx="3867475" cy="3867475"/>
-          </a:xfrm>
-          <a:prstGeom prst="rect">
-            <a:avLst/>
-          </a:prstGeom>
-          <a:noFill/>
-          <a:ln>
-            <a:noFill/>
-          </a:ln>
-        </p:spPr>
-      </p:pic>
-      <p:pic>
-        <p:nvPicPr>
-          <p:cNvPr id="118" name="Google Shape;118;p21"/>
-          <p:cNvPicPr preferRelativeResize="0"/>
-          <p:nvPr/>
-        </p:nvPicPr>
-        <p:blipFill>
-          <a:blip r:embed="rId4">
-            <a:alphaModFix/>
-          </a:blip>
-          <a:stretch>
-            <a:fillRect/>
-          </a:stretch>
-        </p:blipFill>
-        <p:spPr>
-          <a:xfrm>
-            <a:off x="4819325" y="935600"/>
-            <a:ext cx="3867475" cy="3867475"/>
-          </a:xfrm>
-          <a:prstGeom prst="rect">
-            <a:avLst/>
-          </a:prstGeom>
-          <a:noFill/>
-          <a:ln>
-            <a:noFill/>
-          </a:ln>
+            <a:off x="5738316" y="1252282"/>
+            <a:ext cx="3153600" cy="3153600"/>
+          </a:xfrm>
+          <a:prstGeom prst="rect">
+            <a:avLst/>
+          </a:prstGeom>
         </p:spPr>
       </p:pic>
     </p:spTree>
@@ -10450,7 +11636,7 @@
 </file>
 
 <file path=ppt/theme/theme1.xml><?xml version="1.0" encoding="utf-8"?>
-<a:theme xmlns:a="http://schemas.openxmlformats.org/drawingml/2006/main" xmlns:r="http://schemas.openxmlformats.org/officeDocument/2006/relationships" name="Simple Light">
+<a:theme xmlns:a="http://schemas.openxmlformats.org/drawingml/2006/main" name="Simple Light">
   <a:themeElements>
     <a:clrScheme name="Simple Light">
       <a:dk1>
@@ -10725,11 +11911,13 @@
       </a:bgFillStyleLst>
     </a:fmtScheme>
   </a:themeElements>
+  <a:objectDefaults/>
+  <a:extraClrSchemeLst/>
 </a:theme>
 </file>
 
 <file path=ppt/theme/theme2.xml><?xml version="1.0" encoding="utf-8"?>
-<a:theme xmlns:a="http://schemas.openxmlformats.org/drawingml/2006/main" xmlns:r="http://schemas.openxmlformats.org/officeDocument/2006/relationships">
+<a:theme xmlns:a="http://schemas.openxmlformats.org/drawingml/2006/main">
   <a:themeElements>
     <a:clrScheme name="Default">
       <a:dk1>
@@ -11004,5 +12192,7 @@
       </a:bgFillStyleLst>
     </a:fmtScheme>
   </a:themeElements>
+  <a:objectDefaults/>
+  <a:extraClrSchemeLst/>
 </a:theme>
 </file>
--- a/Pokemon - Visualizzazione Scientifica.pptx
+++ b/Pokemon - Visualizzazione Scientifica.pptx
@@ -8579,10 +8579,10 @@
       </p:sp>
       <p:pic>
         <p:nvPicPr>
-          <p:cNvPr id="5" name="Immagine 4">
+          <p:cNvPr id="3" name="Immagine 2">
             <a:extLst>
               <a:ext uri="{FF2B5EF4-FFF2-40B4-BE49-F238E27FC236}">
-                <a16:creationId xmlns:a16="http://schemas.microsoft.com/office/drawing/2014/main" id="{92CCB351-CA33-EA86-6828-EB4D1184649E}"/>
+                <a16:creationId xmlns:a16="http://schemas.microsoft.com/office/drawing/2014/main" id="{18C78CF4-6E55-13A6-4718-4840FB2D78DF}"/>
               </a:ext>
             </a:extLst>
           </p:cNvPr>
@@ -8599,8 +8599,8 @@
         </p:blipFill>
         <p:spPr>
           <a:xfrm>
-            <a:off x="3317608" y="-142850"/>
-            <a:ext cx="5429200" cy="5429200"/>
+            <a:off x="2771894" y="1"/>
+            <a:ext cx="6429374" cy="5143499"/>
           </a:xfrm>
           <a:prstGeom prst="rect">
             <a:avLst/>
@@ -9223,10 +9223,10 @@
       </p:sp>
       <p:pic>
         <p:nvPicPr>
-          <p:cNvPr id="3" name="Immagine 2">
+          <p:cNvPr id="4" name="Immagine 3">
             <a:extLst>
               <a:ext uri="{FF2B5EF4-FFF2-40B4-BE49-F238E27FC236}">
-                <a16:creationId xmlns:a16="http://schemas.microsoft.com/office/drawing/2014/main" id="{BAFBD6CE-6A2C-CF15-D625-42D09D69834C}"/>
+                <a16:creationId xmlns:a16="http://schemas.microsoft.com/office/drawing/2014/main" id="{20FEA040-6B9D-8498-55CE-6194C4412764}"/>
               </a:ext>
             </a:extLst>
           </p:cNvPr>
@@ -9243,8 +9243,8 @@
         </p:blipFill>
         <p:spPr>
           <a:xfrm>
-            <a:off x="3464116" y="-142650"/>
-            <a:ext cx="5428800" cy="5428800"/>
+            <a:off x="3477971" y="0"/>
+            <a:ext cx="5143500" cy="5143500"/>
           </a:xfrm>
           <a:prstGeom prst="rect">
             <a:avLst/>
